--- a/Thesis-Präsentation.pptx
+++ b/Thesis-Präsentation.pptx
@@ -5,7 +5,7 @@
     <p:sldMasterId id="2147483648" r:id="rId1"/>
   </p:sldMasterIdLst>
   <p:notesMasterIdLst>
-    <p:notesMasterId r:id="rId26"/>
+    <p:notesMasterId r:id="rId29"/>
   </p:notesMasterIdLst>
   <p:sldIdLst>
     <p:sldId id="257" r:id="rId2"/>
@@ -20,7 +20,7 @@
     <p:sldId id="288" r:id="rId11"/>
     <p:sldId id="272" r:id="rId12"/>
     <p:sldId id="273" r:id="rId13"/>
-    <p:sldId id="274" r:id="rId14"/>
+    <p:sldId id="293" r:id="rId14"/>
     <p:sldId id="275" r:id="rId15"/>
     <p:sldId id="265" r:id="rId16"/>
     <p:sldId id="276" r:id="rId17"/>
@@ -29,9 +29,12 @@
     <p:sldId id="279" r:id="rId20"/>
     <p:sldId id="280" r:id="rId21"/>
     <p:sldId id="281" r:id="rId22"/>
-    <p:sldId id="289" r:id="rId23"/>
-    <p:sldId id="282" r:id="rId24"/>
-    <p:sldId id="287" r:id="rId25"/>
+    <p:sldId id="292" r:id="rId23"/>
+    <p:sldId id="289" r:id="rId24"/>
+    <p:sldId id="282" r:id="rId25"/>
+    <p:sldId id="287" r:id="rId26"/>
+    <p:sldId id="291" r:id="rId27"/>
+    <p:sldId id="290" r:id="rId28"/>
   </p:sldIdLst>
   <p:sldSz cx="9144000" cy="6858000" type="screen4x3"/>
   <p:notesSz cx="6858000" cy="9144000"/>
@@ -868,75 +871,14 @@
           <a:bodyPr/>
           <a:lstStyle/>
           <a:p>
-            <a:pPr marL="171450" indent="-171450">
+            <a:pPr marL="0" indent="0">
               <a:buFont typeface="Arial" panose="020B0604020202020204" pitchFamily="34" charset="0"/>
-              <a:buChar char="•"/>
-            </a:pPr>
-            <a:r>
-              <a:rPr lang="de-DE" b="1" dirty="0" smtClean="0">
-                <a:latin typeface="+mn-lt"/>
-              </a:rPr>
-              <a:t>Die drei ebenen nicht vergessen</a:t>
-            </a:r>
-          </a:p>
-          <a:p>
-            <a:pPr marL="171450" indent="-171450">
-              <a:buFont typeface="Arial" panose="020B0604020202020204" pitchFamily="34" charset="0"/>
-              <a:buChar char="•"/>
-            </a:pPr>
-            <a:r>
-              <a:rPr lang="de-DE" dirty="0" err="1" smtClean="0">
-                <a:latin typeface="+mn-lt"/>
-              </a:rPr>
-              <a:t>Commits</a:t>
-            </a:r>
-            <a:r>
-              <a:rPr lang="de-DE" dirty="0" smtClean="0">
-                <a:latin typeface="+mn-lt"/>
-              </a:rPr>
-              <a:t> im</a:t>
-            </a:r>
-            <a:r>
-              <a:rPr lang="de-DE" baseline="0" dirty="0" smtClean="0">
-                <a:latin typeface="+mn-lt"/>
-              </a:rPr>
-              <a:t> nachhinein veränderbar/löschbar</a:t>
-            </a:r>
-            <a:r>
-              <a:rPr lang="de-DE" baseline="0" dirty="0" smtClean="0">
-                <a:latin typeface="+mn-lt"/>
-                <a:sym typeface="Wingdings" panose="05000000000000000000" pitchFamily="2" charset="2"/>
-              </a:rPr>
-              <a:t> im Kapitel für </a:t>
-            </a:r>
-            <a:r>
-              <a:rPr lang="de-DE" baseline="0" dirty="0" err="1" smtClean="0">
-                <a:latin typeface="+mn-lt"/>
-                <a:sym typeface="Wingdings" panose="05000000000000000000" pitchFamily="2" charset="2"/>
-              </a:rPr>
-              <a:t>Git</a:t>
-            </a:r>
-            <a:r>
-              <a:rPr lang="de-DE" baseline="0" dirty="0" smtClean="0">
-                <a:latin typeface="+mn-lt"/>
-                <a:sym typeface="Wingdings" panose="05000000000000000000" pitchFamily="2" charset="2"/>
-              </a:rPr>
-              <a:t> erwähnen, da es Besonderheit von </a:t>
-            </a:r>
-            <a:r>
-              <a:rPr lang="de-DE" baseline="0" dirty="0" err="1" smtClean="0">
-                <a:latin typeface="+mn-lt"/>
-                <a:sym typeface="Wingdings" panose="05000000000000000000" pitchFamily="2" charset="2"/>
-              </a:rPr>
-              <a:t>Git</a:t>
-            </a:r>
-            <a:r>
-              <a:rPr lang="de-DE" baseline="0" dirty="0" smtClean="0">
-                <a:latin typeface="+mn-lt"/>
-                <a:sym typeface="Wingdings" panose="05000000000000000000" pitchFamily="2" charset="2"/>
-              </a:rPr>
-              <a:t> ist</a:t>
-            </a:r>
+              <a:buNone/>
+            </a:pPr>
+            <a:endParaRPr lang="de-DE" baseline="0" dirty="0" smtClean="0">
+              <a:latin typeface="+mn-lt"/>
+              <a:sym typeface="Wingdings" panose="05000000000000000000" pitchFamily="2" charset="2"/>
+            </a:endParaRPr>
           </a:p>
         </p:txBody>
       </p:sp>
@@ -1026,40 +968,10 @@
           <a:bodyPr/>
           <a:lstStyle/>
           <a:p>
-            <a:pPr marL="171450" indent="-171450">
+            <a:pPr marL="0" indent="0">
               <a:buFont typeface="Arial" panose="020B0604020202020204" pitchFamily="34" charset="0"/>
-              <a:buChar char="•"/>
-            </a:pPr>
-            <a:r>
-              <a:rPr lang="de-DE" b="1" dirty="0" smtClean="0">
-                <a:latin typeface="+mn-lt"/>
-              </a:rPr>
-              <a:t>Die drei ebenen nicht vergessen</a:t>
-            </a:r>
-          </a:p>
-          <a:p>
-            <a:pPr marL="171450" indent="-171450">
-              <a:buFont typeface="Arial" panose="020B0604020202020204" pitchFamily="34" charset="0"/>
-              <a:buChar char="•"/>
-            </a:pPr>
-            <a:r>
-              <a:rPr lang="de-DE" dirty="0" err="1" smtClean="0">
-                <a:latin typeface="+mn-lt"/>
-              </a:rPr>
-              <a:t>Commits</a:t>
-            </a:r>
-            <a:r>
-              <a:rPr lang="de-DE" dirty="0" smtClean="0">
-                <a:latin typeface="+mn-lt"/>
-              </a:rPr>
-              <a:t> im</a:t>
-            </a:r>
-            <a:r>
-              <a:rPr lang="de-DE" baseline="0" dirty="0" smtClean="0">
-                <a:latin typeface="+mn-lt"/>
-              </a:rPr>
-              <a:t> nachhinein veränderbar/löschbar</a:t>
-            </a:r>
+              <a:buNone/>
+            </a:pPr>
             <a:endParaRPr lang="de-DE" dirty="0">
               <a:latin typeface="+mn-lt"/>
             </a:endParaRPr>
@@ -1152,40 +1064,10 @@
           <a:bodyPr/>
           <a:lstStyle/>
           <a:p>
-            <a:pPr marL="171450" indent="-171450">
+            <a:pPr marL="0" indent="0">
               <a:buFont typeface="Arial" panose="020B0604020202020204" pitchFamily="34" charset="0"/>
-              <a:buChar char="•"/>
-            </a:pPr>
-            <a:r>
-              <a:rPr lang="de-DE" b="1" dirty="0" smtClean="0">
-                <a:latin typeface="+mn-lt"/>
-              </a:rPr>
-              <a:t>Die drei ebenen nicht vergessen</a:t>
-            </a:r>
-          </a:p>
-          <a:p>
-            <a:pPr marL="171450" indent="-171450">
-              <a:buFont typeface="Arial" panose="020B0604020202020204" pitchFamily="34" charset="0"/>
-              <a:buChar char="•"/>
-            </a:pPr>
-            <a:r>
-              <a:rPr lang="de-DE" dirty="0" err="1" smtClean="0">
-                <a:latin typeface="+mn-lt"/>
-              </a:rPr>
-              <a:t>Commits</a:t>
-            </a:r>
-            <a:r>
-              <a:rPr lang="de-DE" dirty="0" smtClean="0">
-                <a:latin typeface="+mn-lt"/>
-              </a:rPr>
-              <a:t> im</a:t>
-            </a:r>
-            <a:r>
-              <a:rPr lang="de-DE" baseline="0" dirty="0" smtClean="0">
-                <a:latin typeface="+mn-lt"/>
-              </a:rPr>
-              <a:t> nachhinein veränderbar/löschbar</a:t>
-            </a:r>
+              <a:buNone/>
+            </a:pPr>
             <a:endParaRPr lang="de-DE" dirty="0">
               <a:latin typeface="+mn-lt"/>
             </a:endParaRPr>
@@ -1278,41 +1160,11 @@
           <a:bodyPr/>
           <a:lstStyle/>
           <a:p>
-            <a:pPr marL="171450" indent="-171450">
+            <a:pPr marL="0" indent="0">
               <a:buFont typeface="Arial" panose="020B0604020202020204" pitchFamily="34" charset="0"/>
-              <a:buChar char="•"/>
-            </a:pPr>
-            <a:r>
-              <a:rPr lang="de-DE" b="1" dirty="0" smtClean="0">
-                <a:latin typeface="+mn-lt"/>
-              </a:rPr>
-              <a:t>Die drei ebenen nicht vergessen</a:t>
-            </a:r>
-          </a:p>
-          <a:p>
-            <a:pPr marL="171450" indent="-171450">
-              <a:buFont typeface="Arial" panose="020B0604020202020204" pitchFamily="34" charset="0"/>
-              <a:buChar char="•"/>
-            </a:pPr>
-            <a:r>
-              <a:rPr lang="de-DE" dirty="0" err="1" smtClean="0">
-                <a:latin typeface="+mn-lt"/>
-              </a:rPr>
-              <a:t>Commits</a:t>
-            </a:r>
-            <a:r>
-              <a:rPr lang="de-DE" dirty="0" smtClean="0">
-                <a:latin typeface="+mn-lt"/>
-              </a:rPr>
-              <a:t> im</a:t>
-            </a:r>
-            <a:r>
-              <a:rPr lang="de-DE" baseline="0" dirty="0" smtClean="0">
-                <a:latin typeface="+mn-lt"/>
-              </a:rPr>
-              <a:t> nachhinein veränderbar/löschbar</a:t>
-            </a:r>
-            <a:endParaRPr lang="de-DE" dirty="0">
+              <a:buNone/>
+            </a:pPr>
+            <a:endParaRPr lang="de-DE" dirty="0" smtClean="0">
               <a:latin typeface="+mn-lt"/>
             </a:endParaRPr>
           </a:p>
@@ -2724,7 +2576,13 @@
               <a:rPr lang="de-DE" baseline="0" dirty="0" smtClean="0">
                 <a:latin typeface="+mn-lt"/>
               </a:rPr>
-              <a:t>während andere Systeme ihre Eigenschaften auf ihre Vorgänger oder Quasi-Vorgänger aufbauen</a:t>
+              <a:t>während andere Systeme ihre Eigenschaften auf ihre Vorgänger oder Quasi-Vorgänger </a:t>
+            </a:r>
+            <a:r>
+              <a:rPr lang="de-DE" baseline="0" dirty="0" smtClean="0">
+                <a:latin typeface="+mn-lt"/>
+              </a:rPr>
+              <a:t>aufbauen</a:t>
             </a:r>
           </a:p>
           <a:p>
@@ -2733,6 +2591,12 @@
               <a:buChar char="•"/>
             </a:pPr>
             <a:r>
+              <a:rPr lang="de-DE" baseline="0" dirty="0" smtClean="0">
+                <a:latin typeface="+mn-lt"/>
+              </a:rPr>
+              <a:t>Bei der Entwicklung von </a:t>
+            </a:r>
+            <a:r>
               <a:rPr lang="de-DE" baseline="0" dirty="0" err="1" smtClean="0">
                 <a:latin typeface="+mn-lt"/>
               </a:rPr>
@@ -2742,7 +2606,19 @@
               <a:rPr lang="de-DE" baseline="0" dirty="0" smtClean="0">
                 <a:latin typeface="+mn-lt"/>
               </a:rPr>
-              <a:t> arbeitet mit Schlüssel-Wert-Paaren, der Schlüssel ist der Hash-Wert</a:t>
+              <a:t> wurde keine einzige Zeile aus anderen </a:t>
+            </a:r>
+            <a:r>
+              <a:rPr lang="de-DE" baseline="0" dirty="0" err="1" smtClean="0">
+                <a:latin typeface="+mn-lt"/>
+              </a:rPr>
+              <a:t>Versionsverwaltungsystemen</a:t>
+            </a:r>
+            <a:r>
+              <a:rPr lang="de-DE" baseline="0" dirty="0" smtClean="0">
+                <a:latin typeface="+mn-lt"/>
+              </a:rPr>
+              <a:t> übernommen</a:t>
             </a:r>
           </a:p>
           <a:p>
@@ -2750,24 +2626,9 @@
               <a:buFont typeface="Arial" panose="020B0604020202020204" pitchFamily="34" charset="0"/>
               <a:buChar char="•"/>
             </a:pPr>
-            <a:r>
-              <a:rPr lang="de-DE" baseline="0" dirty="0" smtClean="0">
-                <a:latin typeface="+mn-lt"/>
-              </a:rPr>
-              <a:t>Dieser Hash-Wert wird nicht nur den einzelnen Dateien sondern auch den Verzeichnissen und den </a:t>
-            </a:r>
-            <a:r>
-              <a:rPr lang="de-DE" baseline="0" dirty="0" err="1" smtClean="0">
-                <a:latin typeface="+mn-lt"/>
-              </a:rPr>
-              <a:t>Commits</a:t>
-            </a:r>
-            <a:r>
-              <a:rPr lang="de-DE" baseline="0" dirty="0" smtClean="0">
-                <a:latin typeface="+mn-lt"/>
-              </a:rPr>
-              <a:t> zugeordnet</a:t>
-            </a:r>
+            <a:endParaRPr lang="de-DE" baseline="0" dirty="0" smtClean="0">
+              <a:latin typeface="+mn-lt"/>
+            </a:endParaRPr>
           </a:p>
           <a:p>
             <a:pPr marL="171450" indent="-171450">
@@ -2778,8 +2639,47 @@
               <a:rPr lang="de-DE" baseline="0" dirty="0" smtClean="0">
                 <a:latin typeface="+mn-lt"/>
               </a:rPr>
-              <a:t>Der Hash-Wert enthält alle Informationen des bis dahin erstellten Dateibaums</a:t>
-            </a:r>
+              <a:t>Neben den Momentaufnahmen ist eine </a:t>
+            </a:r>
+            <a:r>
+              <a:rPr lang="de-DE" baseline="0" dirty="0" err="1" smtClean="0">
+                <a:latin typeface="+mn-lt"/>
+              </a:rPr>
+              <a:t>Beonderheit</a:t>
+            </a:r>
+            <a:r>
+              <a:rPr lang="de-DE" baseline="0" dirty="0" smtClean="0">
+                <a:latin typeface="+mn-lt"/>
+              </a:rPr>
+              <a:t> von </a:t>
+            </a:r>
+            <a:r>
+              <a:rPr lang="de-DE" baseline="0" dirty="0" err="1" smtClean="0">
+                <a:latin typeface="+mn-lt"/>
+              </a:rPr>
+              <a:t>Git</a:t>
+            </a:r>
+            <a:r>
+              <a:rPr lang="de-DE" baseline="0" dirty="0" smtClean="0">
+                <a:latin typeface="+mn-lt"/>
+              </a:rPr>
+              <a:t> das es mit Schlüssel-Wert-Paaren arbeitet, </a:t>
+            </a:r>
+            <a:r>
+              <a:rPr lang="de-DE" baseline="0" dirty="0" smtClean="0">
+                <a:latin typeface="+mn-lt"/>
+              </a:rPr>
+              <a:t>der Schlüssel ist der </a:t>
+            </a:r>
+            <a:r>
+              <a:rPr lang="de-DE" baseline="0" dirty="0" smtClean="0">
+                <a:latin typeface="+mn-lt"/>
+              </a:rPr>
+              <a:t>Hash-Wert…</a:t>
+            </a:r>
+            <a:endParaRPr lang="de-DE" baseline="0" dirty="0" smtClean="0">
+              <a:latin typeface="+mn-lt"/>
+            </a:endParaRPr>
           </a:p>
           <a:p>
             <a:pPr marL="171450" indent="-171450">
@@ -2787,17 +2687,77 @@
               <a:buChar char="•"/>
             </a:pPr>
             <a:r>
+              <a:rPr lang="de-DE" baseline="0" dirty="0" smtClean="0">
+                <a:latin typeface="+mn-lt"/>
+              </a:rPr>
+              <a:t>Dieser Hash-Wert wird nicht nur den einzelnen Dateien sondern auch den Verzeichnissen und den </a:t>
+            </a:r>
+            <a:r>
               <a:rPr lang="de-DE" baseline="0" dirty="0" err="1" smtClean="0">
                 <a:latin typeface="+mn-lt"/>
               </a:rPr>
-              <a:t>Git</a:t>
+              <a:t>Commits</a:t>
             </a:r>
             <a:r>
               <a:rPr lang="de-DE" baseline="0" dirty="0" smtClean="0">
                 <a:latin typeface="+mn-lt"/>
               </a:rPr>
-              <a:t> arbeitet wie ein Dateisystem mit wichtigen Werkzeugen</a:t>
-            </a:r>
+              <a:t> zugeordnet</a:t>
+            </a:r>
+          </a:p>
+          <a:p>
+            <a:pPr marL="171450" indent="-171450">
+              <a:buFont typeface="Arial" panose="020B0604020202020204" pitchFamily="34" charset="0"/>
+              <a:buChar char="•"/>
+            </a:pPr>
+            <a:r>
+              <a:rPr lang="de-DE" baseline="0" dirty="0" smtClean="0">
+                <a:latin typeface="+mn-lt"/>
+              </a:rPr>
+              <a:t>Somit enthält dieser Hash-Wert alle </a:t>
+            </a:r>
+            <a:r>
+              <a:rPr lang="de-DE" baseline="0" dirty="0" smtClean="0">
+                <a:latin typeface="+mn-lt"/>
+              </a:rPr>
+              <a:t>Informationen des bis dahin erstellten </a:t>
+            </a:r>
+            <a:r>
+              <a:rPr lang="de-DE" baseline="0" dirty="0" smtClean="0">
+                <a:latin typeface="+mn-lt"/>
+              </a:rPr>
+              <a:t>Dateibaums oder der Änderungshistorie</a:t>
+            </a:r>
+            <a:endParaRPr lang="de-DE" baseline="0" dirty="0" smtClean="0">
+              <a:latin typeface="+mn-lt"/>
+            </a:endParaRPr>
+          </a:p>
+          <a:p>
+            <a:pPr marL="171450" indent="-171450">
+              <a:buFont typeface="Arial" panose="020B0604020202020204" pitchFamily="34" charset="0"/>
+              <a:buChar char="•"/>
+            </a:pPr>
+            <a:r>
+              <a:rPr lang="de-DE" baseline="0" dirty="0" smtClean="0">
+                <a:latin typeface="+mn-lt"/>
+              </a:rPr>
+              <a:t>Grob gesehen könnte man sagen das </a:t>
+            </a:r>
+            <a:r>
+              <a:rPr lang="de-DE" baseline="0" dirty="0" err="1" smtClean="0">
+                <a:latin typeface="+mn-lt"/>
+              </a:rPr>
+              <a:t>Git</a:t>
+            </a:r>
+            <a:r>
+              <a:rPr lang="de-DE" baseline="0" dirty="0" smtClean="0">
+                <a:latin typeface="+mn-lt"/>
+              </a:rPr>
+              <a:t> nicht wie eine herkömmliche Versionsverwaltung arbeitet, sondern wie ein Dateisystem, welches wichtige Werkzeuge besitzt</a:t>
+            </a:r>
+            <a:endParaRPr lang="de-DE" baseline="0" dirty="0" smtClean="0">
+              <a:latin typeface="+mn-lt"/>
+            </a:endParaRPr>
           </a:p>
         </p:txBody>
       </p:sp>
@@ -2895,19 +2855,13 @@
               <a:rPr lang="de-DE" baseline="0" dirty="0" smtClean="0">
                 <a:latin typeface="+mn-lt"/>
               </a:rPr>
-              <a:t>Repository liegt als komplette Kopie des </a:t>
+              <a:t>Repository liegt als komplette Kopie des Projekts aus dem Server lokal </a:t>
             </a:r>
             <a:r>
               <a:rPr lang="de-DE" baseline="0" dirty="0" smtClean="0">
                 <a:latin typeface="+mn-lt"/>
               </a:rPr>
-              <a:t>Projekts aus </a:t>
-            </a:r>
-            <a:r>
-              <a:rPr lang="de-DE" baseline="0" dirty="0" smtClean="0">
-                <a:latin typeface="+mn-lt"/>
-              </a:rPr>
-              <a:t>dem Server lokal vor</a:t>
+              <a:t>vor</a:t>
             </a:r>
           </a:p>
           <a:p>
@@ -2919,20 +2873,11 @@
               <a:rPr lang="de-DE" baseline="0" dirty="0" smtClean="0">
                 <a:latin typeface="+mn-lt"/>
               </a:rPr>
-              <a:t>Es ist KEINE ständige </a:t>
-            </a:r>
-            <a:r>
-              <a:rPr lang="de-DE" baseline="0" dirty="0" smtClean="0">
-                <a:latin typeface="+mn-lt"/>
-              </a:rPr>
-              <a:t>Netzwerkverbindung </a:t>
-            </a:r>
-            <a:r>
-              <a:rPr lang="de-DE" baseline="0" dirty="0" smtClean="0">
-                <a:latin typeface="+mn-lt"/>
-              </a:rPr>
-              <a:t>notwendig</a:t>
-            </a:r>
+              <a:t>Dadurch wird ein schnelleres Arbeiten ohne Verzögerungen gewährleistet</a:t>
+            </a:r>
+            <a:endParaRPr lang="de-DE" baseline="0" dirty="0" smtClean="0">
+              <a:latin typeface="+mn-lt"/>
+            </a:endParaRPr>
           </a:p>
           <a:p>
             <a:pPr marL="171450" indent="-171450">
@@ -2940,40 +2885,10 @@
               <a:buChar char="•"/>
             </a:pPr>
             <a:r>
-              <a:rPr lang="de-DE" baseline="0" dirty="0" err="1" smtClean="0">
-                <a:latin typeface="+mn-lt"/>
-              </a:rPr>
-              <a:t>Repo</a:t>
-            </a:r>
-            <a:r>
               <a:rPr lang="de-DE" baseline="0" dirty="0" smtClean="0">
                 <a:latin typeface="+mn-lt"/>
               </a:rPr>
-              <a:t> auf dem Server oft als </a:t>
-            </a:r>
-            <a:r>
-              <a:rPr lang="de-DE" baseline="0" dirty="0" smtClean="0">
-                <a:latin typeface="+mn-lt"/>
-              </a:rPr>
-              <a:t>„</a:t>
-            </a:r>
-            <a:r>
-              <a:rPr lang="de-DE" baseline="0" dirty="0" err="1" smtClean="0">
-                <a:latin typeface="+mn-lt"/>
-              </a:rPr>
-              <a:t>origin</a:t>
-            </a:r>
-            <a:r>
-              <a:rPr lang="de-DE" baseline="0" dirty="0" smtClean="0">
-                <a:latin typeface="+mn-lt"/>
-              </a:rPr>
-              <a:t>“ </a:t>
-            </a:r>
-            <a:r>
-              <a:rPr lang="de-DE" baseline="0" dirty="0" smtClean="0">
-                <a:latin typeface="+mn-lt"/>
-              </a:rPr>
-              <a:t>also Quelle bezeichnet </a:t>
+              <a:t>Es ist KEINE ständige Netzwerkverbindung notwendig</a:t>
             </a:r>
           </a:p>
           <a:p>
@@ -2985,7 +2900,25 @@
               <a:rPr lang="de-DE" baseline="0" dirty="0" smtClean="0">
                 <a:latin typeface="+mn-lt"/>
               </a:rPr>
-              <a:t>Lokale Kopie enthält ebenfalls komplette Änderungshistorie</a:t>
+              <a:t>Repository </a:t>
+            </a:r>
+            <a:r>
+              <a:rPr lang="de-DE" baseline="0" dirty="0" smtClean="0">
+                <a:latin typeface="+mn-lt"/>
+              </a:rPr>
+              <a:t>auf dem Server oft als „</a:t>
+            </a:r>
+            <a:r>
+              <a:rPr lang="de-DE" baseline="0" dirty="0" err="1" smtClean="0">
+                <a:latin typeface="+mn-lt"/>
+              </a:rPr>
+              <a:t>origin</a:t>
+            </a:r>
+            <a:r>
+              <a:rPr lang="de-DE" baseline="0" dirty="0" smtClean="0">
+                <a:latin typeface="+mn-lt"/>
+              </a:rPr>
+              <a:t>“ also Quelle bezeichnet </a:t>
             </a:r>
           </a:p>
           <a:p>
@@ -2993,6 +2926,18 @@
               <a:buFont typeface="Arial" panose="020B0604020202020204" pitchFamily="34" charset="0"/>
               <a:buChar char="•"/>
             </a:pPr>
+            <a:r>
+              <a:rPr lang="de-DE" baseline="0" dirty="0" smtClean="0">
+                <a:latin typeface="+mn-lt"/>
+              </a:rPr>
+              <a:t>Lokale Kopie enthält ebenfalls komplette Änderungshistorie</a:t>
+            </a:r>
+          </a:p>
+          <a:p>
+            <a:pPr marL="171450" indent="-171450">
+              <a:buFont typeface="Arial" panose="020B0604020202020204" pitchFamily="34" charset="0"/>
+              <a:buChar char="•"/>
+            </a:pPr>
             <a:endParaRPr lang="de-DE" baseline="0" dirty="0" smtClean="0">
               <a:latin typeface="+mn-lt"/>
             </a:endParaRPr>
@@ -3030,19 +2975,7 @@
               <a:rPr lang="de-DE" baseline="0" dirty="0" smtClean="0">
                 <a:latin typeface="+mn-lt"/>
               </a:rPr>
-              <a:t> schon </a:t>
-            </a:r>
-            <a:r>
-              <a:rPr lang="de-DE" baseline="0" dirty="0" smtClean="0">
-                <a:latin typeface="+mn-lt"/>
-              </a:rPr>
-              <a:t>immer, </a:t>
-            </a:r>
-            <a:r>
-              <a:rPr lang="de-DE" baseline="0" dirty="0" smtClean="0">
-                <a:latin typeface="+mn-lt"/>
-              </a:rPr>
-              <a:t>auch bei der Konkurrenz,</a:t>
+              <a:t> schon immer, auch bei der Konkurrenz,</a:t>
             </a:r>
             <a:br>
               <a:rPr lang="de-DE" baseline="0" dirty="0" smtClean="0">
@@ -3053,13 +2986,25 @@
               <a:rPr lang="de-DE" baseline="0" dirty="0" smtClean="0">
                 <a:latin typeface="+mn-lt"/>
               </a:rPr>
-              <a:t>doch war es immer mit Aufwand </a:t>
+              <a:t>doch </a:t>
             </a:r>
             <a:r>
               <a:rPr lang="de-DE" baseline="0" dirty="0" smtClean="0">
                 <a:latin typeface="+mn-lt"/>
               </a:rPr>
-              <a:t>verbunden es einzusetzen</a:t>
+              <a:t>der Einsatz war immer </a:t>
+            </a:r>
+            <a:r>
+              <a:rPr lang="de-DE" baseline="0" dirty="0" smtClean="0">
+                <a:latin typeface="+mn-lt"/>
+              </a:rPr>
+              <a:t>mit Aufwand </a:t>
+            </a:r>
+            <a:r>
+              <a:rPr lang="de-DE" baseline="0" dirty="0" smtClean="0">
+                <a:latin typeface="+mn-lt"/>
+              </a:rPr>
+              <a:t>verbunden</a:t>
             </a:r>
             <a:endParaRPr lang="de-DE" baseline="0" dirty="0" smtClean="0">
               <a:latin typeface="+mn-lt"/>
@@ -3092,13 +3037,7 @@
               <a:rPr lang="de-DE" baseline="0" dirty="0" smtClean="0">
                 <a:latin typeface="+mn-lt"/>
               </a:rPr>
-              <a:t> </a:t>
-            </a:r>
-            <a:r>
-              <a:rPr lang="de-DE" baseline="0" dirty="0" smtClean="0">
-                <a:latin typeface="+mn-lt"/>
-              </a:rPr>
-              <a:t>geht,</a:t>
+              <a:t> geht,</a:t>
             </a:r>
             <a:br>
               <a:rPr lang="de-DE" baseline="0" dirty="0" smtClean="0">
@@ -3123,9 +3062,6 @@
               </a:rPr>
               <a:t> so schnell beliebt geworden ist.</a:t>
             </a:r>
-            <a:endParaRPr lang="de-DE" baseline="0" dirty="0" smtClean="0">
-              <a:latin typeface="+mn-lt"/>
-            </a:endParaRPr>
           </a:p>
         </p:txBody>
       </p:sp>
@@ -3221,7 +3157,6 @@
             </a:pPr>
             <a:endParaRPr lang="de-DE" baseline="0" dirty="0" smtClean="0">
               <a:latin typeface="+mn-lt"/>
-              <a:sym typeface="Wingdings" panose="05000000000000000000" pitchFamily="2" charset="2"/>
             </a:endParaRPr>
           </a:p>
         </p:txBody>
@@ -3312,250 +3247,13 @@
           <a:bodyPr/>
           <a:lstStyle/>
           <a:p>
-            <a:pPr marL="171450" indent="-171450">
+            <a:pPr marL="0" indent="0">
               <a:buFont typeface="Arial" panose="020B0604020202020204" pitchFamily="34" charset="0"/>
-              <a:buChar char="•"/>
-            </a:pPr>
-            <a:r>
-              <a:rPr lang="de-DE" baseline="0" dirty="0" smtClean="0">
-                <a:latin typeface="+mn-lt"/>
-              </a:rPr>
-              <a:t>Repository liegt als komplette Kopie des </a:t>
-            </a:r>
-            <a:r>
-              <a:rPr lang="de-DE" baseline="0" dirty="0" smtClean="0">
-                <a:latin typeface="+mn-lt"/>
-              </a:rPr>
-              <a:t>Projekts aus </a:t>
-            </a:r>
-            <a:r>
-              <a:rPr lang="de-DE" baseline="0" dirty="0" smtClean="0">
-                <a:latin typeface="+mn-lt"/>
-              </a:rPr>
-              <a:t>dem Server lokal vor</a:t>
-            </a:r>
-          </a:p>
-          <a:p>
-            <a:pPr marL="171450" indent="-171450">
-              <a:buFont typeface="Arial" panose="020B0604020202020204" pitchFamily="34" charset="0"/>
-              <a:buChar char="•"/>
-            </a:pPr>
-            <a:r>
-              <a:rPr lang="de-DE" baseline="0" dirty="0" smtClean="0">
-                <a:latin typeface="+mn-lt"/>
-              </a:rPr>
-              <a:t>Es ist KEINE ständige </a:t>
-            </a:r>
-            <a:r>
-              <a:rPr lang="de-DE" baseline="0" dirty="0" smtClean="0">
-                <a:latin typeface="+mn-lt"/>
-              </a:rPr>
-              <a:t>Netzwerkverbindung </a:t>
-            </a:r>
-            <a:r>
-              <a:rPr lang="de-DE" baseline="0" dirty="0" smtClean="0">
-                <a:latin typeface="+mn-lt"/>
-              </a:rPr>
-              <a:t>notwendig</a:t>
-            </a:r>
-          </a:p>
-          <a:p>
-            <a:pPr marL="171450" indent="-171450">
-              <a:buFont typeface="Arial" panose="020B0604020202020204" pitchFamily="34" charset="0"/>
-              <a:buChar char="•"/>
-            </a:pPr>
-            <a:r>
-              <a:rPr lang="de-DE" baseline="0" dirty="0" err="1" smtClean="0">
-                <a:latin typeface="+mn-lt"/>
-              </a:rPr>
-              <a:t>Repo</a:t>
-            </a:r>
-            <a:r>
-              <a:rPr lang="de-DE" baseline="0" dirty="0" smtClean="0">
-                <a:latin typeface="+mn-lt"/>
-              </a:rPr>
-              <a:t> auf dem Server oft als </a:t>
-            </a:r>
-            <a:r>
-              <a:rPr lang="de-DE" baseline="0" dirty="0" smtClean="0">
-                <a:latin typeface="+mn-lt"/>
-              </a:rPr>
-              <a:t>„</a:t>
-            </a:r>
-            <a:r>
-              <a:rPr lang="de-DE" baseline="0" dirty="0" err="1" smtClean="0">
-                <a:latin typeface="+mn-lt"/>
-              </a:rPr>
-              <a:t>origin</a:t>
-            </a:r>
-            <a:r>
-              <a:rPr lang="de-DE" baseline="0" dirty="0" smtClean="0">
-                <a:latin typeface="+mn-lt"/>
-              </a:rPr>
-              <a:t>“ </a:t>
-            </a:r>
-            <a:r>
-              <a:rPr lang="de-DE" baseline="0" dirty="0" smtClean="0">
-                <a:latin typeface="+mn-lt"/>
-              </a:rPr>
-              <a:t>also Quelle bezeichnet </a:t>
-            </a:r>
-          </a:p>
-          <a:p>
-            <a:pPr marL="171450" indent="-171450">
-              <a:buFont typeface="Arial" panose="020B0604020202020204" pitchFamily="34" charset="0"/>
-              <a:buChar char="•"/>
-            </a:pPr>
-            <a:r>
-              <a:rPr lang="de-DE" baseline="0" dirty="0" smtClean="0">
-                <a:latin typeface="+mn-lt"/>
-              </a:rPr>
-              <a:t>Lokale Kopie enthält ebenfalls komplette Änderungshistorie</a:t>
-            </a:r>
-          </a:p>
-          <a:p>
-            <a:pPr marL="171450" indent="-171450">
-              <a:buFont typeface="Arial" panose="020B0604020202020204" pitchFamily="34" charset="0"/>
-              <a:buChar char="•"/>
+              <a:buNone/>
             </a:pPr>
             <a:endParaRPr lang="de-DE" baseline="0" dirty="0" smtClean="0">
               <a:latin typeface="+mn-lt"/>
-            </a:endParaRPr>
-          </a:p>
-          <a:p>
-            <a:pPr marL="171450" indent="-171450">
-              <a:buFont typeface="Arial" panose="020B0604020202020204" pitchFamily="34" charset="0"/>
-              <a:buChar char="•"/>
-            </a:pPr>
-            <a:r>
-              <a:rPr lang="de-DE" baseline="0" dirty="0" smtClean="0">
-                <a:latin typeface="+mn-lt"/>
-              </a:rPr>
-              <a:t>Zwar gab es </a:t>
-            </a:r>
-            <a:r>
-              <a:rPr lang="de-DE" baseline="0" dirty="0" err="1" smtClean="0">
-                <a:latin typeface="+mn-lt"/>
-              </a:rPr>
-              <a:t>Branching</a:t>
-            </a:r>
-            <a:r>
-              <a:rPr lang="de-DE" baseline="0" dirty="0" smtClean="0">
-                <a:latin typeface="+mn-lt"/>
-              </a:rPr>
-              <a:t> und </a:t>
-            </a:r>
-            <a:r>
-              <a:rPr lang="de-DE" baseline="0" dirty="0" err="1" smtClean="0">
-                <a:latin typeface="+mn-lt"/>
-              </a:rPr>
-              <a:t>Merging</a:t>
-            </a:r>
-            <a:r>
-              <a:rPr lang="de-DE" baseline="0" dirty="0" smtClean="0">
-                <a:latin typeface="+mn-lt"/>
-              </a:rPr>
-              <a:t> schon </a:t>
-            </a:r>
-            <a:r>
-              <a:rPr lang="de-DE" baseline="0" dirty="0" smtClean="0">
-                <a:latin typeface="+mn-lt"/>
-              </a:rPr>
-              <a:t>immer, </a:t>
-            </a:r>
-            <a:r>
-              <a:rPr lang="de-DE" baseline="0" dirty="0" smtClean="0">
-                <a:latin typeface="+mn-lt"/>
-              </a:rPr>
-              <a:t>auch bei der Konkurrenz,</a:t>
-            </a:r>
-            <a:br>
-              <a:rPr lang="de-DE" baseline="0" dirty="0" smtClean="0">
-                <a:latin typeface="+mn-lt"/>
-              </a:rPr>
-            </a:br>
-            <a:r>
-              <a:rPr lang="de-DE" baseline="0" dirty="0" smtClean="0">
-                <a:latin typeface="+mn-lt"/>
-              </a:rPr>
-              <a:t>doch war es immer mit Aufwand </a:t>
-            </a:r>
-            <a:r>
-              <a:rPr lang="de-DE" baseline="0" dirty="0" smtClean="0">
-                <a:latin typeface="+mn-lt"/>
-              </a:rPr>
-              <a:t>verbunden es einzusetzen</a:t>
-            </a:r>
-            <a:endParaRPr lang="de-DE" baseline="0" dirty="0" smtClean="0">
-              <a:latin typeface="+mn-lt"/>
-            </a:endParaRPr>
-          </a:p>
-          <a:p>
-            <a:pPr marL="171450" indent="-171450">
-              <a:buFont typeface="Arial" panose="020B0604020202020204" pitchFamily="34" charset="0"/>
-              <a:buChar char="•"/>
-            </a:pPr>
-            <a:r>
-              <a:rPr lang="de-DE" baseline="0" dirty="0" err="1" smtClean="0">
-                <a:latin typeface="+mn-lt"/>
-              </a:rPr>
-              <a:t>Git</a:t>
-            </a:r>
-            <a:r>
-              <a:rPr lang="de-DE" baseline="0" dirty="0" smtClean="0">
-                <a:latin typeface="+mn-lt"/>
-              </a:rPr>
-              <a:t> bietet eine leichtere Handhabung wenn es um das Zusammenführen von </a:t>
-            </a:r>
-            <a:r>
-              <a:rPr lang="de-DE" baseline="0" dirty="0" err="1" smtClean="0">
-                <a:latin typeface="+mn-lt"/>
-              </a:rPr>
-              <a:t>Branches</a:t>
-            </a:r>
-            <a:r>
-              <a:rPr lang="de-DE" baseline="0" dirty="0" smtClean="0">
-                <a:latin typeface="+mn-lt"/>
-              </a:rPr>
-              <a:t> </a:t>
-            </a:r>
-            <a:r>
-              <a:rPr lang="de-DE" baseline="0" dirty="0" smtClean="0">
-                <a:latin typeface="+mn-lt"/>
-              </a:rPr>
-              <a:t>geht,</a:t>
-            </a:r>
-            <a:br>
-              <a:rPr lang="de-DE" baseline="0" dirty="0" smtClean="0">
-                <a:latin typeface="+mn-lt"/>
-              </a:rPr>
-            </a:br>
-            <a:r>
-              <a:rPr lang="de-DE" baseline="0" dirty="0" smtClean="0">
-                <a:latin typeface="+mn-lt"/>
-              </a:rPr>
-              <a:t>ist einer der Gründe warum </a:t>
-            </a:r>
-            <a:r>
-              <a:rPr lang="de-DE" baseline="0" dirty="0" err="1" smtClean="0">
-                <a:latin typeface="+mn-lt"/>
-              </a:rPr>
-              <a:t>Git</a:t>
-            </a:r>
-            <a:r>
-              <a:rPr lang="de-DE" baseline="0" dirty="0" smtClean="0">
-                <a:latin typeface="+mn-lt"/>
-              </a:rPr>
-              <a:t> so schnell </a:t>
-            </a:r>
-            <a:r>
-              <a:rPr lang="de-DE" baseline="0" smtClean="0">
-                <a:latin typeface="+mn-lt"/>
-              </a:rPr>
-              <a:t>beliebt geworden ist.</a:t>
-            </a:r>
-            <a:endParaRPr lang="de-DE" baseline="0" dirty="0" smtClean="0">
-              <a:latin typeface="+mn-lt"/>
+              <a:sym typeface="Wingdings" panose="05000000000000000000" pitchFamily="2" charset="2"/>
             </a:endParaRPr>
           </a:p>
         </p:txBody>
@@ -3650,6 +3348,181 @@
               <a:buFont typeface="Arial" panose="020B0604020202020204" pitchFamily="34" charset="0"/>
               <a:buChar char="•"/>
             </a:pPr>
+            <a:r>
+              <a:rPr lang="de-DE" baseline="0" dirty="0" smtClean="0">
+                <a:latin typeface="+mn-lt"/>
+              </a:rPr>
+              <a:t>Repository liegt als komplette Kopie des Projekts aus dem Server lokal vor</a:t>
+            </a:r>
+          </a:p>
+          <a:p>
+            <a:pPr marL="171450" indent="-171450">
+              <a:buFont typeface="Arial" panose="020B0604020202020204" pitchFamily="34" charset="0"/>
+              <a:buChar char="•"/>
+            </a:pPr>
+            <a:r>
+              <a:rPr lang="de-DE" baseline="0" dirty="0" smtClean="0">
+                <a:latin typeface="+mn-lt"/>
+              </a:rPr>
+              <a:t>Es ist KEINE ständige Netzwerkverbindung notwendig</a:t>
+            </a:r>
+          </a:p>
+          <a:p>
+            <a:pPr marL="171450" indent="-171450">
+              <a:buFont typeface="Arial" panose="020B0604020202020204" pitchFamily="34" charset="0"/>
+              <a:buChar char="•"/>
+            </a:pPr>
+            <a:r>
+              <a:rPr lang="de-DE" baseline="0" dirty="0" err="1" smtClean="0">
+                <a:latin typeface="+mn-lt"/>
+              </a:rPr>
+              <a:t>Repo</a:t>
+            </a:r>
+            <a:r>
+              <a:rPr lang="de-DE" baseline="0" dirty="0" smtClean="0">
+                <a:latin typeface="+mn-lt"/>
+              </a:rPr>
+              <a:t> auf dem Server oft als „</a:t>
+            </a:r>
+            <a:r>
+              <a:rPr lang="de-DE" baseline="0" dirty="0" err="1" smtClean="0">
+                <a:latin typeface="+mn-lt"/>
+              </a:rPr>
+              <a:t>origin</a:t>
+            </a:r>
+            <a:r>
+              <a:rPr lang="de-DE" baseline="0" dirty="0" smtClean="0">
+                <a:latin typeface="+mn-lt"/>
+              </a:rPr>
+              <a:t>“ also Quelle bezeichnet </a:t>
+            </a:r>
+          </a:p>
+          <a:p>
+            <a:pPr marL="171450" indent="-171450">
+              <a:buFont typeface="Arial" panose="020B0604020202020204" pitchFamily="34" charset="0"/>
+              <a:buChar char="•"/>
+            </a:pPr>
+            <a:r>
+              <a:rPr lang="de-DE" baseline="0" dirty="0" smtClean="0">
+                <a:latin typeface="+mn-lt"/>
+              </a:rPr>
+              <a:t>Lokale Kopie enthält ebenfalls komplette Änderungshistorie</a:t>
+            </a:r>
+          </a:p>
+          <a:p>
+            <a:pPr marL="171450" indent="-171450">
+              <a:buFont typeface="Arial" panose="020B0604020202020204" pitchFamily="34" charset="0"/>
+              <a:buChar char="•"/>
+            </a:pPr>
+            <a:endParaRPr lang="de-DE" baseline="0" dirty="0" smtClean="0">
+              <a:latin typeface="+mn-lt"/>
+            </a:endParaRPr>
+          </a:p>
+          <a:p>
+            <a:pPr marL="171450" indent="-171450">
+              <a:buFont typeface="Arial" panose="020B0604020202020204" pitchFamily="34" charset="0"/>
+              <a:buChar char="•"/>
+            </a:pPr>
+            <a:r>
+              <a:rPr lang="de-DE" baseline="0" dirty="0" smtClean="0">
+                <a:latin typeface="+mn-lt"/>
+              </a:rPr>
+              <a:t>Zwar gab es </a:t>
+            </a:r>
+            <a:r>
+              <a:rPr lang="de-DE" baseline="0" dirty="0" err="1" smtClean="0">
+                <a:latin typeface="+mn-lt"/>
+              </a:rPr>
+              <a:t>Branching</a:t>
+            </a:r>
+            <a:r>
+              <a:rPr lang="de-DE" baseline="0" dirty="0" smtClean="0">
+                <a:latin typeface="+mn-lt"/>
+              </a:rPr>
+              <a:t> und </a:t>
+            </a:r>
+            <a:r>
+              <a:rPr lang="de-DE" baseline="0" dirty="0" err="1" smtClean="0">
+                <a:latin typeface="+mn-lt"/>
+              </a:rPr>
+              <a:t>Merging</a:t>
+            </a:r>
+            <a:r>
+              <a:rPr lang="de-DE" baseline="0" dirty="0" smtClean="0">
+                <a:latin typeface="+mn-lt"/>
+              </a:rPr>
+              <a:t> schon immer, auch bei der Konkurrenz,</a:t>
+            </a:r>
+            <a:br>
+              <a:rPr lang="de-DE" baseline="0" dirty="0" smtClean="0">
+                <a:latin typeface="+mn-lt"/>
+              </a:rPr>
+            </a:br>
+            <a:r>
+              <a:rPr lang="de-DE" baseline="0" dirty="0" smtClean="0">
+                <a:latin typeface="+mn-lt"/>
+              </a:rPr>
+              <a:t>doch war es immer mit Aufwand verbunden es einzusetzen</a:t>
+            </a:r>
+          </a:p>
+          <a:p>
+            <a:pPr marL="171450" indent="-171450">
+              <a:buFont typeface="Arial" panose="020B0604020202020204" pitchFamily="34" charset="0"/>
+              <a:buChar char="•"/>
+            </a:pPr>
+            <a:r>
+              <a:rPr lang="de-DE" baseline="0" dirty="0" err="1" smtClean="0">
+                <a:latin typeface="+mn-lt"/>
+              </a:rPr>
+              <a:t>Git</a:t>
+            </a:r>
+            <a:r>
+              <a:rPr lang="de-DE" baseline="0" dirty="0" smtClean="0">
+                <a:latin typeface="+mn-lt"/>
+              </a:rPr>
+              <a:t> bietet eine leichtere Handhabung wenn es um das Zusammenführen von </a:t>
+            </a:r>
+            <a:r>
+              <a:rPr lang="de-DE" baseline="0" dirty="0" err="1" smtClean="0">
+                <a:latin typeface="+mn-lt"/>
+              </a:rPr>
+              <a:t>Branches</a:t>
+            </a:r>
+            <a:r>
+              <a:rPr lang="de-DE" baseline="0" dirty="0" smtClean="0">
+                <a:latin typeface="+mn-lt"/>
+              </a:rPr>
+              <a:t> geht,</a:t>
+            </a:r>
+            <a:br>
+              <a:rPr lang="de-DE" baseline="0" dirty="0" smtClean="0">
+                <a:latin typeface="+mn-lt"/>
+              </a:rPr>
+            </a:br>
+            <a:r>
+              <a:rPr lang="de-DE" baseline="0" dirty="0" smtClean="0">
+                <a:latin typeface="+mn-lt"/>
+              </a:rPr>
+              <a:t>ist einer der Gründe warum </a:t>
+            </a:r>
+            <a:r>
+              <a:rPr lang="de-DE" baseline="0" dirty="0" err="1" smtClean="0">
+                <a:latin typeface="+mn-lt"/>
+              </a:rPr>
+              <a:t>Git</a:t>
+            </a:r>
+            <a:r>
+              <a:rPr lang="de-DE" baseline="0" dirty="0" smtClean="0">
+                <a:latin typeface="+mn-lt"/>
+              </a:rPr>
+              <a:t> so schnell </a:t>
+            </a:r>
+            <a:r>
+              <a:rPr lang="de-DE" baseline="0" smtClean="0">
+                <a:latin typeface="+mn-lt"/>
+              </a:rPr>
+              <a:t>beliebt geworden ist.</a:t>
+            </a:r>
             <a:endParaRPr lang="de-DE" baseline="0" dirty="0" smtClean="0">
               <a:latin typeface="+mn-lt"/>
             </a:endParaRPr>
@@ -3680,6 +3553,368 @@
                 <a:defRPr/>
               </a:pPr>
               <a:t>24</a:t>
+            </a:fld>
+            <a:endParaRPr lang="de-DE"/>
+          </a:p>
+        </p:txBody>
+      </p:sp>
+    </p:spTree>
+    <p:extLst>
+      <p:ext uri="{BB962C8B-B14F-4D97-AF65-F5344CB8AC3E}">
+        <p14:creationId xmlns:p14="http://schemas.microsoft.com/office/powerpoint/2010/main" val="1353994050"/>
+      </p:ext>
+    </p:extLst>
+  </p:cSld>
+  <p:clrMapOvr>
+    <a:masterClrMapping/>
+  </p:clrMapOvr>
+</p:notes>
+</file>
+
+<file path=ppt/notesSlides/notesSlide25.xml><?xml version="1.0" encoding="utf-8"?>
+<p:notes xmlns:a="http://schemas.openxmlformats.org/drawingml/2006/main" xmlns:r="http://schemas.openxmlformats.org/officeDocument/2006/relationships" xmlns:p="http://schemas.openxmlformats.org/presentationml/2006/main">
+  <p:cSld>
+    <p:spTree>
+      <p:nvGrpSpPr>
+        <p:cNvPr id="1" name=""/>
+        <p:cNvGrpSpPr/>
+        <p:nvPr/>
+      </p:nvGrpSpPr>
+      <p:grpSpPr>
+        <a:xfrm>
+          <a:off x="0" y="0"/>
+          <a:ext cx="0" cy="0"/>
+          <a:chOff x="0" y="0"/>
+          <a:chExt cx="0" cy="0"/>
+        </a:xfrm>
+      </p:grpSpPr>
+      <p:sp>
+        <p:nvSpPr>
+          <p:cNvPr id="2" name="Folienbildplatzhalter 1"/>
+          <p:cNvSpPr>
+            <a:spLocks noGrp="1" noRot="1" noChangeAspect="1"/>
+          </p:cNvSpPr>
+          <p:nvPr>
+            <p:ph type="sldImg"/>
+          </p:nvPr>
+        </p:nvSpPr>
+        <p:spPr/>
+      </p:sp>
+      <p:sp>
+        <p:nvSpPr>
+          <p:cNvPr id="3" name="Notizenplatzhalter 2"/>
+          <p:cNvSpPr>
+            <a:spLocks noGrp="1"/>
+          </p:cNvSpPr>
+          <p:nvPr>
+            <p:ph type="body" idx="1"/>
+          </p:nvPr>
+        </p:nvSpPr>
+        <p:spPr/>
+        <p:txBody>
+          <a:bodyPr/>
+          <a:lstStyle/>
+          <a:p>
+            <a:pPr marL="171450" indent="-171450">
+              <a:buFont typeface="Arial" panose="020B0604020202020204" pitchFamily="34" charset="0"/>
+              <a:buChar char="•"/>
+            </a:pPr>
+            <a:endParaRPr lang="de-DE" baseline="0" dirty="0" smtClean="0">
+              <a:latin typeface="+mn-lt"/>
+            </a:endParaRPr>
+          </a:p>
+        </p:txBody>
+      </p:sp>
+      <p:sp>
+        <p:nvSpPr>
+          <p:cNvPr id="4" name="Foliennummernplatzhalter 3"/>
+          <p:cNvSpPr>
+            <a:spLocks noGrp="1"/>
+          </p:cNvSpPr>
+          <p:nvPr>
+            <p:ph type="sldNum" sz="quarter" idx="10"/>
+          </p:nvPr>
+        </p:nvSpPr>
+        <p:spPr/>
+        <p:txBody>
+          <a:bodyPr/>
+          <a:lstStyle/>
+          <a:p>
+            <a:pPr>
+              <a:defRPr/>
+            </a:pPr>
+            <a:fld id="{69416D27-C533-4FFA-9A00-D046B64C63BF}" type="slidenum">
+              <a:rPr lang="de-DE" smtClean="0"/>
+              <a:pPr>
+                <a:defRPr/>
+              </a:pPr>
+              <a:t>25</a:t>
+            </a:fld>
+            <a:endParaRPr lang="de-DE"/>
+          </a:p>
+        </p:txBody>
+      </p:sp>
+    </p:spTree>
+    <p:extLst>
+      <p:ext uri="{BB962C8B-B14F-4D97-AF65-F5344CB8AC3E}">
+        <p14:creationId xmlns:p14="http://schemas.microsoft.com/office/powerpoint/2010/main" val="1353994050"/>
+      </p:ext>
+    </p:extLst>
+  </p:cSld>
+  <p:clrMapOvr>
+    <a:masterClrMapping/>
+  </p:clrMapOvr>
+</p:notes>
+</file>
+
+<file path=ppt/notesSlides/notesSlide26.xml><?xml version="1.0" encoding="utf-8"?>
+<p:notes xmlns:a="http://schemas.openxmlformats.org/drawingml/2006/main" xmlns:r="http://schemas.openxmlformats.org/officeDocument/2006/relationships" xmlns:p="http://schemas.openxmlformats.org/presentationml/2006/main">
+  <p:cSld>
+    <p:spTree>
+      <p:nvGrpSpPr>
+        <p:cNvPr id="1" name=""/>
+        <p:cNvGrpSpPr/>
+        <p:nvPr/>
+      </p:nvGrpSpPr>
+      <p:grpSpPr>
+        <a:xfrm>
+          <a:off x="0" y="0"/>
+          <a:ext cx="0" cy="0"/>
+          <a:chOff x="0" y="0"/>
+          <a:chExt cx="0" cy="0"/>
+        </a:xfrm>
+      </p:grpSpPr>
+      <p:sp>
+        <p:nvSpPr>
+          <p:cNvPr id="2" name="Folienbildplatzhalter 1"/>
+          <p:cNvSpPr>
+            <a:spLocks noGrp="1" noRot="1" noChangeAspect="1"/>
+          </p:cNvSpPr>
+          <p:nvPr>
+            <p:ph type="sldImg"/>
+          </p:nvPr>
+        </p:nvSpPr>
+        <p:spPr/>
+      </p:sp>
+      <p:sp>
+        <p:nvSpPr>
+          <p:cNvPr id="3" name="Notizenplatzhalter 2"/>
+          <p:cNvSpPr>
+            <a:spLocks noGrp="1"/>
+          </p:cNvSpPr>
+          <p:nvPr>
+            <p:ph type="body" idx="1"/>
+          </p:nvPr>
+        </p:nvSpPr>
+        <p:spPr/>
+        <p:txBody>
+          <a:bodyPr/>
+          <a:lstStyle/>
+          <a:p>
+            <a:pPr marL="171450" marR="0" indent="-171450" algn="l" defTabSz="914400" rtl="0" eaLnBrk="0" fontAlgn="base" latinLnBrk="0" hangingPunct="0">
+              <a:lnSpc>
+                <a:spcPct val="100000"/>
+              </a:lnSpc>
+              <a:spcBef>
+                <a:spcPct val="30000"/>
+              </a:spcBef>
+              <a:spcAft>
+                <a:spcPct val="0"/>
+              </a:spcAft>
+              <a:buClrTx/>
+              <a:buSzTx/>
+              <a:buFont typeface="Arial" panose="020B0604020202020204" pitchFamily="34" charset="0"/>
+              <a:buChar char="•"/>
+              <a:tabLst/>
+              <a:defRPr/>
+            </a:pPr>
+            <a:r>
+              <a:rPr lang="de-DE" sz="1200" dirty="0" smtClean="0">
+                <a:solidFill>
+                  <a:srgbClr val="000000"/>
+                </a:solidFill>
+              </a:rPr>
+              <a:t>Wird eine Datei von zwei verschiedenen Personen an der selben Zeile bearbeitet, ist ein problemloses </a:t>
+            </a:r>
+            <a:r>
+              <a:rPr lang="de-DE" sz="1200" dirty="0" err="1" smtClean="0">
+                <a:solidFill>
+                  <a:srgbClr val="000000"/>
+                </a:solidFill>
+              </a:rPr>
+              <a:t>Merging</a:t>
+            </a:r>
+            <a:r>
+              <a:rPr lang="de-DE" sz="1200" dirty="0" smtClean="0">
+                <a:solidFill>
+                  <a:srgbClr val="000000"/>
+                </a:solidFill>
+              </a:rPr>
+              <a:t> nicht mehr möglich</a:t>
+            </a:r>
+          </a:p>
+          <a:p>
+            <a:pPr marL="171450" marR="0" indent="-171450" algn="l" defTabSz="914400" rtl="0" eaLnBrk="0" fontAlgn="base" latinLnBrk="0" hangingPunct="0">
+              <a:lnSpc>
+                <a:spcPct val="100000"/>
+              </a:lnSpc>
+              <a:spcBef>
+                <a:spcPct val="30000"/>
+              </a:spcBef>
+              <a:spcAft>
+                <a:spcPct val="0"/>
+              </a:spcAft>
+              <a:buClrTx/>
+              <a:buSzTx/>
+              <a:buFont typeface="Arial" panose="020B0604020202020204" pitchFamily="34" charset="0"/>
+              <a:buChar char="•"/>
+              <a:tabLst/>
+              <a:defRPr/>
+            </a:pPr>
+            <a:r>
+              <a:rPr lang="de-DE" sz="1200" b="0" dirty="0" smtClean="0">
+                <a:solidFill>
+                  <a:srgbClr val="000000"/>
+                </a:solidFill>
+              </a:rPr>
+              <a:t>Konflikt</a:t>
+            </a:r>
+            <a:r>
+              <a:rPr lang="de-DE" sz="1200" b="0" baseline="0" dirty="0" smtClean="0">
+                <a:solidFill>
+                  <a:srgbClr val="000000"/>
+                </a:solidFill>
+              </a:rPr>
+              <a:t> muss dann per Hand gelöst werden</a:t>
+            </a:r>
+            <a:endParaRPr lang="de-DE" b="0" dirty="0" smtClean="0">
+              <a:solidFill>
+                <a:srgbClr val="000000"/>
+              </a:solidFill>
+            </a:endParaRPr>
+          </a:p>
+        </p:txBody>
+      </p:sp>
+      <p:sp>
+        <p:nvSpPr>
+          <p:cNvPr id="4" name="Foliennummernplatzhalter 3"/>
+          <p:cNvSpPr>
+            <a:spLocks noGrp="1"/>
+          </p:cNvSpPr>
+          <p:nvPr>
+            <p:ph type="sldNum" sz="quarter" idx="10"/>
+          </p:nvPr>
+        </p:nvSpPr>
+        <p:spPr/>
+        <p:txBody>
+          <a:bodyPr/>
+          <a:lstStyle/>
+          <a:p>
+            <a:pPr>
+              <a:defRPr/>
+            </a:pPr>
+            <a:fld id="{69416D27-C533-4FFA-9A00-D046B64C63BF}" type="slidenum">
+              <a:rPr lang="de-DE" smtClean="0"/>
+              <a:pPr>
+                <a:defRPr/>
+              </a:pPr>
+              <a:t>26</a:t>
+            </a:fld>
+            <a:endParaRPr lang="de-DE"/>
+          </a:p>
+        </p:txBody>
+      </p:sp>
+    </p:spTree>
+    <p:extLst>
+      <p:ext uri="{BB962C8B-B14F-4D97-AF65-F5344CB8AC3E}">
+        <p14:creationId xmlns:p14="http://schemas.microsoft.com/office/powerpoint/2010/main" val="1353994050"/>
+      </p:ext>
+    </p:extLst>
+  </p:cSld>
+  <p:clrMapOvr>
+    <a:masterClrMapping/>
+  </p:clrMapOvr>
+</p:notes>
+</file>
+
+<file path=ppt/notesSlides/notesSlide27.xml><?xml version="1.0" encoding="utf-8"?>
+<p:notes xmlns:a="http://schemas.openxmlformats.org/drawingml/2006/main" xmlns:r="http://schemas.openxmlformats.org/officeDocument/2006/relationships" xmlns:p="http://schemas.openxmlformats.org/presentationml/2006/main">
+  <p:cSld>
+    <p:spTree>
+      <p:nvGrpSpPr>
+        <p:cNvPr id="1" name=""/>
+        <p:cNvGrpSpPr/>
+        <p:nvPr/>
+      </p:nvGrpSpPr>
+      <p:grpSpPr>
+        <a:xfrm>
+          <a:off x="0" y="0"/>
+          <a:ext cx="0" cy="0"/>
+          <a:chOff x="0" y="0"/>
+          <a:chExt cx="0" cy="0"/>
+        </a:xfrm>
+      </p:grpSpPr>
+      <p:sp>
+        <p:nvSpPr>
+          <p:cNvPr id="2" name="Folienbildplatzhalter 1"/>
+          <p:cNvSpPr>
+            <a:spLocks noGrp="1" noRot="1" noChangeAspect="1"/>
+          </p:cNvSpPr>
+          <p:nvPr>
+            <p:ph type="sldImg"/>
+          </p:nvPr>
+        </p:nvSpPr>
+        <p:spPr/>
+      </p:sp>
+      <p:sp>
+        <p:nvSpPr>
+          <p:cNvPr id="3" name="Notizenplatzhalter 2"/>
+          <p:cNvSpPr>
+            <a:spLocks noGrp="1"/>
+          </p:cNvSpPr>
+          <p:nvPr>
+            <p:ph type="body" idx="1"/>
+          </p:nvPr>
+        </p:nvSpPr>
+        <p:spPr/>
+        <p:txBody>
+          <a:bodyPr/>
+          <a:lstStyle/>
+          <a:p>
+            <a:pPr marL="171450" indent="-171450">
+              <a:buFont typeface="Arial" panose="020B0604020202020204" pitchFamily="34" charset="0"/>
+              <a:buChar char="•"/>
+            </a:pPr>
+            <a:endParaRPr lang="de-DE" baseline="0" dirty="0" smtClean="0">
+              <a:latin typeface="+mn-lt"/>
+            </a:endParaRPr>
+          </a:p>
+        </p:txBody>
+      </p:sp>
+      <p:sp>
+        <p:nvSpPr>
+          <p:cNvPr id="4" name="Foliennummernplatzhalter 3"/>
+          <p:cNvSpPr>
+            <a:spLocks noGrp="1"/>
+          </p:cNvSpPr>
+          <p:nvPr>
+            <p:ph type="sldNum" sz="quarter" idx="10"/>
+          </p:nvPr>
+        </p:nvSpPr>
+        <p:spPr/>
+        <p:txBody>
+          <a:bodyPr/>
+          <a:lstStyle/>
+          <a:p>
+            <a:pPr>
+              <a:defRPr/>
+            </a:pPr>
+            <a:fld id="{69416D27-C533-4FFA-9A00-D046B64C63BF}" type="slidenum">
+              <a:rPr lang="de-DE" smtClean="0"/>
+              <a:pPr>
+                <a:defRPr/>
+              </a:pPr>
+              <a:t>27</a:t>
             </a:fld>
             <a:endParaRPr lang="de-DE"/>
           </a:p>
@@ -7916,7 +8151,7 @@
         </p:blipFill>
         <p:spPr>
           <a:xfrm>
-            <a:off x="1835696" y="1196752"/>
+            <a:off x="3275856" y="1196752"/>
             <a:ext cx="5137819" cy="4509864"/>
           </a:xfrm>
         </p:spPr>
@@ -8029,6 +8264,48 @@
             <a:endParaRPr lang="de-DE" dirty="0">
               <a:latin typeface="Arial" panose="020B0604020202020204" pitchFamily="34" charset="0"/>
               <a:cs typeface="Arial" panose="020B0604020202020204" pitchFamily="34" charset="0"/>
+            </a:endParaRPr>
+          </a:p>
+        </p:txBody>
+      </p:sp>
+      <p:sp>
+        <p:nvSpPr>
+          <p:cNvPr id="3" name="Textfeld 2"/>
+          <p:cNvSpPr txBox="1"/>
+          <p:nvPr/>
+        </p:nvSpPr>
+        <p:spPr>
+          <a:xfrm>
+            <a:off x="323528" y="1556792"/>
+            <a:ext cx="2410916" cy="338554"/>
+          </a:xfrm>
+          <a:prstGeom prst="rect">
+            <a:avLst/>
+          </a:prstGeom>
+          <a:noFill/>
+        </p:spPr>
+        <p:txBody>
+          <a:bodyPr wrap="none" rtlCol="0">
+            <a:spAutoFit/>
+          </a:bodyPr>
+          <a:lstStyle/>
+          <a:p>
+            <a:pPr marL="342900" indent="-342900">
+              <a:buFont typeface="Arial" panose="020B0604020202020204" pitchFamily="34" charset="0"/>
+              <a:buChar char="•"/>
+            </a:pPr>
+            <a:r>
+              <a:rPr lang="de-DE" sz="2000" b="1" u="none" dirty="0" smtClean="0">
+                <a:solidFill>
+                  <a:srgbClr val="000000"/>
+                </a:solidFill>
+              </a:rPr>
+              <a:t>Zentral vs. Verteilt:</a:t>
+            </a:r>
+            <a:endParaRPr lang="de-DE" sz="2000" b="1" u="none" dirty="0">
+              <a:solidFill>
+                <a:srgbClr val="000000"/>
+              </a:solidFill>
             </a:endParaRPr>
           </a:p>
         </p:txBody>
@@ -8327,16 +8604,7 @@
                 </a:solidFill>
                 <a:cs typeface="Arial" panose="020B0604020202020204" pitchFamily="34" charset="0"/>
               </a:rPr>
-              <a:t>160 Bit lange Prüfsumme, die einem Commit zugeordnet </a:t>
-            </a:r>
-            <a:r>
-              <a:rPr lang="de-DE" sz="2000" dirty="0" smtClean="0">
-                <a:solidFill>
-                  <a:srgbClr val="000000"/>
-                </a:solidFill>
-                <a:cs typeface="Arial" panose="020B0604020202020204" pitchFamily="34" charset="0"/>
-              </a:rPr>
-              <a:t>wird</a:t>
+              <a:t>160 Bit lange Prüfsumme, die einem Commit zugeordnet wird</a:t>
             </a:r>
             <a:endParaRPr lang="de-DE" sz="2000" b="1" dirty="0">
               <a:solidFill>
@@ -8842,11 +9110,7 @@
           <a:bodyPr/>
           <a:lstStyle/>
           <a:p>
-            <a:pPr marL="457200" indent="-457200" algn="ctr">
-              <a:lnSpc>
-                <a:spcPct val="200000"/>
-              </a:lnSpc>
-            </a:pPr>
+            <a:pPr marL="457200" indent="-457200" algn="ctr"/>
             <a:r>
               <a:rPr lang="de-DE" dirty="0" smtClean="0">
                 <a:solidFill>
@@ -8865,8 +9129,44 @@
                 <a:latin typeface="Arial" panose="020B0604020202020204" pitchFamily="34" charset="0"/>
                 <a:cs typeface="Arial" panose="020B0604020202020204" pitchFamily="34" charset="0"/>
               </a:rPr>
-              <a:t>Begriffe und Grundlagen</a:t>
-            </a:r>
+              <a:t>Begriffe und </a:t>
+            </a:r>
+            <a:r>
+              <a:rPr lang="de-DE" dirty="0" smtClean="0">
+                <a:solidFill>
+                  <a:srgbClr val="000000"/>
+                </a:solidFill>
+                <a:latin typeface="Arial" panose="020B0604020202020204" pitchFamily="34" charset="0"/>
+                <a:cs typeface="Arial" panose="020B0604020202020204" pitchFamily="34" charset="0"/>
+              </a:rPr>
+              <a:t>Grundlagen</a:t>
+            </a:r>
+            <a:br>
+              <a:rPr lang="de-DE" dirty="0" smtClean="0">
+                <a:solidFill>
+                  <a:srgbClr val="000000"/>
+                </a:solidFill>
+                <a:latin typeface="Arial" panose="020B0604020202020204" pitchFamily="34" charset="0"/>
+                <a:cs typeface="Arial" panose="020B0604020202020204" pitchFamily="34" charset="0"/>
+              </a:rPr>
+            </a:br>
+            <a:r>
+              <a:rPr lang="de-DE" sz="2000" dirty="0" smtClean="0">
+                <a:solidFill>
+                  <a:srgbClr val="000000"/>
+                </a:solidFill>
+                <a:latin typeface="Arial Narrow" panose="020B0606020202030204" pitchFamily="34" charset="0"/>
+                <a:cs typeface="Arial" panose="020B0604020202020204" pitchFamily="34" charset="0"/>
+              </a:rPr>
+              <a:t>Ohne Versionskontrolle</a:t>
+            </a:r>
+            <a:endParaRPr lang="de-DE" dirty="0">
+              <a:solidFill>
+                <a:srgbClr val="000000"/>
+              </a:solidFill>
+              <a:latin typeface="Arial Narrow" panose="020B0606020202030204" pitchFamily="34" charset="0"/>
+              <a:cs typeface="Arial" panose="020B0604020202020204" pitchFamily="34" charset="0"/>
+            </a:endParaRPr>
           </a:p>
         </p:txBody>
       </p:sp>
@@ -9007,7 +9307,7 @@
         </p:blipFill>
         <p:spPr bwMode="auto">
           <a:xfrm>
-            <a:off x="2123729" y="1260261"/>
+            <a:off x="2267744" y="1340768"/>
             <a:ext cx="5040560" cy="4566482"/>
           </a:xfrm>
           <a:prstGeom prst="rect">
@@ -9090,11 +9390,7 @@
           <a:bodyPr/>
           <a:lstStyle/>
           <a:p>
-            <a:pPr marL="457200" indent="-457200" algn="ctr">
-              <a:lnSpc>
-                <a:spcPct val="200000"/>
-              </a:lnSpc>
-            </a:pPr>
+            <a:pPr marL="457200" indent="-457200" algn="ctr"/>
             <a:r>
               <a:rPr lang="de-DE" dirty="0" smtClean="0">
                 <a:solidFill>
@@ -9113,8 +9409,54 @@
                 <a:latin typeface="Arial" panose="020B0604020202020204" pitchFamily="34" charset="0"/>
                 <a:cs typeface="Arial" panose="020B0604020202020204" pitchFamily="34" charset="0"/>
               </a:rPr>
-              <a:t>Begriffe und Grundlagen</a:t>
-            </a:r>
+              <a:t>Begriffe und </a:t>
+            </a:r>
+            <a:r>
+              <a:rPr lang="de-DE" dirty="0" smtClean="0">
+                <a:solidFill>
+                  <a:srgbClr val="000000"/>
+                </a:solidFill>
+                <a:latin typeface="Arial" panose="020B0604020202020204" pitchFamily="34" charset="0"/>
+                <a:cs typeface="Arial" panose="020B0604020202020204" pitchFamily="34" charset="0"/>
+              </a:rPr>
+              <a:t>Grundlagen</a:t>
+            </a:r>
+            <a:br>
+              <a:rPr lang="de-DE" dirty="0" smtClean="0">
+                <a:solidFill>
+                  <a:srgbClr val="000000"/>
+                </a:solidFill>
+                <a:latin typeface="Arial" panose="020B0604020202020204" pitchFamily="34" charset="0"/>
+                <a:cs typeface="Arial" panose="020B0604020202020204" pitchFamily="34" charset="0"/>
+              </a:rPr>
+            </a:br>
+            <a:r>
+              <a:rPr lang="de-DE" sz="2000" dirty="0">
+                <a:solidFill>
+                  <a:srgbClr val="000000"/>
+                </a:solidFill>
+                <a:latin typeface="Arial" panose="020B0604020202020204" pitchFamily="34" charset="0"/>
+                <a:cs typeface="Arial" panose="020B0604020202020204" pitchFamily="34" charset="0"/>
+              </a:rPr>
+              <a:t>O</a:t>
+            </a:r>
+            <a:r>
+              <a:rPr lang="de-DE" sz="2000" dirty="0" smtClean="0">
+                <a:solidFill>
+                  <a:srgbClr val="000000"/>
+                </a:solidFill>
+                <a:latin typeface="Arial" panose="020B0604020202020204" pitchFamily="34" charset="0"/>
+                <a:cs typeface="Arial" panose="020B0604020202020204" pitchFamily="34" charset="0"/>
+              </a:rPr>
+              <a:t>hne Versionsverwaltung – Lock-Modify-Write</a:t>
+            </a:r>
+            <a:endParaRPr lang="de-DE" sz="2000" dirty="0">
+              <a:solidFill>
+                <a:srgbClr val="000000"/>
+              </a:solidFill>
+              <a:latin typeface="Arial" panose="020B0604020202020204" pitchFamily="34" charset="0"/>
+              <a:cs typeface="Arial" panose="020B0604020202020204" pitchFamily="34" charset="0"/>
+            </a:endParaRPr>
           </a:p>
         </p:txBody>
       </p:sp>
@@ -9232,7 +9574,7 @@
       </p:sp>
       <p:pic>
         <p:nvPicPr>
-          <p:cNvPr id="3074" name="Picture 2"/>
+          <p:cNvPr id="9" name="Picture 2"/>
           <p:cNvPicPr>
             <a:picLocks noGrp="1" noChangeAspect="1" noChangeArrowheads="1"/>
           </p:cNvPicPr>
@@ -9255,8 +9597,8 @@
         </p:blipFill>
         <p:spPr bwMode="auto">
           <a:xfrm>
-            <a:off x="2141868" y="1100629"/>
-            <a:ext cx="4950412" cy="4771436"/>
+            <a:off x="2771800" y="1484784"/>
+            <a:ext cx="4032448" cy="4275088"/>
           </a:xfrm>
           <a:prstGeom prst="rect">
             <a:avLst/>
@@ -9289,7 +9631,7 @@
     </p:spTree>
     <p:extLst>
       <p:ext uri="{BB962C8B-B14F-4D97-AF65-F5344CB8AC3E}">
-        <p14:creationId xmlns:p14="http://schemas.microsoft.com/office/powerpoint/2010/main" val="3197998020"/>
+        <p14:creationId xmlns:p14="http://schemas.microsoft.com/office/powerpoint/2010/main" val="3286104432"/>
       </p:ext>
     </p:extLst>
   </p:cSld>
@@ -9346,11 +9688,7 @@
           <a:bodyPr/>
           <a:lstStyle/>
           <a:p>
-            <a:pPr marL="457200" indent="-457200" algn="ctr">
-              <a:lnSpc>
-                <a:spcPct val="200000"/>
-              </a:lnSpc>
-            </a:pPr>
+            <a:pPr marL="457200" indent="-457200" algn="ctr"/>
             <a:r>
               <a:rPr lang="de-DE" dirty="0" smtClean="0">
                 <a:solidFill>
@@ -9369,65 +9707,52 @@
                 <a:latin typeface="Arial" panose="020B0604020202020204" pitchFamily="34" charset="0"/>
                 <a:cs typeface="Arial" panose="020B0604020202020204" pitchFamily="34" charset="0"/>
               </a:rPr>
-              <a:t>Begriffe und Grundlagen</a:t>
-            </a:r>
-          </a:p>
-        </p:txBody>
-      </p:sp>
-      <p:sp>
-        <p:nvSpPr>
-          <p:cNvPr id="3" name="Inhaltsplatzhalter 2"/>
-          <p:cNvSpPr>
-            <a:spLocks noGrp="1"/>
-          </p:cNvSpPr>
-          <p:nvPr>
-            <p:ph idx="1"/>
-          </p:nvPr>
-        </p:nvSpPr>
-        <p:spPr/>
-        <p:txBody>
-          <a:bodyPr/>
-          <a:lstStyle/>
-          <a:p>
-            <a:r>
-              <a:rPr lang="de-DE" sz="2000" b="1" dirty="0" smtClean="0">
-                <a:solidFill>
-                  <a:srgbClr val="000000"/>
-                </a:solidFill>
-                <a:cs typeface="Arial" panose="020B0604020202020204" pitchFamily="34" charset="0"/>
-              </a:rPr>
-              <a:t>Lösung </a:t>
-            </a:r>
+              <a:t>Begriffe und </a:t>
+            </a:r>
+            <a:r>
+              <a:rPr lang="de-DE" dirty="0" smtClean="0">
+                <a:solidFill>
+                  <a:srgbClr val="000000"/>
+                </a:solidFill>
+                <a:latin typeface="Arial" panose="020B0604020202020204" pitchFamily="34" charset="0"/>
+                <a:cs typeface="Arial" panose="020B0604020202020204" pitchFamily="34" charset="0"/>
+              </a:rPr>
+              <a:t>Grundlagen</a:t>
+            </a:r>
+            <a:br>
+              <a:rPr lang="de-DE" dirty="0" smtClean="0">
+                <a:solidFill>
+                  <a:srgbClr val="000000"/>
+                </a:solidFill>
+                <a:latin typeface="Arial" panose="020B0604020202020204" pitchFamily="34" charset="0"/>
+                <a:cs typeface="Arial" panose="020B0604020202020204" pitchFamily="34" charset="0"/>
+              </a:rPr>
+            </a:br>
             <a:r>
               <a:rPr lang="de-DE" sz="2000" dirty="0" smtClean="0">
                 <a:solidFill>
                   <a:srgbClr val="000000"/>
                 </a:solidFill>
-                <a:cs typeface="Arial" panose="020B0604020202020204" pitchFamily="34" charset="0"/>
-              </a:rPr>
-              <a:t>durch </a:t>
-            </a:r>
-            <a:br>
-              <a:rPr lang="de-DE" sz="2000" dirty="0" smtClean="0">
-                <a:solidFill>
-                  <a:srgbClr val="000000"/>
-                </a:solidFill>
-                <a:cs typeface="Arial" panose="020B0604020202020204" pitchFamily="34" charset="0"/>
-              </a:rPr>
-            </a:br>
+                <a:latin typeface="Arial" panose="020B0604020202020204" pitchFamily="34" charset="0"/>
+                <a:cs typeface="Arial" panose="020B0604020202020204" pitchFamily="34" charset="0"/>
+              </a:rPr>
+              <a:t>Versionsverwaltung - </a:t>
+            </a:r>
             <a:r>
               <a:rPr lang="de-DE" sz="2000" dirty="0" err="1" smtClean="0">
                 <a:solidFill>
                   <a:srgbClr val="000000"/>
                 </a:solidFill>
+                <a:latin typeface="Arial" panose="020B0604020202020204" pitchFamily="34" charset="0"/>
                 <a:cs typeface="Arial" panose="020B0604020202020204" pitchFamily="34" charset="0"/>
               </a:rPr>
               <a:t>Merging</a:t>
             </a:r>
-            <a:endParaRPr lang="de-DE" sz="2000" dirty="0" smtClean="0">
+            <a:endParaRPr lang="de-DE" dirty="0">
               <a:solidFill>
                 <a:srgbClr val="000000"/>
               </a:solidFill>
+              <a:latin typeface="Arial" panose="020B0604020202020204" pitchFamily="34" charset="0"/>
               <a:cs typeface="Arial" panose="020B0604020202020204" pitchFamily="34" charset="0"/>
             </a:endParaRPr>
           </a:p>
@@ -9695,140 +10020,189 @@
           <a:p>
             <a:pPr>
               <a:lnSpc>
-                <a:spcPct val="150000"/>
+                <a:spcPct val="200000"/>
               </a:lnSpc>
             </a:pPr>
             <a:r>
-              <a:rPr lang="de-DE" sz="2000" dirty="0">
-                <a:solidFill>
-                  <a:srgbClr val="000000"/>
-                </a:solidFill>
-                <a:latin typeface="+mj-lt"/>
-                <a:cs typeface="Arial" panose="020B0604020202020204" pitchFamily="34" charset="0"/>
-              </a:rPr>
-              <a:t>Versionierung</a:t>
-            </a:r>
-            <a:r>
-              <a:rPr lang="de-DE" sz="2000" dirty="0" smtClean="0">
-                <a:solidFill>
-                  <a:srgbClr val="000000"/>
-                </a:solidFill>
-                <a:latin typeface="+mj-lt"/>
-                <a:cs typeface="Arial" panose="020B0604020202020204" pitchFamily="34" charset="0"/>
-              </a:rPr>
-              <a:t>, Archivierung und Protokollierung von Dateien</a:t>
-            </a:r>
-          </a:p>
-          <a:p>
-            <a:pPr>
-              <a:lnSpc>
-                <a:spcPct val="150000"/>
-              </a:lnSpc>
-            </a:pPr>
-            <a:r>
-              <a:rPr lang="de-DE" sz="2000" dirty="0" smtClean="0">
-                <a:solidFill>
-                  <a:srgbClr val="000000"/>
-                </a:solidFill>
-                <a:latin typeface="+mj-lt"/>
-                <a:cs typeface="Arial" panose="020B0604020202020204" pitchFamily="34" charset="0"/>
-              </a:rPr>
-              <a:t>Stand </a:t>
-            </a:r>
-            <a:r>
-              <a:rPr lang="de-DE" sz="2000" dirty="0">
-                <a:solidFill>
-                  <a:srgbClr val="000000"/>
-                </a:solidFill>
-                <a:latin typeface="+mj-lt"/>
-                <a:cs typeface="Arial" panose="020B0604020202020204" pitchFamily="34" charset="0"/>
-              </a:rPr>
-              <a:t>der Arbeit verfolgen, rückgängig machen oder wiederherstellen</a:t>
-            </a:r>
-          </a:p>
-          <a:p>
-            <a:pPr>
-              <a:lnSpc>
-                <a:spcPct val="150000"/>
-              </a:lnSpc>
-            </a:pPr>
-            <a:r>
-              <a:rPr lang="de-DE" sz="2000" dirty="0" smtClean="0">
-                <a:solidFill>
-                  <a:srgbClr val="000000"/>
-                </a:solidFill>
-                <a:latin typeface="+mj-lt"/>
-                <a:cs typeface="Arial" panose="020B0604020202020204" pitchFamily="34" charset="0"/>
-              </a:rPr>
-              <a:t>Gleichzeitiges Entwickeln</a:t>
-            </a:r>
-          </a:p>
-          <a:p>
-            <a:pPr>
-              <a:lnSpc>
-                <a:spcPct val="150000"/>
-              </a:lnSpc>
-            </a:pPr>
-            <a:r>
-              <a:rPr lang="de-DE" sz="2000" dirty="0" smtClean="0">
-                <a:solidFill>
-                  <a:srgbClr val="000000"/>
-                </a:solidFill>
-                <a:latin typeface="+mj-lt"/>
-                <a:cs typeface="Arial" panose="020B0604020202020204" pitchFamily="34" charset="0"/>
-              </a:rPr>
-              <a:t>Zeitersparnis </a:t>
-            </a:r>
-            <a:r>
-              <a:rPr lang="de-DE" sz="2000" dirty="0">
-                <a:solidFill>
-                  <a:srgbClr val="000000"/>
-                </a:solidFill>
-                <a:latin typeface="+mj-lt"/>
-                <a:cs typeface="Arial" panose="020B0604020202020204" pitchFamily="34" charset="0"/>
-              </a:rPr>
-              <a:t>dank </a:t>
-            </a:r>
-            <a:r>
-              <a:rPr lang="de-DE" sz="2000" dirty="0" smtClean="0">
-                <a:solidFill>
-                  <a:srgbClr val="000000"/>
-                </a:solidFill>
-                <a:latin typeface="+mj-lt"/>
-                <a:cs typeface="Arial" panose="020B0604020202020204" pitchFamily="34" charset="0"/>
-              </a:rPr>
-              <a:t>Versionsverwaltung</a:t>
-            </a:r>
-          </a:p>
-          <a:p>
-            <a:pPr>
-              <a:lnSpc>
-                <a:spcPct val="150000"/>
-              </a:lnSpc>
-            </a:pPr>
-            <a:r>
-              <a:rPr lang="de-DE" sz="2000" dirty="0" smtClean="0">
-                <a:solidFill>
-                  <a:srgbClr val="000000"/>
-                </a:solidFill>
-                <a:latin typeface="+mj-lt"/>
-                <a:cs typeface="Arial" panose="020B0604020202020204" pitchFamily="34" charset="0"/>
-              </a:rPr>
-              <a:t>Vorteile überwiegen im Gegensatz zu Dropbox</a:t>
-            </a:r>
-          </a:p>
-          <a:p>
-            <a:pPr marL="0" indent="0">
-              <a:lnSpc>
-                <a:spcPct val="150000"/>
-              </a:lnSpc>
-              <a:buNone/>
-            </a:pPr>
-            <a:endParaRPr lang="de-DE" sz="2400" dirty="0" smtClean="0">
+              <a:rPr lang="de-DE" sz="2000" b="1" dirty="0">
+                <a:solidFill>
+                  <a:srgbClr val="000000"/>
+                </a:solidFill>
+                <a:cs typeface="Arial" panose="020B0604020202020204" pitchFamily="34" charset="0"/>
+              </a:rPr>
+              <a:t>Vorteile </a:t>
+            </a:r>
+            <a:r>
+              <a:rPr lang="de-DE" sz="2000" b="1" dirty="0" smtClean="0">
+                <a:solidFill>
+                  <a:srgbClr val="000000"/>
+                </a:solidFill>
+                <a:cs typeface="Arial" panose="020B0604020202020204" pitchFamily="34" charset="0"/>
+              </a:rPr>
+              <a:t>gegenüber Dropbox:</a:t>
+            </a:r>
+            <a:endParaRPr lang="de-DE" sz="2000" b="1" dirty="0" smtClean="0">
               <a:solidFill>
                 <a:srgbClr val="000000"/>
               </a:solidFill>
-              <a:latin typeface="Arial" panose="020B0604020202020204" pitchFamily="34" charset="0"/>
+              <a:latin typeface="+mj-lt"/>
+              <a:cs typeface="Arial" panose="020B0604020202020204" pitchFamily="34" charset="0"/>
+            </a:endParaRPr>
+          </a:p>
+          <a:p>
+            <a:pPr lvl="1">
+              <a:lnSpc>
+                <a:spcPct val="200000"/>
+              </a:lnSpc>
+              <a:buFont typeface="Arial" panose="020B0604020202020204" pitchFamily="34" charset="0"/>
+              <a:buChar char="•"/>
+            </a:pPr>
+            <a:r>
+              <a:rPr lang="de-DE" sz="2000" dirty="0" smtClean="0">
+                <a:solidFill>
+                  <a:srgbClr val="000000"/>
+                </a:solidFill>
+                <a:latin typeface="+mj-lt"/>
+                <a:cs typeface="Arial" panose="020B0604020202020204" pitchFamily="34" charset="0"/>
+              </a:rPr>
+              <a:t>Versionierung</a:t>
+            </a:r>
+            <a:r>
+              <a:rPr lang="de-DE" sz="2000" dirty="0" smtClean="0">
+                <a:solidFill>
+                  <a:srgbClr val="000000"/>
+                </a:solidFill>
+                <a:latin typeface="+mj-lt"/>
+                <a:cs typeface="Arial" panose="020B0604020202020204" pitchFamily="34" charset="0"/>
+              </a:rPr>
+              <a:t>, Archivierung und Protokollierung von </a:t>
+            </a:r>
+            <a:r>
+              <a:rPr lang="de-DE" sz="2000" dirty="0" smtClean="0">
+                <a:solidFill>
+                  <a:srgbClr val="000000"/>
+                </a:solidFill>
+                <a:latin typeface="+mj-lt"/>
+                <a:cs typeface="Arial" panose="020B0604020202020204" pitchFamily="34" charset="0"/>
+              </a:rPr>
+              <a:t>Dateien möglich</a:t>
+            </a:r>
+            <a:endParaRPr lang="de-DE" sz="2000" dirty="0" smtClean="0">
+              <a:solidFill>
+                <a:srgbClr val="000000"/>
+              </a:solidFill>
+              <a:latin typeface="+mj-lt"/>
+              <a:cs typeface="Arial" panose="020B0604020202020204" pitchFamily="34" charset="0"/>
+            </a:endParaRPr>
+          </a:p>
+          <a:p>
+            <a:pPr lvl="1">
+              <a:lnSpc>
+                <a:spcPct val="200000"/>
+              </a:lnSpc>
+              <a:buFont typeface="Arial" panose="020B0604020202020204" pitchFamily="34" charset="0"/>
+              <a:buChar char="•"/>
+            </a:pPr>
+            <a:r>
+              <a:rPr lang="de-DE" sz="2000" dirty="0" smtClean="0">
+                <a:solidFill>
+                  <a:srgbClr val="000000"/>
+                </a:solidFill>
+                <a:latin typeface="+mj-lt"/>
+                <a:cs typeface="Arial" panose="020B0604020202020204" pitchFamily="34" charset="0"/>
+              </a:rPr>
+              <a:t>Stand </a:t>
+            </a:r>
+            <a:r>
+              <a:rPr lang="de-DE" sz="2000" dirty="0">
+                <a:solidFill>
+                  <a:srgbClr val="000000"/>
+                </a:solidFill>
+                <a:latin typeface="+mj-lt"/>
+                <a:cs typeface="Arial" panose="020B0604020202020204" pitchFamily="34" charset="0"/>
+              </a:rPr>
+              <a:t>der Arbeit verfolgen, rückgängig machen oder wiederherstellen</a:t>
+            </a:r>
+          </a:p>
+          <a:p>
+            <a:pPr lvl="1">
+              <a:lnSpc>
+                <a:spcPct val="200000"/>
+              </a:lnSpc>
+              <a:buFont typeface="Arial" panose="020B0604020202020204" pitchFamily="34" charset="0"/>
+              <a:buChar char="•"/>
+            </a:pPr>
+            <a:r>
+              <a:rPr lang="de-DE" sz="2000" dirty="0" smtClean="0">
+                <a:solidFill>
+                  <a:srgbClr val="000000"/>
+                </a:solidFill>
+                <a:latin typeface="+mj-lt"/>
+                <a:cs typeface="Arial" panose="020B0604020202020204" pitchFamily="34" charset="0"/>
+              </a:rPr>
+              <a:t>Gleichzeitiges </a:t>
+            </a:r>
+            <a:r>
+              <a:rPr lang="de-DE" sz="2000" dirty="0" smtClean="0">
+                <a:solidFill>
+                  <a:srgbClr val="000000"/>
+                </a:solidFill>
+                <a:latin typeface="+mj-lt"/>
+                <a:cs typeface="Arial" panose="020B0604020202020204" pitchFamily="34" charset="0"/>
+              </a:rPr>
+              <a:t>Entwickeln selber Datei durch mehrere Entwickler</a:t>
+            </a:r>
+            <a:endParaRPr lang="de-DE" sz="2000" dirty="0" smtClean="0">
+              <a:solidFill>
+                <a:srgbClr val="000000"/>
+              </a:solidFill>
+              <a:latin typeface="+mj-lt"/>
+              <a:cs typeface="Arial" panose="020B0604020202020204" pitchFamily="34" charset="0"/>
+            </a:endParaRPr>
+          </a:p>
+          <a:p>
+            <a:pPr lvl="1">
+              <a:lnSpc>
+                <a:spcPct val="200000"/>
+              </a:lnSpc>
+              <a:buFont typeface="Arial" panose="020B0604020202020204" pitchFamily="34" charset="0"/>
+              <a:buChar char="•"/>
+            </a:pPr>
+            <a:r>
+              <a:rPr lang="de-DE" sz="2000" dirty="0" smtClean="0">
+                <a:solidFill>
+                  <a:srgbClr val="000000"/>
+                </a:solidFill>
+                <a:latin typeface="+mj-lt"/>
+                <a:cs typeface="Arial" panose="020B0604020202020204" pitchFamily="34" charset="0"/>
+              </a:rPr>
+              <a:t>Zeitersparnis </a:t>
+            </a:r>
+            <a:r>
+              <a:rPr lang="de-DE" sz="2000" dirty="0">
+                <a:solidFill>
+                  <a:srgbClr val="000000"/>
+                </a:solidFill>
+                <a:latin typeface="+mj-lt"/>
+                <a:cs typeface="Arial" panose="020B0604020202020204" pitchFamily="34" charset="0"/>
+              </a:rPr>
+              <a:t>dank </a:t>
+            </a:r>
+            <a:r>
+              <a:rPr lang="de-DE" sz="2000" dirty="0" smtClean="0">
+                <a:solidFill>
+                  <a:srgbClr val="000000"/>
+                </a:solidFill>
+                <a:latin typeface="+mj-lt"/>
+                <a:cs typeface="Arial" panose="020B0604020202020204" pitchFamily="34" charset="0"/>
+              </a:rPr>
+              <a:t>Versionsverwaltung</a:t>
+            </a:r>
+            <a:endParaRPr lang="de-DE" sz="2000" dirty="0" smtClean="0">
+              <a:solidFill>
+                <a:srgbClr val="000000"/>
+              </a:solidFill>
+              <a:latin typeface="+mj-lt"/>
               <a:cs typeface="Arial" panose="020B0604020202020204" pitchFamily="34" charset="0"/>
             </a:endParaRPr>
           </a:p>
@@ -10739,6 +11113,16 @@
               </a:lnSpc>
             </a:pPr>
             <a:r>
+              <a:rPr lang="de-DE" sz="2000" b="1" dirty="0" smtClean="0">
+                <a:solidFill>
+                  <a:srgbClr val="000000"/>
+                </a:solidFill>
+                <a:latin typeface="Arial Narrow" panose="020B0606020202030204" pitchFamily="34" charset="0"/>
+                <a:cs typeface="Arial" panose="020B0604020202020204" pitchFamily="34" charset="0"/>
+              </a:rPr>
+              <a:t>Andere Versionsverwaltungssysteme: </a:t>
+            </a:r>
+            <a:r>
               <a:rPr lang="de-DE" sz="2000" dirty="0" smtClean="0">
                 <a:solidFill>
                   <a:srgbClr val="000000"/>
@@ -10746,7 +11130,17 @@
                 <a:latin typeface="Arial Narrow" panose="020B0606020202030204" pitchFamily="34" charset="0"/>
                 <a:cs typeface="Arial" panose="020B0604020202020204" pitchFamily="34" charset="0"/>
               </a:rPr>
-              <a:t>Änderungen als Information </a:t>
+              <a:t>Änderungen </a:t>
+            </a:r>
+            <a:r>
+              <a:rPr lang="de-DE" sz="2000" dirty="0" smtClean="0">
+                <a:solidFill>
+                  <a:srgbClr val="000000"/>
+                </a:solidFill>
+                <a:latin typeface="Arial Narrow" panose="020B0606020202030204" pitchFamily="34" charset="0"/>
+                <a:cs typeface="Arial" panose="020B0604020202020204" pitchFamily="34" charset="0"/>
+              </a:rPr>
+              <a:t>als Information </a:t>
             </a:r>
             <a:r>
               <a:rPr lang="de-DE" sz="2000" dirty="0" smtClean="0">
@@ -11724,7 +12118,7 @@
               </a:lnSpc>
             </a:pPr>
             <a:r>
-              <a:rPr lang="de-DE" sz="2000" dirty="0" smtClean="0">
+              <a:rPr lang="de-DE" sz="2000" b="1" dirty="0" smtClean="0">
                 <a:solidFill>
                   <a:srgbClr val="000000"/>
                 </a:solidFill>
@@ -12081,7 +12475,7 @@
               </a:lnSpc>
             </a:pPr>
             <a:r>
-              <a:rPr lang="de-DE" sz="2000" u="sng" dirty="0" smtClean="0">
+              <a:rPr lang="de-DE" sz="2000" b="1" dirty="0" smtClean="0">
                 <a:solidFill>
                   <a:srgbClr val="000000"/>
                 </a:solidFill>
@@ -12089,10 +12483,10 @@
                 <a:cs typeface="Arial" panose="020B0604020202020204" pitchFamily="34" charset="0"/>
                 <a:sym typeface="Wingdings" panose="05000000000000000000" pitchFamily="2" charset="2"/>
               </a:rPr>
-              <a:t>Weitere </a:t>
-            </a:r>
-            <a:r>
-              <a:rPr lang="de-DE" sz="2000" u="sng" dirty="0" smtClean="0">
+              <a:t>Weitere Besonderheiten von </a:t>
+            </a:r>
+            <a:r>
+              <a:rPr lang="de-DE" sz="2000" b="1" dirty="0" err="1" smtClean="0">
                 <a:solidFill>
                   <a:srgbClr val="000000"/>
                 </a:solidFill>
@@ -12100,10 +12494,10 @@
                 <a:cs typeface="Arial" panose="020B0604020202020204" pitchFamily="34" charset="0"/>
                 <a:sym typeface="Wingdings" panose="05000000000000000000" pitchFamily="2" charset="2"/>
               </a:rPr>
-              <a:t>Besonderheiten von </a:t>
-            </a:r>
-            <a:r>
-              <a:rPr lang="de-DE" sz="2000" u="sng" dirty="0" err="1" smtClean="0">
+              <a:t>Git</a:t>
+            </a:r>
+            <a:r>
+              <a:rPr lang="de-DE" sz="2000" b="1" dirty="0" smtClean="0">
                 <a:solidFill>
                   <a:srgbClr val="000000"/>
                 </a:solidFill>
@@ -12111,10 +12505,10 @@
                 <a:cs typeface="Arial" panose="020B0604020202020204" pitchFamily="34" charset="0"/>
                 <a:sym typeface="Wingdings" panose="05000000000000000000" pitchFamily="2" charset="2"/>
               </a:rPr>
-              <a:t>Git</a:t>
-            </a:r>
-            <a:r>
-              <a:rPr lang="de-DE" sz="2000" u="sng" dirty="0" smtClean="0">
+              <a:t>: </a:t>
+            </a:r>
+            <a:br>
+              <a:rPr lang="de-DE" sz="2000" b="1" dirty="0" smtClean="0">
                 <a:solidFill>
                   <a:srgbClr val="000000"/>
                 </a:solidFill>
@@ -12122,10 +12516,9 @@
                 <a:cs typeface="Arial" panose="020B0604020202020204" pitchFamily="34" charset="0"/>
                 <a:sym typeface="Wingdings" panose="05000000000000000000" pitchFamily="2" charset="2"/>
               </a:rPr>
-              <a:t>: </a:t>
-            </a:r>
-            <a:r>
-              <a:rPr lang="de-DE" sz="2000" u="sng" dirty="0" smtClean="0">
+            </a:br>
+            <a:r>
+              <a:rPr lang="de-DE" sz="2000" dirty="0" smtClean="0">
                 <a:solidFill>
                   <a:srgbClr val="000000"/>
                 </a:solidFill>
@@ -12133,10 +12526,10 @@
                 <a:cs typeface="Arial" panose="020B0604020202020204" pitchFamily="34" charset="0"/>
                 <a:sym typeface="Wingdings" panose="05000000000000000000" pitchFamily="2" charset="2"/>
               </a:rPr>
-              <a:t/>
-            </a:r>
-            <a:br>
-              <a:rPr lang="de-DE" sz="2000" u="sng" dirty="0" smtClean="0">
+              <a:t>Verteilte Versionsverwaltung:</a:t>
+            </a:r>
+            <a:r>
+              <a:rPr lang="de-DE" sz="2000" b="1" dirty="0" smtClean="0">
                 <a:solidFill>
                   <a:srgbClr val="000000"/>
                 </a:solidFill>
@@ -12144,28 +12537,7 @@
                 <a:cs typeface="Arial" panose="020B0604020202020204" pitchFamily="34" charset="0"/>
                 <a:sym typeface="Wingdings" panose="05000000000000000000" pitchFamily="2" charset="2"/>
               </a:rPr>
-            </a:br>
-            <a:r>
-              <a:rPr lang="de-DE" sz="2000" b="1" dirty="0" smtClean="0">
-                <a:solidFill>
-                  <a:srgbClr val="000000"/>
-                </a:solidFill>
-                <a:latin typeface="Arial Narrow" panose="020B0606020202030204" pitchFamily="34" charset="0"/>
-                <a:cs typeface="Arial" panose="020B0604020202020204" pitchFamily="34" charset="0"/>
-                <a:sym typeface="Wingdings" panose="05000000000000000000" pitchFamily="2" charset="2"/>
-              </a:rPr>
-              <a:t>Verteilte </a:t>
-            </a:r>
-            <a:r>
-              <a:rPr lang="de-DE" sz="2000" b="1" dirty="0" smtClean="0">
-                <a:solidFill>
-                  <a:srgbClr val="000000"/>
-                </a:solidFill>
-                <a:latin typeface="Arial Narrow" panose="020B0606020202030204" pitchFamily="34" charset="0"/>
-                <a:cs typeface="Arial" panose="020B0604020202020204" pitchFamily="34" charset="0"/>
-                <a:sym typeface="Wingdings" panose="05000000000000000000" pitchFamily="2" charset="2"/>
-              </a:rPr>
-              <a:t>Versionsverwaltung: </a:t>
+              <a:t> </a:t>
             </a:r>
             <a:r>
               <a:rPr lang="de-DE" sz="2000" dirty="0">
@@ -12560,31 +12932,34 @@
           <a:bodyPr/>
           <a:lstStyle/>
           <a:p>
-            <a:pPr marL="457200" indent="-457200" algn="ctr">
-              <a:lnSpc>
-                <a:spcPct val="200000"/>
-              </a:lnSpc>
-            </a:pPr>
-            <a:r>
-              <a:rPr lang="de-DE" dirty="0" smtClean="0">
-                <a:solidFill>
-                  <a:srgbClr val="000000"/>
-                </a:solidFill>
-                <a:latin typeface="Arial" panose="020B0604020202020204" pitchFamily="34" charset="0"/>
-                <a:cs typeface="Arial" panose="020B0604020202020204" pitchFamily="34" charset="0"/>
-              </a:rPr>
-              <a:t>Wichtige </a:t>
-            </a:r>
-            <a:r>
-              <a:rPr lang="de-DE" dirty="0">
-                <a:solidFill>
-                  <a:srgbClr val="000000"/>
-                </a:solidFill>
-                <a:latin typeface="Arial" panose="020B0604020202020204" pitchFamily="34" charset="0"/>
-                <a:cs typeface="Arial" panose="020B0604020202020204" pitchFamily="34" charset="0"/>
-              </a:rPr>
-              <a:t>Begriffe und Grundlagen</a:t>
-            </a:r>
+            <a:pPr algn="ctr"/>
+            <a:r>
+              <a:rPr lang="de-DE" sz="3000" dirty="0" smtClean="0">
+                <a:solidFill>
+                  <a:srgbClr val="000000"/>
+                </a:solidFill>
+                <a:latin typeface="Arial" panose="020B0604020202020204" pitchFamily="34" charset="0"/>
+                <a:cs typeface="Arial" panose="020B0604020202020204" pitchFamily="34" charset="0"/>
+              </a:rPr>
+              <a:t>Verteilte Versionskontrolle mit </a:t>
+            </a:r>
+            <a:r>
+              <a:rPr lang="de-DE" sz="3000" dirty="0" err="1" smtClean="0">
+                <a:solidFill>
+                  <a:srgbClr val="000000"/>
+                </a:solidFill>
+                <a:latin typeface="Arial" panose="020B0604020202020204" pitchFamily="34" charset="0"/>
+                <a:cs typeface="Arial" panose="020B0604020202020204" pitchFamily="34" charset="0"/>
+              </a:rPr>
+              <a:t>Git</a:t>
+            </a:r>
+            <a:endParaRPr lang="de-DE" sz="3000" dirty="0">
+              <a:solidFill>
+                <a:srgbClr val="000000"/>
+              </a:solidFill>
+              <a:latin typeface="Arial" panose="020B0604020202020204" pitchFamily="34" charset="0"/>
+              <a:cs typeface="Arial" panose="020B0604020202020204" pitchFamily="34" charset="0"/>
+            </a:endParaRPr>
           </a:p>
         </p:txBody>
       </p:sp>
@@ -12692,6 +13067,254 @@
                 <a:defRPr/>
               </a:pPr>
               <a:t>22</a:t>
+            </a:fld>
+            <a:endParaRPr lang="de-DE" dirty="0">
+              <a:latin typeface="Arial" panose="020B0604020202020204" pitchFamily="34" charset="0"/>
+              <a:cs typeface="Arial" panose="020B0604020202020204" pitchFamily="34" charset="0"/>
+            </a:endParaRPr>
+          </a:p>
+        </p:txBody>
+      </p:sp>
+      <p:pic>
+        <p:nvPicPr>
+          <p:cNvPr id="2050" name="Picture 2"/>
+          <p:cNvPicPr>
+            <a:picLocks noGrp="1" noChangeAspect="1" noChangeArrowheads="1"/>
+          </p:cNvPicPr>
+          <p:nvPr>
+            <p:ph idx="1"/>
+          </p:nvPr>
+        </p:nvPicPr>
+        <p:blipFill>
+          <a:blip r:embed="rId3">
+            <a:extLst>
+              <a:ext uri="{28A0092B-C50C-407E-A947-70E740481C1C}">
+                <a14:useLocalDpi xmlns:a14="http://schemas.microsoft.com/office/drawing/2010/main" val="0"/>
+              </a:ext>
+            </a:extLst>
+          </a:blip>
+          <a:srcRect/>
+          <a:stretch>
+            <a:fillRect/>
+          </a:stretch>
+        </p:blipFill>
+        <p:spPr bwMode="auto">
+          <a:xfrm>
+            <a:off x="662781" y="2152650"/>
+            <a:ext cx="7962900" cy="2781300"/>
+          </a:xfrm>
+          <a:prstGeom prst="rect">
+            <a:avLst/>
+          </a:prstGeom>
+          <a:noFill/>
+          <a:ln>
+            <a:noFill/>
+          </a:ln>
+          <a:extLst>
+            <a:ext uri="{909E8E84-426E-40DD-AFC4-6F175D3DCCD1}">
+              <a14:hiddenFill xmlns:a14="http://schemas.microsoft.com/office/drawing/2010/main">
+                <a:solidFill>
+                  <a:schemeClr val="accent1"/>
+                </a:solidFill>
+              </a14:hiddenFill>
+            </a:ext>
+            <a:ext uri="{91240B29-F687-4F45-9708-019B960494DF}">
+              <a14:hiddenLine xmlns:a14="http://schemas.microsoft.com/office/drawing/2010/main" w="9525">
+                <a:solidFill>
+                  <a:schemeClr val="tx1"/>
+                </a:solidFill>
+                <a:miter lim="800000"/>
+                <a:headEnd/>
+                <a:tailEnd/>
+              </a14:hiddenLine>
+            </a:ext>
+          </a:extLst>
+        </p:spPr>
+      </p:pic>
+    </p:spTree>
+    <p:extLst>
+      <p:ext uri="{BB962C8B-B14F-4D97-AF65-F5344CB8AC3E}">
+        <p14:creationId xmlns:p14="http://schemas.microsoft.com/office/powerpoint/2010/main" val="3081707004"/>
+      </p:ext>
+    </p:extLst>
+  </p:cSld>
+  <p:clrMapOvr>
+    <a:masterClrMapping/>
+  </p:clrMapOvr>
+  <p:timing>
+    <p:tnLst>
+      <p:par>
+        <p:cTn id="1" dur="indefinite" restart="never" nodeType="tmRoot"/>
+      </p:par>
+    </p:tnLst>
+  </p:timing>
+</p:sld>
+</file>
+
+<file path=ppt/slides/slide23.xml><?xml version="1.0" encoding="utf-8"?>
+<p:sld xmlns:a="http://schemas.openxmlformats.org/drawingml/2006/main" xmlns:r="http://schemas.openxmlformats.org/officeDocument/2006/relationships" xmlns:p="http://schemas.openxmlformats.org/presentationml/2006/main">
+  <p:cSld>
+    <p:spTree>
+      <p:nvGrpSpPr>
+        <p:cNvPr id="1" name=""/>
+        <p:cNvGrpSpPr/>
+        <p:nvPr/>
+      </p:nvGrpSpPr>
+      <p:grpSpPr>
+        <a:xfrm>
+          <a:off x="0" y="0"/>
+          <a:ext cx="0" cy="0"/>
+          <a:chOff x="0" y="0"/>
+          <a:chExt cx="0" cy="0"/>
+        </a:xfrm>
+      </p:grpSpPr>
+      <p:sp>
+        <p:nvSpPr>
+          <p:cNvPr id="2" name="Titel 1"/>
+          <p:cNvSpPr>
+            <a:spLocks noGrp="1"/>
+          </p:cNvSpPr>
+          <p:nvPr>
+            <p:ph type="title"/>
+          </p:nvPr>
+        </p:nvSpPr>
+        <p:spPr/>
+        <p:txBody>
+          <a:bodyPr/>
+          <a:lstStyle/>
+          <a:p>
+            <a:pPr marL="457200" indent="-457200" algn="ctr">
+              <a:lnSpc>
+                <a:spcPct val="200000"/>
+              </a:lnSpc>
+            </a:pPr>
+            <a:r>
+              <a:rPr lang="de-DE" dirty="0" smtClean="0">
+                <a:solidFill>
+                  <a:srgbClr val="000000"/>
+                </a:solidFill>
+                <a:latin typeface="Arial" panose="020B0604020202020204" pitchFamily="34" charset="0"/>
+                <a:cs typeface="Arial" panose="020B0604020202020204" pitchFamily="34" charset="0"/>
+              </a:rPr>
+              <a:t>Wichtige </a:t>
+            </a:r>
+            <a:r>
+              <a:rPr lang="de-DE" dirty="0">
+                <a:solidFill>
+                  <a:srgbClr val="000000"/>
+                </a:solidFill>
+                <a:latin typeface="Arial" panose="020B0604020202020204" pitchFamily="34" charset="0"/>
+                <a:cs typeface="Arial" panose="020B0604020202020204" pitchFamily="34" charset="0"/>
+              </a:rPr>
+              <a:t>Begriffe und Grundlagen</a:t>
+            </a:r>
+          </a:p>
+        </p:txBody>
+      </p:sp>
+      <p:sp>
+        <p:nvSpPr>
+          <p:cNvPr id="4" name="Datumsplatzhalter 3"/>
+          <p:cNvSpPr>
+            <a:spLocks noGrp="1"/>
+          </p:cNvSpPr>
+          <p:nvPr>
+            <p:ph type="dt" sz="half" idx="10"/>
+          </p:nvPr>
+        </p:nvSpPr>
+        <p:spPr>
+          <a:xfrm>
+            <a:off x="7524328" y="6378575"/>
+            <a:ext cx="1008485" cy="365125"/>
+          </a:xfrm>
+        </p:spPr>
+        <p:txBody>
+          <a:bodyPr/>
+          <a:lstStyle/>
+          <a:p>
+            <a:pPr>
+              <a:defRPr/>
+            </a:pPr>
+            <a:fld id="{DBEF86A1-9947-4356-AD39-493A2BF305E6}" type="datetime1">
+              <a:rPr lang="de-DE" smtClean="0">
+                <a:latin typeface="Arial" panose="020B0604020202020204" pitchFamily="34" charset="0"/>
+                <a:cs typeface="Arial" panose="020B0604020202020204" pitchFamily="34" charset="0"/>
+              </a:rPr>
+              <a:pPr>
+                <a:defRPr/>
+              </a:pPr>
+              <a:t>07.11.2017</a:t>
+            </a:fld>
+            <a:endParaRPr lang="de-DE" dirty="0">
+              <a:latin typeface="Arial" panose="020B0604020202020204" pitchFamily="34" charset="0"/>
+              <a:cs typeface="Arial" panose="020B0604020202020204" pitchFamily="34" charset="0"/>
+            </a:endParaRPr>
+          </a:p>
+        </p:txBody>
+      </p:sp>
+      <p:sp>
+        <p:nvSpPr>
+          <p:cNvPr id="5" name="Fußzeilenplatzhalter 4"/>
+          <p:cNvSpPr>
+            <a:spLocks noGrp="1"/>
+          </p:cNvSpPr>
+          <p:nvPr>
+            <p:ph type="ftr" sz="quarter" idx="11"/>
+          </p:nvPr>
+        </p:nvSpPr>
+        <p:spPr/>
+        <p:txBody>
+          <a:bodyPr/>
+          <a:lstStyle/>
+          <a:p>
+            <a:pPr>
+              <a:defRPr/>
+            </a:pPr>
+            <a:r>
+              <a:rPr lang="de-DE" dirty="0" smtClean="0">
+                <a:latin typeface="Arial" panose="020B0604020202020204" pitchFamily="34" charset="0"/>
+                <a:cs typeface="Arial" panose="020B0604020202020204" pitchFamily="34" charset="0"/>
+              </a:rPr>
+              <a:t>Hochschule Furtwangen</a:t>
+            </a:r>
+            <a:endParaRPr lang="de-DE" dirty="0">
+              <a:latin typeface="Arial" panose="020B0604020202020204" pitchFamily="34" charset="0"/>
+              <a:cs typeface="Arial" panose="020B0604020202020204" pitchFamily="34" charset="0"/>
+            </a:endParaRPr>
+          </a:p>
+        </p:txBody>
+      </p:sp>
+      <p:sp>
+        <p:nvSpPr>
+          <p:cNvPr id="6" name="Foliennummernplatzhalter 5"/>
+          <p:cNvSpPr>
+            <a:spLocks noGrp="1"/>
+          </p:cNvSpPr>
+          <p:nvPr>
+            <p:ph type="sldNum" sz="quarter" idx="12"/>
+          </p:nvPr>
+        </p:nvSpPr>
+        <p:spPr>
+          <a:xfrm>
+            <a:off x="8676456" y="6021288"/>
+            <a:ext cx="359842" cy="264566"/>
+          </a:xfrm>
+        </p:spPr>
+        <p:txBody>
+          <a:bodyPr/>
+          <a:lstStyle/>
+          <a:p>
+            <a:pPr>
+              <a:defRPr/>
+            </a:pPr>
+            <a:fld id="{3C74D409-5571-4F32-B32A-C943406F16F9}" type="slidenum">
+              <a:rPr lang="de-DE" smtClean="0">
+                <a:latin typeface="Arial" panose="020B0604020202020204" pitchFamily="34" charset="0"/>
+                <a:cs typeface="Arial" panose="020B0604020202020204" pitchFamily="34" charset="0"/>
+              </a:rPr>
+              <a:pPr>
+                <a:defRPr/>
+              </a:pPr>
+              <a:t>23</a:t>
             </a:fld>
             <a:endParaRPr lang="de-DE" dirty="0">
               <a:latin typeface="Arial" panose="020B0604020202020204" pitchFamily="34" charset="0"/>
@@ -12912,7 +13535,7 @@
 </p:sld>
 </file>
 
-<file path=ppt/slides/slide23.xml><?xml version="1.0" encoding="utf-8"?>
+<file path=ppt/slides/slide24.xml><?xml version="1.0" encoding="utf-8"?>
 <p:sld xmlns:a="http://schemas.openxmlformats.org/drawingml/2006/main" xmlns:r="http://schemas.openxmlformats.org/officeDocument/2006/relationships" xmlns:p="http://schemas.openxmlformats.org/presentationml/2006/main">
   <p:cSld>
     <p:spTree>
@@ -13078,7 +13701,7 @@
               <a:pPr>
                 <a:defRPr/>
               </a:pPr>
-              <a:t>23</a:t>
+              <a:t>24</a:t>
             </a:fld>
             <a:endParaRPr lang="de-DE" dirty="0">
               <a:latin typeface="Arial" panose="020B0604020202020204" pitchFamily="34" charset="0"/>
@@ -13280,7 +13903,7 @@
 </p:sld>
 </file>
 
-<file path=ppt/slides/slide24.xml><?xml version="1.0" encoding="utf-8"?>
+<file path=ppt/slides/slide25.xml><?xml version="1.0" encoding="utf-8"?>
 <p:sld xmlns:a="http://schemas.openxmlformats.org/drawingml/2006/main" xmlns:r="http://schemas.openxmlformats.org/officeDocument/2006/relationships" xmlns:p="http://schemas.openxmlformats.org/presentationml/2006/main">
   <p:cSld>
     <p:spTree>
@@ -13333,6 +13956,55 @@
               </a:rPr>
               <a:t>Git</a:t>
             </a:r>
+            <a:r>
+              <a:rPr lang="de-DE" sz="3000" dirty="0">
+                <a:solidFill>
+                  <a:srgbClr val="000000"/>
+                </a:solidFill>
+                <a:latin typeface="Arial" panose="020B0604020202020204" pitchFamily="34" charset="0"/>
+                <a:cs typeface="Arial" panose="020B0604020202020204" pitchFamily="34" charset="0"/>
+              </a:rPr>
+              <a:t/>
+            </a:r>
+            <a:br>
+              <a:rPr lang="de-DE" sz="3000" dirty="0">
+                <a:solidFill>
+                  <a:srgbClr val="000000"/>
+                </a:solidFill>
+                <a:latin typeface="Arial" panose="020B0604020202020204" pitchFamily="34" charset="0"/>
+                <a:cs typeface="Arial" panose="020B0604020202020204" pitchFamily="34" charset="0"/>
+              </a:rPr>
+            </a:br>
+            <a:r>
+              <a:rPr lang="de-DE" sz="2000" dirty="0" smtClean="0">
+                <a:solidFill>
+                  <a:srgbClr val="000000"/>
+                </a:solidFill>
+                <a:latin typeface="Arial" panose="020B0604020202020204" pitchFamily="34" charset="0"/>
+                <a:cs typeface="Arial" panose="020B0604020202020204" pitchFamily="34" charset="0"/>
+              </a:rPr>
+              <a:t>Übertragung Server und Client – </a:t>
+            </a:r>
+            <a:r>
+              <a:rPr lang="de-DE" sz="2000" dirty="0" err="1" smtClean="0">
+                <a:solidFill>
+                  <a:srgbClr val="000000"/>
+                </a:solidFill>
+                <a:latin typeface="Arial" panose="020B0604020202020204" pitchFamily="34" charset="0"/>
+                <a:cs typeface="Arial" panose="020B0604020202020204" pitchFamily="34" charset="0"/>
+              </a:rPr>
+              <a:t>Fetch</a:t>
+            </a:r>
+            <a:r>
+              <a:rPr lang="de-DE" sz="2000" dirty="0" smtClean="0">
+                <a:solidFill>
+                  <a:srgbClr val="000000"/>
+                </a:solidFill>
+                <a:latin typeface="Arial" panose="020B0604020202020204" pitchFamily="34" charset="0"/>
+                <a:cs typeface="Arial" panose="020B0604020202020204" pitchFamily="34" charset="0"/>
+              </a:rPr>
+              <a:t> / Push</a:t>
+            </a:r>
             <a:endParaRPr lang="de-DE" sz="3000" dirty="0">
               <a:solidFill>
                 <a:srgbClr val="000000"/>
@@ -13446,7 +14118,7 @@
               <a:pPr>
                 <a:defRPr/>
               </a:pPr>
-              <a:t>24</a:t>
+              <a:t>25</a:t>
             </a:fld>
             <a:endParaRPr lang="de-DE" dirty="0">
               <a:latin typeface="Arial" panose="020B0604020202020204" pitchFamily="34" charset="0"/>
@@ -13488,6 +14160,826 @@
     <p:extLst>
       <p:ext uri="{BB962C8B-B14F-4D97-AF65-F5344CB8AC3E}">
         <p14:creationId xmlns:p14="http://schemas.microsoft.com/office/powerpoint/2010/main" val="2820756532"/>
+      </p:ext>
+    </p:extLst>
+  </p:cSld>
+  <p:clrMapOvr>
+    <a:masterClrMapping/>
+  </p:clrMapOvr>
+  <p:timing>
+    <p:tnLst>
+      <p:par>
+        <p:cTn id="1" dur="indefinite" restart="never" nodeType="tmRoot"/>
+      </p:par>
+    </p:tnLst>
+  </p:timing>
+</p:sld>
+</file>
+
+<file path=ppt/slides/slide26.xml><?xml version="1.0" encoding="utf-8"?>
+<p:sld xmlns:a="http://schemas.openxmlformats.org/drawingml/2006/main" xmlns:r="http://schemas.openxmlformats.org/officeDocument/2006/relationships" xmlns:p="http://schemas.openxmlformats.org/presentationml/2006/main">
+  <p:cSld>
+    <p:spTree>
+      <p:nvGrpSpPr>
+        <p:cNvPr id="1" name=""/>
+        <p:cNvGrpSpPr/>
+        <p:nvPr/>
+      </p:nvGrpSpPr>
+      <p:grpSpPr>
+        <a:xfrm>
+          <a:off x="0" y="0"/>
+          <a:ext cx="0" cy="0"/>
+          <a:chOff x="0" y="0"/>
+          <a:chExt cx="0" cy="0"/>
+        </a:xfrm>
+      </p:grpSpPr>
+      <p:sp>
+        <p:nvSpPr>
+          <p:cNvPr id="2" name="Titel 1"/>
+          <p:cNvSpPr>
+            <a:spLocks noGrp="1"/>
+          </p:cNvSpPr>
+          <p:nvPr>
+            <p:ph type="title"/>
+          </p:nvPr>
+        </p:nvSpPr>
+        <p:spPr/>
+        <p:txBody>
+          <a:bodyPr/>
+          <a:lstStyle/>
+          <a:p>
+            <a:pPr algn="ctr"/>
+            <a:r>
+              <a:rPr lang="de-DE" sz="3000" dirty="0" smtClean="0">
+                <a:solidFill>
+                  <a:srgbClr val="000000"/>
+                </a:solidFill>
+                <a:latin typeface="Arial" panose="020B0604020202020204" pitchFamily="34" charset="0"/>
+                <a:cs typeface="Arial" panose="020B0604020202020204" pitchFamily="34" charset="0"/>
+              </a:rPr>
+              <a:t>Verteilte Versionskontrolle mit </a:t>
+            </a:r>
+            <a:r>
+              <a:rPr lang="de-DE" sz="3000" dirty="0" err="1" smtClean="0">
+                <a:solidFill>
+                  <a:srgbClr val="000000"/>
+                </a:solidFill>
+                <a:latin typeface="Arial" panose="020B0604020202020204" pitchFamily="34" charset="0"/>
+                <a:cs typeface="Arial" panose="020B0604020202020204" pitchFamily="34" charset="0"/>
+              </a:rPr>
+              <a:t>Git</a:t>
+            </a:r>
+            <a:endParaRPr lang="de-DE" sz="3000" dirty="0">
+              <a:solidFill>
+                <a:srgbClr val="000000"/>
+              </a:solidFill>
+              <a:latin typeface="Arial" panose="020B0604020202020204" pitchFamily="34" charset="0"/>
+              <a:cs typeface="Arial" panose="020B0604020202020204" pitchFamily="34" charset="0"/>
+            </a:endParaRPr>
+          </a:p>
+        </p:txBody>
+      </p:sp>
+      <p:sp>
+        <p:nvSpPr>
+          <p:cNvPr id="4" name="Datumsplatzhalter 3"/>
+          <p:cNvSpPr>
+            <a:spLocks noGrp="1"/>
+          </p:cNvSpPr>
+          <p:nvPr>
+            <p:ph type="dt" sz="half" idx="10"/>
+          </p:nvPr>
+        </p:nvSpPr>
+        <p:spPr>
+          <a:xfrm>
+            <a:off x="7524328" y="6378575"/>
+            <a:ext cx="1008485" cy="365125"/>
+          </a:xfrm>
+        </p:spPr>
+        <p:txBody>
+          <a:bodyPr/>
+          <a:lstStyle/>
+          <a:p>
+            <a:pPr>
+              <a:defRPr/>
+            </a:pPr>
+            <a:fld id="{DBEF86A1-9947-4356-AD39-493A2BF305E6}" type="datetime1">
+              <a:rPr lang="de-DE" smtClean="0">
+                <a:latin typeface="Arial" panose="020B0604020202020204" pitchFamily="34" charset="0"/>
+                <a:cs typeface="Arial" panose="020B0604020202020204" pitchFamily="34" charset="0"/>
+              </a:rPr>
+              <a:pPr>
+                <a:defRPr/>
+              </a:pPr>
+              <a:t>07.11.2017</a:t>
+            </a:fld>
+            <a:endParaRPr lang="de-DE" dirty="0">
+              <a:latin typeface="Arial" panose="020B0604020202020204" pitchFamily="34" charset="0"/>
+              <a:cs typeface="Arial" panose="020B0604020202020204" pitchFamily="34" charset="0"/>
+            </a:endParaRPr>
+          </a:p>
+        </p:txBody>
+      </p:sp>
+      <p:sp>
+        <p:nvSpPr>
+          <p:cNvPr id="5" name="Fußzeilenplatzhalter 4"/>
+          <p:cNvSpPr>
+            <a:spLocks noGrp="1"/>
+          </p:cNvSpPr>
+          <p:nvPr>
+            <p:ph type="ftr" sz="quarter" idx="11"/>
+          </p:nvPr>
+        </p:nvSpPr>
+        <p:spPr/>
+        <p:txBody>
+          <a:bodyPr/>
+          <a:lstStyle/>
+          <a:p>
+            <a:pPr>
+              <a:defRPr/>
+            </a:pPr>
+            <a:r>
+              <a:rPr lang="de-DE" dirty="0" smtClean="0">
+                <a:latin typeface="Arial" panose="020B0604020202020204" pitchFamily="34" charset="0"/>
+                <a:cs typeface="Arial" panose="020B0604020202020204" pitchFamily="34" charset="0"/>
+              </a:rPr>
+              <a:t>Hochschule Furtwangen</a:t>
+            </a:r>
+            <a:endParaRPr lang="de-DE" dirty="0">
+              <a:latin typeface="Arial" panose="020B0604020202020204" pitchFamily="34" charset="0"/>
+              <a:cs typeface="Arial" panose="020B0604020202020204" pitchFamily="34" charset="0"/>
+            </a:endParaRPr>
+          </a:p>
+        </p:txBody>
+      </p:sp>
+      <p:sp>
+        <p:nvSpPr>
+          <p:cNvPr id="6" name="Foliennummernplatzhalter 5"/>
+          <p:cNvSpPr>
+            <a:spLocks noGrp="1"/>
+          </p:cNvSpPr>
+          <p:nvPr>
+            <p:ph type="sldNum" sz="quarter" idx="12"/>
+          </p:nvPr>
+        </p:nvSpPr>
+        <p:spPr>
+          <a:xfrm>
+            <a:off x="8676456" y="6021288"/>
+            <a:ext cx="359842" cy="264566"/>
+          </a:xfrm>
+        </p:spPr>
+        <p:txBody>
+          <a:bodyPr/>
+          <a:lstStyle/>
+          <a:p>
+            <a:pPr>
+              <a:defRPr/>
+            </a:pPr>
+            <a:fld id="{3C74D409-5571-4F32-B32A-C943406F16F9}" type="slidenum">
+              <a:rPr lang="de-DE" smtClean="0">
+                <a:latin typeface="Arial" panose="020B0604020202020204" pitchFamily="34" charset="0"/>
+                <a:cs typeface="Arial" panose="020B0604020202020204" pitchFamily="34" charset="0"/>
+              </a:rPr>
+              <a:pPr>
+                <a:defRPr/>
+              </a:pPr>
+              <a:t>26</a:t>
+            </a:fld>
+            <a:endParaRPr lang="de-DE" dirty="0">
+              <a:latin typeface="Arial" panose="020B0604020202020204" pitchFamily="34" charset="0"/>
+              <a:cs typeface="Arial" panose="020B0604020202020204" pitchFamily="34" charset="0"/>
+            </a:endParaRPr>
+          </a:p>
+        </p:txBody>
+      </p:sp>
+      <p:sp>
+        <p:nvSpPr>
+          <p:cNvPr id="3" name="Inhaltsplatzhalter 2"/>
+          <p:cNvSpPr>
+            <a:spLocks noGrp="1"/>
+          </p:cNvSpPr>
+          <p:nvPr>
+            <p:ph idx="1"/>
+          </p:nvPr>
+        </p:nvSpPr>
+        <p:spPr/>
+        <p:txBody>
+          <a:bodyPr/>
+          <a:lstStyle/>
+          <a:p>
+            <a:pPr>
+              <a:lnSpc>
+                <a:spcPct val="150000"/>
+              </a:lnSpc>
+            </a:pPr>
+            <a:r>
+              <a:rPr lang="de-DE" sz="2000" b="1" dirty="0" smtClean="0">
+                <a:solidFill>
+                  <a:srgbClr val="000000"/>
+                </a:solidFill>
+              </a:rPr>
+              <a:t>Konflikt: </a:t>
+            </a:r>
+            <a:r>
+              <a:rPr lang="de-DE" sz="2000" dirty="0" err="1" smtClean="0">
+                <a:solidFill>
+                  <a:srgbClr val="000000"/>
+                </a:solidFill>
+              </a:rPr>
+              <a:t>Merge</a:t>
+            </a:r>
+            <a:r>
+              <a:rPr lang="de-DE" sz="2000" dirty="0" smtClean="0">
+                <a:solidFill>
+                  <a:srgbClr val="000000"/>
+                </a:solidFill>
+              </a:rPr>
+              <a:t> nicht möglich. Muss per Hand aufgehoben werden</a:t>
+            </a:r>
+          </a:p>
+          <a:p>
+            <a:pPr>
+              <a:lnSpc>
+                <a:spcPct val="150000"/>
+              </a:lnSpc>
+            </a:pPr>
+            <a:r>
+              <a:rPr lang="de-DE" sz="2000" b="1" dirty="0" smtClean="0">
+                <a:solidFill>
+                  <a:srgbClr val="000000"/>
+                </a:solidFill>
+              </a:rPr>
+              <a:t>Wichtig: </a:t>
+            </a:r>
+            <a:r>
+              <a:rPr lang="de-DE" sz="2000" dirty="0" err="1" smtClean="0">
+                <a:solidFill>
+                  <a:srgbClr val="000000"/>
+                </a:solidFill>
+              </a:rPr>
+              <a:t>Git</a:t>
+            </a:r>
+            <a:r>
+              <a:rPr lang="de-DE" sz="2000" dirty="0" smtClean="0">
+                <a:solidFill>
+                  <a:srgbClr val="000000"/>
+                </a:solidFill>
+              </a:rPr>
+              <a:t> befindet sich dabei im </a:t>
+            </a:r>
+            <a:r>
+              <a:rPr lang="de-DE" sz="2000" dirty="0" err="1" smtClean="0">
+                <a:solidFill>
+                  <a:srgbClr val="000000"/>
+                </a:solidFill>
+              </a:rPr>
+              <a:t>Merge</a:t>
+            </a:r>
+            <a:r>
+              <a:rPr lang="de-DE" sz="2000" dirty="0" smtClean="0">
+                <a:solidFill>
+                  <a:srgbClr val="000000"/>
+                </a:solidFill>
+              </a:rPr>
+              <a:t>-Modus. Erst weiter arbeiten wenn der Konflikt behoben und die Änderungen </a:t>
+            </a:r>
+            <a:r>
+              <a:rPr lang="de-DE" sz="2000" dirty="0" err="1" smtClean="0">
+                <a:solidFill>
+                  <a:srgbClr val="000000"/>
+                </a:solidFill>
+              </a:rPr>
+              <a:t>Comittet</a:t>
+            </a:r>
+            <a:r>
+              <a:rPr lang="de-DE" sz="2000" dirty="0" smtClean="0">
+                <a:solidFill>
+                  <a:srgbClr val="000000"/>
+                </a:solidFill>
+              </a:rPr>
+              <a:t> wurden. </a:t>
+            </a:r>
+            <a:endParaRPr lang="de-DE" sz="2000" b="1" dirty="0" smtClean="0">
+              <a:solidFill>
+                <a:srgbClr val="000000"/>
+              </a:solidFill>
+            </a:endParaRPr>
+          </a:p>
+          <a:p>
+            <a:endParaRPr lang="de-DE" sz="2000" dirty="0" smtClean="0">
+              <a:solidFill>
+                <a:srgbClr val="000000"/>
+              </a:solidFill>
+            </a:endParaRPr>
+          </a:p>
+          <a:p>
+            <a:endParaRPr lang="de-DE" sz="2000" b="1" dirty="0">
+              <a:solidFill>
+                <a:srgbClr val="000000"/>
+              </a:solidFill>
+            </a:endParaRPr>
+          </a:p>
+          <a:p>
+            <a:endParaRPr lang="de-DE" b="1" dirty="0">
+              <a:solidFill>
+                <a:srgbClr val="000000"/>
+              </a:solidFill>
+            </a:endParaRPr>
+          </a:p>
+        </p:txBody>
+      </p:sp>
+      <p:pic>
+        <p:nvPicPr>
+          <p:cNvPr id="1026" name="Picture 2"/>
+          <p:cNvPicPr>
+            <a:picLocks noChangeAspect="1" noChangeArrowheads="1"/>
+          </p:cNvPicPr>
+          <p:nvPr/>
+        </p:nvPicPr>
+        <p:blipFill>
+          <a:blip r:embed="rId3">
+            <a:extLst>
+              <a:ext uri="{28A0092B-C50C-407E-A947-70E740481C1C}">
+                <a14:useLocalDpi xmlns:a14="http://schemas.microsoft.com/office/drawing/2010/main" val="0"/>
+              </a:ext>
+            </a:extLst>
+          </a:blip>
+          <a:srcRect/>
+          <a:stretch>
+            <a:fillRect/>
+          </a:stretch>
+        </p:blipFill>
+        <p:spPr bwMode="auto">
+          <a:xfrm>
+            <a:off x="923656" y="3212976"/>
+            <a:ext cx="6636962" cy="2067669"/>
+          </a:xfrm>
+          <a:prstGeom prst="rect">
+            <a:avLst/>
+          </a:prstGeom>
+          <a:noFill/>
+          <a:ln>
+            <a:noFill/>
+          </a:ln>
+          <a:extLst>
+            <a:ext uri="{909E8E84-426E-40DD-AFC4-6F175D3DCCD1}">
+              <a14:hiddenFill xmlns:a14="http://schemas.microsoft.com/office/drawing/2010/main">
+                <a:solidFill>
+                  <a:schemeClr val="accent1"/>
+                </a:solidFill>
+              </a14:hiddenFill>
+            </a:ext>
+            <a:ext uri="{91240B29-F687-4F45-9708-019B960494DF}">
+              <a14:hiddenLine xmlns:a14="http://schemas.microsoft.com/office/drawing/2010/main" w="9525">
+                <a:solidFill>
+                  <a:schemeClr val="tx1"/>
+                </a:solidFill>
+                <a:miter lim="800000"/>
+                <a:headEnd/>
+                <a:tailEnd/>
+              </a14:hiddenLine>
+            </a:ext>
+          </a:extLst>
+        </p:spPr>
+      </p:pic>
+    </p:spTree>
+    <p:extLst>
+      <p:ext uri="{BB962C8B-B14F-4D97-AF65-F5344CB8AC3E}">
+        <p14:creationId xmlns:p14="http://schemas.microsoft.com/office/powerpoint/2010/main" val="3770071342"/>
+      </p:ext>
+    </p:extLst>
+  </p:cSld>
+  <p:clrMapOvr>
+    <a:masterClrMapping/>
+  </p:clrMapOvr>
+  <p:timing>
+    <p:tnLst>
+      <p:par>
+        <p:cTn id="1" dur="indefinite" restart="never" nodeType="tmRoot"/>
+      </p:par>
+    </p:tnLst>
+  </p:timing>
+</p:sld>
+</file>
+
+<file path=ppt/slides/slide27.xml><?xml version="1.0" encoding="utf-8"?>
+<p:sld xmlns:a="http://schemas.openxmlformats.org/drawingml/2006/main" xmlns:r="http://schemas.openxmlformats.org/officeDocument/2006/relationships" xmlns:p="http://schemas.openxmlformats.org/presentationml/2006/main">
+  <p:cSld>
+    <p:spTree>
+      <p:nvGrpSpPr>
+        <p:cNvPr id="1" name=""/>
+        <p:cNvGrpSpPr/>
+        <p:nvPr/>
+      </p:nvGrpSpPr>
+      <p:grpSpPr>
+        <a:xfrm>
+          <a:off x="0" y="0"/>
+          <a:ext cx="0" cy="0"/>
+          <a:chOff x="0" y="0"/>
+          <a:chExt cx="0" cy="0"/>
+        </a:xfrm>
+      </p:grpSpPr>
+      <p:sp>
+        <p:nvSpPr>
+          <p:cNvPr id="2" name="Titel 1"/>
+          <p:cNvSpPr>
+            <a:spLocks noGrp="1"/>
+          </p:cNvSpPr>
+          <p:nvPr>
+            <p:ph type="title"/>
+          </p:nvPr>
+        </p:nvSpPr>
+        <p:spPr/>
+        <p:txBody>
+          <a:bodyPr/>
+          <a:lstStyle/>
+          <a:p>
+            <a:pPr algn="ctr"/>
+            <a:r>
+              <a:rPr lang="de-DE" sz="3000" dirty="0" smtClean="0">
+                <a:solidFill>
+                  <a:srgbClr val="000000"/>
+                </a:solidFill>
+                <a:latin typeface="Arial" panose="020B0604020202020204" pitchFamily="34" charset="0"/>
+                <a:cs typeface="Arial" panose="020B0604020202020204" pitchFamily="34" charset="0"/>
+              </a:rPr>
+              <a:t>Verteilte Versionskontrolle mit </a:t>
+            </a:r>
+            <a:r>
+              <a:rPr lang="de-DE" sz="3000" dirty="0" err="1" smtClean="0">
+                <a:solidFill>
+                  <a:srgbClr val="000000"/>
+                </a:solidFill>
+                <a:latin typeface="Arial" panose="020B0604020202020204" pitchFamily="34" charset="0"/>
+                <a:cs typeface="Arial" panose="020B0604020202020204" pitchFamily="34" charset="0"/>
+              </a:rPr>
+              <a:t>Git</a:t>
+            </a:r>
+            <a:endParaRPr lang="de-DE" sz="3000" dirty="0">
+              <a:solidFill>
+                <a:srgbClr val="000000"/>
+              </a:solidFill>
+              <a:latin typeface="Arial" panose="020B0604020202020204" pitchFamily="34" charset="0"/>
+              <a:cs typeface="Arial" panose="020B0604020202020204" pitchFamily="34" charset="0"/>
+            </a:endParaRPr>
+          </a:p>
+        </p:txBody>
+      </p:sp>
+      <p:sp>
+        <p:nvSpPr>
+          <p:cNvPr id="4" name="Datumsplatzhalter 3"/>
+          <p:cNvSpPr>
+            <a:spLocks noGrp="1"/>
+          </p:cNvSpPr>
+          <p:nvPr>
+            <p:ph type="dt" sz="half" idx="10"/>
+          </p:nvPr>
+        </p:nvSpPr>
+        <p:spPr>
+          <a:xfrm>
+            <a:off x="7524328" y="6378575"/>
+            <a:ext cx="1008485" cy="365125"/>
+          </a:xfrm>
+        </p:spPr>
+        <p:txBody>
+          <a:bodyPr/>
+          <a:lstStyle/>
+          <a:p>
+            <a:pPr>
+              <a:defRPr/>
+            </a:pPr>
+            <a:fld id="{DBEF86A1-9947-4356-AD39-493A2BF305E6}" type="datetime1">
+              <a:rPr lang="de-DE" smtClean="0">
+                <a:latin typeface="Arial" panose="020B0604020202020204" pitchFamily="34" charset="0"/>
+                <a:cs typeface="Arial" panose="020B0604020202020204" pitchFamily="34" charset="0"/>
+              </a:rPr>
+              <a:pPr>
+                <a:defRPr/>
+              </a:pPr>
+              <a:t>07.11.2017</a:t>
+            </a:fld>
+            <a:endParaRPr lang="de-DE" dirty="0">
+              <a:latin typeface="Arial" panose="020B0604020202020204" pitchFamily="34" charset="0"/>
+              <a:cs typeface="Arial" panose="020B0604020202020204" pitchFamily="34" charset="0"/>
+            </a:endParaRPr>
+          </a:p>
+        </p:txBody>
+      </p:sp>
+      <p:sp>
+        <p:nvSpPr>
+          <p:cNvPr id="5" name="Fußzeilenplatzhalter 4"/>
+          <p:cNvSpPr>
+            <a:spLocks noGrp="1"/>
+          </p:cNvSpPr>
+          <p:nvPr>
+            <p:ph type="ftr" sz="quarter" idx="11"/>
+          </p:nvPr>
+        </p:nvSpPr>
+        <p:spPr/>
+        <p:txBody>
+          <a:bodyPr/>
+          <a:lstStyle/>
+          <a:p>
+            <a:pPr>
+              <a:defRPr/>
+            </a:pPr>
+            <a:r>
+              <a:rPr lang="de-DE" dirty="0" smtClean="0">
+                <a:latin typeface="Arial" panose="020B0604020202020204" pitchFamily="34" charset="0"/>
+                <a:cs typeface="Arial" panose="020B0604020202020204" pitchFamily="34" charset="0"/>
+              </a:rPr>
+              <a:t>Hochschule Furtwangen</a:t>
+            </a:r>
+            <a:endParaRPr lang="de-DE" dirty="0">
+              <a:latin typeface="Arial" panose="020B0604020202020204" pitchFamily="34" charset="0"/>
+              <a:cs typeface="Arial" panose="020B0604020202020204" pitchFamily="34" charset="0"/>
+            </a:endParaRPr>
+          </a:p>
+        </p:txBody>
+      </p:sp>
+      <p:sp>
+        <p:nvSpPr>
+          <p:cNvPr id="6" name="Foliennummernplatzhalter 5"/>
+          <p:cNvSpPr>
+            <a:spLocks noGrp="1"/>
+          </p:cNvSpPr>
+          <p:nvPr>
+            <p:ph type="sldNum" sz="quarter" idx="12"/>
+          </p:nvPr>
+        </p:nvSpPr>
+        <p:spPr>
+          <a:xfrm>
+            <a:off x="8676456" y="6021288"/>
+            <a:ext cx="359842" cy="264566"/>
+          </a:xfrm>
+        </p:spPr>
+        <p:txBody>
+          <a:bodyPr/>
+          <a:lstStyle/>
+          <a:p>
+            <a:pPr>
+              <a:defRPr/>
+            </a:pPr>
+            <a:fld id="{3C74D409-5571-4F32-B32A-C943406F16F9}" type="slidenum">
+              <a:rPr lang="de-DE" smtClean="0">
+                <a:latin typeface="Arial" panose="020B0604020202020204" pitchFamily="34" charset="0"/>
+                <a:cs typeface="Arial" panose="020B0604020202020204" pitchFamily="34" charset="0"/>
+              </a:rPr>
+              <a:pPr>
+                <a:defRPr/>
+              </a:pPr>
+              <a:t>27</a:t>
+            </a:fld>
+            <a:endParaRPr lang="de-DE" dirty="0">
+              <a:latin typeface="Arial" panose="020B0604020202020204" pitchFamily="34" charset="0"/>
+              <a:cs typeface="Arial" panose="020B0604020202020204" pitchFamily="34" charset="0"/>
+            </a:endParaRPr>
+          </a:p>
+        </p:txBody>
+      </p:sp>
+      <p:sp>
+        <p:nvSpPr>
+          <p:cNvPr id="3" name="Inhaltsplatzhalter 2"/>
+          <p:cNvSpPr>
+            <a:spLocks noGrp="1"/>
+          </p:cNvSpPr>
+          <p:nvPr>
+            <p:ph idx="1"/>
+          </p:nvPr>
+        </p:nvSpPr>
+        <p:spPr/>
+        <p:txBody>
+          <a:bodyPr/>
+          <a:lstStyle/>
+          <a:p>
+            <a:pPr>
+              <a:lnSpc>
+                <a:spcPct val="200000"/>
+              </a:lnSpc>
+            </a:pPr>
+            <a:r>
+              <a:rPr lang="de-DE" sz="2000" b="1" dirty="0" err="1" smtClean="0">
+                <a:solidFill>
+                  <a:srgbClr val="000000"/>
+                </a:solidFill>
+              </a:rPr>
+              <a:t>GitHub</a:t>
+            </a:r>
+            <a:r>
+              <a:rPr lang="de-DE" sz="2000" b="1" dirty="0" smtClean="0">
+                <a:solidFill>
+                  <a:srgbClr val="000000"/>
+                </a:solidFill>
+              </a:rPr>
+              <a:t>: </a:t>
+            </a:r>
+            <a:r>
+              <a:rPr lang="de-DE" sz="2000" dirty="0" err="1" smtClean="0">
+                <a:solidFill>
+                  <a:srgbClr val="000000"/>
+                </a:solidFill>
+              </a:rPr>
+              <a:t>Hostingdienst</a:t>
+            </a:r>
+            <a:r>
+              <a:rPr lang="de-DE" sz="2000" dirty="0" smtClean="0">
+                <a:solidFill>
+                  <a:srgbClr val="000000"/>
+                </a:solidFill>
+              </a:rPr>
+              <a:t> von Repositories</a:t>
+            </a:r>
+          </a:p>
+          <a:p>
+            <a:pPr>
+              <a:lnSpc>
+                <a:spcPct val="200000"/>
+              </a:lnSpc>
+            </a:pPr>
+            <a:r>
+              <a:rPr lang="de-DE" sz="2000" dirty="0" err="1" smtClean="0">
+                <a:solidFill>
+                  <a:srgbClr val="000000"/>
+                </a:solidFill>
+              </a:rPr>
+              <a:t>GitHub</a:t>
+            </a:r>
+            <a:r>
+              <a:rPr lang="de-DE" sz="2000" dirty="0" smtClean="0">
+                <a:solidFill>
+                  <a:srgbClr val="000000"/>
+                </a:solidFill>
+              </a:rPr>
+              <a:t> </a:t>
+            </a:r>
+            <a:r>
+              <a:rPr lang="de-DE" sz="2000" dirty="0" smtClean="0">
+                <a:solidFill>
+                  <a:srgbClr val="FF0000"/>
+                </a:solidFill>
+                <a:latin typeface="Verdana"/>
+                <a:ea typeface="Verdana"/>
+                <a:cs typeface="Verdana"/>
+              </a:rPr>
+              <a:t>≠</a:t>
+            </a:r>
+            <a:r>
+              <a:rPr lang="de-DE" sz="2000" dirty="0" err="1" smtClean="0">
+                <a:solidFill>
+                  <a:srgbClr val="000000"/>
+                </a:solidFill>
+                <a:latin typeface="+mj-lt"/>
+                <a:ea typeface="Verdana"/>
+                <a:cs typeface="Verdana"/>
+              </a:rPr>
+              <a:t>Git</a:t>
+            </a:r>
+            <a:endParaRPr lang="de-DE" sz="2000" dirty="0" smtClean="0">
+              <a:solidFill>
+                <a:srgbClr val="000000"/>
+              </a:solidFill>
+              <a:latin typeface="+mj-lt"/>
+            </a:endParaRPr>
+          </a:p>
+          <a:p>
+            <a:pPr>
+              <a:lnSpc>
+                <a:spcPct val="200000"/>
+              </a:lnSpc>
+            </a:pPr>
+            <a:r>
+              <a:rPr lang="de-DE" sz="2000" smtClean="0">
+                <a:solidFill>
+                  <a:srgbClr val="000000"/>
+                </a:solidFill>
+              </a:rPr>
+              <a:t>Repositories </a:t>
+            </a:r>
+            <a:r>
+              <a:rPr lang="de-DE" sz="2000" dirty="0" smtClean="0">
+                <a:solidFill>
+                  <a:srgbClr val="000000"/>
+                </a:solidFill>
+              </a:rPr>
+              <a:t>anlegen</a:t>
+            </a:r>
+          </a:p>
+          <a:p>
+            <a:pPr>
+              <a:lnSpc>
+                <a:spcPct val="200000"/>
+              </a:lnSpc>
+            </a:pPr>
+            <a:r>
+              <a:rPr lang="de-DE" sz="2000" dirty="0" smtClean="0">
+                <a:solidFill>
+                  <a:srgbClr val="000000"/>
+                </a:solidFill>
+              </a:rPr>
+              <a:t>Projekte überblicken</a:t>
+            </a:r>
+          </a:p>
+          <a:p>
+            <a:pPr>
+              <a:lnSpc>
+                <a:spcPct val="200000"/>
+              </a:lnSpc>
+            </a:pPr>
+            <a:r>
+              <a:rPr lang="de-DE" sz="2000" dirty="0" smtClean="0">
+                <a:solidFill>
+                  <a:srgbClr val="000000"/>
+                </a:solidFill>
+              </a:rPr>
+              <a:t>Versionen speichern, löschen und wiederherstellen</a:t>
+            </a:r>
+          </a:p>
+          <a:p>
+            <a:pPr>
+              <a:lnSpc>
+                <a:spcPct val="200000"/>
+              </a:lnSpc>
+            </a:pPr>
+            <a:r>
+              <a:rPr lang="de-DE" sz="2000" dirty="0" smtClean="0">
+                <a:solidFill>
+                  <a:srgbClr val="000000"/>
+                </a:solidFill>
+              </a:rPr>
+              <a:t>Teilen von Code</a:t>
+            </a:r>
+          </a:p>
+          <a:p>
+            <a:pPr>
+              <a:lnSpc>
+                <a:spcPct val="200000"/>
+              </a:lnSpc>
+            </a:pPr>
+            <a:r>
+              <a:rPr lang="de-DE" sz="2000" dirty="0" smtClean="0">
+                <a:solidFill>
+                  <a:srgbClr val="000000"/>
+                </a:solidFill>
+              </a:rPr>
+              <a:t>Kommentare für </a:t>
+            </a:r>
+            <a:r>
+              <a:rPr lang="de-DE" sz="2000" dirty="0" err="1" smtClean="0">
+                <a:solidFill>
+                  <a:srgbClr val="000000"/>
+                </a:solidFill>
+              </a:rPr>
+              <a:t>Commits</a:t>
+            </a:r>
+            <a:r>
+              <a:rPr lang="de-DE" sz="2000" dirty="0" smtClean="0">
+                <a:solidFill>
+                  <a:srgbClr val="000000"/>
+                </a:solidFill>
+              </a:rPr>
+              <a:t> einsehen und hinterlassen </a:t>
+            </a:r>
+            <a:endParaRPr lang="de-DE" sz="2000" b="1" dirty="0">
+              <a:solidFill>
+                <a:srgbClr val="000000"/>
+              </a:solidFill>
+            </a:endParaRPr>
+          </a:p>
+        </p:txBody>
+      </p:sp>
+      <p:pic>
+        <p:nvPicPr>
+          <p:cNvPr id="7" name="Grafik 6"/>
+          <p:cNvPicPr>
+            <a:picLocks noChangeAspect="1"/>
+          </p:cNvPicPr>
+          <p:nvPr/>
+        </p:nvPicPr>
+        <p:blipFill>
+          <a:blip r:embed="rId3">
+            <a:extLst>
+              <a:ext uri="{28A0092B-C50C-407E-A947-70E740481C1C}">
+                <a14:useLocalDpi xmlns:a14="http://schemas.microsoft.com/office/drawing/2010/main" val="0"/>
+              </a:ext>
+            </a:extLst>
+          </a:blip>
+          <a:stretch>
+            <a:fillRect/>
+          </a:stretch>
+        </p:blipFill>
+        <p:spPr>
+          <a:xfrm>
+            <a:off x="4788024" y="1772816"/>
+            <a:ext cx="2971800" cy="982980"/>
+          </a:xfrm>
+          <a:prstGeom prst="rect">
+            <a:avLst/>
+          </a:prstGeom>
+        </p:spPr>
+      </p:pic>
+    </p:spTree>
+    <p:extLst>
+      <p:ext uri="{BB962C8B-B14F-4D97-AF65-F5344CB8AC3E}">
+        <p14:creationId xmlns:p14="http://schemas.microsoft.com/office/powerpoint/2010/main" val="3879356009"/>
       </p:ext>
     </p:extLst>
   </p:cSld>
@@ -15079,7 +16571,25 @@
                 </a:solidFill>
                 <a:cs typeface="Arial" panose="020B0604020202020204" pitchFamily="34" charset="0"/>
               </a:rPr>
-              <a:t>Versionen von Dateien erstellen um diese je nach Gebrauch zu verwalten </a:t>
+              <a:t>Versionen von Dateien erstellen um diese je nach </a:t>
+            </a:r>
+            <a:r>
+              <a:rPr lang="de-DE" sz="2000" dirty="0" smtClean="0">
+                <a:solidFill>
+                  <a:srgbClr val="000000"/>
+                </a:solidFill>
+                <a:cs typeface="Arial" panose="020B0604020202020204" pitchFamily="34" charset="0"/>
+              </a:rPr>
+              <a:t>Anwendung zu </a:t>
+            </a:r>
+            <a:r>
+              <a:rPr lang="de-DE" sz="2000" dirty="0" smtClean="0">
+                <a:solidFill>
+                  <a:srgbClr val="000000"/>
+                </a:solidFill>
+                <a:cs typeface="Arial" panose="020B0604020202020204" pitchFamily="34" charset="0"/>
+              </a:rPr>
+              <a:t>verwalten </a:t>
             </a:r>
           </a:p>
           <a:p>
@@ -16536,7 +18046,7 @@
                 </a:solidFill>
                 <a:cs typeface="Arial" panose="020B0604020202020204" pitchFamily="34" charset="0"/>
               </a:rPr>
-              <a:t>Dezentral:</a:t>
+              <a:t>Verteilt:</a:t>
             </a:r>
             <a:endParaRPr lang="de-DE" sz="2000" dirty="0">
               <a:solidFill>

--- a/Thesis-Präsentation.pptx
+++ b/Thesis-Präsentation.pptx
@@ -5,7 +5,7 @@
     <p:sldMasterId id="2147483648" r:id="rId1"/>
   </p:sldMasterIdLst>
   <p:notesMasterIdLst>
-    <p:notesMasterId r:id="rId29"/>
+    <p:notesMasterId r:id="rId33"/>
   </p:notesMasterIdLst>
   <p:sldIdLst>
     <p:sldId id="257" r:id="rId2"/>
@@ -35,6 +35,10 @@
     <p:sldId id="287" r:id="rId26"/>
     <p:sldId id="291" r:id="rId27"/>
     <p:sldId id="290" r:id="rId28"/>
+    <p:sldId id="294" r:id="rId29"/>
+    <p:sldId id="297" r:id="rId30"/>
+    <p:sldId id="296" r:id="rId31"/>
+    <p:sldId id="295" r:id="rId32"/>
   </p:sldIdLst>
   <p:sldSz cx="9144000" cy="6858000" type="screen4x3"/>
   <p:notesSz cx="6858000" cy="9144000"/>
@@ -1905,6 +1909,71 @@
             </a:r>
           </a:p>
           <a:p>
+            <a:pPr marL="171450" marR="0" indent="-171450" algn="l" defTabSz="914400" rtl="0" eaLnBrk="0" fontAlgn="base" latinLnBrk="0" hangingPunct="0">
+              <a:lnSpc>
+                <a:spcPct val="100000"/>
+              </a:lnSpc>
+              <a:spcBef>
+                <a:spcPct val="30000"/>
+              </a:spcBef>
+              <a:spcAft>
+                <a:spcPct val="0"/>
+              </a:spcAft>
+              <a:buClrTx/>
+              <a:buSzTx/>
+              <a:buFont typeface="Arial" panose="020B0604020202020204" pitchFamily="34" charset="0"/>
+              <a:buChar char="•"/>
+              <a:tabLst/>
+              <a:defRPr/>
+            </a:pPr>
+            <a:r>
+              <a:rPr lang="de-DE" baseline="0" dirty="0" err="1" smtClean="0">
+                <a:latin typeface="+mn-lt"/>
+              </a:rPr>
+              <a:t>Git</a:t>
+            </a:r>
+            <a:r>
+              <a:rPr lang="de-DE" baseline="0" dirty="0" smtClean="0">
+                <a:latin typeface="+mn-lt"/>
+              </a:rPr>
+              <a:t> ist ein </a:t>
+            </a:r>
+            <a:r>
+              <a:rPr lang="de-DE" sz="1200" dirty="0" smtClean="0">
+                <a:solidFill>
+                  <a:srgbClr val="000000"/>
+                </a:solidFill>
+                <a:latin typeface="Arial Narrow" panose="020B0606020202030204" pitchFamily="34" charset="0"/>
+                <a:cs typeface="Arial" panose="020B0604020202020204" pitchFamily="34" charset="0"/>
+              </a:rPr>
+              <a:t>Reines Kommandozeilenprogramm</a:t>
+            </a:r>
+            <a:r>
+              <a:rPr lang="de-DE" sz="1200" baseline="0" dirty="0" smtClean="0">
+                <a:solidFill>
+                  <a:srgbClr val="000000"/>
+                </a:solidFill>
+                <a:latin typeface="Arial Narrow" panose="020B0606020202030204" pitchFamily="34" charset="0"/>
+                <a:cs typeface="Arial" panose="020B0604020202020204" pitchFamily="34" charset="0"/>
+              </a:rPr>
+              <a:t> </a:t>
+            </a:r>
+            <a:r>
+              <a:rPr lang="de-DE" sz="1200" baseline="0" dirty="0" smtClean="0">
+                <a:solidFill>
+                  <a:srgbClr val="000000"/>
+                </a:solidFill>
+                <a:latin typeface="Arial Narrow" panose="020B0606020202030204" pitchFamily="34" charset="0"/>
+                <a:cs typeface="Arial" panose="020B0604020202020204" pitchFamily="34" charset="0"/>
+                <a:sym typeface="Wingdings" panose="05000000000000000000" pitchFamily="2" charset="2"/>
+              </a:rPr>
+              <a:t> wird später noch wichtig </a:t>
+            </a:r>
+            <a:endParaRPr lang="de-DE" baseline="0" dirty="0" smtClean="0">
+              <a:latin typeface="+mn-lt"/>
+            </a:endParaRPr>
+          </a:p>
+          <a:p>
             <a:pPr marL="171450" indent="-171450">
               <a:buFont typeface="Arial" panose="020B0604020202020204" pitchFamily="34" charset="0"/>
               <a:buChar char="•"/>
@@ -2576,13 +2645,7 @@
               <a:rPr lang="de-DE" baseline="0" dirty="0" smtClean="0">
                 <a:latin typeface="+mn-lt"/>
               </a:rPr>
-              <a:t>während andere Systeme ihre Eigenschaften auf ihre Vorgänger oder Quasi-Vorgänger </a:t>
-            </a:r>
-            <a:r>
-              <a:rPr lang="de-DE" baseline="0" dirty="0" smtClean="0">
-                <a:latin typeface="+mn-lt"/>
-              </a:rPr>
-              <a:t>aufbauen</a:t>
+              <a:t>während andere Systeme ihre Eigenschaften auf ihre Vorgänger oder Quasi-Vorgänger aufbauen</a:t>
             </a:r>
           </a:p>
           <a:p>
@@ -2663,23 +2726,8 @@
               <a:rPr lang="de-DE" baseline="0" dirty="0" smtClean="0">
                 <a:latin typeface="+mn-lt"/>
               </a:rPr>
-              <a:t> das es mit Schlüssel-Wert-Paaren arbeitet, </a:t>
-            </a:r>
-            <a:r>
-              <a:rPr lang="de-DE" baseline="0" dirty="0" smtClean="0">
-                <a:latin typeface="+mn-lt"/>
-              </a:rPr>
-              <a:t>der Schlüssel ist der </a:t>
-            </a:r>
-            <a:r>
-              <a:rPr lang="de-DE" baseline="0" dirty="0" smtClean="0">
-                <a:latin typeface="+mn-lt"/>
-              </a:rPr>
-              <a:t>Hash-Wert…</a:t>
-            </a:r>
-            <a:endParaRPr lang="de-DE" baseline="0" dirty="0" smtClean="0">
-              <a:latin typeface="+mn-lt"/>
-            </a:endParaRPr>
+              <a:t> das es mit Schlüssel-Wert-Paaren arbeitet, der Schlüssel ist der Hash-Wert…</a:t>
+            </a:r>
           </a:p>
           <a:p>
             <a:pPr marL="171450" indent="-171450">
@@ -2714,23 +2762,8 @@
               <a:rPr lang="de-DE" baseline="0" dirty="0" smtClean="0">
                 <a:latin typeface="+mn-lt"/>
               </a:rPr>
-              <a:t>Somit enthält dieser Hash-Wert alle </a:t>
-            </a:r>
-            <a:r>
-              <a:rPr lang="de-DE" baseline="0" dirty="0" smtClean="0">
-                <a:latin typeface="+mn-lt"/>
-              </a:rPr>
-              <a:t>Informationen des bis dahin erstellten </a:t>
-            </a:r>
-            <a:r>
-              <a:rPr lang="de-DE" baseline="0" dirty="0" smtClean="0">
-                <a:latin typeface="+mn-lt"/>
-              </a:rPr>
-              <a:t>Dateibaums oder der Änderungshistorie</a:t>
-            </a:r>
-            <a:endParaRPr lang="de-DE" baseline="0" dirty="0" smtClean="0">
-              <a:latin typeface="+mn-lt"/>
-            </a:endParaRPr>
+              <a:t>Somit enthält dieser Hash-Wert alle Informationen des bis dahin erstellten Dateibaums oder der Änderungshistorie</a:t>
+            </a:r>
           </a:p>
           <a:p>
             <a:pPr marL="171450" indent="-171450">
@@ -2755,9 +2788,6 @@
               </a:rPr>
               <a:t> nicht wie eine herkömmliche Versionsverwaltung arbeitet, sondern wie ein Dateisystem, welches wichtige Werkzeuge besitzt</a:t>
             </a:r>
-            <a:endParaRPr lang="de-DE" baseline="0" dirty="0" smtClean="0">
-              <a:latin typeface="+mn-lt"/>
-            </a:endParaRPr>
           </a:p>
         </p:txBody>
       </p:sp>
@@ -2855,13 +2885,7 @@
               <a:rPr lang="de-DE" baseline="0" dirty="0" smtClean="0">
                 <a:latin typeface="+mn-lt"/>
               </a:rPr>
-              <a:t>Repository liegt als komplette Kopie des Projekts aus dem Server lokal </a:t>
-            </a:r>
-            <a:r>
-              <a:rPr lang="de-DE" baseline="0" dirty="0" smtClean="0">
-                <a:latin typeface="+mn-lt"/>
-              </a:rPr>
-              <a:t>vor</a:t>
+              <a:t>Repository liegt als komplette Kopie des Projekts aus dem Server lokal vor</a:t>
             </a:r>
           </a:p>
           <a:p>
@@ -2875,6 +2899,60 @@
               </a:rPr>
               <a:t>Dadurch wird ein schnelleres Arbeiten ohne Verzögerungen gewährleistet</a:t>
             </a:r>
+          </a:p>
+          <a:p>
+            <a:pPr marL="171450" indent="-171450">
+              <a:buFont typeface="Arial" panose="020B0604020202020204" pitchFamily="34" charset="0"/>
+              <a:buChar char="•"/>
+            </a:pPr>
+            <a:r>
+              <a:rPr lang="de-DE" baseline="0" dirty="0" smtClean="0">
+                <a:latin typeface="+mn-lt"/>
+              </a:rPr>
+              <a:t>Es ist KEINE ständige Netzwerkverbindung notwendig</a:t>
+            </a:r>
+          </a:p>
+          <a:p>
+            <a:pPr marL="171450" indent="-171450">
+              <a:buFont typeface="Arial" panose="020B0604020202020204" pitchFamily="34" charset="0"/>
+              <a:buChar char="•"/>
+            </a:pPr>
+            <a:r>
+              <a:rPr lang="de-DE" baseline="0" dirty="0" smtClean="0">
+                <a:latin typeface="+mn-lt"/>
+              </a:rPr>
+              <a:t>Repository auf dem Server oft als „</a:t>
+            </a:r>
+            <a:r>
+              <a:rPr lang="de-DE" baseline="0" dirty="0" err="1" smtClean="0">
+                <a:latin typeface="+mn-lt"/>
+              </a:rPr>
+              <a:t>origin</a:t>
+            </a:r>
+            <a:r>
+              <a:rPr lang="de-DE" baseline="0" dirty="0" smtClean="0">
+                <a:latin typeface="+mn-lt"/>
+              </a:rPr>
+              <a:t>“ also Quelle bezeichnet </a:t>
+            </a:r>
+          </a:p>
+          <a:p>
+            <a:pPr marL="171450" indent="-171450">
+              <a:buFont typeface="Arial" panose="020B0604020202020204" pitchFamily="34" charset="0"/>
+              <a:buChar char="•"/>
+            </a:pPr>
+            <a:r>
+              <a:rPr lang="de-DE" baseline="0" dirty="0" smtClean="0">
+                <a:latin typeface="+mn-lt"/>
+              </a:rPr>
+              <a:t>Lokale Kopie enthält ebenfalls komplette Änderungshistorie</a:t>
+            </a:r>
+          </a:p>
+          <a:p>
+            <a:pPr marL="171450" indent="-171450">
+              <a:buFont typeface="Arial" panose="020B0604020202020204" pitchFamily="34" charset="0"/>
+              <a:buChar char="•"/>
+            </a:pPr>
             <a:endParaRPr lang="de-DE" baseline="0" dirty="0" smtClean="0">
               <a:latin typeface="+mn-lt"/>
             </a:endParaRPr>
@@ -2888,69 +2966,6 @@
               <a:rPr lang="de-DE" baseline="0" dirty="0" smtClean="0">
                 <a:latin typeface="+mn-lt"/>
               </a:rPr>
-              <a:t>Es ist KEINE ständige Netzwerkverbindung notwendig</a:t>
-            </a:r>
-          </a:p>
-          <a:p>
-            <a:pPr marL="171450" indent="-171450">
-              <a:buFont typeface="Arial" panose="020B0604020202020204" pitchFamily="34" charset="0"/>
-              <a:buChar char="•"/>
-            </a:pPr>
-            <a:r>
-              <a:rPr lang="de-DE" baseline="0" dirty="0" smtClean="0">
-                <a:latin typeface="+mn-lt"/>
-              </a:rPr>
-              <a:t>Repository </a:t>
-            </a:r>
-            <a:r>
-              <a:rPr lang="de-DE" baseline="0" dirty="0" smtClean="0">
-                <a:latin typeface="+mn-lt"/>
-              </a:rPr>
-              <a:t>auf dem Server oft als „</a:t>
-            </a:r>
-            <a:r>
-              <a:rPr lang="de-DE" baseline="0" dirty="0" err="1" smtClean="0">
-                <a:latin typeface="+mn-lt"/>
-              </a:rPr>
-              <a:t>origin</a:t>
-            </a:r>
-            <a:r>
-              <a:rPr lang="de-DE" baseline="0" dirty="0" smtClean="0">
-                <a:latin typeface="+mn-lt"/>
-              </a:rPr>
-              <a:t>“ also Quelle bezeichnet </a:t>
-            </a:r>
-          </a:p>
-          <a:p>
-            <a:pPr marL="171450" indent="-171450">
-              <a:buFont typeface="Arial" panose="020B0604020202020204" pitchFamily="34" charset="0"/>
-              <a:buChar char="•"/>
-            </a:pPr>
-            <a:r>
-              <a:rPr lang="de-DE" baseline="0" dirty="0" smtClean="0">
-                <a:latin typeface="+mn-lt"/>
-              </a:rPr>
-              <a:t>Lokale Kopie enthält ebenfalls komplette Änderungshistorie</a:t>
-            </a:r>
-          </a:p>
-          <a:p>
-            <a:pPr marL="171450" indent="-171450">
-              <a:buFont typeface="Arial" panose="020B0604020202020204" pitchFamily="34" charset="0"/>
-              <a:buChar char="•"/>
-            </a:pPr>
-            <a:endParaRPr lang="de-DE" baseline="0" dirty="0" smtClean="0">
-              <a:latin typeface="+mn-lt"/>
-            </a:endParaRPr>
-          </a:p>
-          <a:p>
-            <a:pPr marL="171450" indent="-171450">
-              <a:buFont typeface="Arial" panose="020B0604020202020204" pitchFamily="34" charset="0"/>
-              <a:buChar char="•"/>
-            </a:pPr>
-            <a:r>
-              <a:rPr lang="de-DE" baseline="0" dirty="0" smtClean="0">
-                <a:latin typeface="+mn-lt"/>
-              </a:rPr>
               <a:t>Zwar gab es </a:t>
             </a:r>
             <a:r>
@@ -2986,29 +3001,8 @@
               <a:rPr lang="de-DE" baseline="0" dirty="0" smtClean="0">
                 <a:latin typeface="+mn-lt"/>
               </a:rPr>
-              <a:t>doch </a:t>
-            </a:r>
-            <a:r>
-              <a:rPr lang="de-DE" baseline="0" dirty="0" smtClean="0">
-                <a:latin typeface="+mn-lt"/>
-              </a:rPr>
-              <a:t>der Einsatz war immer </a:t>
-            </a:r>
-            <a:r>
-              <a:rPr lang="de-DE" baseline="0" dirty="0" smtClean="0">
-                <a:latin typeface="+mn-lt"/>
-              </a:rPr>
-              <a:t>mit Aufwand </a:t>
-            </a:r>
-            <a:r>
-              <a:rPr lang="de-DE" baseline="0" dirty="0" smtClean="0">
-                <a:latin typeface="+mn-lt"/>
-              </a:rPr>
-              <a:t>verbunden</a:t>
-            </a:r>
-            <a:endParaRPr lang="de-DE" baseline="0" dirty="0" smtClean="0">
-              <a:latin typeface="+mn-lt"/>
-            </a:endParaRPr>
+              <a:t>doch der Einsatz war immer mit Aufwand verbunden</a:t>
+            </a:r>
           </a:p>
           <a:p>
             <a:pPr marL="171450" indent="-171450">
@@ -3352,7 +3346,7 @@
               <a:rPr lang="de-DE" baseline="0" dirty="0" smtClean="0">
                 <a:latin typeface="+mn-lt"/>
               </a:rPr>
-              <a:t>Repository liegt als komplette Kopie des Projekts aus dem Server lokal vor</a:t>
+              <a:t>Meisten Versionsverwaltungssysteme operieren auf zwei Ebenen</a:t>
             </a:r>
           </a:p>
           <a:p>
@@ -3361,11 +3355,41 @@
               <a:buChar char="•"/>
             </a:pPr>
             <a:r>
+              <a:rPr lang="de-DE" baseline="0" dirty="0" err="1" smtClean="0">
+                <a:latin typeface="+mn-lt"/>
+              </a:rPr>
+              <a:t>Git</a:t>
+            </a:r>
+            <a:r>
               <a:rPr lang="de-DE" baseline="0" dirty="0" smtClean="0">
                 <a:latin typeface="+mn-lt"/>
               </a:rPr>
-              <a:t>Es ist KEINE ständige Netzwerkverbindung notwendig</a:t>
-            </a:r>
+              <a:t> weist als Besonderheit eine dritte Ebene auf</a:t>
+            </a:r>
+            <a:r>
+              <a:rPr lang="de-DE" baseline="0" dirty="0" smtClean="0">
+                <a:latin typeface="+mn-lt"/>
+                <a:sym typeface="Wingdings" panose="05000000000000000000" pitchFamily="2" charset="2"/>
+              </a:rPr>
+              <a:t> Die </a:t>
+            </a:r>
+            <a:r>
+              <a:rPr lang="de-DE" baseline="0" dirty="0" err="1" smtClean="0">
+                <a:latin typeface="+mn-lt"/>
+                <a:sym typeface="Wingdings" panose="05000000000000000000" pitchFamily="2" charset="2"/>
+              </a:rPr>
+              <a:t>Staging</a:t>
+            </a:r>
+            <a:r>
+              <a:rPr lang="de-DE" baseline="0" dirty="0" smtClean="0">
+                <a:latin typeface="+mn-lt"/>
+                <a:sym typeface="Wingdings" panose="05000000000000000000" pitchFamily="2" charset="2"/>
+              </a:rPr>
+              <a:t> Area o. Index</a:t>
+            </a:r>
+            <a:endParaRPr lang="de-DE" baseline="0" dirty="0" smtClean="0">
+              <a:latin typeface="+mn-lt"/>
+            </a:endParaRPr>
           </a:p>
           <a:p>
             <a:pPr marL="171450" indent="-171450">
@@ -3373,53 +3397,264 @@
               <a:buChar char="•"/>
             </a:pPr>
             <a:r>
-              <a:rPr lang="de-DE" baseline="0" dirty="0" err="1" smtClean="0">
-                <a:latin typeface="+mn-lt"/>
-              </a:rPr>
-              <a:t>Repo</a:t>
-            </a:r>
-            <a:r>
               <a:rPr lang="de-DE" baseline="0" dirty="0" smtClean="0">
                 <a:latin typeface="+mn-lt"/>
               </a:rPr>
-              <a:t> auf dem Server oft als „</a:t>
-            </a:r>
-            <a:r>
-              <a:rPr lang="de-DE" baseline="0" dirty="0" err="1" smtClean="0">
-                <a:latin typeface="+mn-lt"/>
-              </a:rPr>
-              <a:t>origin</a:t>
-            </a:r>
-            <a:r>
-              <a:rPr lang="de-DE" baseline="0" dirty="0" smtClean="0">
-                <a:latin typeface="+mn-lt"/>
-              </a:rPr>
-              <a:t>“ also Quelle bezeichnet </a:t>
-            </a:r>
-          </a:p>
-          <a:p>
-            <a:pPr marL="171450" indent="-171450">
+              <a:t>Ablauf:</a:t>
+            </a:r>
+          </a:p>
+          <a:p>
+            <a:pPr marL="628650" lvl="1" indent="-171450">
               <a:buFont typeface="Arial" panose="020B0604020202020204" pitchFamily="34" charset="0"/>
               <a:buChar char="•"/>
             </a:pPr>
             <a:r>
+              <a:rPr lang="de-DE" baseline="0" dirty="0" err="1" smtClean="0">
+                <a:latin typeface="+mn-lt"/>
+              </a:rPr>
+              <a:t>Zünachst</a:t>
+            </a:r>
+            <a:r>
               <a:rPr lang="de-DE" baseline="0" dirty="0" smtClean="0">
                 <a:latin typeface="+mn-lt"/>
               </a:rPr>
-              <a:t>Lokale Kopie enthält ebenfalls komplette Änderungshistorie</a:t>
-            </a:r>
-          </a:p>
-          <a:p>
-            <a:pPr marL="171450" indent="-171450">
+              <a:t> wird ein Projektes aus dem lokalen Repository in das </a:t>
+            </a:r>
+            <a:r>
+              <a:rPr lang="de-DE" baseline="0" dirty="0" err="1" smtClean="0">
+                <a:latin typeface="+mn-lt"/>
+              </a:rPr>
+              <a:t>working</a:t>
+            </a:r>
+            <a:r>
+              <a:rPr lang="de-DE" baseline="0" dirty="0" smtClean="0">
+                <a:latin typeface="+mn-lt"/>
+              </a:rPr>
+              <a:t> </a:t>
+            </a:r>
+            <a:r>
+              <a:rPr lang="de-DE" baseline="0" dirty="0" err="1" smtClean="0">
+                <a:latin typeface="+mn-lt"/>
+              </a:rPr>
+              <a:t>directory</a:t>
+            </a:r>
+            <a:r>
+              <a:rPr lang="de-DE" baseline="0" dirty="0" smtClean="0">
+                <a:latin typeface="+mn-lt"/>
+              </a:rPr>
+              <a:t> ausgecheckt</a:t>
+            </a:r>
+          </a:p>
+          <a:p>
+            <a:pPr marL="628650" lvl="1" indent="-171450">
               <a:buFont typeface="Arial" panose="020B0604020202020204" pitchFamily="34" charset="0"/>
               <a:buChar char="•"/>
             </a:pPr>
+            <a:r>
+              <a:rPr lang="de-DE" baseline="0" dirty="0" smtClean="0">
+                <a:latin typeface="+mn-lt"/>
+              </a:rPr>
+              <a:t>Das Working </a:t>
+            </a:r>
+            <a:r>
+              <a:rPr lang="de-DE" baseline="0" dirty="0" err="1" smtClean="0">
+                <a:latin typeface="+mn-lt"/>
+              </a:rPr>
+              <a:t>directory</a:t>
+            </a:r>
+            <a:r>
+              <a:rPr lang="de-DE" baseline="0" dirty="0" smtClean="0">
+                <a:latin typeface="+mn-lt"/>
+              </a:rPr>
+              <a:t> ist der Ort, an dem ich meine Arbeit lokal durchführe</a:t>
+            </a:r>
+          </a:p>
+          <a:p>
+            <a:pPr marL="628650" lvl="1" indent="-171450">
+              <a:buFont typeface="Arial" panose="020B0604020202020204" pitchFamily="34" charset="0"/>
+              <a:buChar char="•"/>
+            </a:pPr>
+            <a:r>
+              <a:rPr lang="de-DE" baseline="0" dirty="0" smtClean="0">
+                <a:latin typeface="+mn-lt"/>
+              </a:rPr>
+              <a:t>Nach getaner Arbeit erkennt </a:t>
+            </a:r>
+            <a:r>
+              <a:rPr lang="de-DE" baseline="0" dirty="0" err="1" smtClean="0">
+                <a:latin typeface="+mn-lt"/>
+              </a:rPr>
+              <a:t>Git</a:t>
+            </a:r>
+            <a:r>
+              <a:rPr lang="de-DE" baseline="0" dirty="0" smtClean="0">
+                <a:latin typeface="+mn-lt"/>
+              </a:rPr>
+              <a:t> das Änderungen vorgenommen wurden </a:t>
+            </a:r>
+            <a:r>
+              <a:rPr lang="de-DE" baseline="0" dirty="0" smtClean="0">
+                <a:latin typeface="+mn-lt"/>
+                <a:sym typeface="Wingdings" panose="05000000000000000000" pitchFamily="2" charset="2"/>
+              </a:rPr>
+              <a:t> </a:t>
+            </a:r>
+            <a:r>
+              <a:rPr lang="de-DE" baseline="0" dirty="0" err="1" smtClean="0">
+                <a:latin typeface="+mn-lt"/>
+                <a:sym typeface="Wingdings" panose="05000000000000000000" pitchFamily="2" charset="2"/>
+              </a:rPr>
+              <a:t>datei</a:t>
+            </a:r>
+            <a:r>
+              <a:rPr lang="de-DE" baseline="0" dirty="0" smtClean="0">
+                <a:latin typeface="+mn-lt"/>
+                <a:sym typeface="Wingdings" panose="05000000000000000000" pitchFamily="2" charset="2"/>
+              </a:rPr>
+              <a:t> als „</a:t>
+            </a:r>
+            <a:r>
+              <a:rPr lang="de-DE" baseline="0" dirty="0" err="1" smtClean="0">
+                <a:latin typeface="+mn-lt"/>
+                <a:sym typeface="Wingdings" panose="05000000000000000000" pitchFamily="2" charset="2"/>
+              </a:rPr>
+              <a:t>modified</a:t>
+            </a:r>
+            <a:r>
+              <a:rPr lang="de-DE" baseline="0" dirty="0" smtClean="0">
+                <a:latin typeface="+mn-lt"/>
+                <a:sym typeface="Wingdings" panose="05000000000000000000" pitchFamily="2" charset="2"/>
+              </a:rPr>
+              <a:t>“ gekennzeichnet</a:t>
+            </a:r>
+          </a:p>
+          <a:p>
+            <a:pPr marL="628650" lvl="1" indent="-171450">
+              <a:buFont typeface="Arial" panose="020B0604020202020204" pitchFamily="34" charset="0"/>
+              <a:buChar char="•"/>
+            </a:pPr>
+            <a:r>
+              <a:rPr lang="de-DE" baseline="0" dirty="0" smtClean="0">
+                <a:latin typeface="+mn-lt"/>
+                <a:sym typeface="Wingdings" panose="05000000000000000000" pitchFamily="2" charset="2"/>
+              </a:rPr>
+              <a:t>Indem ich diese Dateien in die </a:t>
+            </a:r>
+            <a:r>
+              <a:rPr lang="de-DE" baseline="0" dirty="0" err="1" smtClean="0">
+                <a:latin typeface="+mn-lt"/>
+                <a:sym typeface="Wingdings" panose="05000000000000000000" pitchFamily="2" charset="2"/>
+              </a:rPr>
+              <a:t>Satging</a:t>
+            </a:r>
+            <a:r>
+              <a:rPr lang="de-DE" baseline="0" dirty="0" smtClean="0">
+                <a:latin typeface="+mn-lt"/>
+                <a:sym typeface="Wingdings" panose="05000000000000000000" pitchFamily="2" charset="2"/>
+              </a:rPr>
+              <a:t> Area lade, merke mir vor welche Dateien ich als nächstes </a:t>
+            </a:r>
+            <a:r>
+              <a:rPr lang="de-DE" baseline="0" dirty="0" err="1" smtClean="0">
+                <a:latin typeface="+mn-lt"/>
+                <a:sym typeface="Wingdings" panose="05000000000000000000" pitchFamily="2" charset="2"/>
+              </a:rPr>
+              <a:t>comitten</a:t>
+            </a:r>
+            <a:r>
+              <a:rPr lang="de-DE" baseline="0" dirty="0" smtClean="0">
+                <a:latin typeface="+mn-lt"/>
+                <a:sym typeface="Wingdings" panose="05000000000000000000" pitchFamily="2" charset="2"/>
+              </a:rPr>
+              <a:t> möchte  „</a:t>
+            </a:r>
+            <a:r>
+              <a:rPr lang="de-DE" baseline="0" dirty="0" err="1" smtClean="0">
+                <a:latin typeface="+mn-lt"/>
+                <a:sym typeface="Wingdings" panose="05000000000000000000" pitchFamily="2" charset="2"/>
+              </a:rPr>
+              <a:t>staged</a:t>
+            </a:r>
+            <a:r>
+              <a:rPr lang="de-DE" baseline="0" dirty="0" smtClean="0">
+                <a:latin typeface="+mn-lt"/>
+                <a:sym typeface="Wingdings" panose="05000000000000000000" pitchFamily="2" charset="2"/>
+              </a:rPr>
+              <a:t>“</a:t>
+            </a:r>
+          </a:p>
+          <a:p>
+            <a:pPr marL="628650" lvl="1" indent="-171450">
+              <a:buFont typeface="Arial" panose="020B0604020202020204" pitchFamily="34" charset="0"/>
+              <a:buChar char="•"/>
+            </a:pPr>
+            <a:r>
+              <a:rPr lang="de-DE" baseline="0" dirty="0" smtClean="0">
+                <a:latin typeface="+mn-lt"/>
+                <a:sym typeface="Wingdings" panose="05000000000000000000" pitchFamily="2" charset="2"/>
+              </a:rPr>
+              <a:t>Die </a:t>
+            </a:r>
+            <a:r>
+              <a:rPr lang="de-DE" baseline="0" dirty="0" err="1" smtClean="0">
+                <a:latin typeface="+mn-lt"/>
+                <a:sym typeface="Wingdings" panose="05000000000000000000" pitchFamily="2" charset="2"/>
+              </a:rPr>
+              <a:t>Staging</a:t>
+            </a:r>
+            <a:r>
+              <a:rPr lang="de-DE" baseline="0" dirty="0" smtClean="0">
+                <a:latin typeface="+mn-lt"/>
+                <a:sym typeface="Wingdings" panose="05000000000000000000" pitchFamily="2" charset="2"/>
+              </a:rPr>
+              <a:t> Area kann man sich insofern wie ein Einkaufswagen vorstellen in den ich die Objekte einpacke, die ich mitnehmen möchte</a:t>
+            </a:r>
+            <a:br>
+              <a:rPr lang="de-DE" baseline="0" dirty="0" smtClean="0">
+                <a:latin typeface="+mn-lt"/>
+                <a:sym typeface="Wingdings" panose="05000000000000000000" pitchFamily="2" charset="2"/>
+              </a:rPr>
+            </a:br>
+            <a:r>
+              <a:rPr lang="de-DE" baseline="0" dirty="0" smtClean="0">
+                <a:latin typeface="+mn-lt"/>
+                <a:sym typeface="Wingdings" panose="05000000000000000000" pitchFamily="2" charset="2"/>
+              </a:rPr>
+              <a:t>oder wie ein </a:t>
+            </a:r>
+            <a:r>
+              <a:rPr lang="de-DE" baseline="0" dirty="0" err="1" smtClean="0">
+                <a:latin typeface="+mn-lt"/>
+                <a:sym typeface="Wingdings" panose="05000000000000000000" pitchFamily="2" charset="2"/>
+              </a:rPr>
+              <a:t>Ladedock</a:t>
+            </a:r>
+            <a:r>
+              <a:rPr lang="de-DE" baseline="0" dirty="0" smtClean="0">
+                <a:latin typeface="+mn-lt"/>
+                <a:sym typeface="Wingdings" panose="05000000000000000000" pitchFamily="2" charset="2"/>
+              </a:rPr>
+              <a:t> am Hafen, wo ich meine Objekte zwischenspeichern kann und bestimme welche Objekte mit der nächsten Ladung</a:t>
+            </a:r>
+            <a:br>
+              <a:rPr lang="de-DE" baseline="0" dirty="0" smtClean="0">
+                <a:latin typeface="+mn-lt"/>
+                <a:sym typeface="Wingdings" panose="05000000000000000000" pitchFamily="2" charset="2"/>
+              </a:rPr>
+            </a:br>
+            <a:r>
+              <a:rPr lang="de-DE" baseline="0" dirty="0" smtClean="0">
+                <a:latin typeface="+mn-lt"/>
+                <a:sym typeface="Wingdings" panose="05000000000000000000" pitchFamily="2" charset="2"/>
+              </a:rPr>
+              <a:t>auf das Schiff kommen</a:t>
+            </a:r>
             <a:endParaRPr lang="de-DE" baseline="0" dirty="0" smtClean="0">
               <a:latin typeface="+mn-lt"/>
             </a:endParaRPr>
           </a:p>
           <a:p>
-            <a:pPr marL="171450" indent="-171450">
+            <a:pPr marL="628650" lvl="1" indent="-171450">
               <a:buFont typeface="Arial" panose="020B0604020202020204" pitchFamily="34" charset="0"/>
               <a:buChar char="•"/>
             </a:pPr>
@@ -3427,101 +3662,40 @@
               <a:rPr lang="de-DE" baseline="0" dirty="0" smtClean="0">
                 <a:latin typeface="+mn-lt"/>
               </a:rPr>
-              <a:t>Zwar gab es </a:t>
+              <a:t>Dadurch kann man seine </a:t>
             </a:r>
             <a:r>
               <a:rPr lang="de-DE" baseline="0" dirty="0" err="1" smtClean="0">
                 <a:latin typeface="+mn-lt"/>
               </a:rPr>
-              <a:t>Branching</a:t>
+              <a:t>commits</a:t>
             </a:r>
             <a:r>
               <a:rPr lang="de-DE" baseline="0" dirty="0" smtClean="0">
                 <a:latin typeface="+mn-lt"/>
               </a:rPr>
-              <a:t> und </a:t>
+              <a:t> nach belieben gestalten </a:t>
+            </a:r>
+            <a:r>
+              <a:rPr lang="de-DE" baseline="0" dirty="0" smtClean="0">
+                <a:latin typeface="+mn-lt"/>
+                <a:sym typeface="Wingdings" panose="05000000000000000000" pitchFamily="2" charset="2"/>
+              </a:rPr>
+              <a:t> z.B. Dateien </a:t>
             </a:r>
             <a:r>
               <a:rPr lang="de-DE" baseline="0" dirty="0" err="1" smtClean="0">
                 <a:latin typeface="+mn-lt"/>
-              </a:rPr>
-              <a:t>Merging</a:t>
+                <a:sym typeface="Wingdings" panose="05000000000000000000" pitchFamily="2" charset="2"/>
+              </a:rPr>
+              <a:t>comitten</a:t>
             </a:r>
             <a:r>
               <a:rPr lang="de-DE" baseline="0" dirty="0" smtClean="0">
                 <a:latin typeface="+mn-lt"/>
-              </a:rPr>
-              <a:t> schon immer, auch bei der Konkurrenz,</a:t>
-            </a:r>
-            <a:br>
-              <a:rPr lang="de-DE" baseline="0" dirty="0" smtClean="0">
-                <a:latin typeface="+mn-lt"/>
-              </a:rPr>
-            </a:br>
-            <a:r>
-              <a:rPr lang="de-DE" baseline="0" dirty="0" smtClean="0">
-                <a:latin typeface="+mn-lt"/>
-              </a:rPr>
-              <a:t>doch war es immer mit Aufwand verbunden es einzusetzen</a:t>
-            </a:r>
-          </a:p>
-          <a:p>
-            <a:pPr marL="171450" indent="-171450">
-              <a:buFont typeface="Arial" panose="020B0604020202020204" pitchFamily="34" charset="0"/>
-              <a:buChar char="•"/>
-            </a:pPr>
-            <a:r>
-              <a:rPr lang="de-DE" baseline="0" dirty="0" err="1" smtClean="0">
-                <a:latin typeface="+mn-lt"/>
-              </a:rPr>
-              <a:t>Git</a:t>
-            </a:r>
-            <a:r>
-              <a:rPr lang="de-DE" baseline="0" dirty="0" smtClean="0">
-                <a:latin typeface="+mn-lt"/>
-              </a:rPr>
-              <a:t> bietet eine leichtere Handhabung wenn es um das Zusammenführen von </a:t>
-            </a:r>
-            <a:r>
-              <a:rPr lang="de-DE" baseline="0" dirty="0" err="1" smtClean="0">
-                <a:latin typeface="+mn-lt"/>
-              </a:rPr>
-              <a:t>Branches</a:t>
-            </a:r>
-            <a:r>
-              <a:rPr lang="de-DE" baseline="0" dirty="0" smtClean="0">
-                <a:latin typeface="+mn-lt"/>
-              </a:rPr>
-              <a:t> geht,</a:t>
-            </a:r>
-            <a:br>
-              <a:rPr lang="de-DE" baseline="0" dirty="0" smtClean="0">
-                <a:latin typeface="+mn-lt"/>
-              </a:rPr>
-            </a:br>
-            <a:r>
-              <a:rPr lang="de-DE" baseline="0" dirty="0" smtClean="0">
-                <a:latin typeface="+mn-lt"/>
-              </a:rPr>
-              <a:t>ist einer der Gründe warum </a:t>
-            </a:r>
-            <a:r>
-              <a:rPr lang="de-DE" baseline="0" dirty="0" err="1" smtClean="0">
-                <a:latin typeface="+mn-lt"/>
-              </a:rPr>
-              <a:t>Git</a:t>
-            </a:r>
-            <a:r>
-              <a:rPr lang="de-DE" baseline="0" dirty="0" smtClean="0">
-                <a:latin typeface="+mn-lt"/>
-              </a:rPr>
-              <a:t> so schnell </a:t>
-            </a:r>
-            <a:r>
-              <a:rPr lang="de-DE" baseline="0" smtClean="0">
-                <a:latin typeface="+mn-lt"/>
-              </a:rPr>
-              <a:t>beliebt geworden ist.</a:t>
+                <a:sym typeface="Wingdings" panose="05000000000000000000" pitchFamily="2" charset="2"/>
+              </a:rPr>
+              <a:t> die zusammengehören</a:t>
             </a:r>
             <a:endParaRPr lang="de-DE" baseline="0" dirty="0" smtClean="0">
               <a:latin typeface="+mn-lt"/>
@@ -3619,6 +3793,171 @@
               <a:buFont typeface="Arial" panose="020B0604020202020204" pitchFamily="34" charset="0"/>
               <a:buChar char="•"/>
             </a:pPr>
+            <a:r>
+              <a:rPr lang="de-DE" baseline="0" dirty="0" smtClean="0">
+                <a:latin typeface="+mn-lt"/>
+              </a:rPr>
+              <a:t>Möchte ich nun meine Arbeit auf dem Server ablegen muss ich einen Push-Befehl ausführen, der die Version aus meinem lokalen Repository auf das</a:t>
+            </a:r>
+            <a:br>
+              <a:rPr lang="de-DE" baseline="0" dirty="0" smtClean="0">
+                <a:latin typeface="+mn-lt"/>
+              </a:rPr>
+            </a:br>
+            <a:r>
+              <a:rPr lang="de-DE" baseline="0" dirty="0" smtClean="0">
+                <a:latin typeface="+mn-lt"/>
+              </a:rPr>
+              <a:t>remote Repository auf dem Server ablegt</a:t>
+            </a:r>
+          </a:p>
+          <a:p>
+            <a:pPr marL="171450" indent="-171450">
+              <a:buFont typeface="Arial" panose="020B0604020202020204" pitchFamily="34" charset="0"/>
+              <a:buChar char="•"/>
+            </a:pPr>
+            <a:r>
+              <a:rPr lang="de-DE" baseline="0" dirty="0" smtClean="0">
+                <a:latin typeface="+mn-lt"/>
+              </a:rPr>
+              <a:t>Jedoch muss man beachten, dass wenn ich in einem Team arbeite, </a:t>
+            </a:r>
+            <a:r>
+              <a:rPr lang="de-DE" baseline="0" dirty="0" err="1" smtClean="0">
+                <a:latin typeface="+mn-lt"/>
+              </a:rPr>
+              <a:t>Git</a:t>
+            </a:r>
+            <a:r>
+              <a:rPr lang="de-DE" baseline="0" dirty="0" smtClean="0">
+                <a:latin typeface="+mn-lt"/>
+              </a:rPr>
+              <a:t> mir diesen Befehl verweigern wird</a:t>
+            </a:r>
+          </a:p>
+          <a:p>
+            <a:pPr marL="171450" indent="-171450">
+              <a:buFont typeface="Arial" panose="020B0604020202020204" pitchFamily="34" charset="0"/>
+              <a:buChar char="•"/>
+            </a:pPr>
+            <a:r>
+              <a:rPr lang="de-DE" baseline="0" dirty="0" err="1" smtClean="0">
+                <a:latin typeface="+mn-lt"/>
+              </a:rPr>
+              <a:t>Git</a:t>
+            </a:r>
+            <a:r>
+              <a:rPr lang="de-DE" baseline="0" dirty="0" smtClean="0">
+                <a:latin typeface="+mn-lt"/>
+              </a:rPr>
+              <a:t> weigert sich diesen Befehl auszuführen, weil dadurch evtl. die Arbeit eines Teamkollegen verloren gehen würde</a:t>
+            </a:r>
+          </a:p>
+          <a:p>
+            <a:pPr marL="171450" indent="-171450">
+              <a:buFont typeface="Arial" panose="020B0604020202020204" pitchFamily="34" charset="0"/>
+              <a:buChar char="•"/>
+            </a:pPr>
+            <a:r>
+              <a:rPr lang="de-DE" baseline="0" dirty="0" smtClean="0">
+                <a:latin typeface="+mn-lt"/>
+              </a:rPr>
+              <a:t>Um das zu verhindern muss als erstes ein </a:t>
+            </a:r>
+            <a:r>
+              <a:rPr lang="de-DE" baseline="0" dirty="0" err="1" smtClean="0">
+                <a:latin typeface="+mn-lt"/>
+              </a:rPr>
+              <a:t>Fetch</a:t>
+            </a:r>
+            <a:r>
+              <a:rPr lang="de-DE" baseline="0" dirty="0" smtClean="0">
+                <a:latin typeface="+mn-lt"/>
+              </a:rPr>
+              <a:t>-Befehl ausgeführt werden</a:t>
+            </a:r>
+          </a:p>
+          <a:p>
+            <a:pPr marL="171450" indent="-171450">
+              <a:buFont typeface="Arial" panose="020B0604020202020204" pitchFamily="34" charset="0"/>
+              <a:buChar char="•"/>
+            </a:pPr>
+            <a:r>
+              <a:rPr lang="de-DE" baseline="0" dirty="0" smtClean="0">
+                <a:latin typeface="+mn-lt"/>
+              </a:rPr>
+              <a:t>Das bedeutet das die aktuelle Version, die sich auf dem Server befindet heruntergeladen</a:t>
+            </a:r>
+          </a:p>
+          <a:p>
+            <a:pPr marL="171450" indent="-171450">
+              <a:buFont typeface="Arial" panose="020B0604020202020204" pitchFamily="34" charset="0"/>
+              <a:buChar char="•"/>
+            </a:pPr>
+            <a:r>
+              <a:rPr lang="de-DE" baseline="0" dirty="0" smtClean="0">
+                <a:latin typeface="+mn-lt"/>
+              </a:rPr>
+              <a:t>Dadurch wird meine lokale und die Version vom Server automatisch </a:t>
+            </a:r>
+            <a:r>
+              <a:rPr lang="de-DE" baseline="0" dirty="0" err="1" smtClean="0">
+                <a:latin typeface="+mn-lt"/>
+              </a:rPr>
+              <a:t>gemerged</a:t>
+            </a:r>
+            <a:r>
+              <a:rPr lang="de-DE" baseline="0" dirty="0" smtClean="0">
+                <a:latin typeface="+mn-lt"/>
+              </a:rPr>
+              <a:t> und es entsteht eine ganz</a:t>
+            </a:r>
+            <a:br>
+              <a:rPr lang="de-DE" baseline="0" dirty="0" smtClean="0">
+                <a:latin typeface="+mn-lt"/>
+              </a:rPr>
+            </a:br>
+            <a:r>
+              <a:rPr lang="de-DE" baseline="0" dirty="0" smtClean="0">
+                <a:latin typeface="+mn-lt"/>
+              </a:rPr>
+              <a:t>neue Version, die sich auf meinem lokalen Repository befindet.</a:t>
+            </a:r>
+          </a:p>
+          <a:p>
+            <a:pPr marL="171450" indent="-171450">
+              <a:buFont typeface="Arial" panose="020B0604020202020204" pitchFamily="34" charset="0"/>
+              <a:buChar char="•"/>
+            </a:pPr>
+            <a:r>
+              <a:rPr lang="de-DE" baseline="0" dirty="0" smtClean="0">
+                <a:latin typeface="+mn-lt"/>
+              </a:rPr>
+              <a:t>Erst jetzt kann ich diese neue Version mit einem Push-Befehl auf den Server übertragen</a:t>
+            </a:r>
+            <a:br>
+              <a:rPr lang="de-DE" baseline="0" dirty="0" smtClean="0">
+                <a:latin typeface="+mn-lt"/>
+              </a:rPr>
+            </a:br>
+            <a:r>
+              <a:rPr lang="de-DE" baseline="0" dirty="0" smtClean="0">
+                <a:latin typeface="+mn-lt"/>
+              </a:rPr>
+              <a:t>und der nächste Teamkollege der damit arbeiten will muss auch einen </a:t>
+            </a:r>
+            <a:r>
+              <a:rPr lang="de-DE" baseline="0" dirty="0" err="1" smtClean="0">
+                <a:latin typeface="+mn-lt"/>
+              </a:rPr>
+              <a:t>Fetch</a:t>
+            </a:r>
+            <a:r>
+              <a:rPr lang="de-DE" baseline="0" dirty="0" smtClean="0">
+                <a:latin typeface="+mn-lt"/>
+              </a:rPr>
+              <a:t> ausführen um weiterzuarbeiten</a:t>
+            </a:r>
             <a:endParaRPr lang="de-DE" baseline="0" dirty="0" smtClean="0">
               <a:latin typeface="+mn-lt"/>
             </a:endParaRPr>
@@ -3734,7 +4073,7 @@
                   <a:srgbClr val="000000"/>
                 </a:solidFill>
               </a:rPr>
-              <a:t>Wird eine Datei von zwei verschiedenen Personen an der selben Zeile bearbeitet, ist ein problemloses </a:t>
+              <a:t>Allerdings kann es vorkommen das bei dem </a:t>
             </a:r>
             <a:r>
               <a:rPr lang="de-DE" sz="1200" dirty="0" err="1" smtClean="0">
@@ -3745,12 +4084,20 @@
               <a:t>Merging</a:t>
             </a:r>
             <a:r>
+              <a:rPr lang="de-DE" sz="1200" baseline="0" dirty="0" smtClean="0">
+                <a:solidFill>
+                  <a:srgbClr val="000000"/>
+                </a:solidFill>
+              </a:rPr>
+              <a:t> </a:t>
+            </a:r>
+            <a:r>
               <a:rPr lang="de-DE" sz="1200" dirty="0" smtClean="0">
                 <a:solidFill>
                   <a:srgbClr val="000000"/>
                 </a:solidFill>
               </a:rPr>
-              <a:t> nicht mehr möglich</a:t>
+              <a:t>Konflikte auftreten</a:t>
             </a:r>
           </a:p>
           <a:p>
@@ -3772,6 +4119,57 @@
               <a:defRPr/>
             </a:pPr>
             <a:r>
+              <a:rPr lang="de-DE" sz="1200" dirty="0" smtClean="0">
+                <a:solidFill>
+                  <a:srgbClr val="000000"/>
+                </a:solidFill>
+              </a:rPr>
+              <a:t>Wird </a:t>
+            </a:r>
+            <a:r>
+              <a:rPr lang="de-DE" sz="1200" dirty="0" smtClean="0">
+                <a:solidFill>
+                  <a:srgbClr val="000000"/>
+                </a:solidFill>
+              </a:rPr>
+              <a:t>eine Datei von zwei verschiedenen Personen an der selben Zeile bearbeitet, ist ein problemloses </a:t>
+            </a:r>
+            <a:r>
+              <a:rPr lang="de-DE" sz="1200" dirty="0" err="1" smtClean="0">
+                <a:solidFill>
+                  <a:srgbClr val="000000"/>
+                </a:solidFill>
+              </a:rPr>
+              <a:t>Merging</a:t>
+            </a:r>
+            <a:r>
+              <a:rPr lang="de-DE" sz="1200" dirty="0" smtClean="0">
+                <a:solidFill>
+                  <a:srgbClr val="000000"/>
+                </a:solidFill>
+              </a:rPr>
+              <a:t> nicht mehr möglich</a:t>
+            </a:r>
+          </a:p>
+          <a:p>
+            <a:pPr marL="171450" marR="0" indent="-171450" algn="l" defTabSz="914400" rtl="0" eaLnBrk="0" fontAlgn="base" latinLnBrk="0" hangingPunct="0">
+              <a:lnSpc>
+                <a:spcPct val="100000"/>
+              </a:lnSpc>
+              <a:spcBef>
+                <a:spcPct val="30000"/>
+              </a:spcBef>
+              <a:spcAft>
+                <a:spcPct val="0"/>
+              </a:spcAft>
+              <a:buClrTx/>
+              <a:buSzTx/>
+              <a:buFont typeface="Arial" panose="020B0604020202020204" pitchFamily="34" charset="0"/>
+              <a:buChar char="•"/>
+              <a:tabLst/>
+              <a:defRPr/>
+            </a:pPr>
+            <a:r>
               <a:rPr lang="de-DE" sz="1200" b="0" dirty="0" smtClean="0">
                 <a:solidFill>
                   <a:srgbClr val="000000"/>
@@ -3785,7 +4183,109 @@
                   <a:srgbClr val="000000"/>
                 </a:solidFill>
               </a:rPr>
-              <a:t> muss dann per Hand gelöst werden</a:t>
+              <a:t> muss dann per Hand gelöst </a:t>
+            </a:r>
+            <a:r>
+              <a:rPr lang="de-DE" sz="1200" b="0" baseline="0" dirty="0" smtClean="0">
+                <a:solidFill>
+                  <a:srgbClr val="000000"/>
+                </a:solidFill>
+              </a:rPr>
+              <a:t>werden</a:t>
+            </a:r>
+          </a:p>
+          <a:p>
+            <a:pPr marL="171450" marR="0" indent="-171450" algn="l" defTabSz="914400" rtl="0" eaLnBrk="0" fontAlgn="base" latinLnBrk="0" hangingPunct="0">
+              <a:lnSpc>
+                <a:spcPct val="100000"/>
+              </a:lnSpc>
+              <a:spcBef>
+                <a:spcPct val="30000"/>
+              </a:spcBef>
+              <a:spcAft>
+                <a:spcPct val="0"/>
+              </a:spcAft>
+              <a:buClrTx/>
+              <a:buSzTx/>
+              <a:buFont typeface="Arial" panose="020B0604020202020204" pitchFamily="34" charset="0"/>
+              <a:buChar char="•"/>
+              <a:tabLst/>
+              <a:defRPr/>
+            </a:pPr>
+            <a:r>
+              <a:rPr lang="de-DE" sz="1200" b="0" baseline="0" dirty="0" err="1" smtClean="0">
+                <a:solidFill>
+                  <a:srgbClr val="000000"/>
+                </a:solidFill>
+              </a:rPr>
+              <a:t>Git</a:t>
+            </a:r>
+            <a:r>
+              <a:rPr lang="de-DE" sz="1200" b="0" baseline="0" dirty="0" smtClean="0">
+                <a:solidFill>
+                  <a:srgbClr val="000000"/>
+                </a:solidFill>
+              </a:rPr>
+              <a:t> markiert die Stelle im Dokument, die zum Konflikt geführt hat damit dieser behoben werden kann</a:t>
+            </a:r>
+          </a:p>
+          <a:p>
+            <a:pPr marL="171450" marR="0" indent="-171450" algn="l" defTabSz="914400" rtl="0" eaLnBrk="0" fontAlgn="base" latinLnBrk="0" hangingPunct="0">
+              <a:lnSpc>
+                <a:spcPct val="100000"/>
+              </a:lnSpc>
+              <a:spcBef>
+                <a:spcPct val="30000"/>
+              </a:spcBef>
+              <a:spcAft>
+                <a:spcPct val="0"/>
+              </a:spcAft>
+              <a:buClrTx/>
+              <a:buSzTx/>
+              <a:buFont typeface="Arial" panose="020B0604020202020204" pitchFamily="34" charset="0"/>
+              <a:buChar char="•"/>
+              <a:tabLst/>
+              <a:defRPr/>
+            </a:pPr>
+            <a:r>
+              <a:rPr lang="de-DE" sz="1200" b="0" baseline="0" dirty="0" smtClean="0">
+                <a:solidFill>
+                  <a:srgbClr val="000000"/>
+                </a:solidFill>
+              </a:rPr>
+              <a:t>Um das </a:t>
+            </a:r>
+            <a:r>
+              <a:rPr lang="de-DE" sz="1200" b="0" baseline="0" dirty="0" err="1" smtClean="0">
+                <a:solidFill>
+                  <a:srgbClr val="000000"/>
+                </a:solidFill>
+              </a:rPr>
+              <a:t>Merging</a:t>
+            </a:r>
+            <a:r>
+              <a:rPr lang="de-DE" sz="1200" b="0" baseline="0" dirty="0" smtClean="0">
+                <a:solidFill>
+                  <a:srgbClr val="000000"/>
+                </a:solidFill>
+              </a:rPr>
+              <a:t> endgültig </a:t>
+            </a:r>
+            <a:r>
+              <a:rPr lang="de-DE" sz="1200" b="0" baseline="0" dirty="0" err="1" smtClean="0">
+                <a:solidFill>
+                  <a:srgbClr val="000000"/>
+                </a:solidFill>
+              </a:rPr>
+              <a:t>abzuschliesen</a:t>
+            </a:r>
+            <a:r>
+              <a:rPr lang="de-DE" sz="1200" b="0" baseline="0" dirty="0" smtClean="0">
+                <a:solidFill>
+                  <a:srgbClr val="000000"/>
+                </a:solidFill>
+              </a:rPr>
+              <a:t> müssen auch die Markierungen entfernt werden</a:t>
             </a:r>
             <a:endParaRPr lang="de-DE" b="0" dirty="0" smtClean="0">
               <a:solidFill>
@@ -3885,8 +4385,349 @@
               <a:buFont typeface="Arial" panose="020B0604020202020204" pitchFamily="34" charset="0"/>
               <a:buChar char="•"/>
             </a:pPr>
+            <a:r>
+              <a:rPr lang="de-DE" baseline="0" dirty="0" err="1" smtClean="0">
+                <a:latin typeface="+mn-lt"/>
+              </a:rPr>
+              <a:t>GitHub</a:t>
+            </a:r>
+            <a:r>
+              <a:rPr lang="de-DE" baseline="0" dirty="0" smtClean="0">
+                <a:latin typeface="+mn-lt"/>
+              </a:rPr>
+              <a:t> ist ein </a:t>
+            </a:r>
+            <a:r>
+              <a:rPr lang="de-DE" baseline="0" dirty="0" err="1" smtClean="0">
+                <a:latin typeface="+mn-lt"/>
+              </a:rPr>
+              <a:t>Hostingdienst</a:t>
+            </a:r>
+            <a:r>
+              <a:rPr lang="de-DE" baseline="0" dirty="0" smtClean="0">
+                <a:latin typeface="+mn-lt"/>
+              </a:rPr>
+              <a:t>, der seine Server für </a:t>
+            </a:r>
+            <a:r>
+              <a:rPr lang="de-DE" baseline="0" dirty="0" err="1" smtClean="0">
+                <a:latin typeface="+mn-lt"/>
+              </a:rPr>
+              <a:t>Git</a:t>
+            </a:r>
+            <a:r>
+              <a:rPr lang="de-DE" baseline="0" dirty="0" smtClean="0">
+                <a:latin typeface="+mn-lt"/>
+              </a:rPr>
+              <a:t>-Nutzer bereitstellt, um Repositories auf diesen Servern verwalten zu können</a:t>
+            </a:r>
+          </a:p>
+          <a:p>
+            <a:pPr marL="171450" indent="-171450">
+              <a:buFont typeface="Arial" panose="020B0604020202020204" pitchFamily="34" charset="0"/>
+              <a:buChar char="•"/>
+            </a:pPr>
+            <a:r>
+              <a:rPr lang="de-DE" baseline="0" dirty="0" smtClean="0">
+                <a:latin typeface="+mn-lt"/>
+              </a:rPr>
+              <a:t>Diese Repositories können entweder über die Kommandozeile von </a:t>
+            </a:r>
+            <a:r>
+              <a:rPr lang="de-DE" baseline="0" dirty="0" err="1" smtClean="0">
+                <a:latin typeface="+mn-lt"/>
+              </a:rPr>
+              <a:t>Git</a:t>
+            </a:r>
+            <a:r>
+              <a:rPr lang="de-DE" baseline="0" dirty="0" smtClean="0">
+                <a:latin typeface="+mn-lt"/>
+              </a:rPr>
+              <a:t> bearbeitet werden oder direkt über </a:t>
+            </a:r>
+            <a:r>
+              <a:rPr lang="de-DE" baseline="0" dirty="0" err="1" smtClean="0">
+                <a:latin typeface="+mn-lt"/>
+              </a:rPr>
+              <a:t>GitHub</a:t>
+            </a:r>
             <a:endParaRPr lang="de-DE" baseline="0" dirty="0" smtClean="0">
               <a:latin typeface="+mn-lt"/>
+            </a:endParaRPr>
+          </a:p>
+          <a:p>
+            <a:pPr marL="171450" marR="0" indent="-171450" algn="l" defTabSz="914400" rtl="0" eaLnBrk="0" fontAlgn="base" latinLnBrk="0" hangingPunct="0">
+              <a:lnSpc>
+                <a:spcPct val="100000"/>
+              </a:lnSpc>
+              <a:spcBef>
+                <a:spcPct val="30000"/>
+              </a:spcBef>
+              <a:spcAft>
+                <a:spcPct val="0"/>
+              </a:spcAft>
+              <a:buClrTx/>
+              <a:buSzTx/>
+              <a:buFont typeface="Arial" panose="020B0604020202020204" pitchFamily="34" charset="0"/>
+              <a:buChar char="•"/>
+              <a:tabLst/>
+              <a:defRPr/>
+            </a:pPr>
+            <a:r>
+              <a:rPr lang="de-DE" baseline="0" dirty="0" err="1" smtClean="0">
+                <a:latin typeface="+mn-lt"/>
+              </a:rPr>
+              <a:t>GitHub</a:t>
+            </a:r>
+            <a:r>
+              <a:rPr lang="de-DE" baseline="0" dirty="0" smtClean="0">
+                <a:latin typeface="+mn-lt"/>
+              </a:rPr>
+              <a:t> ist nicht das selbe wie </a:t>
+            </a:r>
+            <a:r>
+              <a:rPr lang="de-DE" baseline="0" dirty="0" err="1" smtClean="0">
+                <a:latin typeface="+mn-lt"/>
+              </a:rPr>
+              <a:t>Git</a:t>
+            </a:r>
+            <a:r>
+              <a:rPr lang="de-DE" baseline="0" dirty="0" smtClean="0">
+                <a:latin typeface="+mn-lt"/>
+              </a:rPr>
+              <a:t> </a:t>
+            </a:r>
+            <a:r>
+              <a:rPr lang="de-DE" baseline="0" dirty="0" smtClean="0">
+                <a:latin typeface="+mn-lt"/>
+                <a:sym typeface="Wingdings" panose="05000000000000000000" pitchFamily="2" charset="2"/>
+              </a:rPr>
+              <a:t> deshalb habe ich vorhin erwähnt das </a:t>
+            </a:r>
+            <a:r>
+              <a:rPr lang="de-DE" baseline="0" dirty="0" err="1" smtClean="0">
+                <a:latin typeface="+mn-lt"/>
+                <a:sym typeface="Wingdings" panose="05000000000000000000" pitchFamily="2" charset="2"/>
+              </a:rPr>
+              <a:t>Git</a:t>
+            </a:r>
+            <a:r>
+              <a:rPr lang="de-DE" baseline="0" dirty="0" smtClean="0">
+                <a:latin typeface="+mn-lt"/>
+                <a:sym typeface="Wingdings" panose="05000000000000000000" pitchFamily="2" charset="2"/>
+              </a:rPr>
+              <a:t> ein </a:t>
+            </a:r>
+            <a:r>
+              <a:rPr lang="de-DE" sz="1200" dirty="0" smtClean="0">
+                <a:solidFill>
+                  <a:srgbClr val="000000"/>
+                </a:solidFill>
+                <a:latin typeface="Arial Narrow" panose="020B0606020202030204" pitchFamily="34" charset="0"/>
+                <a:cs typeface="Arial" panose="020B0604020202020204" pitchFamily="34" charset="0"/>
+              </a:rPr>
+              <a:t>Reines Kommandozeilenprogramm</a:t>
+            </a:r>
+            <a:r>
+              <a:rPr lang="de-DE" sz="1200" baseline="0" dirty="0" smtClean="0">
+                <a:solidFill>
+                  <a:srgbClr val="000000"/>
+                </a:solidFill>
+                <a:latin typeface="Arial Narrow" panose="020B0606020202030204" pitchFamily="34" charset="0"/>
+                <a:cs typeface="Arial" panose="020B0604020202020204" pitchFamily="34" charset="0"/>
+              </a:rPr>
+              <a:t> ist,</a:t>
+            </a:r>
+            <a:br>
+              <a:rPr lang="de-DE" sz="1200" baseline="0" dirty="0" smtClean="0">
+                <a:solidFill>
+                  <a:srgbClr val="000000"/>
+                </a:solidFill>
+                <a:latin typeface="Arial Narrow" panose="020B0606020202030204" pitchFamily="34" charset="0"/>
+                <a:cs typeface="Arial" panose="020B0604020202020204" pitchFamily="34" charset="0"/>
+              </a:rPr>
+            </a:br>
+            <a:r>
+              <a:rPr lang="de-DE" sz="1200" baseline="0" dirty="0" smtClean="0">
+                <a:solidFill>
+                  <a:schemeClr val="tx1"/>
+                </a:solidFill>
+                <a:latin typeface="+mn-lt"/>
+                <a:cs typeface="Arial" panose="020B0604020202020204" pitchFamily="34" charset="0"/>
+              </a:rPr>
+              <a:t>denn diese beiden werden oft miteinander verwechselt</a:t>
+            </a:r>
+          </a:p>
+          <a:p>
+            <a:pPr marL="171450" marR="0" indent="-171450" algn="l" defTabSz="914400" rtl="0" eaLnBrk="0" fontAlgn="base" latinLnBrk="0" hangingPunct="0">
+              <a:lnSpc>
+                <a:spcPct val="100000"/>
+              </a:lnSpc>
+              <a:spcBef>
+                <a:spcPct val="30000"/>
+              </a:spcBef>
+              <a:spcAft>
+                <a:spcPct val="0"/>
+              </a:spcAft>
+              <a:buClrTx/>
+              <a:buSzTx/>
+              <a:buFont typeface="Arial" panose="020B0604020202020204" pitchFamily="34" charset="0"/>
+              <a:buChar char="•"/>
+              <a:tabLst/>
+              <a:defRPr/>
+            </a:pPr>
+            <a:r>
+              <a:rPr lang="de-DE" sz="1200" baseline="0" dirty="0" err="1" smtClean="0">
+                <a:solidFill>
+                  <a:schemeClr val="tx1"/>
+                </a:solidFill>
+                <a:latin typeface="+mn-lt"/>
+                <a:cs typeface="Arial" panose="020B0604020202020204" pitchFamily="34" charset="0"/>
+              </a:rPr>
+              <a:t>GitHub</a:t>
+            </a:r>
+            <a:r>
+              <a:rPr lang="de-DE" sz="1200" baseline="0" dirty="0" smtClean="0">
+                <a:solidFill>
+                  <a:schemeClr val="tx1"/>
+                </a:solidFill>
+                <a:latin typeface="+mn-lt"/>
+                <a:cs typeface="Arial" panose="020B0604020202020204" pitchFamily="34" charset="0"/>
+              </a:rPr>
+              <a:t> </a:t>
+            </a:r>
+            <a:r>
+              <a:rPr lang="de-DE" sz="1200" baseline="0" dirty="0" err="1" smtClean="0">
+                <a:solidFill>
+                  <a:schemeClr val="tx1"/>
+                </a:solidFill>
+                <a:latin typeface="+mn-lt"/>
+                <a:cs typeface="Arial" panose="020B0604020202020204" pitchFamily="34" charset="0"/>
+              </a:rPr>
+              <a:t>ermöglcht</a:t>
+            </a:r>
+            <a:r>
+              <a:rPr lang="de-DE" sz="1200" baseline="0" dirty="0" smtClean="0">
+                <a:solidFill>
+                  <a:schemeClr val="tx1"/>
+                </a:solidFill>
+                <a:latin typeface="+mn-lt"/>
+                <a:cs typeface="Arial" panose="020B0604020202020204" pitchFamily="34" charset="0"/>
+              </a:rPr>
+              <a:t> das Anlegen von Repositories und die Verwaltung dieser</a:t>
+            </a:r>
+          </a:p>
+          <a:p>
+            <a:pPr marL="171450" marR="0" indent="-171450" algn="l" defTabSz="914400" rtl="0" eaLnBrk="0" fontAlgn="base" latinLnBrk="0" hangingPunct="0">
+              <a:lnSpc>
+                <a:spcPct val="100000"/>
+              </a:lnSpc>
+              <a:spcBef>
+                <a:spcPct val="30000"/>
+              </a:spcBef>
+              <a:spcAft>
+                <a:spcPct val="0"/>
+              </a:spcAft>
+              <a:buClrTx/>
+              <a:buSzTx/>
+              <a:buFont typeface="Arial" panose="020B0604020202020204" pitchFamily="34" charset="0"/>
+              <a:buChar char="•"/>
+              <a:tabLst/>
+              <a:defRPr/>
+            </a:pPr>
+            <a:r>
+              <a:rPr lang="de-DE" sz="1200" baseline="0" dirty="0" smtClean="0">
+                <a:solidFill>
+                  <a:schemeClr val="tx1"/>
+                </a:solidFill>
+                <a:latin typeface="+mn-lt"/>
+                <a:cs typeface="Arial" panose="020B0604020202020204" pitchFamily="34" charset="0"/>
+              </a:rPr>
+              <a:t>Überblick über die Projekte und die darin enthaltenen Versionen</a:t>
+            </a:r>
+          </a:p>
+          <a:p>
+            <a:pPr marL="171450" marR="0" indent="-171450" algn="l" defTabSz="914400" rtl="0" eaLnBrk="0" fontAlgn="base" latinLnBrk="0" hangingPunct="0">
+              <a:lnSpc>
+                <a:spcPct val="100000"/>
+              </a:lnSpc>
+              <a:spcBef>
+                <a:spcPct val="30000"/>
+              </a:spcBef>
+              <a:spcAft>
+                <a:spcPct val="0"/>
+              </a:spcAft>
+              <a:buClrTx/>
+              <a:buSzTx/>
+              <a:buFont typeface="Arial" panose="020B0604020202020204" pitchFamily="34" charset="0"/>
+              <a:buChar char="•"/>
+              <a:tabLst/>
+              <a:defRPr/>
+            </a:pPr>
+            <a:r>
+              <a:rPr lang="de-DE" sz="1200" baseline="0" dirty="0" smtClean="0">
+                <a:solidFill>
+                  <a:schemeClr val="tx1"/>
+                </a:solidFill>
+                <a:latin typeface="+mn-lt"/>
+                <a:cs typeface="Arial" panose="020B0604020202020204" pitchFamily="34" charset="0"/>
+              </a:rPr>
+              <a:t>Man kann zu bestimmten Versionen „springen“ und diese wiederherzustellen</a:t>
+            </a:r>
+          </a:p>
+          <a:p>
+            <a:pPr marL="171450" marR="0" indent="-171450" algn="l" defTabSz="914400" rtl="0" eaLnBrk="0" fontAlgn="base" latinLnBrk="0" hangingPunct="0">
+              <a:lnSpc>
+                <a:spcPct val="100000"/>
+              </a:lnSpc>
+              <a:spcBef>
+                <a:spcPct val="30000"/>
+              </a:spcBef>
+              <a:spcAft>
+                <a:spcPct val="0"/>
+              </a:spcAft>
+              <a:buClrTx/>
+              <a:buSzTx/>
+              <a:buFont typeface="Arial" panose="020B0604020202020204" pitchFamily="34" charset="0"/>
+              <a:buChar char="•"/>
+              <a:tabLst/>
+              <a:defRPr/>
+            </a:pPr>
+            <a:r>
+              <a:rPr lang="de-DE" sz="1200" baseline="0" dirty="0" smtClean="0">
+                <a:solidFill>
+                  <a:schemeClr val="tx1"/>
+                </a:solidFill>
+                <a:latin typeface="+mn-lt"/>
+                <a:cs typeface="Arial" panose="020B0604020202020204" pitchFamily="34" charset="0"/>
+              </a:rPr>
+              <a:t>Falls Datei nicht zu groß ist direkt einsehen, ansonsten muss man die Datei downloaden </a:t>
+            </a:r>
+          </a:p>
+          <a:p>
+            <a:pPr marL="0" marR="0" indent="0" algn="l" defTabSz="914400" rtl="0" eaLnBrk="0" fontAlgn="base" latinLnBrk="0" hangingPunct="0">
+              <a:lnSpc>
+                <a:spcPct val="100000"/>
+              </a:lnSpc>
+              <a:spcBef>
+                <a:spcPct val="30000"/>
+              </a:spcBef>
+              <a:spcAft>
+                <a:spcPct val="0"/>
+              </a:spcAft>
+              <a:buClrTx/>
+              <a:buSzTx/>
+              <a:buFont typeface="Arial" panose="020B0604020202020204" pitchFamily="34" charset="0"/>
+              <a:buNone/>
+              <a:tabLst/>
+              <a:defRPr/>
+            </a:pPr>
+            <a:endParaRPr lang="de-DE" sz="1200" dirty="0" smtClean="0">
+              <a:solidFill>
+                <a:srgbClr val="000000"/>
+              </a:solidFill>
+              <a:latin typeface="Arial Narrow" panose="020B0606020202030204" pitchFamily="34" charset="0"/>
+              <a:cs typeface="Arial" panose="020B0604020202020204" pitchFamily="34" charset="0"/>
             </a:endParaRPr>
           </a:p>
         </p:txBody>
@@ -3915,6 +4756,914 @@
                 <a:defRPr/>
               </a:pPr>
               <a:t>27</a:t>
+            </a:fld>
+            <a:endParaRPr lang="de-DE"/>
+          </a:p>
+        </p:txBody>
+      </p:sp>
+    </p:spTree>
+    <p:extLst>
+      <p:ext uri="{BB962C8B-B14F-4D97-AF65-F5344CB8AC3E}">
+        <p14:creationId xmlns:p14="http://schemas.microsoft.com/office/powerpoint/2010/main" val="1353994050"/>
+      </p:ext>
+    </p:extLst>
+  </p:cSld>
+  <p:clrMapOvr>
+    <a:masterClrMapping/>
+  </p:clrMapOvr>
+</p:notes>
+</file>
+
+<file path=ppt/notesSlides/notesSlide28.xml><?xml version="1.0" encoding="utf-8"?>
+<p:notes xmlns:a="http://schemas.openxmlformats.org/drawingml/2006/main" xmlns:r="http://schemas.openxmlformats.org/officeDocument/2006/relationships" xmlns:p="http://schemas.openxmlformats.org/presentationml/2006/main">
+  <p:cSld>
+    <p:spTree>
+      <p:nvGrpSpPr>
+        <p:cNvPr id="1" name=""/>
+        <p:cNvGrpSpPr/>
+        <p:nvPr/>
+      </p:nvGrpSpPr>
+      <p:grpSpPr>
+        <a:xfrm>
+          <a:off x="0" y="0"/>
+          <a:ext cx="0" cy="0"/>
+          <a:chOff x="0" y="0"/>
+          <a:chExt cx="0" cy="0"/>
+        </a:xfrm>
+      </p:grpSpPr>
+      <p:sp>
+        <p:nvSpPr>
+          <p:cNvPr id="2" name="Folienbildplatzhalter 1"/>
+          <p:cNvSpPr>
+            <a:spLocks noGrp="1" noRot="1" noChangeAspect="1"/>
+          </p:cNvSpPr>
+          <p:nvPr>
+            <p:ph type="sldImg"/>
+          </p:nvPr>
+        </p:nvSpPr>
+        <p:spPr/>
+      </p:sp>
+      <p:sp>
+        <p:nvSpPr>
+          <p:cNvPr id="3" name="Notizenplatzhalter 2"/>
+          <p:cNvSpPr>
+            <a:spLocks noGrp="1"/>
+          </p:cNvSpPr>
+          <p:nvPr>
+            <p:ph type="body" idx="1"/>
+          </p:nvPr>
+        </p:nvSpPr>
+        <p:spPr/>
+        <p:txBody>
+          <a:bodyPr/>
+          <a:lstStyle/>
+          <a:p>
+            <a:pPr marL="171450" indent="-171450">
+              <a:buFont typeface="Arial" panose="020B0604020202020204" pitchFamily="34" charset="0"/>
+              <a:buChar char="•"/>
+            </a:pPr>
+            <a:r>
+              <a:rPr lang="de-DE" baseline="0" dirty="0" err="1" smtClean="0">
+                <a:latin typeface="+mn-lt"/>
+              </a:rPr>
+              <a:t>GitHub</a:t>
+            </a:r>
+            <a:r>
+              <a:rPr lang="de-DE" baseline="0" dirty="0" smtClean="0">
+                <a:latin typeface="+mn-lt"/>
+              </a:rPr>
+              <a:t> ist ein </a:t>
+            </a:r>
+            <a:r>
+              <a:rPr lang="de-DE" baseline="0" dirty="0" err="1" smtClean="0">
+                <a:latin typeface="+mn-lt"/>
+              </a:rPr>
+              <a:t>Hostingdienst</a:t>
+            </a:r>
+            <a:r>
+              <a:rPr lang="de-DE" baseline="0" dirty="0" smtClean="0">
+                <a:latin typeface="+mn-lt"/>
+              </a:rPr>
+              <a:t>, der seine Server für </a:t>
+            </a:r>
+            <a:r>
+              <a:rPr lang="de-DE" baseline="0" dirty="0" err="1" smtClean="0">
+                <a:latin typeface="+mn-lt"/>
+              </a:rPr>
+              <a:t>Git</a:t>
+            </a:r>
+            <a:r>
+              <a:rPr lang="de-DE" baseline="0" dirty="0" smtClean="0">
+                <a:latin typeface="+mn-lt"/>
+              </a:rPr>
+              <a:t>-Nutzer bereitstellt, um Repositories auf diesen Servern verwalten zu können</a:t>
+            </a:r>
+          </a:p>
+          <a:p>
+            <a:pPr marL="171450" indent="-171450">
+              <a:buFont typeface="Arial" panose="020B0604020202020204" pitchFamily="34" charset="0"/>
+              <a:buChar char="•"/>
+            </a:pPr>
+            <a:r>
+              <a:rPr lang="de-DE" baseline="0" dirty="0" smtClean="0">
+                <a:latin typeface="+mn-lt"/>
+              </a:rPr>
+              <a:t>Diese Repositories können entweder über die Kommandozeile von </a:t>
+            </a:r>
+            <a:r>
+              <a:rPr lang="de-DE" baseline="0" dirty="0" err="1" smtClean="0">
+                <a:latin typeface="+mn-lt"/>
+              </a:rPr>
+              <a:t>Git</a:t>
+            </a:r>
+            <a:r>
+              <a:rPr lang="de-DE" baseline="0" dirty="0" smtClean="0">
+                <a:latin typeface="+mn-lt"/>
+              </a:rPr>
+              <a:t> bearbeitet werden oder direkt über </a:t>
+            </a:r>
+            <a:r>
+              <a:rPr lang="de-DE" baseline="0" dirty="0" err="1" smtClean="0">
+                <a:latin typeface="+mn-lt"/>
+              </a:rPr>
+              <a:t>GitHub</a:t>
+            </a:r>
+            <a:endParaRPr lang="de-DE" baseline="0" dirty="0" smtClean="0">
+              <a:latin typeface="+mn-lt"/>
+            </a:endParaRPr>
+          </a:p>
+          <a:p>
+            <a:pPr marL="171450" marR="0" indent="-171450" algn="l" defTabSz="914400" rtl="0" eaLnBrk="0" fontAlgn="base" latinLnBrk="0" hangingPunct="0">
+              <a:lnSpc>
+                <a:spcPct val="100000"/>
+              </a:lnSpc>
+              <a:spcBef>
+                <a:spcPct val="30000"/>
+              </a:spcBef>
+              <a:spcAft>
+                <a:spcPct val="0"/>
+              </a:spcAft>
+              <a:buClrTx/>
+              <a:buSzTx/>
+              <a:buFont typeface="Arial" panose="020B0604020202020204" pitchFamily="34" charset="0"/>
+              <a:buChar char="•"/>
+              <a:tabLst/>
+              <a:defRPr/>
+            </a:pPr>
+            <a:r>
+              <a:rPr lang="de-DE" baseline="0" dirty="0" err="1" smtClean="0">
+                <a:latin typeface="+mn-lt"/>
+              </a:rPr>
+              <a:t>GitHub</a:t>
+            </a:r>
+            <a:r>
+              <a:rPr lang="de-DE" baseline="0" dirty="0" smtClean="0">
+                <a:latin typeface="+mn-lt"/>
+              </a:rPr>
+              <a:t> ist nicht das selbe wie </a:t>
+            </a:r>
+            <a:r>
+              <a:rPr lang="de-DE" baseline="0" dirty="0" err="1" smtClean="0">
+                <a:latin typeface="+mn-lt"/>
+              </a:rPr>
+              <a:t>Git</a:t>
+            </a:r>
+            <a:r>
+              <a:rPr lang="de-DE" baseline="0" dirty="0" smtClean="0">
+                <a:latin typeface="+mn-lt"/>
+              </a:rPr>
+              <a:t> </a:t>
+            </a:r>
+            <a:r>
+              <a:rPr lang="de-DE" baseline="0" dirty="0" smtClean="0">
+                <a:latin typeface="+mn-lt"/>
+                <a:sym typeface="Wingdings" panose="05000000000000000000" pitchFamily="2" charset="2"/>
+              </a:rPr>
+              <a:t> deshalb habe ich vorhin erwähnt das </a:t>
+            </a:r>
+            <a:r>
+              <a:rPr lang="de-DE" baseline="0" dirty="0" err="1" smtClean="0">
+                <a:latin typeface="+mn-lt"/>
+                <a:sym typeface="Wingdings" panose="05000000000000000000" pitchFamily="2" charset="2"/>
+              </a:rPr>
+              <a:t>Git</a:t>
+            </a:r>
+            <a:r>
+              <a:rPr lang="de-DE" baseline="0" dirty="0" smtClean="0">
+                <a:latin typeface="+mn-lt"/>
+                <a:sym typeface="Wingdings" panose="05000000000000000000" pitchFamily="2" charset="2"/>
+              </a:rPr>
+              <a:t> ein </a:t>
+            </a:r>
+            <a:r>
+              <a:rPr lang="de-DE" sz="1200" dirty="0" smtClean="0">
+                <a:solidFill>
+                  <a:srgbClr val="000000"/>
+                </a:solidFill>
+                <a:latin typeface="Arial Narrow" panose="020B0606020202030204" pitchFamily="34" charset="0"/>
+                <a:cs typeface="Arial" panose="020B0604020202020204" pitchFamily="34" charset="0"/>
+              </a:rPr>
+              <a:t>Reines Kommandozeilenprogramm</a:t>
+            </a:r>
+            <a:r>
+              <a:rPr lang="de-DE" sz="1200" baseline="0" dirty="0" smtClean="0">
+                <a:solidFill>
+                  <a:srgbClr val="000000"/>
+                </a:solidFill>
+                <a:latin typeface="Arial Narrow" panose="020B0606020202030204" pitchFamily="34" charset="0"/>
+                <a:cs typeface="Arial" panose="020B0604020202020204" pitchFamily="34" charset="0"/>
+              </a:rPr>
+              <a:t> ist,</a:t>
+            </a:r>
+            <a:br>
+              <a:rPr lang="de-DE" sz="1200" baseline="0" dirty="0" smtClean="0">
+                <a:solidFill>
+                  <a:srgbClr val="000000"/>
+                </a:solidFill>
+                <a:latin typeface="Arial Narrow" panose="020B0606020202030204" pitchFamily="34" charset="0"/>
+                <a:cs typeface="Arial" panose="020B0604020202020204" pitchFamily="34" charset="0"/>
+              </a:rPr>
+            </a:br>
+            <a:r>
+              <a:rPr lang="de-DE" sz="1200" baseline="0" dirty="0" smtClean="0">
+                <a:solidFill>
+                  <a:schemeClr val="tx1"/>
+                </a:solidFill>
+                <a:latin typeface="+mn-lt"/>
+                <a:cs typeface="Arial" panose="020B0604020202020204" pitchFamily="34" charset="0"/>
+              </a:rPr>
+              <a:t>denn diese beiden werden oft miteinander verwechselt</a:t>
+            </a:r>
+          </a:p>
+          <a:p>
+            <a:pPr marL="171450" marR="0" indent="-171450" algn="l" defTabSz="914400" rtl="0" eaLnBrk="0" fontAlgn="base" latinLnBrk="0" hangingPunct="0">
+              <a:lnSpc>
+                <a:spcPct val="100000"/>
+              </a:lnSpc>
+              <a:spcBef>
+                <a:spcPct val="30000"/>
+              </a:spcBef>
+              <a:spcAft>
+                <a:spcPct val="0"/>
+              </a:spcAft>
+              <a:buClrTx/>
+              <a:buSzTx/>
+              <a:buFont typeface="Arial" panose="020B0604020202020204" pitchFamily="34" charset="0"/>
+              <a:buChar char="•"/>
+              <a:tabLst/>
+              <a:defRPr/>
+            </a:pPr>
+            <a:r>
+              <a:rPr lang="de-DE" sz="1200" baseline="0" dirty="0" err="1" smtClean="0">
+                <a:solidFill>
+                  <a:schemeClr val="tx1"/>
+                </a:solidFill>
+                <a:latin typeface="+mn-lt"/>
+                <a:cs typeface="Arial" panose="020B0604020202020204" pitchFamily="34" charset="0"/>
+              </a:rPr>
+              <a:t>GitHub</a:t>
+            </a:r>
+            <a:r>
+              <a:rPr lang="de-DE" sz="1200" baseline="0" dirty="0" smtClean="0">
+                <a:solidFill>
+                  <a:schemeClr val="tx1"/>
+                </a:solidFill>
+                <a:latin typeface="+mn-lt"/>
+                <a:cs typeface="Arial" panose="020B0604020202020204" pitchFamily="34" charset="0"/>
+              </a:rPr>
+              <a:t> </a:t>
+            </a:r>
+            <a:r>
+              <a:rPr lang="de-DE" sz="1200" baseline="0" dirty="0" err="1" smtClean="0">
+                <a:solidFill>
+                  <a:schemeClr val="tx1"/>
+                </a:solidFill>
+                <a:latin typeface="+mn-lt"/>
+                <a:cs typeface="Arial" panose="020B0604020202020204" pitchFamily="34" charset="0"/>
+              </a:rPr>
+              <a:t>ermöglcht</a:t>
+            </a:r>
+            <a:r>
+              <a:rPr lang="de-DE" sz="1200" baseline="0" dirty="0" smtClean="0">
+                <a:solidFill>
+                  <a:schemeClr val="tx1"/>
+                </a:solidFill>
+                <a:latin typeface="+mn-lt"/>
+                <a:cs typeface="Arial" panose="020B0604020202020204" pitchFamily="34" charset="0"/>
+              </a:rPr>
+              <a:t> das Anlegen von Repositories und die Verwaltung dieser</a:t>
+            </a:r>
+          </a:p>
+          <a:p>
+            <a:pPr marL="171450" marR="0" indent="-171450" algn="l" defTabSz="914400" rtl="0" eaLnBrk="0" fontAlgn="base" latinLnBrk="0" hangingPunct="0">
+              <a:lnSpc>
+                <a:spcPct val="100000"/>
+              </a:lnSpc>
+              <a:spcBef>
+                <a:spcPct val="30000"/>
+              </a:spcBef>
+              <a:spcAft>
+                <a:spcPct val="0"/>
+              </a:spcAft>
+              <a:buClrTx/>
+              <a:buSzTx/>
+              <a:buFont typeface="Arial" panose="020B0604020202020204" pitchFamily="34" charset="0"/>
+              <a:buChar char="•"/>
+              <a:tabLst/>
+              <a:defRPr/>
+            </a:pPr>
+            <a:r>
+              <a:rPr lang="de-DE" sz="1200" baseline="0" dirty="0" smtClean="0">
+                <a:solidFill>
+                  <a:schemeClr val="tx1"/>
+                </a:solidFill>
+                <a:latin typeface="+mn-lt"/>
+                <a:cs typeface="Arial" panose="020B0604020202020204" pitchFamily="34" charset="0"/>
+              </a:rPr>
+              <a:t>Überblick über die Projekte und die darin enthaltenen Versionen</a:t>
+            </a:r>
+          </a:p>
+          <a:p>
+            <a:pPr marL="171450" marR="0" indent="-171450" algn="l" defTabSz="914400" rtl="0" eaLnBrk="0" fontAlgn="base" latinLnBrk="0" hangingPunct="0">
+              <a:lnSpc>
+                <a:spcPct val="100000"/>
+              </a:lnSpc>
+              <a:spcBef>
+                <a:spcPct val="30000"/>
+              </a:spcBef>
+              <a:spcAft>
+                <a:spcPct val="0"/>
+              </a:spcAft>
+              <a:buClrTx/>
+              <a:buSzTx/>
+              <a:buFont typeface="Arial" panose="020B0604020202020204" pitchFamily="34" charset="0"/>
+              <a:buChar char="•"/>
+              <a:tabLst/>
+              <a:defRPr/>
+            </a:pPr>
+            <a:r>
+              <a:rPr lang="de-DE" sz="1200" baseline="0" dirty="0" smtClean="0">
+                <a:solidFill>
+                  <a:schemeClr val="tx1"/>
+                </a:solidFill>
+                <a:latin typeface="+mn-lt"/>
+                <a:cs typeface="Arial" panose="020B0604020202020204" pitchFamily="34" charset="0"/>
+              </a:rPr>
+              <a:t>Man kann zu bestimmten Versionen „springen“ und diese wiederherzustellen</a:t>
+            </a:r>
+          </a:p>
+          <a:p>
+            <a:pPr marL="171450" marR="0" indent="-171450" algn="l" defTabSz="914400" rtl="0" eaLnBrk="0" fontAlgn="base" latinLnBrk="0" hangingPunct="0">
+              <a:lnSpc>
+                <a:spcPct val="100000"/>
+              </a:lnSpc>
+              <a:spcBef>
+                <a:spcPct val="30000"/>
+              </a:spcBef>
+              <a:spcAft>
+                <a:spcPct val="0"/>
+              </a:spcAft>
+              <a:buClrTx/>
+              <a:buSzTx/>
+              <a:buFont typeface="Arial" panose="020B0604020202020204" pitchFamily="34" charset="0"/>
+              <a:buChar char="•"/>
+              <a:tabLst/>
+              <a:defRPr/>
+            </a:pPr>
+            <a:r>
+              <a:rPr lang="de-DE" sz="1200" baseline="0" dirty="0" smtClean="0">
+                <a:solidFill>
+                  <a:schemeClr val="tx1"/>
+                </a:solidFill>
+                <a:latin typeface="+mn-lt"/>
+                <a:cs typeface="Arial" panose="020B0604020202020204" pitchFamily="34" charset="0"/>
+              </a:rPr>
+              <a:t>Falls Datei nicht zu groß ist direkt einsehen, ansonsten muss man die </a:t>
+            </a:r>
+            <a:r>
+              <a:rPr lang="de-DE" sz="1200" baseline="0" smtClean="0">
+                <a:solidFill>
+                  <a:schemeClr val="tx1"/>
+                </a:solidFill>
+                <a:latin typeface="+mn-lt"/>
+                <a:cs typeface="Arial" panose="020B0604020202020204" pitchFamily="34" charset="0"/>
+              </a:rPr>
+              <a:t>Datei downloaden </a:t>
+            </a:r>
+            <a:endParaRPr lang="de-DE" sz="1200" baseline="0" dirty="0" smtClean="0">
+              <a:solidFill>
+                <a:schemeClr val="tx1"/>
+              </a:solidFill>
+              <a:latin typeface="+mn-lt"/>
+              <a:cs typeface="Arial" panose="020B0604020202020204" pitchFamily="34" charset="0"/>
+            </a:endParaRPr>
+          </a:p>
+          <a:p>
+            <a:pPr marL="0" marR="0" indent="0" algn="l" defTabSz="914400" rtl="0" eaLnBrk="0" fontAlgn="base" latinLnBrk="0" hangingPunct="0">
+              <a:lnSpc>
+                <a:spcPct val="100000"/>
+              </a:lnSpc>
+              <a:spcBef>
+                <a:spcPct val="30000"/>
+              </a:spcBef>
+              <a:spcAft>
+                <a:spcPct val="0"/>
+              </a:spcAft>
+              <a:buClrTx/>
+              <a:buSzTx/>
+              <a:buFont typeface="Arial" panose="020B0604020202020204" pitchFamily="34" charset="0"/>
+              <a:buNone/>
+              <a:tabLst/>
+              <a:defRPr/>
+            </a:pPr>
+            <a:endParaRPr lang="de-DE" sz="1200" dirty="0" smtClean="0">
+              <a:solidFill>
+                <a:srgbClr val="000000"/>
+              </a:solidFill>
+              <a:latin typeface="Arial Narrow" panose="020B0606020202030204" pitchFamily="34" charset="0"/>
+              <a:cs typeface="Arial" panose="020B0604020202020204" pitchFamily="34" charset="0"/>
+            </a:endParaRPr>
+          </a:p>
+        </p:txBody>
+      </p:sp>
+      <p:sp>
+        <p:nvSpPr>
+          <p:cNvPr id="4" name="Foliennummernplatzhalter 3"/>
+          <p:cNvSpPr>
+            <a:spLocks noGrp="1"/>
+          </p:cNvSpPr>
+          <p:nvPr>
+            <p:ph type="sldNum" sz="quarter" idx="10"/>
+          </p:nvPr>
+        </p:nvSpPr>
+        <p:spPr/>
+        <p:txBody>
+          <a:bodyPr/>
+          <a:lstStyle/>
+          <a:p>
+            <a:pPr>
+              <a:defRPr/>
+            </a:pPr>
+            <a:fld id="{69416D27-C533-4FFA-9A00-D046B64C63BF}" type="slidenum">
+              <a:rPr lang="de-DE" smtClean="0"/>
+              <a:pPr>
+                <a:defRPr/>
+              </a:pPr>
+              <a:t>28</a:t>
+            </a:fld>
+            <a:endParaRPr lang="de-DE"/>
+          </a:p>
+        </p:txBody>
+      </p:sp>
+    </p:spTree>
+    <p:extLst>
+      <p:ext uri="{BB962C8B-B14F-4D97-AF65-F5344CB8AC3E}">
+        <p14:creationId xmlns:p14="http://schemas.microsoft.com/office/powerpoint/2010/main" val="1353994050"/>
+      </p:ext>
+    </p:extLst>
+  </p:cSld>
+  <p:clrMapOvr>
+    <a:masterClrMapping/>
+  </p:clrMapOvr>
+</p:notes>
+</file>
+
+<file path=ppt/notesSlides/notesSlide29.xml><?xml version="1.0" encoding="utf-8"?>
+<p:notes xmlns:a="http://schemas.openxmlformats.org/drawingml/2006/main" xmlns:r="http://schemas.openxmlformats.org/officeDocument/2006/relationships" xmlns:p="http://schemas.openxmlformats.org/presentationml/2006/main">
+  <p:cSld>
+    <p:spTree>
+      <p:nvGrpSpPr>
+        <p:cNvPr id="1" name=""/>
+        <p:cNvGrpSpPr/>
+        <p:nvPr/>
+      </p:nvGrpSpPr>
+      <p:grpSpPr>
+        <a:xfrm>
+          <a:off x="0" y="0"/>
+          <a:ext cx="0" cy="0"/>
+          <a:chOff x="0" y="0"/>
+          <a:chExt cx="0" cy="0"/>
+        </a:xfrm>
+      </p:grpSpPr>
+      <p:sp>
+        <p:nvSpPr>
+          <p:cNvPr id="2" name="Folienbildplatzhalter 1"/>
+          <p:cNvSpPr>
+            <a:spLocks noGrp="1" noRot="1" noChangeAspect="1"/>
+          </p:cNvSpPr>
+          <p:nvPr>
+            <p:ph type="sldImg"/>
+          </p:nvPr>
+        </p:nvSpPr>
+        <p:spPr/>
+      </p:sp>
+      <p:sp>
+        <p:nvSpPr>
+          <p:cNvPr id="3" name="Notizenplatzhalter 2"/>
+          <p:cNvSpPr>
+            <a:spLocks noGrp="1"/>
+          </p:cNvSpPr>
+          <p:nvPr>
+            <p:ph type="body" idx="1"/>
+          </p:nvPr>
+        </p:nvSpPr>
+        <p:spPr/>
+        <p:txBody>
+          <a:bodyPr/>
+          <a:lstStyle/>
+          <a:p>
+            <a:pPr marL="171450" indent="-171450">
+              <a:buFont typeface="Arial" panose="020B0604020202020204" pitchFamily="34" charset="0"/>
+              <a:buChar char="•"/>
+            </a:pPr>
+            <a:r>
+              <a:rPr lang="de-DE" baseline="0" dirty="0" err="1" smtClean="0">
+                <a:latin typeface="+mn-lt"/>
+              </a:rPr>
+              <a:t>GitHub</a:t>
+            </a:r>
+            <a:r>
+              <a:rPr lang="de-DE" baseline="0" dirty="0" smtClean="0">
+                <a:latin typeface="+mn-lt"/>
+              </a:rPr>
+              <a:t> ist ein </a:t>
+            </a:r>
+            <a:r>
+              <a:rPr lang="de-DE" baseline="0" dirty="0" err="1" smtClean="0">
+                <a:latin typeface="+mn-lt"/>
+              </a:rPr>
+              <a:t>Hostingdienst</a:t>
+            </a:r>
+            <a:r>
+              <a:rPr lang="de-DE" baseline="0" dirty="0" smtClean="0">
+                <a:latin typeface="+mn-lt"/>
+              </a:rPr>
+              <a:t>, der seine Server für </a:t>
+            </a:r>
+            <a:r>
+              <a:rPr lang="de-DE" baseline="0" dirty="0" err="1" smtClean="0">
+                <a:latin typeface="+mn-lt"/>
+              </a:rPr>
+              <a:t>Git</a:t>
+            </a:r>
+            <a:r>
+              <a:rPr lang="de-DE" baseline="0" dirty="0" smtClean="0">
+                <a:latin typeface="+mn-lt"/>
+              </a:rPr>
+              <a:t>-Nutzer bereitstellt, um Repositories auf diesen Servern verwalten zu können</a:t>
+            </a:r>
+          </a:p>
+          <a:p>
+            <a:pPr marL="171450" indent="-171450">
+              <a:buFont typeface="Arial" panose="020B0604020202020204" pitchFamily="34" charset="0"/>
+              <a:buChar char="•"/>
+            </a:pPr>
+            <a:r>
+              <a:rPr lang="de-DE" baseline="0" dirty="0" smtClean="0">
+                <a:latin typeface="+mn-lt"/>
+              </a:rPr>
+              <a:t>Diese Repositories können entweder über die Kommandozeile von </a:t>
+            </a:r>
+            <a:r>
+              <a:rPr lang="de-DE" baseline="0" dirty="0" err="1" smtClean="0">
+                <a:latin typeface="+mn-lt"/>
+              </a:rPr>
+              <a:t>Git</a:t>
+            </a:r>
+            <a:r>
+              <a:rPr lang="de-DE" baseline="0" dirty="0" smtClean="0">
+                <a:latin typeface="+mn-lt"/>
+              </a:rPr>
+              <a:t> bearbeitet werden oder direkt über </a:t>
+            </a:r>
+            <a:r>
+              <a:rPr lang="de-DE" baseline="0" dirty="0" err="1" smtClean="0">
+                <a:latin typeface="+mn-lt"/>
+              </a:rPr>
+              <a:t>GitHub</a:t>
+            </a:r>
+            <a:endParaRPr lang="de-DE" baseline="0" dirty="0" smtClean="0">
+              <a:latin typeface="+mn-lt"/>
+            </a:endParaRPr>
+          </a:p>
+          <a:p>
+            <a:pPr marL="171450" marR="0" indent="-171450" algn="l" defTabSz="914400" rtl="0" eaLnBrk="0" fontAlgn="base" latinLnBrk="0" hangingPunct="0">
+              <a:lnSpc>
+                <a:spcPct val="100000"/>
+              </a:lnSpc>
+              <a:spcBef>
+                <a:spcPct val="30000"/>
+              </a:spcBef>
+              <a:spcAft>
+                <a:spcPct val="0"/>
+              </a:spcAft>
+              <a:buClrTx/>
+              <a:buSzTx/>
+              <a:buFont typeface="Arial" panose="020B0604020202020204" pitchFamily="34" charset="0"/>
+              <a:buChar char="•"/>
+              <a:tabLst/>
+              <a:defRPr/>
+            </a:pPr>
+            <a:r>
+              <a:rPr lang="de-DE" baseline="0" dirty="0" err="1" smtClean="0">
+                <a:latin typeface="+mn-lt"/>
+              </a:rPr>
+              <a:t>GitHub</a:t>
+            </a:r>
+            <a:r>
+              <a:rPr lang="de-DE" baseline="0" dirty="0" smtClean="0">
+                <a:latin typeface="+mn-lt"/>
+              </a:rPr>
+              <a:t> ist nicht das selbe wie </a:t>
+            </a:r>
+            <a:r>
+              <a:rPr lang="de-DE" baseline="0" dirty="0" err="1" smtClean="0">
+                <a:latin typeface="+mn-lt"/>
+              </a:rPr>
+              <a:t>Git</a:t>
+            </a:r>
+            <a:r>
+              <a:rPr lang="de-DE" baseline="0" dirty="0" smtClean="0">
+                <a:latin typeface="+mn-lt"/>
+              </a:rPr>
+              <a:t> </a:t>
+            </a:r>
+            <a:r>
+              <a:rPr lang="de-DE" baseline="0" dirty="0" smtClean="0">
+                <a:latin typeface="+mn-lt"/>
+                <a:sym typeface="Wingdings" panose="05000000000000000000" pitchFamily="2" charset="2"/>
+              </a:rPr>
+              <a:t> deshalb habe ich vorhin erwähnt das </a:t>
+            </a:r>
+            <a:r>
+              <a:rPr lang="de-DE" baseline="0" dirty="0" err="1" smtClean="0">
+                <a:latin typeface="+mn-lt"/>
+                <a:sym typeface="Wingdings" panose="05000000000000000000" pitchFamily="2" charset="2"/>
+              </a:rPr>
+              <a:t>Git</a:t>
+            </a:r>
+            <a:r>
+              <a:rPr lang="de-DE" baseline="0" dirty="0" smtClean="0">
+                <a:latin typeface="+mn-lt"/>
+                <a:sym typeface="Wingdings" panose="05000000000000000000" pitchFamily="2" charset="2"/>
+              </a:rPr>
+              <a:t> ein </a:t>
+            </a:r>
+            <a:r>
+              <a:rPr lang="de-DE" sz="1200" dirty="0" smtClean="0">
+                <a:solidFill>
+                  <a:srgbClr val="000000"/>
+                </a:solidFill>
+                <a:latin typeface="Arial Narrow" panose="020B0606020202030204" pitchFamily="34" charset="0"/>
+                <a:cs typeface="Arial" panose="020B0604020202020204" pitchFamily="34" charset="0"/>
+              </a:rPr>
+              <a:t>Reines Kommandozeilenprogramm</a:t>
+            </a:r>
+            <a:r>
+              <a:rPr lang="de-DE" sz="1200" baseline="0" dirty="0" smtClean="0">
+                <a:solidFill>
+                  <a:srgbClr val="000000"/>
+                </a:solidFill>
+                <a:latin typeface="Arial Narrow" panose="020B0606020202030204" pitchFamily="34" charset="0"/>
+                <a:cs typeface="Arial" panose="020B0604020202020204" pitchFamily="34" charset="0"/>
+              </a:rPr>
+              <a:t> ist,</a:t>
+            </a:r>
+            <a:br>
+              <a:rPr lang="de-DE" sz="1200" baseline="0" dirty="0" smtClean="0">
+                <a:solidFill>
+                  <a:srgbClr val="000000"/>
+                </a:solidFill>
+                <a:latin typeface="Arial Narrow" panose="020B0606020202030204" pitchFamily="34" charset="0"/>
+                <a:cs typeface="Arial" panose="020B0604020202020204" pitchFamily="34" charset="0"/>
+              </a:rPr>
+            </a:br>
+            <a:r>
+              <a:rPr lang="de-DE" sz="1200" baseline="0" dirty="0" smtClean="0">
+                <a:solidFill>
+                  <a:schemeClr val="tx1"/>
+                </a:solidFill>
+                <a:latin typeface="+mn-lt"/>
+                <a:cs typeface="Arial" panose="020B0604020202020204" pitchFamily="34" charset="0"/>
+              </a:rPr>
+              <a:t>denn diese beiden werden oft miteinander verwechselt</a:t>
+            </a:r>
+          </a:p>
+          <a:p>
+            <a:pPr marL="171450" marR="0" indent="-171450" algn="l" defTabSz="914400" rtl="0" eaLnBrk="0" fontAlgn="base" latinLnBrk="0" hangingPunct="0">
+              <a:lnSpc>
+                <a:spcPct val="100000"/>
+              </a:lnSpc>
+              <a:spcBef>
+                <a:spcPct val="30000"/>
+              </a:spcBef>
+              <a:spcAft>
+                <a:spcPct val="0"/>
+              </a:spcAft>
+              <a:buClrTx/>
+              <a:buSzTx/>
+              <a:buFont typeface="Arial" panose="020B0604020202020204" pitchFamily="34" charset="0"/>
+              <a:buChar char="•"/>
+              <a:tabLst/>
+              <a:defRPr/>
+            </a:pPr>
+            <a:r>
+              <a:rPr lang="de-DE" sz="1200" baseline="0" dirty="0" err="1" smtClean="0">
+                <a:solidFill>
+                  <a:schemeClr val="tx1"/>
+                </a:solidFill>
+                <a:latin typeface="+mn-lt"/>
+                <a:cs typeface="Arial" panose="020B0604020202020204" pitchFamily="34" charset="0"/>
+              </a:rPr>
+              <a:t>GitHub</a:t>
+            </a:r>
+            <a:r>
+              <a:rPr lang="de-DE" sz="1200" baseline="0" dirty="0" smtClean="0">
+                <a:solidFill>
+                  <a:schemeClr val="tx1"/>
+                </a:solidFill>
+                <a:latin typeface="+mn-lt"/>
+                <a:cs typeface="Arial" panose="020B0604020202020204" pitchFamily="34" charset="0"/>
+              </a:rPr>
+              <a:t> </a:t>
+            </a:r>
+            <a:r>
+              <a:rPr lang="de-DE" sz="1200" baseline="0" dirty="0" err="1" smtClean="0">
+                <a:solidFill>
+                  <a:schemeClr val="tx1"/>
+                </a:solidFill>
+                <a:latin typeface="+mn-lt"/>
+                <a:cs typeface="Arial" panose="020B0604020202020204" pitchFamily="34" charset="0"/>
+              </a:rPr>
+              <a:t>ermöglcht</a:t>
+            </a:r>
+            <a:r>
+              <a:rPr lang="de-DE" sz="1200" baseline="0" dirty="0" smtClean="0">
+                <a:solidFill>
+                  <a:schemeClr val="tx1"/>
+                </a:solidFill>
+                <a:latin typeface="+mn-lt"/>
+                <a:cs typeface="Arial" panose="020B0604020202020204" pitchFamily="34" charset="0"/>
+              </a:rPr>
+              <a:t> das Anlegen von Repositories und die Verwaltung dieser</a:t>
+            </a:r>
+          </a:p>
+          <a:p>
+            <a:pPr marL="171450" marR="0" indent="-171450" algn="l" defTabSz="914400" rtl="0" eaLnBrk="0" fontAlgn="base" latinLnBrk="0" hangingPunct="0">
+              <a:lnSpc>
+                <a:spcPct val="100000"/>
+              </a:lnSpc>
+              <a:spcBef>
+                <a:spcPct val="30000"/>
+              </a:spcBef>
+              <a:spcAft>
+                <a:spcPct val="0"/>
+              </a:spcAft>
+              <a:buClrTx/>
+              <a:buSzTx/>
+              <a:buFont typeface="Arial" panose="020B0604020202020204" pitchFamily="34" charset="0"/>
+              <a:buChar char="•"/>
+              <a:tabLst/>
+              <a:defRPr/>
+            </a:pPr>
+            <a:r>
+              <a:rPr lang="de-DE" sz="1200" baseline="0" dirty="0" smtClean="0">
+                <a:solidFill>
+                  <a:schemeClr val="tx1"/>
+                </a:solidFill>
+                <a:latin typeface="+mn-lt"/>
+                <a:cs typeface="Arial" panose="020B0604020202020204" pitchFamily="34" charset="0"/>
+              </a:rPr>
+              <a:t>Überblick über die Projekte und die darin enthaltenen Versionen</a:t>
+            </a:r>
+          </a:p>
+          <a:p>
+            <a:pPr marL="171450" marR="0" indent="-171450" algn="l" defTabSz="914400" rtl="0" eaLnBrk="0" fontAlgn="base" latinLnBrk="0" hangingPunct="0">
+              <a:lnSpc>
+                <a:spcPct val="100000"/>
+              </a:lnSpc>
+              <a:spcBef>
+                <a:spcPct val="30000"/>
+              </a:spcBef>
+              <a:spcAft>
+                <a:spcPct val="0"/>
+              </a:spcAft>
+              <a:buClrTx/>
+              <a:buSzTx/>
+              <a:buFont typeface="Arial" panose="020B0604020202020204" pitchFamily="34" charset="0"/>
+              <a:buChar char="•"/>
+              <a:tabLst/>
+              <a:defRPr/>
+            </a:pPr>
+            <a:r>
+              <a:rPr lang="de-DE" sz="1200" baseline="0" dirty="0" smtClean="0">
+                <a:solidFill>
+                  <a:schemeClr val="tx1"/>
+                </a:solidFill>
+                <a:latin typeface="+mn-lt"/>
+                <a:cs typeface="Arial" panose="020B0604020202020204" pitchFamily="34" charset="0"/>
+              </a:rPr>
+              <a:t>Man kann zu bestimmten Versionen „springen“ und diese wiederherzustellen</a:t>
+            </a:r>
+          </a:p>
+          <a:p>
+            <a:pPr marL="171450" marR="0" indent="-171450" algn="l" defTabSz="914400" rtl="0" eaLnBrk="0" fontAlgn="base" latinLnBrk="0" hangingPunct="0">
+              <a:lnSpc>
+                <a:spcPct val="100000"/>
+              </a:lnSpc>
+              <a:spcBef>
+                <a:spcPct val="30000"/>
+              </a:spcBef>
+              <a:spcAft>
+                <a:spcPct val="0"/>
+              </a:spcAft>
+              <a:buClrTx/>
+              <a:buSzTx/>
+              <a:buFont typeface="Arial" panose="020B0604020202020204" pitchFamily="34" charset="0"/>
+              <a:buChar char="•"/>
+              <a:tabLst/>
+              <a:defRPr/>
+            </a:pPr>
+            <a:r>
+              <a:rPr lang="de-DE" sz="1200" baseline="0" dirty="0" smtClean="0">
+                <a:solidFill>
+                  <a:schemeClr val="tx1"/>
+                </a:solidFill>
+                <a:latin typeface="+mn-lt"/>
+                <a:cs typeface="Arial" panose="020B0604020202020204" pitchFamily="34" charset="0"/>
+              </a:rPr>
+              <a:t>Falls Datei nicht zu groß ist direkt einsehen, ansonsten muss man die </a:t>
+            </a:r>
+            <a:r>
+              <a:rPr lang="de-DE" sz="1200" baseline="0" smtClean="0">
+                <a:solidFill>
+                  <a:schemeClr val="tx1"/>
+                </a:solidFill>
+                <a:latin typeface="+mn-lt"/>
+                <a:cs typeface="Arial" panose="020B0604020202020204" pitchFamily="34" charset="0"/>
+              </a:rPr>
+              <a:t>Datei downloaden </a:t>
+            </a:r>
+            <a:endParaRPr lang="de-DE" sz="1200" baseline="0" dirty="0" smtClean="0">
+              <a:solidFill>
+                <a:schemeClr val="tx1"/>
+              </a:solidFill>
+              <a:latin typeface="+mn-lt"/>
+              <a:cs typeface="Arial" panose="020B0604020202020204" pitchFamily="34" charset="0"/>
+            </a:endParaRPr>
+          </a:p>
+          <a:p>
+            <a:pPr marL="0" marR="0" indent="0" algn="l" defTabSz="914400" rtl="0" eaLnBrk="0" fontAlgn="base" latinLnBrk="0" hangingPunct="0">
+              <a:lnSpc>
+                <a:spcPct val="100000"/>
+              </a:lnSpc>
+              <a:spcBef>
+                <a:spcPct val="30000"/>
+              </a:spcBef>
+              <a:spcAft>
+                <a:spcPct val="0"/>
+              </a:spcAft>
+              <a:buClrTx/>
+              <a:buSzTx/>
+              <a:buFont typeface="Arial" panose="020B0604020202020204" pitchFamily="34" charset="0"/>
+              <a:buNone/>
+              <a:tabLst/>
+              <a:defRPr/>
+            </a:pPr>
+            <a:endParaRPr lang="de-DE" sz="1200" dirty="0" smtClean="0">
+              <a:solidFill>
+                <a:srgbClr val="000000"/>
+              </a:solidFill>
+              <a:latin typeface="Arial Narrow" panose="020B0606020202030204" pitchFamily="34" charset="0"/>
+              <a:cs typeface="Arial" panose="020B0604020202020204" pitchFamily="34" charset="0"/>
+            </a:endParaRPr>
+          </a:p>
+        </p:txBody>
+      </p:sp>
+      <p:sp>
+        <p:nvSpPr>
+          <p:cNvPr id="4" name="Foliennummernplatzhalter 3"/>
+          <p:cNvSpPr>
+            <a:spLocks noGrp="1"/>
+          </p:cNvSpPr>
+          <p:nvPr>
+            <p:ph type="sldNum" sz="quarter" idx="10"/>
+          </p:nvPr>
+        </p:nvSpPr>
+        <p:spPr/>
+        <p:txBody>
+          <a:bodyPr/>
+          <a:lstStyle/>
+          <a:p>
+            <a:pPr>
+              <a:defRPr/>
+            </a:pPr>
+            <a:fld id="{69416D27-C533-4FFA-9A00-D046B64C63BF}" type="slidenum">
+              <a:rPr lang="de-DE" smtClean="0"/>
+              <a:pPr>
+                <a:defRPr/>
+              </a:pPr>
+              <a:t>29</a:t>
             </a:fld>
             <a:endParaRPr lang="de-DE"/>
           </a:p>
@@ -4017,6 +5766,897 @@
                 <a:defRPr/>
               </a:pPr>
               <a:t>3</a:t>
+            </a:fld>
+            <a:endParaRPr lang="de-DE"/>
+          </a:p>
+        </p:txBody>
+      </p:sp>
+    </p:spTree>
+    <p:extLst>
+      <p:ext uri="{BB962C8B-B14F-4D97-AF65-F5344CB8AC3E}">
+        <p14:creationId xmlns:p14="http://schemas.microsoft.com/office/powerpoint/2010/main" val="1353994050"/>
+      </p:ext>
+    </p:extLst>
+  </p:cSld>
+  <p:clrMapOvr>
+    <a:masterClrMapping/>
+  </p:clrMapOvr>
+</p:notes>
+</file>
+
+<file path=ppt/notesSlides/notesSlide30.xml><?xml version="1.0" encoding="utf-8"?>
+<p:notes xmlns:a="http://schemas.openxmlformats.org/drawingml/2006/main" xmlns:r="http://schemas.openxmlformats.org/officeDocument/2006/relationships" xmlns:p="http://schemas.openxmlformats.org/presentationml/2006/main">
+  <p:cSld>
+    <p:spTree>
+      <p:nvGrpSpPr>
+        <p:cNvPr id="1" name=""/>
+        <p:cNvGrpSpPr/>
+        <p:nvPr/>
+      </p:nvGrpSpPr>
+      <p:grpSpPr>
+        <a:xfrm>
+          <a:off x="0" y="0"/>
+          <a:ext cx="0" cy="0"/>
+          <a:chOff x="0" y="0"/>
+          <a:chExt cx="0" cy="0"/>
+        </a:xfrm>
+      </p:grpSpPr>
+      <p:sp>
+        <p:nvSpPr>
+          <p:cNvPr id="2" name="Folienbildplatzhalter 1"/>
+          <p:cNvSpPr>
+            <a:spLocks noGrp="1" noRot="1" noChangeAspect="1"/>
+          </p:cNvSpPr>
+          <p:nvPr>
+            <p:ph type="sldImg"/>
+          </p:nvPr>
+        </p:nvSpPr>
+        <p:spPr/>
+      </p:sp>
+      <p:sp>
+        <p:nvSpPr>
+          <p:cNvPr id="3" name="Notizenplatzhalter 2"/>
+          <p:cNvSpPr>
+            <a:spLocks noGrp="1"/>
+          </p:cNvSpPr>
+          <p:nvPr>
+            <p:ph type="body" idx="1"/>
+          </p:nvPr>
+        </p:nvSpPr>
+        <p:spPr/>
+        <p:txBody>
+          <a:bodyPr/>
+          <a:lstStyle/>
+          <a:p>
+            <a:pPr marL="171450" indent="-171450">
+              <a:buFont typeface="Arial" panose="020B0604020202020204" pitchFamily="34" charset="0"/>
+              <a:buChar char="•"/>
+            </a:pPr>
+            <a:r>
+              <a:rPr lang="de-DE" baseline="0" dirty="0" err="1" smtClean="0">
+                <a:latin typeface="+mn-lt"/>
+              </a:rPr>
+              <a:t>GitHub</a:t>
+            </a:r>
+            <a:r>
+              <a:rPr lang="de-DE" baseline="0" dirty="0" smtClean="0">
+                <a:latin typeface="+mn-lt"/>
+              </a:rPr>
+              <a:t> ist ein </a:t>
+            </a:r>
+            <a:r>
+              <a:rPr lang="de-DE" baseline="0" dirty="0" err="1" smtClean="0">
+                <a:latin typeface="+mn-lt"/>
+              </a:rPr>
+              <a:t>Hostingdienst</a:t>
+            </a:r>
+            <a:r>
+              <a:rPr lang="de-DE" baseline="0" dirty="0" smtClean="0">
+                <a:latin typeface="+mn-lt"/>
+              </a:rPr>
+              <a:t>, der seine Server für </a:t>
+            </a:r>
+            <a:r>
+              <a:rPr lang="de-DE" baseline="0" dirty="0" err="1" smtClean="0">
+                <a:latin typeface="+mn-lt"/>
+              </a:rPr>
+              <a:t>Git</a:t>
+            </a:r>
+            <a:r>
+              <a:rPr lang="de-DE" baseline="0" dirty="0" smtClean="0">
+                <a:latin typeface="+mn-lt"/>
+              </a:rPr>
+              <a:t>-Nutzer bereitstellt, um Repositories auf diesen Servern verwalten zu können</a:t>
+            </a:r>
+          </a:p>
+          <a:p>
+            <a:pPr marL="171450" indent="-171450">
+              <a:buFont typeface="Arial" panose="020B0604020202020204" pitchFamily="34" charset="0"/>
+              <a:buChar char="•"/>
+            </a:pPr>
+            <a:r>
+              <a:rPr lang="de-DE" baseline="0" dirty="0" smtClean="0">
+                <a:latin typeface="+mn-lt"/>
+              </a:rPr>
+              <a:t>Diese Repositories können entweder über die Kommandozeile von </a:t>
+            </a:r>
+            <a:r>
+              <a:rPr lang="de-DE" baseline="0" dirty="0" err="1" smtClean="0">
+                <a:latin typeface="+mn-lt"/>
+              </a:rPr>
+              <a:t>Git</a:t>
+            </a:r>
+            <a:r>
+              <a:rPr lang="de-DE" baseline="0" dirty="0" smtClean="0">
+                <a:latin typeface="+mn-lt"/>
+              </a:rPr>
+              <a:t> bearbeitet werden oder direkt über </a:t>
+            </a:r>
+            <a:r>
+              <a:rPr lang="de-DE" baseline="0" dirty="0" err="1" smtClean="0">
+                <a:latin typeface="+mn-lt"/>
+              </a:rPr>
+              <a:t>GitHub</a:t>
+            </a:r>
+            <a:endParaRPr lang="de-DE" baseline="0" dirty="0" smtClean="0">
+              <a:latin typeface="+mn-lt"/>
+            </a:endParaRPr>
+          </a:p>
+          <a:p>
+            <a:pPr marL="171450" marR="0" indent="-171450" algn="l" defTabSz="914400" rtl="0" eaLnBrk="0" fontAlgn="base" latinLnBrk="0" hangingPunct="0">
+              <a:lnSpc>
+                <a:spcPct val="100000"/>
+              </a:lnSpc>
+              <a:spcBef>
+                <a:spcPct val="30000"/>
+              </a:spcBef>
+              <a:spcAft>
+                <a:spcPct val="0"/>
+              </a:spcAft>
+              <a:buClrTx/>
+              <a:buSzTx/>
+              <a:buFont typeface="Arial" panose="020B0604020202020204" pitchFamily="34" charset="0"/>
+              <a:buChar char="•"/>
+              <a:tabLst/>
+              <a:defRPr/>
+            </a:pPr>
+            <a:r>
+              <a:rPr lang="de-DE" baseline="0" dirty="0" err="1" smtClean="0">
+                <a:latin typeface="+mn-lt"/>
+              </a:rPr>
+              <a:t>GitHub</a:t>
+            </a:r>
+            <a:r>
+              <a:rPr lang="de-DE" baseline="0" dirty="0" smtClean="0">
+                <a:latin typeface="+mn-lt"/>
+              </a:rPr>
+              <a:t> ist nicht das selbe wie </a:t>
+            </a:r>
+            <a:r>
+              <a:rPr lang="de-DE" baseline="0" dirty="0" err="1" smtClean="0">
+                <a:latin typeface="+mn-lt"/>
+              </a:rPr>
+              <a:t>Git</a:t>
+            </a:r>
+            <a:r>
+              <a:rPr lang="de-DE" baseline="0" dirty="0" smtClean="0">
+                <a:latin typeface="+mn-lt"/>
+              </a:rPr>
+              <a:t> </a:t>
+            </a:r>
+            <a:r>
+              <a:rPr lang="de-DE" baseline="0" dirty="0" smtClean="0">
+                <a:latin typeface="+mn-lt"/>
+                <a:sym typeface="Wingdings" panose="05000000000000000000" pitchFamily="2" charset="2"/>
+              </a:rPr>
+              <a:t> deshalb habe ich vorhin erwähnt das </a:t>
+            </a:r>
+            <a:r>
+              <a:rPr lang="de-DE" baseline="0" dirty="0" err="1" smtClean="0">
+                <a:latin typeface="+mn-lt"/>
+                <a:sym typeface="Wingdings" panose="05000000000000000000" pitchFamily="2" charset="2"/>
+              </a:rPr>
+              <a:t>Git</a:t>
+            </a:r>
+            <a:r>
+              <a:rPr lang="de-DE" baseline="0" dirty="0" smtClean="0">
+                <a:latin typeface="+mn-lt"/>
+                <a:sym typeface="Wingdings" panose="05000000000000000000" pitchFamily="2" charset="2"/>
+              </a:rPr>
+              <a:t> ein </a:t>
+            </a:r>
+            <a:r>
+              <a:rPr lang="de-DE" sz="1200" dirty="0" smtClean="0">
+                <a:solidFill>
+                  <a:srgbClr val="000000"/>
+                </a:solidFill>
+                <a:latin typeface="Arial Narrow" panose="020B0606020202030204" pitchFamily="34" charset="0"/>
+                <a:cs typeface="Arial" panose="020B0604020202020204" pitchFamily="34" charset="0"/>
+              </a:rPr>
+              <a:t>Reines Kommandozeilenprogramm</a:t>
+            </a:r>
+            <a:r>
+              <a:rPr lang="de-DE" sz="1200" baseline="0" dirty="0" smtClean="0">
+                <a:solidFill>
+                  <a:srgbClr val="000000"/>
+                </a:solidFill>
+                <a:latin typeface="Arial Narrow" panose="020B0606020202030204" pitchFamily="34" charset="0"/>
+                <a:cs typeface="Arial" panose="020B0604020202020204" pitchFamily="34" charset="0"/>
+              </a:rPr>
+              <a:t> ist,</a:t>
+            </a:r>
+            <a:br>
+              <a:rPr lang="de-DE" sz="1200" baseline="0" dirty="0" smtClean="0">
+                <a:solidFill>
+                  <a:srgbClr val="000000"/>
+                </a:solidFill>
+                <a:latin typeface="Arial Narrow" panose="020B0606020202030204" pitchFamily="34" charset="0"/>
+                <a:cs typeface="Arial" panose="020B0604020202020204" pitchFamily="34" charset="0"/>
+              </a:rPr>
+            </a:br>
+            <a:r>
+              <a:rPr lang="de-DE" sz="1200" baseline="0" dirty="0" smtClean="0">
+                <a:solidFill>
+                  <a:schemeClr val="tx1"/>
+                </a:solidFill>
+                <a:latin typeface="+mn-lt"/>
+                <a:cs typeface="Arial" panose="020B0604020202020204" pitchFamily="34" charset="0"/>
+              </a:rPr>
+              <a:t>denn diese beiden werden oft miteinander verwechselt</a:t>
+            </a:r>
+          </a:p>
+          <a:p>
+            <a:pPr marL="171450" marR="0" indent="-171450" algn="l" defTabSz="914400" rtl="0" eaLnBrk="0" fontAlgn="base" latinLnBrk="0" hangingPunct="0">
+              <a:lnSpc>
+                <a:spcPct val="100000"/>
+              </a:lnSpc>
+              <a:spcBef>
+                <a:spcPct val="30000"/>
+              </a:spcBef>
+              <a:spcAft>
+                <a:spcPct val="0"/>
+              </a:spcAft>
+              <a:buClrTx/>
+              <a:buSzTx/>
+              <a:buFont typeface="Arial" panose="020B0604020202020204" pitchFamily="34" charset="0"/>
+              <a:buChar char="•"/>
+              <a:tabLst/>
+              <a:defRPr/>
+            </a:pPr>
+            <a:r>
+              <a:rPr lang="de-DE" sz="1200" baseline="0" dirty="0" err="1" smtClean="0">
+                <a:solidFill>
+                  <a:schemeClr val="tx1"/>
+                </a:solidFill>
+                <a:latin typeface="+mn-lt"/>
+                <a:cs typeface="Arial" panose="020B0604020202020204" pitchFamily="34" charset="0"/>
+              </a:rPr>
+              <a:t>GitHub</a:t>
+            </a:r>
+            <a:r>
+              <a:rPr lang="de-DE" sz="1200" baseline="0" dirty="0" smtClean="0">
+                <a:solidFill>
+                  <a:schemeClr val="tx1"/>
+                </a:solidFill>
+                <a:latin typeface="+mn-lt"/>
+                <a:cs typeface="Arial" panose="020B0604020202020204" pitchFamily="34" charset="0"/>
+              </a:rPr>
+              <a:t> </a:t>
+            </a:r>
+            <a:r>
+              <a:rPr lang="de-DE" sz="1200" baseline="0" dirty="0" err="1" smtClean="0">
+                <a:solidFill>
+                  <a:schemeClr val="tx1"/>
+                </a:solidFill>
+                <a:latin typeface="+mn-lt"/>
+                <a:cs typeface="Arial" panose="020B0604020202020204" pitchFamily="34" charset="0"/>
+              </a:rPr>
+              <a:t>ermöglcht</a:t>
+            </a:r>
+            <a:r>
+              <a:rPr lang="de-DE" sz="1200" baseline="0" dirty="0" smtClean="0">
+                <a:solidFill>
+                  <a:schemeClr val="tx1"/>
+                </a:solidFill>
+                <a:latin typeface="+mn-lt"/>
+                <a:cs typeface="Arial" panose="020B0604020202020204" pitchFamily="34" charset="0"/>
+              </a:rPr>
+              <a:t> das Anlegen von Repositories und die Verwaltung dieser</a:t>
+            </a:r>
+          </a:p>
+          <a:p>
+            <a:pPr marL="171450" marR="0" indent="-171450" algn="l" defTabSz="914400" rtl="0" eaLnBrk="0" fontAlgn="base" latinLnBrk="0" hangingPunct="0">
+              <a:lnSpc>
+                <a:spcPct val="100000"/>
+              </a:lnSpc>
+              <a:spcBef>
+                <a:spcPct val="30000"/>
+              </a:spcBef>
+              <a:spcAft>
+                <a:spcPct val="0"/>
+              </a:spcAft>
+              <a:buClrTx/>
+              <a:buSzTx/>
+              <a:buFont typeface="Arial" panose="020B0604020202020204" pitchFamily="34" charset="0"/>
+              <a:buChar char="•"/>
+              <a:tabLst/>
+              <a:defRPr/>
+            </a:pPr>
+            <a:r>
+              <a:rPr lang="de-DE" sz="1200" baseline="0" dirty="0" smtClean="0">
+                <a:solidFill>
+                  <a:schemeClr val="tx1"/>
+                </a:solidFill>
+                <a:latin typeface="+mn-lt"/>
+                <a:cs typeface="Arial" panose="020B0604020202020204" pitchFamily="34" charset="0"/>
+              </a:rPr>
+              <a:t>Überblick über die Projekte und die darin enthaltenen Versionen</a:t>
+            </a:r>
+          </a:p>
+          <a:p>
+            <a:pPr marL="171450" marR="0" indent="-171450" algn="l" defTabSz="914400" rtl="0" eaLnBrk="0" fontAlgn="base" latinLnBrk="0" hangingPunct="0">
+              <a:lnSpc>
+                <a:spcPct val="100000"/>
+              </a:lnSpc>
+              <a:spcBef>
+                <a:spcPct val="30000"/>
+              </a:spcBef>
+              <a:spcAft>
+                <a:spcPct val="0"/>
+              </a:spcAft>
+              <a:buClrTx/>
+              <a:buSzTx/>
+              <a:buFont typeface="Arial" panose="020B0604020202020204" pitchFamily="34" charset="0"/>
+              <a:buChar char="•"/>
+              <a:tabLst/>
+              <a:defRPr/>
+            </a:pPr>
+            <a:r>
+              <a:rPr lang="de-DE" sz="1200" baseline="0" dirty="0" smtClean="0">
+                <a:solidFill>
+                  <a:schemeClr val="tx1"/>
+                </a:solidFill>
+                <a:latin typeface="+mn-lt"/>
+                <a:cs typeface="Arial" panose="020B0604020202020204" pitchFamily="34" charset="0"/>
+              </a:rPr>
+              <a:t>Man kann zu bestimmten Versionen „springen“ und diese wiederherzustellen</a:t>
+            </a:r>
+          </a:p>
+          <a:p>
+            <a:pPr marL="171450" marR="0" indent="-171450" algn="l" defTabSz="914400" rtl="0" eaLnBrk="0" fontAlgn="base" latinLnBrk="0" hangingPunct="0">
+              <a:lnSpc>
+                <a:spcPct val="100000"/>
+              </a:lnSpc>
+              <a:spcBef>
+                <a:spcPct val="30000"/>
+              </a:spcBef>
+              <a:spcAft>
+                <a:spcPct val="0"/>
+              </a:spcAft>
+              <a:buClrTx/>
+              <a:buSzTx/>
+              <a:buFont typeface="Arial" panose="020B0604020202020204" pitchFamily="34" charset="0"/>
+              <a:buChar char="•"/>
+              <a:tabLst/>
+              <a:defRPr/>
+            </a:pPr>
+            <a:r>
+              <a:rPr lang="de-DE" sz="1200" baseline="0" dirty="0" smtClean="0">
+                <a:solidFill>
+                  <a:schemeClr val="tx1"/>
+                </a:solidFill>
+                <a:latin typeface="+mn-lt"/>
+                <a:cs typeface="Arial" panose="020B0604020202020204" pitchFamily="34" charset="0"/>
+              </a:rPr>
+              <a:t>Falls Datei nicht zu groß ist direkt einsehen, ansonsten muss man die </a:t>
+            </a:r>
+            <a:r>
+              <a:rPr lang="de-DE" sz="1200" baseline="0" smtClean="0">
+                <a:solidFill>
+                  <a:schemeClr val="tx1"/>
+                </a:solidFill>
+                <a:latin typeface="+mn-lt"/>
+                <a:cs typeface="Arial" panose="020B0604020202020204" pitchFamily="34" charset="0"/>
+              </a:rPr>
+              <a:t>Datei downloaden </a:t>
+            </a:r>
+            <a:endParaRPr lang="de-DE" sz="1200" baseline="0" dirty="0" smtClean="0">
+              <a:solidFill>
+                <a:schemeClr val="tx1"/>
+              </a:solidFill>
+              <a:latin typeface="+mn-lt"/>
+              <a:cs typeface="Arial" panose="020B0604020202020204" pitchFamily="34" charset="0"/>
+            </a:endParaRPr>
+          </a:p>
+          <a:p>
+            <a:pPr marL="0" marR="0" indent="0" algn="l" defTabSz="914400" rtl="0" eaLnBrk="0" fontAlgn="base" latinLnBrk="0" hangingPunct="0">
+              <a:lnSpc>
+                <a:spcPct val="100000"/>
+              </a:lnSpc>
+              <a:spcBef>
+                <a:spcPct val="30000"/>
+              </a:spcBef>
+              <a:spcAft>
+                <a:spcPct val="0"/>
+              </a:spcAft>
+              <a:buClrTx/>
+              <a:buSzTx/>
+              <a:buFont typeface="Arial" panose="020B0604020202020204" pitchFamily="34" charset="0"/>
+              <a:buNone/>
+              <a:tabLst/>
+              <a:defRPr/>
+            </a:pPr>
+            <a:endParaRPr lang="de-DE" sz="1200" dirty="0" smtClean="0">
+              <a:solidFill>
+                <a:srgbClr val="000000"/>
+              </a:solidFill>
+              <a:latin typeface="Arial Narrow" panose="020B0606020202030204" pitchFamily="34" charset="0"/>
+              <a:cs typeface="Arial" panose="020B0604020202020204" pitchFamily="34" charset="0"/>
+            </a:endParaRPr>
+          </a:p>
+        </p:txBody>
+      </p:sp>
+      <p:sp>
+        <p:nvSpPr>
+          <p:cNvPr id="4" name="Foliennummernplatzhalter 3"/>
+          <p:cNvSpPr>
+            <a:spLocks noGrp="1"/>
+          </p:cNvSpPr>
+          <p:nvPr>
+            <p:ph type="sldNum" sz="quarter" idx="10"/>
+          </p:nvPr>
+        </p:nvSpPr>
+        <p:spPr/>
+        <p:txBody>
+          <a:bodyPr/>
+          <a:lstStyle/>
+          <a:p>
+            <a:pPr>
+              <a:defRPr/>
+            </a:pPr>
+            <a:fld id="{69416D27-C533-4FFA-9A00-D046B64C63BF}" type="slidenum">
+              <a:rPr lang="de-DE" smtClean="0"/>
+              <a:pPr>
+                <a:defRPr/>
+              </a:pPr>
+              <a:t>30</a:t>
+            </a:fld>
+            <a:endParaRPr lang="de-DE"/>
+          </a:p>
+        </p:txBody>
+      </p:sp>
+    </p:spTree>
+    <p:extLst>
+      <p:ext uri="{BB962C8B-B14F-4D97-AF65-F5344CB8AC3E}">
+        <p14:creationId xmlns:p14="http://schemas.microsoft.com/office/powerpoint/2010/main" val="1353994050"/>
+      </p:ext>
+    </p:extLst>
+  </p:cSld>
+  <p:clrMapOvr>
+    <a:masterClrMapping/>
+  </p:clrMapOvr>
+</p:notes>
+</file>
+
+<file path=ppt/notesSlides/notesSlide31.xml><?xml version="1.0" encoding="utf-8"?>
+<p:notes xmlns:a="http://schemas.openxmlformats.org/drawingml/2006/main" xmlns:r="http://schemas.openxmlformats.org/officeDocument/2006/relationships" xmlns:p="http://schemas.openxmlformats.org/presentationml/2006/main">
+  <p:cSld>
+    <p:spTree>
+      <p:nvGrpSpPr>
+        <p:cNvPr id="1" name=""/>
+        <p:cNvGrpSpPr/>
+        <p:nvPr/>
+      </p:nvGrpSpPr>
+      <p:grpSpPr>
+        <a:xfrm>
+          <a:off x="0" y="0"/>
+          <a:ext cx="0" cy="0"/>
+          <a:chOff x="0" y="0"/>
+          <a:chExt cx="0" cy="0"/>
+        </a:xfrm>
+      </p:grpSpPr>
+      <p:sp>
+        <p:nvSpPr>
+          <p:cNvPr id="2" name="Folienbildplatzhalter 1"/>
+          <p:cNvSpPr>
+            <a:spLocks noGrp="1" noRot="1" noChangeAspect="1"/>
+          </p:cNvSpPr>
+          <p:nvPr>
+            <p:ph type="sldImg"/>
+          </p:nvPr>
+        </p:nvSpPr>
+        <p:spPr/>
+      </p:sp>
+      <p:sp>
+        <p:nvSpPr>
+          <p:cNvPr id="3" name="Notizenplatzhalter 2"/>
+          <p:cNvSpPr>
+            <a:spLocks noGrp="1"/>
+          </p:cNvSpPr>
+          <p:nvPr>
+            <p:ph type="body" idx="1"/>
+          </p:nvPr>
+        </p:nvSpPr>
+        <p:spPr/>
+        <p:txBody>
+          <a:bodyPr/>
+          <a:lstStyle/>
+          <a:p>
+            <a:pPr marL="171450" indent="-171450">
+              <a:buFont typeface="Arial" panose="020B0604020202020204" pitchFamily="34" charset="0"/>
+              <a:buChar char="•"/>
+            </a:pPr>
+            <a:r>
+              <a:rPr lang="de-DE" baseline="0" dirty="0" err="1" smtClean="0">
+                <a:latin typeface="+mn-lt"/>
+              </a:rPr>
+              <a:t>GitHub</a:t>
+            </a:r>
+            <a:r>
+              <a:rPr lang="de-DE" baseline="0" dirty="0" smtClean="0">
+                <a:latin typeface="+mn-lt"/>
+              </a:rPr>
+              <a:t> ist ein </a:t>
+            </a:r>
+            <a:r>
+              <a:rPr lang="de-DE" baseline="0" dirty="0" err="1" smtClean="0">
+                <a:latin typeface="+mn-lt"/>
+              </a:rPr>
+              <a:t>Hostingdienst</a:t>
+            </a:r>
+            <a:r>
+              <a:rPr lang="de-DE" baseline="0" dirty="0" smtClean="0">
+                <a:latin typeface="+mn-lt"/>
+              </a:rPr>
+              <a:t>, der seine Server für </a:t>
+            </a:r>
+            <a:r>
+              <a:rPr lang="de-DE" baseline="0" dirty="0" err="1" smtClean="0">
+                <a:latin typeface="+mn-lt"/>
+              </a:rPr>
+              <a:t>Git</a:t>
+            </a:r>
+            <a:r>
+              <a:rPr lang="de-DE" baseline="0" dirty="0" smtClean="0">
+                <a:latin typeface="+mn-lt"/>
+              </a:rPr>
+              <a:t>-Nutzer bereitstellt, um Repositories auf diesen Servern verwalten zu können</a:t>
+            </a:r>
+          </a:p>
+          <a:p>
+            <a:pPr marL="171450" indent="-171450">
+              <a:buFont typeface="Arial" panose="020B0604020202020204" pitchFamily="34" charset="0"/>
+              <a:buChar char="•"/>
+            </a:pPr>
+            <a:r>
+              <a:rPr lang="de-DE" baseline="0" dirty="0" smtClean="0">
+                <a:latin typeface="+mn-lt"/>
+              </a:rPr>
+              <a:t>Diese Repositories können entweder über die Kommandozeile von </a:t>
+            </a:r>
+            <a:r>
+              <a:rPr lang="de-DE" baseline="0" dirty="0" err="1" smtClean="0">
+                <a:latin typeface="+mn-lt"/>
+              </a:rPr>
+              <a:t>Git</a:t>
+            </a:r>
+            <a:r>
+              <a:rPr lang="de-DE" baseline="0" dirty="0" smtClean="0">
+                <a:latin typeface="+mn-lt"/>
+              </a:rPr>
+              <a:t> bearbeitet werden oder direkt über </a:t>
+            </a:r>
+            <a:r>
+              <a:rPr lang="de-DE" baseline="0" dirty="0" err="1" smtClean="0">
+                <a:latin typeface="+mn-lt"/>
+              </a:rPr>
+              <a:t>GitHub</a:t>
+            </a:r>
+            <a:endParaRPr lang="de-DE" baseline="0" dirty="0" smtClean="0">
+              <a:latin typeface="+mn-lt"/>
+            </a:endParaRPr>
+          </a:p>
+          <a:p>
+            <a:pPr marL="171450" marR="0" indent="-171450" algn="l" defTabSz="914400" rtl="0" eaLnBrk="0" fontAlgn="base" latinLnBrk="0" hangingPunct="0">
+              <a:lnSpc>
+                <a:spcPct val="100000"/>
+              </a:lnSpc>
+              <a:spcBef>
+                <a:spcPct val="30000"/>
+              </a:spcBef>
+              <a:spcAft>
+                <a:spcPct val="0"/>
+              </a:spcAft>
+              <a:buClrTx/>
+              <a:buSzTx/>
+              <a:buFont typeface="Arial" panose="020B0604020202020204" pitchFamily="34" charset="0"/>
+              <a:buChar char="•"/>
+              <a:tabLst/>
+              <a:defRPr/>
+            </a:pPr>
+            <a:r>
+              <a:rPr lang="de-DE" baseline="0" dirty="0" err="1" smtClean="0">
+                <a:latin typeface="+mn-lt"/>
+              </a:rPr>
+              <a:t>GitHub</a:t>
+            </a:r>
+            <a:r>
+              <a:rPr lang="de-DE" baseline="0" dirty="0" smtClean="0">
+                <a:latin typeface="+mn-lt"/>
+              </a:rPr>
+              <a:t> ist nicht das selbe wie </a:t>
+            </a:r>
+            <a:r>
+              <a:rPr lang="de-DE" baseline="0" dirty="0" err="1" smtClean="0">
+                <a:latin typeface="+mn-lt"/>
+              </a:rPr>
+              <a:t>Git</a:t>
+            </a:r>
+            <a:r>
+              <a:rPr lang="de-DE" baseline="0" dirty="0" smtClean="0">
+                <a:latin typeface="+mn-lt"/>
+              </a:rPr>
+              <a:t> </a:t>
+            </a:r>
+            <a:r>
+              <a:rPr lang="de-DE" baseline="0" dirty="0" smtClean="0">
+                <a:latin typeface="+mn-lt"/>
+                <a:sym typeface="Wingdings" panose="05000000000000000000" pitchFamily="2" charset="2"/>
+              </a:rPr>
+              <a:t> deshalb habe ich vorhin erwähnt das </a:t>
+            </a:r>
+            <a:r>
+              <a:rPr lang="de-DE" baseline="0" dirty="0" err="1" smtClean="0">
+                <a:latin typeface="+mn-lt"/>
+                <a:sym typeface="Wingdings" panose="05000000000000000000" pitchFamily="2" charset="2"/>
+              </a:rPr>
+              <a:t>Git</a:t>
+            </a:r>
+            <a:r>
+              <a:rPr lang="de-DE" baseline="0" dirty="0" smtClean="0">
+                <a:latin typeface="+mn-lt"/>
+                <a:sym typeface="Wingdings" panose="05000000000000000000" pitchFamily="2" charset="2"/>
+              </a:rPr>
+              <a:t> ein </a:t>
+            </a:r>
+            <a:r>
+              <a:rPr lang="de-DE" sz="1200" dirty="0" smtClean="0">
+                <a:solidFill>
+                  <a:srgbClr val="000000"/>
+                </a:solidFill>
+                <a:latin typeface="Arial Narrow" panose="020B0606020202030204" pitchFamily="34" charset="0"/>
+                <a:cs typeface="Arial" panose="020B0604020202020204" pitchFamily="34" charset="0"/>
+              </a:rPr>
+              <a:t>Reines Kommandozeilenprogramm</a:t>
+            </a:r>
+            <a:r>
+              <a:rPr lang="de-DE" sz="1200" baseline="0" dirty="0" smtClean="0">
+                <a:solidFill>
+                  <a:srgbClr val="000000"/>
+                </a:solidFill>
+                <a:latin typeface="Arial Narrow" panose="020B0606020202030204" pitchFamily="34" charset="0"/>
+                <a:cs typeface="Arial" panose="020B0604020202020204" pitchFamily="34" charset="0"/>
+              </a:rPr>
+              <a:t> ist,</a:t>
+            </a:r>
+            <a:br>
+              <a:rPr lang="de-DE" sz="1200" baseline="0" dirty="0" smtClean="0">
+                <a:solidFill>
+                  <a:srgbClr val="000000"/>
+                </a:solidFill>
+                <a:latin typeface="Arial Narrow" panose="020B0606020202030204" pitchFamily="34" charset="0"/>
+                <a:cs typeface="Arial" panose="020B0604020202020204" pitchFamily="34" charset="0"/>
+              </a:rPr>
+            </a:br>
+            <a:r>
+              <a:rPr lang="de-DE" sz="1200" baseline="0" dirty="0" smtClean="0">
+                <a:solidFill>
+                  <a:schemeClr val="tx1"/>
+                </a:solidFill>
+                <a:latin typeface="+mn-lt"/>
+                <a:cs typeface="Arial" panose="020B0604020202020204" pitchFamily="34" charset="0"/>
+              </a:rPr>
+              <a:t>denn diese beiden werden oft miteinander verwechselt</a:t>
+            </a:r>
+          </a:p>
+          <a:p>
+            <a:pPr marL="171450" marR="0" indent="-171450" algn="l" defTabSz="914400" rtl="0" eaLnBrk="0" fontAlgn="base" latinLnBrk="0" hangingPunct="0">
+              <a:lnSpc>
+                <a:spcPct val="100000"/>
+              </a:lnSpc>
+              <a:spcBef>
+                <a:spcPct val="30000"/>
+              </a:spcBef>
+              <a:spcAft>
+                <a:spcPct val="0"/>
+              </a:spcAft>
+              <a:buClrTx/>
+              <a:buSzTx/>
+              <a:buFont typeface="Arial" panose="020B0604020202020204" pitchFamily="34" charset="0"/>
+              <a:buChar char="•"/>
+              <a:tabLst/>
+              <a:defRPr/>
+            </a:pPr>
+            <a:r>
+              <a:rPr lang="de-DE" sz="1200" baseline="0" dirty="0" err="1" smtClean="0">
+                <a:solidFill>
+                  <a:schemeClr val="tx1"/>
+                </a:solidFill>
+                <a:latin typeface="+mn-lt"/>
+                <a:cs typeface="Arial" panose="020B0604020202020204" pitchFamily="34" charset="0"/>
+              </a:rPr>
+              <a:t>GitHub</a:t>
+            </a:r>
+            <a:r>
+              <a:rPr lang="de-DE" sz="1200" baseline="0" dirty="0" smtClean="0">
+                <a:solidFill>
+                  <a:schemeClr val="tx1"/>
+                </a:solidFill>
+                <a:latin typeface="+mn-lt"/>
+                <a:cs typeface="Arial" panose="020B0604020202020204" pitchFamily="34" charset="0"/>
+              </a:rPr>
+              <a:t> </a:t>
+            </a:r>
+            <a:r>
+              <a:rPr lang="de-DE" sz="1200" baseline="0" dirty="0" err="1" smtClean="0">
+                <a:solidFill>
+                  <a:schemeClr val="tx1"/>
+                </a:solidFill>
+                <a:latin typeface="+mn-lt"/>
+                <a:cs typeface="Arial" panose="020B0604020202020204" pitchFamily="34" charset="0"/>
+              </a:rPr>
+              <a:t>ermöglcht</a:t>
+            </a:r>
+            <a:r>
+              <a:rPr lang="de-DE" sz="1200" baseline="0" dirty="0" smtClean="0">
+                <a:solidFill>
+                  <a:schemeClr val="tx1"/>
+                </a:solidFill>
+                <a:latin typeface="+mn-lt"/>
+                <a:cs typeface="Arial" panose="020B0604020202020204" pitchFamily="34" charset="0"/>
+              </a:rPr>
+              <a:t> das Anlegen von Repositories und die Verwaltung dieser</a:t>
+            </a:r>
+          </a:p>
+          <a:p>
+            <a:pPr marL="171450" marR="0" indent="-171450" algn="l" defTabSz="914400" rtl="0" eaLnBrk="0" fontAlgn="base" latinLnBrk="0" hangingPunct="0">
+              <a:lnSpc>
+                <a:spcPct val="100000"/>
+              </a:lnSpc>
+              <a:spcBef>
+                <a:spcPct val="30000"/>
+              </a:spcBef>
+              <a:spcAft>
+                <a:spcPct val="0"/>
+              </a:spcAft>
+              <a:buClrTx/>
+              <a:buSzTx/>
+              <a:buFont typeface="Arial" panose="020B0604020202020204" pitchFamily="34" charset="0"/>
+              <a:buChar char="•"/>
+              <a:tabLst/>
+              <a:defRPr/>
+            </a:pPr>
+            <a:r>
+              <a:rPr lang="de-DE" sz="1200" baseline="0" dirty="0" smtClean="0">
+                <a:solidFill>
+                  <a:schemeClr val="tx1"/>
+                </a:solidFill>
+                <a:latin typeface="+mn-lt"/>
+                <a:cs typeface="Arial" panose="020B0604020202020204" pitchFamily="34" charset="0"/>
+              </a:rPr>
+              <a:t>Überblick über die Projekte und die darin enthaltenen Versionen</a:t>
+            </a:r>
+          </a:p>
+          <a:p>
+            <a:pPr marL="171450" marR="0" indent="-171450" algn="l" defTabSz="914400" rtl="0" eaLnBrk="0" fontAlgn="base" latinLnBrk="0" hangingPunct="0">
+              <a:lnSpc>
+                <a:spcPct val="100000"/>
+              </a:lnSpc>
+              <a:spcBef>
+                <a:spcPct val="30000"/>
+              </a:spcBef>
+              <a:spcAft>
+                <a:spcPct val="0"/>
+              </a:spcAft>
+              <a:buClrTx/>
+              <a:buSzTx/>
+              <a:buFont typeface="Arial" panose="020B0604020202020204" pitchFamily="34" charset="0"/>
+              <a:buChar char="•"/>
+              <a:tabLst/>
+              <a:defRPr/>
+            </a:pPr>
+            <a:r>
+              <a:rPr lang="de-DE" sz="1200" baseline="0" dirty="0" smtClean="0">
+                <a:solidFill>
+                  <a:schemeClr val="tx1"/>
+                </a:solidFill>
+                <a:latin typeface="+mn-lt"/>
+                <a:cs typeface="Arial" panose="020B0604020202020204" pitchFamily="34" charset="0"/>
+              </a:rPr>
+              <a:t>Man kann zu bestimmten Versionen „springen“ und diese wiederherzustellen</a:t>
+            </a:r>
+          </a:p>
+          <a:p>
+            <a:pPr marL="171450" marR="0" indent="-171450" algn="l" defTabSz="914400" rtl="0" eaLnBrk="0" fontAlgn="base" latinLnBrk="0" hangingPunct="0">
+              <a:lnSpc>
+                <a:spcPct val="100000"/>
+              </a:lnSpc>
+              <a:spcBef>
+                <a:spcPct val="30000"/>
+              </a:spcBef>
+              <a:spcAft>
+                <a:spcPct val="0"/>
+              </a:spcAft>
+              <a:buClrTx/>
+              <a:buSzTx/>
+              <a:buFont typeface="Arial" panose="020B0604020202020204" pitchFamily="34" charset="0"/>
+              <a:buChar char="•"/>
+              <a:tabLst/>
+              <a:defRPr/>
+            </a:pPr>
+            <a:r>
+              <a:rPr lang="de-DE" sz="1200" baseline="0" dirty="0" smtClean="0">
+                <a:solidFill>
+                  <a:schemeClr val="tx1"/>
+                </a:solidFill>
+                <a:latin typeface="+mn-lt"/>
+                <a:cs typeface="Arial" panose="020B0604020202020204" pitchFamily="34" charset="0"/>
+              </a:rPr>
+              <a:t>Falls Datei nicht zu groß ist direkt einsehen, ansonsten muss man die Datei downloaden </a:t>
+            </a:r>
+          </a:p>
+          <a:p>
+            <a:pPr marL="0" marR="0" indent="0" algn="l" defTabSz="914400" rtl="0" eaLnBrk="0" fontAlgn="base" latinLnBrk="0" hangingPunct="0">
+              <a:lnSpc>
+                <a:spcPct val="100000"/>
+              </a:lnSpc>
+              <a:spcBef>
+                <a:spcPct val="30000"/>
+              </a:spcBef>
+              <a:spcAft>
+                <a:spcPct val="0"/>
+              </a:spcAft>
+              <a:buClrTx/>
+              <a:buSzTx/>
+              <a:buFont typeface="Arial" panose="020B0604020202020204" pitchFamily="34" charset="0"/>
+              <a:buNone/>
+              <a:tabLst/>
+              <a:defRPr/>
+            </a:pPr>
+            <a:endParaRPr lang="de-DE" sz="1200" dirty="0" smtClean="0">
+              <a:solidFill>
+                <a:srgbClr val="000000"/>
+              </a:solidFill>
+              <a:latin typeface="Arial Narrow" panose="020B0606020202030204" pitchFamily="34" charset="0"/>
+              <a:cs typeface="Arial" panose="020B0604020202020204" pitchFamily="34" charset="0"/>
+            </a:endParaRPr>
+          </a:p>
+        </p:txBody>
+      </p:sp>
+      <p:sp>
+        <p:nvSpPr>
+          <p:cNvPr id="4" name="Foliennummernplatzhalter 3"/>
+          <p:cNvSpPr>
+            <a:spLocks noGrp="1"/>
+          </p:cNvSpPr>
+          <p:nvPr>
+            <p:ph type="sldNum" sz="quarter" idx="10"/>
+          </p:nvPr>
+        </p:nvSpPr>
+        <p:spPr/>
+        <p:txBody>
+          <a:bodyPr/>
+          <a:lstStyle/>
+          <a:p>
+            <a:pPr>
+              <a:defRPr/>
+            </a:pPr>
+            <a:fld id="{69416D27-C533-4FFA-9A00-D046B64C63BF}" type="slidenum">
+              <a:rPr lang="de-DE" smtClean="0"/>
+              <a:pPr>
+                <a:defRPr/>
+              </a:pPr>
+              <a:t>31</a:t>
             </a:fld>
             <a:endParaRPr lang="de-DE"/>
           </a:p>
@@ -5015,7 +7655,7 @@
               <a:pPr>
                 <a:defRPr/>
               </a:pPr>
-              <a:t>07.11.2017</a:t>
+              <a:t>08.11.2017</a:t>
             </a:fld>
             <a:endParaRPr lang="de-DE"/>
           </a:p>
@@ -5440,7 +8080,7 @@
               <a:pPr>
                 <a:defRPr/>
               </a:pPr>
-              <a:t>07.11.2017</a:t>
+              <a:t>08.11.2017</a:t>
             </a:fld>
             <a:endParaRPr lang="de-DE"/>
           </a:p>
@@ -5885,7 +8525,7 @@
               <a:pPr>
                 <a:defRPr/>
               </a:pPr>
-              <a:t>07.11.2017</a:t>
+              <a:t>08.11.2017</a:t>
             </a:fld>
             <a:endParaRPr lang="de-DE"/>
           </a:p>
@@ -6342,7 +8982,7 @@
               <a:pPr>
                 <a:defRPr/>
               </a:pPr>
-              <a:t>07.11.2017</a:t>
+              <a:t>08.11.2017</a:t>
             </a:fld>
             <a:endParaRPr lang="de-DE"/>
           </a:p>
@@ -6490,7 +9130,7 @@
               <a:pPr>
                 <a:defRPr/>
               </a:pPr>
-              <a:t>07.11.2017</a:t>
+              <a:t>08.11.2017</a:t>
             </a:fld>
             <a:endParaRPr lang="de-DE"/>
           </a:p>
@@ -7325,7 +9965,7 @@
               <a:pPr>
                 <a:defRPr/>
               </a:pPr>
-              <a:t>07.11.2017</a:t>
+              <a:t>08.11.2017</a:t>
             </a:fld>
             <a:endParaRPr lang="de-DE"/>
           </a:p>
@@ -8187,7 +10827,7 @@
               <a:pPr>
                 <a:defRPr/>
               </a:pPr>
-              <a:t>07.11.2017</a:t>
+              <a:t>08.11.2017</a:t>
             </a:fld>
             <a:endParaRPr lang="de-DE" dirty="0">
               <a:latin typeface="Arial" panose="020B0604020202020204" pitchFamily="34" charset="0"/>
@@ -8646,7 +11286,7 @@
               <a:pPr>
                 <a:defRPr/>
               </a:pPr>
-              <a:t>07.11.2017</a:t>
+              <a:t>08.11.2017</a:t>
             </a:fld>
             <a:endParaRPr lang="de-DE" dirty="0">
               <a:latin typeface="Arial" panose="020B0604020202020204" pitchFamily="34" charset="0"/>
@@ -9201,7 +11841,7 @@
               <a:pPr>
                 <a:defRPr/>
               </a:pPr>
-              <a:t>07.11.2017</a:t>
+              <a:t>08.11.2017</a:t>
             </a:fld>
             <a:endParaRPr lang="de-DE" dirty="0">
               <a:latin typeface="Arial" panose="020B0604020202020204" pitchFamily="34" charset="0"/>
@@ -9491,7 +12131,7 @@
               <a:pPr>
                 <a:defRPr/>
               </a:pPr>
-              <a:t>07.11.2017</a:t>
+              <a:t>08.11.2017</a:t>
             </a:fld>
             <a:endParaRPr lang="de-DE" dirty="0">
               <a:latin typeface="Arial" panose="020B0604020202020204" pitchFamily="34" charset="0"/>
@@ -9789,7 +12429,7 @@
               <a:pPr>
                 <a:defRPr/>
               </a:pPr>
-              <a:t>07.11.2017</a:t>
+              <a:t>08.11.2017</a:t>
             </a:fld>
             <a:endParaRPr lang="de-DE" dirty="0">
               <a:latin typeface="Arial" panose="020B0604020202020204" pitchFamily="34" charset="0"/>
@@ -10065,35 +12705,8 @@
                 <a:latin typeface="+mj-lt"/>
                 <a:cs typeface="Arial" panose="020B0604020202020204" pitchFamily="34" charset="0"/>
               </a:rPr>
-              <a:t>Versionierung</a:t>
-            </a:r>
-            <a:r>
-              <a:rPr lang="de-DE" sz="2000" dirty="0" smtClean="0">
-                <a:solidFill>
-                  <a:srgbClr val="000000"/>
-                </a:solidFill>
-                <a:latin typeface="+mj-lt"/>
-                <a:cs typeface="Arial" panose="020B0604020202020204" pitchFamily="34" charset="0"/>
-              </a:rPr>
-              <a:t>, Archivierung und Protokollierung von </a:t>
-            </a:r>
-            <a:r>
-              <a:rPr lang="de-DE" sz="2000" dirty="0" smtClean="0">
-                <a:solidFill>
-                  <a:srgbClr val="000000"/>
-                </a:solidFill>
-                <a:latin typeface="+mj-lt"/>
-                <a:cs typeface="Arial" panose="020B0604020202020204" pitchFamily="34" charset="0"/>
-              </a:rPr>
-              <a:t>Dateien möglich</a:t>
-            </a:r>
-            <a:endParaRPr lang="de-DE" sz="2000" dirty="0" smtClean="0">
-              <a:solidFill>
-                <a:srgbClr val="000000"/>
-              </a:solidFill>
-              <a:latin typeface="+mj-lt"/>
-              <a:cs typeface="Arial" panose="020B0604020202020204" pitchFamily="34" charset="0"/>
-            </a:endParaRPr>
+              <a:t>Versionierung, Archivierung und Protokollierung von Dateien möglich</a:t>
+            </a:r>
           </a:p>
           <a:p>
             <a:pPr lvl="1">
@@ -10140,25 +12753,8 @@
                 <a:latin typeface="+mj-lt"/>
                 <a:cs typeface="Arial" panose="020B0604020202020204" pitchFamily="34" charset="0"/>
               </a:rPr>
-              <a:t>Gleichzeitiges </a:t>
-            </a:r>
-            <a:r>
-              <a:rPr lang="de-DE" sz="2000" dirty="0" smtClean="0">
-                <a:solidFill>
-                  <a:srgbClr val="000000"/>
-                </a:solidFill>
-                <a:latin typeface="+mj-lt"/>
-                <a:cs typeface="Arial" panose="020B0604020202020204" pitchFamily="34" charset="0"/>
-              </a:rPr>
-              <a:t>Entwickeln selber Datei durch mehrere Entwickler</a:t>
-            </a:r>
-            <a:endParaRPr lang="de-DE" sz="2000" dirty="0" smtClean="0">
-              <a:solidFill>
-                <a:srgbClr val="000000"/>
-              </a:solidFill>
-              <a:latin typeface="+mj-lt"/>
-              <a:cs typeface="Arial" panose="020B0604020202020204" pitchFamily="34" charset="0"/>
-            </a:endParaRPr>
+              <a:t>Gleichzeitiges Entwickeln selber Datei durch mehrere Entwickler</a:t>
+            </a:r>
           </a:p>
           <a:p>
             <a:pPr lvl="1">
@@ -10198,13 +12794,6 @@
               </a:rPr>
               <a:t>Versionsverwaltung</a:t>
             </a:r>
-            <a:endParaRPr lang="de-DE" sz="2000" dirty="0" smtClean="0">
-              <a:solidFill>
-                <a:srgbClr val="000000"/>
-              </a:solidFill>
-              <a:latin typeface="+mj-lt"/>
-              <a:cs typeface="Arial" panose="020B0604020202020204" pitchFamily="34" charset="0"/>
-            </a:endParaRPr>
           </a:p>
         </p:txBody>
       </p:sp>
@@ -10231,7 +12820,7 @@
               <a:pPr>
                 <a:defRPr/>
               </a:pPr>
-              <a:t>07.11.2017</a:t>
+              <a:t>08.11.2017</a:t>
             </a:fld>
             <a:endParaRPr lang="de-DE"/>
           </a:p>
@@ -10552,7 +13141,7 @@
               <a:pPr>
                 <a:defRPr/>
               </a:pPr>
-              <a:t>07.11.2017</a:t>
+              <a:t>08.11.2017</a:t>
             </a:fld>
             <a:endParaRPr lang="de-DE" dirty="0">
               <a:latin typeface="Arial" panose="020B0604020202020204" pitchFamily="34" charset="0"/>
@@ -10801,8 +13390,42 @@
                 <a:latin typeface="Arial Narrow" panose="020B0606020202030204" pitchFamily="34" charset="0"/>
                 <a:cs typeface="Arial" panose="020B0604020202020204" pitchFamily="34" charset="0"/>
               </a:rPr>
-              <a:t> bedeutet so viel wie „Blödmann“</a:t>
-            </a:r>
+              <a:t> bedeutet so viel wie „Blödmann</a:t>
+            </a:r>
+            <a:r>
+              <a:rPr lang="de-DE" sz="2000" dirty="0" smtClean="0">
+                <a:solidFill>
+                  <a:srgbClr val="000000"/>
+                </a:solidFill>
+                <a:latin typeface="Arial Narrow" panose="020B0606020202030204" pitchFamily="34" charset="0"/>
+                <a:cs typeface="Arial" panose="020B0604020202020204" pitchFamily="34" charset="0"/>
+              </a:rPr>
+              <a:t>“</a:t>
+            </a:r>
+          </a:p>
+          <a:p>
+            <a:pPr>
+              <a:lnSpc>
+                <a:spcPct val="150000"/>
+              </a:lnSpc>
+            </a:pPr>
+            <a:r>
+              <a:rPr lang="de-DE" sz="2000" dirty="0" smtClean="0">
+                <a:solidFill>
+                  <a:srgbClr val="000000"/>
+                </a:solidFill>
+                <a:latin typeface="Arial Narrow" panose="020B0606020202030204" pitchFamily="34" charset="0"/>
+                <a:cs typeface="Arial" panose="020B0604020202020204" pitchFamily="34" charset="0"/>
+              </a:rPr>
+              <a:t>Reines Kommandozeilenprogramm</a:t>
+            </a:r>
+            <a:endParaRPr lang="de-DE" sz="2000" dirty="0" smtClean="0">
+              <a:solidFill>
+                <a:srgbClr val="000000"/>
+              </a:solidFill>
+              <a:latin typeface="Arial Narrow" panose="020B0606020202030204" pitchFamily="34" charset="0"/>
+              <a:cs typeface="Arial" panose="020B0604020202020204" pitchFamily="34" charset="0"/>
+            </a:endParaRPr>
           </a:p>
           <a:p>
             <a:pPr marL="0" indent="0" algn="ctr">
@@ -10928,7 +13551,7 @@
               <a:pPr>
                 <a:defRPr/>
               </a:pPr>
-              <a:t>07.11.2017</a:t>
+              <a:t>08.11.2017</a:t>
             </a:fld>
             <a:endParaRPr lang="de-DE" dirty="0">
               <a:latin typeface="Arial" panose="020B0604020202020204" pitchFamily="34" charset="0"/>
@@ -11130,17 +13753,7 @@
                 <a:latin typeface="Arial Narrow" panose="020B0606020202030204" pitchFamily="34" charset="0"/>
                 <a:cs typeface="Arial" panose="020B0604020202020204" pitchFamily="34" charset="0"/>
               </a:rPr>
-              <a:t>Änderungen </a:t>
-            </a:r>
-            <a:r>
-              <a:rPr lang="de-DE" sz="2000" dirty="0" smtClean="0">
-                <a:solidFill>
-                  <a:srgbClr val="000000"/>
-                </a:solidFill>
-                <a:latin typeface="Arial Narrow" panose="020B0606020202030204" pitchFamily="34" charset="0"/>
-                <a:cs typeface="Arial" panose="020B0604020202020204" pitchFamily="34" charset="0"/>
-              </a:rPr>
-              <a:t>als Information </a:t>
+              <a:t>Änderungen als Information </a:t>
             </a:r>
             <a:r>
               <a:rPr lang="de-DE" sz="2000" dirty="0" smtClean="0">
@@ -11209,7 +13822,7 @@
               <a:pPr>
                 <a:defRPr/>
               </a:pPr>
-              <a:t>07.11.2017</a:t>
+              <a:t>08.11.2017</a:t>
             </a:fld>
             <a:endParaRPr lang="de-DE" dirty="0">
               <a:latin typeface="Arial" panose="020B0604020202020204" pitchFamily="34" charset="0"/>
@@ -11538,7 +14151,7 @@
               <a:pPr>
                 <a:defRPr/>
               </a:pPr>
-              <a:t>07.11.2017</a:t>
+              <a:t>08.11.2017</a:t>
             </a:fld>
             <a:endParaRPr lang="de-DE" dirty="0">
               <a:latin typeface="Arial" panose="020B0604020202020204" pitchFamily="34" charset="0"/>
@@ -11933,7 +14546,7 @@
               <a:pPr>
                 <a:defRPr/>
               </a:pPr>
-              <a:t>07.11.2017</a:t>
+              <a:t>08.11.2017</a:t>
             </a:fld>
             <a:endParaRPr lang="de-DE" dirty="0">
               <a:latin typeface="Arial" panose="020B0604020202020204" pitchFamily="34" charset="0"/>
@@ -12236,7 +14849,7 @@
               <a:pPr>
                 <a:defRPr/>
               </a:pPr>
-              <a:t>07.11.2017</a:t>
+              <a:t>08.11.2017</a:t>
             </a:fld>
             <a:endParaRPr lang="de-DE" dirty="0">
               <a:latin typeface="Arial" panose="020B0604020202020204" pitchFamily="34" charset="0"/>
@@ -12799,7 +15412,7 @@
               <a:pPr>
                 <a:defRPr/>
               </a:pPr>
-              <a:t>07.11.2017</a:t>
+              <a:t>08.11.2017</a:t>
             </a:fld>
             <a:endParaRPr lang="de-DE" dirty="0">
               <a:latin typeface="Arial" panose="020B0604020202020204" pitchFamily="34" charset="0"/>
@@ -12994,7 +15607,7 @@
               <a:pPr>
                 <a:defRPr/>
               </a:pPr>
-              <a:t>07.11.2017</a:t>
+              <a:t>08.11.2017</a:t>
             </a:fld>
             <a:endParaRPr lang="de-DE" dirty="0">
               <a:latin typeface="Arial" panose="020B0604020202020204" pitchFamily="34" charset="0"/>
@@ -13242,7 +15855,7 @@
               <a:pPr>
                 <a:defRPr/>
               </a:pPr>
-              <a:t>07.11.2017</a:t>
+              <a:t>08.11.2017</a:t>
             </a:fld>
             <a:endParaRPr lang="de-DE" dirty="0">
               <a:latin typeface="Arial" panose="020B0604020202020204" pitchFamily="34" charset="0"/>
@@ -13629,7 +16242,7 @@
               <a:pPr>
                 <a:defRPr/>
               </a:pPr>
-              <a:t>07.11.2017</a:t>
+              <a:t>08.11.2017</a:t>
             </a:fld>
             <a:endParaRPr lang="de-DE" dirty="0">
               <a:latin typeface="Arial" panose="020B0604020202020204" pitchFamily="34" charset="0"/>
@@ -13775,7 +16388,7 @@
         <p:spPr>
           <a:xfrm>
             <a:off x="395536" y="2132856"/>
-            <a:ext cx="3486532" cy="1477328"/>
+            <a:ext cx="3793026" cy="2677656"/>
           </a:xfrm>
           <a:prstGeom prst="rect">
             <a:avLst/>
@@ -13858,7 +16471,23 @@
                   <a:srgbClr val="000000"/>
                 </a:solidFill>
               </a:rPr>
-              <a:t>Vergleichbar mit einem</a:t>
+              <a:t>Vergleichbar mit </a:t>
+            </a:r>
+            <a:r>
+              <a:rPr lang="de-DE" sz="2000" u="none" dirty="0" smtClean="0">
+                <a:solidFill>
+                  <a:srgbClr val="000000"/>
+                </a:solidFill>
+              </a:rPr>
+              <a:t>einem</a:t>
+            </a:r>
+            <a:r>
+              <a:rPr lang="de-DE" sz="2000" u="none" dirty="0" smtClean="0">
+                <a:solidFill>
+                  <a:srgbClr val="000000"/>
+                </a:solidFill>
+              </a:rPr>
+              <a:t/>
             </a:r>
             <a:br>
               <a:rPr lang="de-DE" sz="2000" u="none" dirty="0" smtClean="0">
@@ -13873,7 +16502,110 @@
                   <a:srgbClr val="000000"/>
                 </a:solidFill>
               </a:rPr>
-              <a:t>Einkaufswagen</a:t>
+              <a:t>Einkaufswagen o. einem </a:t>
+            </a:r>
+            <a:r>
+              <a:rPr lang="de-DE" sz="2000" u="none" dirty="0" err="1" smtClean="0">
+                <a:solidFill>
+                  <a:srgbClr val="000000"/>
+                </a:solidFill>
+              </a:rPr>
+              <a:t>Ladedock</a:t>
+            </a:r>
+            <a:endParaRPr lang="de-DE" sz="2000" u="none" dirty="0" smtClean="0">
+              <a:solidFill>
+                <a:srgbClr val="000000"/>
+              </a:solidFill>
+            </a:endParaRPr>
+          </a:p>
+          <a:p>
+            <a:pPr marL="342900" indent="-342900">
+              <a:buFont typeface="Arial" panose="020B0604020202020204" pitchFamily="34" charset="0"/>
+              <a:buChar char="•"/>
+            </a:pPr>
+            <a:r>
+              <a:rPr lang="de-DE" sz="2000" u="none" dirty="0" smtClean="0">
+                <a:solidFill>
+                  <a:srgbClr val="000000"/>
+                </a:solidFill>
+              </a:rPr>
+              <a:t>„</a:t>
+            </a:r>
+            <a:r>
+              <a:rPr lang="de-DE" sz="2000" u="none" dirty="0" err="1" smtClean="0">
+                <a:solidFill>
+                  <a:srgbClr val="000000"/>
+                </a:solidFill>
+              </a:rPr>
+              <a:t>modified</a:t>
+            </a:r>
+            <a:r>
+              <a:rPr lang="de-DE" sz="2000" u="none" dirty="0" smtClean="0">
+                <a:solidFill>
+                  <a:srgbClr val="000000"/>
+                </a:solidFill>
+              </a:rPr>
+              <a:t>“</a:t>
+            </a:r>
+          </a:p>
+          <a:p>
+            <a:pPr marL="342900" indent="-342900">
+              <a:buFont typeface="Arial" panose="020B0604020202020204" pitchFamily="34" charset="0"/>
+              <a:buChar char="•"/>
+            </a:pPr>
+            <a:r>
+              <a:rPr lang="de-DE" sz="2000" u="none" dirty="0" smtClean="0">
+                <a:solidFill>
+                  <a:srgbClr val="000000"/>
+                </a:solidFill>
+              </a:rPr>
+              <a:t>„</a:t>
+            </a:r>
+            <a:r>
+              <a:rPr lang="de-DE" sz="2000" u="none" dirty="0" err="1" smtClean="0">
+                <a:solidFill>
+                  <a:srgbClr val="000000"/>
+                </a:solidFill>
+              </a:rPr>
+              <a:t>staged</a:t>
+            </a:r>
+            <a:r>
+              <a:rPr lang="de-DE" sz="2000" u="none" dirty="0" smtClean="0">
+                <a:solidFill>
+                  <a:srgbClr val="000000"/>
+                </a:solidFill>
+              </a:rPr>
+              <a:t>“</a:t>
+            </a:r>
+          </a:p>
+          <a:p>
+            <a:pPr marL="342900" indent="-342900">
+              <a:buFont typeface="Arial" panose="020B0604020202020204" pitchFamily="34" charset="0"/>
+              <a:buChar char="•"/>
+            </a:pPr>
+            <a:r>
+              <a:rPr lang="de-DE" sz="2000" u="none" dirty="0" smtClean="0">
+                <a:solidFill>
+                  <a:srgbClr val="000000"/>
+                </a:solidFill>
+              </a:rPr>
+              <a:t>„</a:t>
+            </a:r>
+            <a:r>
+              <a:rPr lang="de-DE" sz="2000" u="none" dirty="0" err="1" smtClean="0">
+                <a:solidFill>
+                  <a:srgbClr val="000000"/>
+                </a:solidFill>
+              </a:rPr>
+              <a:t>comitted</a:t>
+            </a:r>
+            <a:r>
+              <a:rPr lang="de-DE" sz="2000" u="none" dirty="0" smtClean="0">
+                <a:solidFill>
+                  <a:srgbClr val="000000"/>
+                </a:solidFill>
+              </a:rPr>
+              <a:t>“</a:t>
             </a:r>
             <a:endParaRPr lang="de-DE" sz="2000" u="none" dirty="0">
               <a:solidFill>
@@ -14046,7 +16778,7 @@
               <a:pPr>
                 <a:defRPr/>
               </a:pPr>
-              <a:t>07.11.2017</a:t>
+              <a:t>08.11.2017</a:t>
             </a:fld>
             <a:endParaRPr lang="de-DE" dirty="0">
               <a:latin typeface="Arial" panose="020B0604020202020204" pitchFamily="34" charset="0"/>
@@ -14156,6 +16888,60 @@
           </a:xfrm>
         </p:spPr>
       </p:pic>
+      <p:pic>
+        <p:nvPicPr>
+          <p:cNvPr id="7" name="Picture 2"/>
+          <p:cNvPicPr>
+            <a:picLocks noChangeAspect="1" noChangeArrowheads="1"/>
+          </p:cNvPicPr>
+          <p:nvPr/>
+        </p:nvPicPr>
+        <p:blipFill>
+          <a:blip r:embed="rId4" cstate="print">
+            <a:extLst>
+              <a:ext uri="{28A0092B-C50C-407E-A947-70E740481C1C}">
+                <a14:useLocalDpi xmlns:a14="http://schemas.microsoft.com/office/drawing/2010/main" val="0"/>
+              </a:ext>
+            </a:extLst>
+          </a:blip>
+          <a:srcRect/>
+          <a:stretch>
+            <a:fillRect/>
+          </a:stretch>
+        </p:blipFill>
+        <p:spPr bwMode="auto">
+          <a:xfrm>
+            <a:off x="467544" y="1268760"/>
+            <a:ext cx="2448272" cy="2218006"/>
+          </a:xfrm>
+          <a:prstGeom prst="rect">
+            <a:avLst/>
+          </a:prstGeom>
+          <a:noFill/>
+          <a:ln>
+            <a:noFill/>
+          </a:ln>
+          <a:extLst>
+            <a:ext uri="{909E8E84-426E-40DD-AFC4-6F175D3DCCD1}">
+              <a14:hiddenFill xmlns:a14="http://schemas.microsoft.com/office/drawing/2010/main">
+                <a:solidFill>
+                  <a:schemeClr val="accent1"/>
+                </a:solidFill>
+              </a14:hiddenFill>
+            </a:ext>
+            <a:ext uri="{91240B29-F687-4F45-9708-019B960494DF}">
+              <a14:hiddenLine xmlns:a14="http://schemas.microsoft.com/office/drawing/2010/main" w="9525">
+                <a:solidFill>
+                  <a:schemeClr val="tx1"/>
+                </a:solidFill>
+                <a:miter lim="800000"/>
+                <a:headEnd/>
+                <a:tailEnd/>
+              </a14:hiddenLine>
+            </a:ext>
+          </a:extLst>
+        </p:spPr>
+      </p:pic>
     </p:spTree>
     <p:extLst>
       <p:ext uri="{BB962C8B-B14F-4D97-AF65-F5344CB8AC3E}">
@@ -14166,10 +16952,140 @@
   <p:clrMapOvr>
     <a:masterClrMapping/>
   </p:clrMapOvr>
+  <mc:AlternateContent xmlns:mc="http://schemas.openxmlformats.org/markup-compatibility/2006">
+    <mc:Choice xmlns:p14="http://schemas.microsoft.com/office/powerpoint/2010/main" Requires="p14">
+      <p:transition p14:dur="10"/>
+    </mc:Choice>
+    <mc:Fallback>
+      <p:transition/>
+    </mc:Fallback>
+  </mc:AlternateContent>
   <p:timing>
     <p:tnLst>
       <p:par>
-        <p:cTn id="1" dur="indefinite" restart="never" nodeType="tmRoot"/>
+        <p:cTn id="1" dur="indefinite" restart="never" nodeType="tmRoot">
+          <p:childTnLst>
+            <p:seq concurrent="1" nextAc="seek">
+              <p:cTn id="2" dur="indefinite" nodeType="mainSeq">
+                <p:childTnLst>
+                  <p:par>
+                    <p:cTn id="3" fill="hold">
+                      <p:stCondLst>
+                        <p:cond delay="indefinite"/>
+                      </p:stCondLst>
+                      <p:childTnLst>
+                        <p:par>
+                          <p:cTn id="4" fill="hold">
+                            <p:stCondLst>
+                              <p:cond delay="0"/>
+                            </p:stCondLst>
+                            <p:childTnLst>
+                              <p:par>
+                                <p:cTn id="5" presetID="47" presetClass="entr" presetSubtype="0" fill="hold" nodeType="clickEffect">
+                                  <p:stCondLst>
+                                    <p:cond delay="0"/>
+                                  </p:stCondLst>
+                                  <p:childTnLst>
+                                    <p:set>
+                                      <p:cBhvr>
+                                        <p:cTn id="6" dur="1" fill="hold">
+                                          <p:stCondLst>
+                                            <p:cond delay="0"/>
+                                          </p:stCondLst>
+                                        </p:cTn>
+                                        <p:tgtEl>
+                                          <p:spTgt spid="7"/>
+                                        </p:tgtEl>
+                                        <p:attrNameLst>
+                                          <p:attrName>style.visibility</p:attrName>
+                                        </p:attrNameLst>
+                                      </p:cBhvr>
+                                      <p:to>
+                                        <p:strVal val="visible"/>
+                                      </p:to>
+                                    </p:set>
+                                    <p:animEffect transition="in" filter="fade">
+                                      <p:cBhvr>
+                                        <p:cTn id="7" dur="1000"/>
+                                        <p:tgtEl>
+                                          <p:spTgt spid="7"/>
+                                        </p:tgtEl>
+                                      </p:cBhvr>
+                                    </p:animEffect>
+                                    <p:anim calcmode="lin" valueType="num">
+                                      <p:cBhvr>
+                                        <p:cTn id="8" dur="1000" fill="hold"/>
+                                        <p:tgtEl>
+                                          <p:spTgt spid="7"/>
+                                        </p:tgtEl>
+                                        <p:attrNameLst>
+                                          <p:attrName>ppt_x</p:attrName>
+                                        </p:attrNameLst>
+                                      </p:cBhvr>
+                                      <p:tavLst>
+                                        <p:tav tm="0">
+                                          <p:val>
+                                            <p:strVal val="#ppt_x"/>
+                                          </p:val>
+                                        </p:tav>
+                                        <p:tav tm="100000">
+                                          <p:val>
+                                            <p:strVal val="#ppt_x"/>
+                                          </p:val>
+                                        </p:tav>
+                                      </p:tavLst>
+                                    </p:anim>
+                                    <p:anim calcmode="lin" valueType="num">
+                                      <p:cBhvr>
+                                        <p:cTn id="9" dur="1000" fill="hold"/>
+                                        <p:tgtEl>
+                                          <p:spTgt spid="7"/>
+                                        </p:tgtEl>
+                                        <p:attrNameLst>
+                                          <p:attrName>ppt_y</p:attrName>
+                                        </p:attrNameLst>
+                                      </p:cBhvr>
+                                      <p:tavLst>
+                                        <p:tav tm="0">
+                                          <p:val>
+                                            <p:strVal val="#ppt_y-.1"/>
+                                          </p:val>
+                                        </p:tav>
+                                        <p:tav tm="100000">
+                                          <p:val>
+                                            <p:strVal val="#ppt_y"/>
+                                          </p:val>
+                                        </p:tav>
+                                      </p:tavLst>
+                                    </p:anim>
+                                  </p:childTnLst>
+                                </p:cTn>
+                              </p:par>
+                            </p:childTnLst>
+                          </p:cTn>
+                        </p:par>
+                      </p:childTnLst>
+                    </p:cTn>
+                  </p:par>
+                </p:childTnLst>
+              </p:cTn>
+              <p:prevCondLst>
+                <p:cond evt="onPrev" delay="0">
+                  <p:tgtEl>
+                    <p:sldTgt/>
+                  </p:tgtEl>
+                </p:cond>
+              </p:prevCondLst>
+              <p:nextCondLst>
+                <p:cond evt="onNext" delay="0">
+                  <p:tgtEl>
+                    <p:sldTgt/>
+                  </p:tgtEl>
+                </p:cond>
+              </p:nextCondLst>
+            </p:seq>
+          </p:childTnLst>
+        </p:cTn>
       </p:par>
     </p:tnLst>
   </p:timing>
@@ -14270,7 +17186,7 @@
               <a:pPr>
                 <a:defRPr/>
               </a:pPr>
-              <a:t>07.11.2017</a:t>
+              <a:t>08.11.2017</a:t>
             </a:fld>
             <a:endParaRPr lang="de-DE" dirty="0">
               <a:latin typeface="Arial" panose="020B0604020202020204" pitchFamily="34" charset="0"/>
@@ -14393,30 +17309,7 @@
                   <a:srgbClr val="000000"/>
                 </a:solidFill>
               </a:rPr>
-              <a:t> nicht möglich. Muss per Hand aufgehoben werden</a:t>
-            </a:r>
-          </a:p>
-          <a:p>
-            <a:pPr>
-              <a:lnSpc>
-                <a:spcPct val="150000"/>
-              </a:lnSpc>
-            </a:pPr>
-            <a:r>
-              <a:rPr lang="de-DE" sz="2000" b="1" dirty="0" smtClean="0">
-                <a:solidFill>
-                  <a:srgbClr val="000000"/>
-                </a:solidFill>
-              </a:rPr>
-              <a:t>Wichtig: </a:t>
-            </a:r>
-            <a:r>
-              <a:rPr lang="de-DE" sz="2000" dirty="0" err="1" smtClean="0">
-                <a:solidFill>
-                  <a:srgbClr val="000000"/>
-                </a:solidFill>
-              </a:rPr>
-              <a:t>Git</a:t>
+              <a:t> nicht möglich. Muss per Hand aufgehoben </a:t>
             </a:r>
             <a:r>
               <a:rPr lang="de-DE" sz="2000" dirty="0" smtClean="0">
@@ -14424,54 +17317,8 @@
                   <a:srgbClr val="000000"/>
                 </a:solidFill>
               </a:rPr>
-              <a:t> befindet sich dabei im </a:t>
-            </a:r>
-            <a:r>
-              <a:rPr lang="de-DE" sz="2000" dirty="0" err="1" smtClean="0">
-                <a:solidFill>
-                  <a:srgbClr val="000000"/>
-                </a:solidFill>
-              </a:rPr>
-              <a:t>Merge</a:t>
-            </a:r>
-            <a:r>
-              <a:rPr lang="de-DE" sz="2000" dirty="0" smtClean="0">
-                <a:solidFill>
-                  <a:srgbClr val="000000"/>
-                </a:solidFill>
-              </a:rPr>
-              <a:t>-Modus. Erst weiter arbeiten wenn der Konflikt behoben und die Änderungen </a:t>
-            </a:r>
-            <a:r>
-              <a:rPr lang="de-DE" sz="2000" dirty="0" err="1" smtClean="0">
-                <a:solidFill>
-                  <a:srgbClr val="000000"/>
-                </a:solidFill>
-              </a:rPr>
-              <a:t>Comittet</a:t>
-            </a:r>
-            <a:r>
-              <a:rPr lang="de-DE" sz="2000" dirty="0" smtClean="0">
-                <a:solidFill>
-                  <a:srgbClr val="000000"/>
-                </a:solidFill>
-              </a:rPr>
-              <a:t> wurden. </a:t>
-            </a:r>
-            <a:endParaRPr lang="de-DE" sz="2000" b="1" dirty="0" smtClean="0">
-              <a:solidFill>
-                <a:srgbClr val="000000"/>
-              </a:solidFill>
-            </a:endParaRPr>
-          </a:p>
-          <a:p>
-            <a:endParaRPr lang="de-DE" sz="2000" dirty="0" smtClean="0">
-              <a:solidFill>
-                <a:srgbClr val="000000"/>
-              </a:solidFill>
-            </a:endParaRPr>
-          </a:p>
-          <a:p>
+              <a:t>werden</a:t>
+            </a:r>
             <a:endParaRPr lang="de-DE" sz="2000" b="1" dirty="0">
               <a:solidFill>
                 <a:srgbClr val="000000"/>
@@ -14510,7 +17357,7 @@
         </p:blipFill>
         <p:spPr bwMode="auto">
           <a:xfrm>
-            <a:off x="923656" y="3212976"/>
+            <a:off x="1187624" y="2420888"/>
             <a:ext cx="6636962" cy="2067669"/>
           </a:xfrm>
           <a:prstGeom prst="rect">
@@ -14655,7 +17502,7 @@
               <a:pPr>
                 <a:defRPr/>
               </a:pPr>
-              <a:t>07.11.2017</a:t>
+              <a:t>08.11.2017</a:t>
             </a:fld>
             <a:endParaRPr lang="de-DE" dirty="0">
               <a:latin typeface="Arial" panose="020B0604020202020204" pitchFamily="34" charset="0"/>
@@ -14753,7 +17600,7 @@
           <a:p>
             <a:pPr>
               <a:lnSpc>
-                <a:spcPct val="200000"/>
+                <a:spcPct val="150000"/>
               </a:lnSpc>
             </a:pPr>
             <a:r>
@@ -14792,7 +17639,7 @@
           <a:p>
             <a:pPr>
               <a:lnSpc>
-                <a:spcPct val="200000"/>
+                <a:spcPct val="150000"/>
               </a:lnSpc>
             </a:pPr>
             <a:r>
@@ -14843,11 +17690,11 @@
           <a:p>
             <a:pPr>
               <a:lnSpc>
-                <a:spcPct val="200000"/>
+                <a:spcPct val="150000"/>
               </a:lnSpc>
             </a:pPr>
             <a:r>
-              <a:rPr lang="de-DE" sz="2000" smtClean="0">
+              <a:rPr lang="de-DE" sz="2000" dirty="0" smtClean="0">
                 <a:solidFill>
                   <a:srgbClr val="000000"/>
                 </a:solidFill>
@@ -14866,7 +17713,7 @@
           <a:p>
             <a:pPr>
               <a:lnSpc>
-                <a:spcPct val="200000"/>
+                <a:spcPct val="150000"/>
               </a:lnSpc>
             </a:pPr>
             <a:r>
@@ -14875,13 +17722,18 @@
                   <a:srgbClr val="000000"/>
                 </a:solidFill>
               </a:rPr>
-              <a:t>Projekte überblicken</a:t>
-            </a:r>
+              <a:t>Überblick über die Projekte und Versionen</a:t>
+            </a:r>
+            <a:endParaRPr lang="de-DE" sz="2000" dirty="0" smtClean="0">
+              <a:solidFill>
+                <a:srgbClr val="000000"/>
+              </a:solidFill>
+            </a:endParaRPr>
           </a:p>
           <a:p>
             <a:pPr>
               <a:lnSpc>
-                <a:spcPct val="200000"/>
+                <a:spcPct val="150000"/>
               </a:lnSpc>
             </a:pPr>
             <a:r>
@@ -14890,55 +17742,17 @@
                   <a:srgbClr val="000000"/>
                 </a:solidFill>
               </a:rPr>
-              <a:t>Versionen speichern, löschen und wiederherstellen</a:t>
-            </a:r>
-          </a:p>
-          <a:p>
-            <a:pPr>
-              <a:lnSpc>
-                <a:spcPct val="200000"/>
-              </a:lnSpc>
-            </a:pPr>
+              <a:t>Versionen speichern, löschen und </a:t>
+            </a:r>
             <a:r>
               <a:rPr lang="de-DE" sz="2000" dirty="0" smtClean="0">
                 <a:solidFill>
                   <a:srgbClr val="000000"/>
                 </a:solidFill>
               </a:rPr>
-              <a:t>Teilen von Code</a:t>
-            </a:r>
-          </a:p>
-          <a:p>
-            <a:pPr>
-              <a:lnSpc>
-                <a:spcPct val="200000"/>
-              </a:lnSpc>
-            </a:pPr>
-            <a:r>
-              <a:rPr lang="de-DE" sz="2000" dirty="0" smtClean="0">
-                <a:solidFill>
-                  <a:srgbClr val="000000"/>
-                </a:solidFill>
-              </a:rPr>
-              <a:t>Kommentare für </a:t>
-            </a:r>
-            <a:r>
-              <a:rPr lang="de-DE" sz="2000" dirty="0" err="1" smtClean="0">
-                <a:solidFill>
-                  <a:srgbClr val="000000"/>
-                </a:solidFill>
-              </a:rPr>
-              <a:t>Commits</a:t>
-            </a:r>
-            <a:r>
-              <a:rPr lang="de-DE" sz="2000" dirty="0" smtClean="0">
-                <a:solidFill>
-                  <a:srgbClr val="000000"/>
-                </a:solidFill>
-              </a:rPr>
-              <a:t> einsehen und hinterlassen </a:t>
-            </a:r>
-            <a:endParaRPr lang="de-DE" sz="2000" b="1" dirty="0">
+              <a:t>wiederherstellen</a:t>
+            </a:r>
+            <a:endParaRPr lang="de-DE" sz="2000" dirty="0" smtClean="0">
               <a:solidFill>
                 <a:srgbClr val="000000"/>
               </a:solidFill>
@@ -14996,6 +17810,504 @@
 </p:sld>
 </file>
 
+<file path=ppt/slides/slide28.xml><?xml version="1.0" encoding="utf-8"?>
+<p:sld xmlns:a="http://schemas.openxmlformats.org/drawingml/2006/main" xmlns:r="http://schemas.openxmlformats.org/officeDocument/2006/relationships" xmlns:p="http://schemas.openxmlformats.org/presentationml/2006/main">
+  <p:cSld>
+    <p:spTree>
+      <p:nvGrpSpPr>
+        <p:cNvPr id="1" name=""/>
+        <p:cNvGrpSpPr/>
+        <p:nvPr/>
+      </p:nvGrpSpPr>
+      <p:grpSpPr>
+        <a:xfrm>
+          <a:off x="0" y="0"/>
+          <a:ext cx="0" cy="0"/>
+          <a:chOff x="0" y="0"/>
+          <a:chExt cx="0" cy="0"/>
+        </a:xfrm>
+      </p:grpSpPr>
+      <p:sp>
+        <p:nvSpPr>
+          <p:cNvPr id="2" name="Titel 1"/>
+          <p:cNvSpPr>
+            <a:spLocks noGrp="1"/>
+          </p:cNvSpPr>
+          <p:nvPr>
+            <p:ph type="title"/>
+          </p:nvPr>
+        </p:nvSpPr>
+        <p:spPr/>
+        <p:txBody>
+          <a:bodyPr/>
+          <a:lstStyle/>
+          <a:p>
+            <a:pPr algn="ctr"/>
+            <a:r>
+              <a:rPr lang="de-DE" sz="3000" dirty="0" smtClean="0">
+                <a:solidFill>
+                  <a:srgbClr val="000000"/>
+                </a:solidFill>
+                <a:latin typeface="Arial" panose="020B0604020202020204" pitchFamily="34" charset="0"/>
+                <a:cs typeface="Arial" panose="020B0604020202020204" pitchFamily="34" charset="0"/>
+              </a:rPr>
+              <a:t>Verteilte Versionskontrolle mit </a:t>
+            </a:r>
+            <a:r>
+              <a:rPr lang="de-DE" sz="3000" dirty="0" err="1" smtClean="0">
+                <a:solidFill>
+                  <a:srgbClr val="000000"/>
+                </a:solidFill>
+                <a:latin typeface="Arial" panose="020B0604020202020204" pitchFamily="34" charset="0"/>
+                <a:cs typeface="Arial" panose="020B0604020202020204" pitchFamily="34" charset="0"/>
+              </a:rPr>
+              <a:t>Git</a:t>
+            </a:r>
+            <a:endParaRPr lang="de-DE" sz="3000" dirty="0">
+              <a:solidFill>
+                <a:srgbClr val="000000"/>
+              </a:solidFill>
+              <a:latin typeface="Arial" panose="020B0604020202020204" pitchFamily="34" charset="0"/>
+              <a:cs typeface="Arial" panose="020B0604020202020204" pitchFamily="34" charset="0"/>
+            </a:endParaRPr>
+          </a:p>
+        </p:txBody>
+      </p:sp>
+      <p:sp>
+        <p:nvSpPr>
+          <p:cNvPr id="4" name="Datumsplatzhalter 3"/>
+          <p:cNvSpPr>
+            <a:spLocks noGrp="1"/>
+          </p:cNvSpPr>
+          <p:nvPr>
+            <p:ph type="dt" sz="half" idx="10"/>
+          </p:nvPr>
+        </p:nvSpPr>
+        <p:spPr>
+          <a:xfrm>
+            <a:off x="7524328" y="6378575"/>
+            <a:ext cx="1008485" cy="365125"/>
+          </a:xfrm>
+        </p:spPr>
+        <p:txBody>
+          <a:bodyPr/>
+          <a:lstStyle/>
+          <a:p>
+            <a:pPr>
+              <a:defRPr/>
+            </a:pPr>
+            <a:fld id="{DBEF86A1-9947-4356-AD39-493A2BF305E6}" type="datetime1">
+              <a:rPr lang="de-DE" smtClean="0">
+                <a:latin typeface="Arial" panose="020B0604020202020204" pitchFamily="34" charset="0"/>
+                <a:cs typeface="Arial" panose="020B0604020202020204" pitchFamily="34" charset="0"/>
+              </a:rPr>
+              <a:pPr>
+                <a:defRPr/>
+              </a:pPr>
+              <a:t>08.11.2017</a:t>
+            </a:fld>
+            <a:endParaRPr lang="de-DE" dirty="0">
+              <a:latin typeface="Arial" panose="020B0604020202020204" pitchFamily="34" charset="0"/>
+              <a:cs typeface="Arial" panose="020B0604020202020204" pitchFamily="34" charset="0"/>
+            </a:endParaRPr>
+          </a:p>
+        </p:txBody>
+      </p:sp>
+      <p:sp>
+        <p:nvSpPr>
+          <p:cNvPr id="5" name="Fußzeilenplatzhalter 4"/>
+          <p:cNvSpPr>
+            <a:spLocks noGrp="1"/>
+          </p:cNvSpPr>
+          <p:nvPr>
+            <p:ph type="ftr" sz="quarter" idx="11"/>
+          </p:nvPr>
+        </p:nvSpPr>
+        <p:spPr/>
+        <p:txBody>
+          <a:bodyPr/>
+          <a:lstStyle/>
+          <a:p>
+            <a:pPr>
+              <a:defRPr/>
+            </a:pPr>
+            <a:r>
+              <a:rPr lang="de-DE" dirty="0" smtClean="0">
+                <a:latin typeface="Arial" panose="020B0604020202020204" pitchFamily="34" charset="0"/>
+                <a:cs typeface="Arial" panose="020B0604020202020204" pitchFamily="34" charset="0"/>
+              </a:rPr>
+              <a:t>Hochschule Furtwangen</a:t>
+            </a:r>
+            <a:endParaRPr lang="de-DE" dirty="0">
+              <a:latin typeface="Arial" panose="020B0604020202020204" pitchFamily="34" charset="0"/>
+              <a:cs typeface="Arial" panose="020B0604020202020204" pitchFamily="34" charset="0"/>
+            </a:endParaRPr>
+          </a:p>
+        </p:txBody>
+      </p:sp>
+      <p:sp>
+        <p:nvSpPr>
+          <p:cNvPr id="6" name="Foliennummernplatzhalter 5"/>
+          <p:cNvSpPr>
+            <a:spLocks noGrp="1"/>
+          </p:cNvSpPr>
+          <p:nvPr>
+            <p:ph type="sldNum" sz="quarter" idx="12"/>
+          </p:nvPr>
+        </p:nvSpPr>
+        <p:spPr>
+          <a:xfrm>
+            <a:off x="8676456" y="6021288"/>
+            <a:ext cx="359842" cy="264566"/>
+          </a:xfrm>
+        </p:spPr>
+        <p:txBody>
+          <a:bodyPr/>
+          <a:lstStyle/>
+          <a:p>
+            <a:pPr>
+              <a:defRPr/>
+            </a:pPr>
+            <a:fld id="{3C74D409-5571-4F32-B32A-C943406F16F9}" type="slidenum">
+              <a:rPr lang="de-DE" smtClean="0">
+                <a:latin typeface="Arial" panose="020B0604020202020204" pitchFamily="34" charset="0"/>
+                <a:cs typeface="Arial" panose="020B0604020202020204" pitchFamily="34" charset="0"/>
+              </a:rPr>
+              <a:pPr>
+                <a:defRPr/>
+              </a:pPr>
+              <a:t>28</a:t>
+            </a:fld>
+            <a:endParaRPr lang="de-DE" dirty="0">
+              <a:latin typeface="Arial" panose="020B0604020202020204" pitchFamily="34" charset="0"/>
+              <a:cs typeface="Arial" panose="020B0604020202020204" pitchFamily="34" charset="0"/>
+            </a:endParaRPr>
+          </a:p>
+        </p:txBody>
+      </p:sp>
+      <p:pic>
+        <p:nvPicPr>
+          <p:cNvPr id="1028" name="Picture 4"/>
+          <p:cNvPicPr>
+            <a:picLocks noChangeAspect="1" noChangeArrowheads="1"/>
+          </p:cNvPicPr>
+          <p:nvPr/>
+        </p:nvPicPr>
+        <p:blipFill>
+          <a:blip r:embed="rId3">
+            <a:extLst>
+              <a:ext uri="{28A0092B-C50C-407E-A947-70E740481C1C}">
+                <a14:useLocalDpi xmlns:a14="http://schemas.microsoft.com/office/drawing/2010/main" val="0"/>
+              </a:ext>
+            </a:extLst>
+          </a:blip>
+          <a:srcRect/>
+          <a:stretch>
+            <a:fillRect/>
+          </a:stretch>
+        </p:blipFill>
+        <p:spPr bwMode="auto">
+          <a:xfrm>
+            <a:off x="231775" y="1539875"/>
+            <a:ext cx="8680450" cy="3778250"/>
+          </a:xfrm>
+          <a:prstGeom prst="rect">
+            <a:avLst/>
+          </a:prstGeom>
+          <a:noFill/>
+          <a:ln>
+            <a:noFill/>
+          </a:ln>
+          <a:extLst>
+            <a:ext uri="{909E8E84-426E-40DD-AFC4-6F175D3DCCD1}">
+              <a14:hiddenFill xmlns:a14="http://schemas.microsoft.com/office/drawing/2010/main">
+                <a:solidFill>
+                  <a:schemeClr val="accent1"/>
+                </a:solidFill>
+              </a14:hiddenFill>
+            </a:ext>
+            <a:ext uri="{91240B29-F687-4F45-9708-019B960494DF}">
+              <a14:hiddenLine xmlns:a14="http://schemas.microsoft.com/office/drawing/2010/main" w="9525">
+                <a:solidFill>
+                  <a:schemeClr val="tx1"/>
+                </a:solidFill>
+                <a:miter lim="800000"/>
+                <a:headEnd/>
+                <a:tailEnd/>
+              </a14:hiddenLine>
+            </a:ext>
+          </a:extLst>
+        </p:spPr>
+      </p:pic>
+    </p:spTree>
+    <p:extLst>
+      <p:ext uri="{BB962C8B-B14F-4D97-AF65-F5344CB8AC3E}">
+        <p14:creationId xmlns:p14="http://schemas.microsoft.com/office/powerpoint/2010/main" val="2477802880"/>
+      </p:ext>
+    </p:extLst>
+  </p:cSld>
+  <p:clrMapOvr>
+    <a:masterClrMapping/>
+  </p:clrMapOvr>
+  <p:timing>
+    <p:tnLst>
+      <p:par>
+        <p:cTn id="1" dur="indefinite" restart="never" nodeType="tmRoot"/>
+      </p:par>
+    </p:tnLst>
+  </p:timing>
+</p:sld>
+</file>
+
+<file path=ppt/slides/slide29.xml><?xml version="1.0" encoding="utf-8"?>
+<p:sld xmlns:a="http://schemas.openxmlformats.org/drawingml/2006/main" xmlns:r="http://schemas.openxmlformats.org/officeDocument/2006/relationships" xmlns:p="http://schemas.openxmlformats.org/presentationml/2006/main">
+  <p:cSld>
+    <p:spTree>
+      <p:nvGrpSpPr>
+        <p:cNvPr id="1" name=""/>
+        <p:cNvGrpSpPr/>
+        <p:nvPr/>
+      </p:nvGrpSpPr>
+      <p:grpSpPr>
+        <a:xfrm>
+          <a:off x="0" y="0"/>
+          <a:ext cx="0" cy="0"/>
+          <a:chOff x="0" y="0"/>
+          <a:chExt cx="0" cy="0"/>
+        </a:xfrm>
+      </p:grpSpPr>
+      <p:sp>
+        <p:nvSpPr>
+          <p:cNvPr id="2" name="Titel 1"/>
+          <p:cNvSpPr>
+            <a:spLocks noGrp="1"/>
+          </p:cNvSpPr>
+          <p:nvPr>
+            <p:ph type="title"/>
+          </p:nvPr>
+        </p:nvSpPr>
+        <p:spPr/>
+        <p:txBody>
+          <a:bodyPr/>
+          <a:lstStyle/>
+          <a:p>
+            <a:pPr algn="ctr"/>
+            <a:r>
+              <a:rPr lang="de-DE" sz="3000" dirty="0" smtClean="0">
+                <a:solidFill>
+                  <a:srgbClr val="000000"/>
+                </a:solidFill>
+                <a:latin typeface="Arial" panose="020B0604020202020204" pitchFamily="34" charset="0"/>
+                <a:cs typeface="Arial" panose="020B0604020202020204" pitchFamily="34" charset="0"/>
+              </a:rPr>
+              <a:t>Verteilte Versionskontrolle mit </a:t>
+            </a:r>
+            <a:r>
+              <a:rPr lang="de-DE" sz="3000" dirty="0" err="1" smtClean="0">
+                <a:solidFill>
+                  <a:srgbClr val="000000"/>
+                </a:solidFill>
+                <a:latin typeface="Arial" panose="020B0604020202020204" pitchFamily="34" charset="0"/>
+                <a:cs typeface="Arial" panose="020B0604020202020204" pitchFamily="34" charset="0"/>
+              </a:rPr>
+              <a:t>Git</a:t>
+            </a:r>
+            <a:endParaRPr lang="de-DE" sz="3000" dirty="0">
+              <a:solidFill>
+                <a:srgbClr val="000000"/>
+              </a:solidFill>
+              <a:latin typeface="Arial" panose="020B0604020202020204" pitchFamily="34" charset="0"/>
+              <a:cs typeface="Arial" panose="020B0604020202020204" pitchFamily="34" charset="0"/>
+            </a:endParaRPr>
+          </a:p>
+        </p:txBody>
+      </p:sp>
+      <p:sp>
+        <p:nvSpPr>
+          <p:cNvPr id="4" name="Datumsplatzhalter 3"/>
+          <p:cNvSpPr>
+            <a:spLocks noGrp="1"/>
+          </p:cNvSpPr>
+          <p:nvPr>
+            <p:ph type="dt" sz="half" idx="10"/>
+          </p:nvPr>
+        </p:nvSpPr>
+        <p:spPr>
+          <a:xfrm>
+            <a:off x="7524328" y="6378575"/>
+            <a:ext cx="1008485" cy="365125"/>
+          </a:xfrm>
+        </p:spPr>
+        <p:txBody>
+          <a:bodyPr/>
+          <a:lstStyle/>
+          <a:p>
+            <a:pPr>
+              <a:defRPr/>
+            </a:pPr>
+            <a:fld id="{DBEF86A1-9947-4356-AD39-493A2BF305E6}" type="datetime1">
+              <a:rPr lang="de-DE" smtClean="0">
+                <a:latin typeface="Arial" panose="020B0604020202020204" pitchFamily="34" charset="0"/>
+                <a:cs typeface="Arial" panose="020B0604020202020204" pitchFamily="34" charset="0"/>
+              </a:rPr>
+              <a:pPr>
+                <a:defRPr/>
+              </a:pPr>
+              <a:t>08.11.2017</a:t>
+            </a:fld>
+            <a:endParaRPr lang="de-DE" dirty="0">
+              <a:latin typeface="Arial" panose="020B0604020202020204" pitchFamily="34" charset="0"/>
+              <a:cs typeface="Arial" panose="020B0604020202020204" pitchFamily="34" charset="0"/>
+            </a:endParaRPr>
+          </a:p>
+        </p:txBody>
+      </p:sp>
+      <p:sp>
+        <p:nvSpPr>
+          <p:cNvPr id="5" name="Fußzeilenplatzhalter 4"/>
+          <p:cNvSpPr>
+            <a:spLocks noGrp="1"/>
+          </p:cNvSpPr>
+          <p:nvPr>
+            <p:ph type="ftr" sz="quarter" idx="11"/>
+          </p:nvPr>
+        </p:nvSpPr>
+        <p:spPr/>
+        <p:txBody>
+          <a:bodyPr/>
+          <a:lstStyle/>
+          <a:p>
+            <a:pPr>
+              <a:defRPr/>
+            </a:pPr>
+            <a:r>
+              <a:rPr lang="de-DE" dirty="0" smtClean="0">
+                <a:latin typeface="Arial" panose="020B0604020202020204" pitchFamily="34" charset="0"/>
+                <a:cs typeface="Arial" panose="020B0604020202020204" pitchFamily="34" charset="0"/>
+              </a:rPr>
+              <a:t>Hochschule Furtwangen</a:t>
+            </a:r>
+            <a:endParaRPr lang="de-DE" dirty="0">
+              <a:latin typeface="Arial" panose="020B0604020202020204" pitchFamily="34" charset="0"/>
+              <a:cs typeface="Arial" panose="020B0604020202020204" pitchFamily="34" charset="0"/>
+            </a:endParaRPr>
+          </a:p>
+        </p:txBody>
+      </p:sp>
+      <p:sp>
+        <p:nvSpPr>
+          <p:cNvPr id="6" name="Foliennummernplatzhalter 5"/>
+          <p:cNvSpPr>
+            <a:spLocks noGrp="1"/>
+          </p:cNvSpPr>
+          <p:nvPr>
+            <p:ph type="sldNum" sz="quarter" idx="12"/>
+          </p:nvPr>
+        </p:nvSpPr>
+        <p:spPr>
+          <a:xfrm>
+            <a:off x="8676456" y="6021288"/>
+            <a:ext cx="359842" cy="264566"/>
+          </a:xfrm>
+        </p:spPr>
+        <p:txBody>
+          <a:bodyPr/>
+          <a:lstStyle/>
+          <a:p>
+            <a:pPr>
+              <a:defRPr/>
+            </a:pPr>
+            <a:fld id="{3C74D409-5571-4F32-B32A-C943406F16F9}" type="slidenum">
+              <a:rPr lang="de-DE" smtClean="0">
+                <a:latin typeface="Arial" panose="020B0604020202020204" pitchFamily="34" charset="0"/>
+                <a:cs typeface="Arial" panose="020B0604020202020204" pitchFamily="34" charset="0"/>
+              </a:rPr>
+              <a:pPr>
+                <a:defRPr/>
+              </a:pPr>
+              <a:t>29</a:t>
+            </a:fld>
+            <a:endParaRPr lang="de-DE" dirty="0">
+              <a:latin typeface="Arial" panose="020B0604020202020204" pitchFamily="34" charset="0"/>
+              <a:cs typeface="Arial" panose="020B0604020202020204" pitchFamily="34" charset="0"/>
+            </a:endParaRPr>
+          </a:p>
+        </p:txBody>
+      </p:sp>
+      <p:pic>
+        <p:nvPicPr>
+          <p:cNvPr id="4098" name="Picture 2"/>
+          <p:cNvPicPr>
+            <a:picLocks noChangeAspect="1" noChangeArrowheads="1"/>
+          </p:cNvPicPr>
+          <p:nvPr/>
+        </p:nvPicPr>
+        <p:blipFill>
+          <a:blip r:embed="rId3">
+            <a:extLst>
+              <a:ext uri="{28A0092B-C50C-407E-A947-70E740481C1C}">
+                <a14:useLocalDpi xmlns:a14="http://schemas.microsoft.com/office/drawing/2010/main" val="0"/>
+              </a:ext>
+            </a:extLst>
+          </a:blip>
+          <a:srcRect/>
+          <a:stretch>
+            <a:fillRect/>
+          </a:stretch>
+        </p:blipFill>
+        <p:spPr bwMode="auto">
+          <a:xfrm>
+            <a:off x="60177" y="1484784"/>
+            <a:ext cx="9016055" cy="3741266"/>
+          </a:xfrm>
+          <a:prstGeom prst="rect">
+            <a:avLst/>
+          </a:prstGeom>
+          <a:noFill/>
+          <a:ln>
+            <a:noFill/>
+          </a:ln>
+          <a:extLst>
+            <a:ext uri="{909E8E84-426E-40DD-AFC4-6F175D3DCCD1}">
+              <a14:hiddenFill xmlns:a14="http://schemas.microsoft.com/office/drawing/2010/main">
+                <a:solidFill>
+                  <a:schemeClr val="accent1"/>
+                </a:solidFill>
+              </a14:hiddenFill>
+            </a:ext>
+            <a:ext uri="{91240B29-F687-4F45-9708-019B960494DF}">
+              <a14:hiddenLine xmlns:a14="http://schemas.microsoft.com/office/drawing/2010/main" w="9525">
+                <a:solidFill>
+                  <a:schemeClr val="tx1"/>
+                </a:solidFill>
+                <a:miter lim="800000"/>
+                <a:headEnd/>
+                <a:tailEnd/>
+              </a14:hiddenLine>
+            </a:ext>
+          </a:extLst>
+        </p:spPr>
+      </p:pic>
+    </p:spTree>
+    <p:extLst>
+      <p:ext uri="{BB962C8B-B14F-4D97-AF65-F5344CB8AC3E}">
+        <p14:creationId xmlns:p14="http://schemas.microsoft.com/office/powerpoint/2010/main" val="1802140332"/>
+      </p:ext>
+    </p:extLst>
+  </p:cSld>
+  <p:clrMapOvr>
+    <a:masterClrMapping/>
+  </p:clrMapOvr>
+  <p:timing>
+    <p:tnLst>
+      <p:par>
+        <p:cTn id="1" dur="indefinite" restart="never" nodeType="tmRoot"/>
+      </p:par>
+    </p:tnLst>
+  </p:timing>
+</p:sld>
+</file>
+
 <file path=ppt/slides/slide3.xml><?xml version="1.0" encoding="utf-8"?>
 <p:sld xmlns:a="http://schemas.openxmlformats.org/drawingml/2006/main" xmlns:r="http://schemas.openxmlformats.org/officeDocument/2006/relationships" xmlns:p="http://schemas.openxmlformats.org/presentationml/2006/main">
   <p:cSld>
@@ -15236,7 +18548,7 @@
               <a:pPr>
                 <a:defRPr/>
               </a:pPr>
-              <a:t>07.11.2017</a:t>
+              <a:t>08.11.2017</a:t>
             </a:fld>
             <a:endParaRPr lang="de-DE" dirty="0">
               <a:latin typeface="Arial" panose="020B0604020202020204" pitchFamily="34" charset="0"/>
@@ -15321,6 +18633,560 @@
     <p:extLst>
       <p:ext uri="{BB962C8B-B14F-4D97-AF65-F5344CB8AC3E}">
         <p14:creationId xmlns:p14="http://schemas.microsoft.com/office/powerpoint/2010/main" val="1976854333"/>
+      </p:ext>
+    </p:extLst>
+  </p:cSld>
+  <p:clrMapOvr>
+    <a:masterClrMapping/>
+  </p:clrMapOvr>
+  <p:timing>
+    <p:tnLst>
+      <p:par>
+        <p:cTn id="1" dur="indefinite" restart="never" nodeType="tmRoot"/>
+      </p:par>
+    </p:tnLst>
+  </p:timing>
+</p:sld>
+</file>
+
+<file path=ppt/slides/slide30.xml><?xml version="1.0" encoding="utf-8"?>
+<p:sld xmlns:a="http://schemas.openxmlformats.org/drawingml/2006/main" xmlns:r="http://schemas.openxmlformats.org/officeDocument/2006/relationships" xmlns:p="http://schemas.openxmlformats.org/presentationml/2006/main">
+  <p:cSld>
+    <p:spTree>
+      <p:nvGrpSpPr>
+        <p:cNvPr id="1" name=""/>
+        <p:cNvGrpSpPr/>
+        <p:nvPr/>
+      </p:nvGrpSpPr>
+      <p:grpSpPr>
+        <a:xfrm>
+          <a:off x="0" y="0"/>
+          <a:ext cx="0" cy="0"/>
+          <a:chOff x="0" y="0"/>
+          <a:chExt cx="0" cy="0"/>
+        </a:xfrm>
+      </p:grpSpPr>
+      <p:sp>
+        <p:nvSpPr>
+          <p:cNvPr id="2" name="Titel 1"/>
+          <p:cNvSpPr>
+            <a:spLocks noGrp="1"/>
+          </p:cNvSpPr>
+          <p:nvPr>
+            <p:ph type="title"/>
+          </p:nvPr>
+        </p:nvSpPr>
+        <p:spPr/>
+        <p:txBody>
+          <a:bodyPr/>
+          <a:lstStyle/>
+          <a:p>
+            <a:pPr algn="ctr"/>
+            <a:r>
+              <a:rPr lang="de-DE" sz="3000" dirty="0" smtClean="0">
+                <a:solidFill>
+                  <a:srgbClr val="000000"/>
+                </a:solidFill>
+                <a:latin typeface="Arial" panose="020B0604020202020204" pitchFamily="34" charset="0"/>
+                <a:cs typeface="Arial" panose="020B0604020202020204" pitchFamily="34" charset="0"/>
+              </a:rPr>
+              <a:t>Verteilte Versionskontrolle mit </a:t>
+            </a:r>
+            <a:r>
+              <a:rPr lang="de-DE" sz="3000" dirty="0" err="1" smtClean="0">
+                <a:solidFill>
+                  <a:srgbClr val="000000"/>
+                </a:solidFill>
+                <a:latin typeface="Arial" panose="020B0604020202020204" pitchFamily="34" charset="0"/>
+                <a:cs typeface="Arial" panose="020B0604020202020204" pitchFamily="34" charset="0"/>
+              </a:rPr>
+              <a:t>Git</a:t>
+            </a:r>
+            <a:endParaRPr lang="de-DE" sz="3000" dirty="0">
+              <a:solidFill>
+                <a:srgbClr val="000000"/>
+              </a:solidFill>
+              <a:latin typeface="Arial" panose="020B0604020202020204" pitchFamily="34" charset="0"/>
+              <a:cs typeface="Arial" panose="020B0604020202020204" pitchFamily="34" charset="0"/>
+            </a:endParaRPr>
+          </a:p>
+        </p:txBody>
+      </p:sp>
+      <p:sp>
+        <p:nvSpPr>
+          <p:cNvPr id="4" name="Datumsplatzhalter 3"/>
+          <p:cNvSpPr>
+            <a:spLocks noGrp="1"/>
+          </p:cNvSpPr>
+          <p:nvPr>
+            <p:ph type="dt" sz="half" idx="10"/>
+          </p:nvPr>
+        </p:nvSpPr>
+        <p:spPr>
+          <a:xfrm>
+            <a:off x="7524328" y="6378575"/>
+            <a:ext cx="1008485" cy="365125"/>
+          </a:xfrm>
+        </p:spPr>
+        <p:txBody>
+          <a:bodyPr/>
+          <a:lstStyle/>
+          <a:p>
+            <a:pPr>
+              <a:defRPr/>
+            </a:pPr>
+            <a:fld id="{DBEF86A1-9947-4356-AD39-493A2BF305E6}" type="datetime1">
+              <a:rPr lang="de-DE" smtClean="0">
+                <a:latin typeface="Arial" panose="020B0604020202020204" pitchFamily="34" charset="0"/>
+                <a:cs typeface="Arial" panose="020B0604020202020204" pitchFamily="34" charset="0"/>
+              </a:rPr>
+              <a:pPr>
+                <a:defRPr/>
+              </a:pPr>
+              <a:t>08.11.2017</a:t>
+            </a:fld>
+            <a:endParaRPr lang="de-DE" dirty="0">
+              <a:latin typeface="Arial" panose="020B0604020202020204" pitchFamily="34" charset="0"/>
+              <a:cs typeface="Arial" panose="020B0604020202020204" pitchFamily="34" charset="0"/>
+            </a:endParaRPr>
+          </a:p>
+        </p:txBody>
+      </p:sp>
+      <p:sp>
+        <p:nvSpPr>
+          <p:cNvPr id="5" name="Fußzeilenplatzhalter 4"/>
+          <p:cNvSpPr>
+            <a:spLocks noGrp="1"/>
+          </p:cNvSpPr>
+          <p:nvPr>
+            <p:ph type="ftr" sz="quarter" idx="11"/>
+          </p:nvPr>
+        </p:nvSpPr>
+        <p:spPr/>
+        <p:txBody>
+          <a:bodyPr/>
+          <a:lstStyle/>
+          <a:p>
+            <a:pPr>
+              <a:defRPr/>
+            </a:pPr>
+            <a:r>
+              <a:rPr lang="de-DE" dirty="0" smtClean="0">
+                <a:latin typeface="Arial" panose="020B0604020202020204" pitchFamily="34" charset="0"/>
+                <a:cs typeface="Arial" panose="020B0604020202020204" pitchFamily="34" charset="0"/>
+              </a:rPr>
+              <a:t>Hochschule Furtwangen</a:t>
+            </a:r>
+            <a:endParaRPr lang="de-DE" dirty="0">
+              <a:latin typeface="Arial" panose="020B0604020202020204" pitchFamily="34" charset="0"/>
+              <a:cs typeface="Arial" panose="020B0604020202020204" pitchFamily="34" charset="0"/>
+            </a:endParaRPr>
+          </a:p>
+        </p:txBody>
+      </p:sp>
+      <p:sp>
+        <p:nvSpPr>
+          <p:cNvPr id="6" name="Foliennummernplatzhalter 5"/>
+          <p:cNvSpPr>
+            <a:spLocks noGrp="1"/>
+          </p:cNvSpPr>
+          <p:nvPr>
+            <p:ph type="sldNum" sz="quarter" idx="12"/>
+          </p:nvPr>
+        </p:nvSpPr>
+        <p:spPr>
+          <a:xfrm>
+            <a:off x="8676456" y="6021288"/>
+            <a:ext cx="359842" cy="264566"/>
+          </a:xfrm>
+        </p:spPr>
+        <p:txBody>
+          <a:bodyPr/>
+          <a:lstStyle/>
+          <a:p>
+            <a:pPr>
+              <a:defRPr/>
+            </a:pPr>
+            <a:fld id="{3C74D409-5571-4F32-B32A-C943406F16F9}" type="slidenum">
+              <a:rPr lang="de-DE" smtClean="0">
+                <a:latin typeface="Arial" panose="020B0604020202020204" pitchFamily="34" charset="0"/>
+                <a:cs typeface="Arial" panose="020B0604020202020204" pitchFamily="34" charset="0"/>
+              </a:rPr>
+              <a:pPr>
+                <a:defRPr/>
+              </a:pPr>
+              <a:t>30</a:t>
+            </a:fld>
+            <a:endParaRPr lang="de-DE" dirty="0">
+              <a:latin typeface="Arial" panose="020B0604020202020204" pitchFamily="34" charset="0"/>
+              <a:cs typeface="Arial" panose="020B0604020202020204" pitchFamily="34" charset="0"/>
+            </a:endParaRPr>
+          </a:p>
+        </p:txBody>
+      </p:sp>
+      <p:sp>
+        <p:nvSpPr>
+          <p:cNvPr id="3" name="Inhaltsplatzhalter 2"/>
+          <p:cNvSpPr>
+            <a:spLocks noGrp="1"/>
+          </p:cNvSpPr>
+          <p:nvPr>
+            <p:ph idx="1"/>
+          </p:nvPr>
+        </p:nvSpPr>
+        <p:spPr/>
+        <p:txBody>
+          <a:bodyPr/>
+          <a:lstStyle/>
+          <a:p>
+            <a:pPr>
+              <a:lnSpc>
+                <a:spcPct val="150000"/>
+              </a:lnSpc>
+            </a:pPr>
+            <a:endParaRPr lang="de-DE" sz="2000" dirty="0" smtClean="0">
+              <a:solidFill>
+                <a:srgbClr val="000000"/>
+              </a:solidFill>
+            </a:endParaRPr>
+          </a:p>
+        </p:txBody>
+      </p:sp>
+      <p:pic>
+        <p:nvPicPr>
+          <p:cNvPr id="1026" name="Picture 2"/>
+          <p:cNvPicPr>
+            <a:picLocks noChangeAspect="1" noChangeArrowheads="1"/>
+          </p:cNvPicPr>
+          <p:nvPr/>
+        </p:nvPicPr>
+        <p:blipFill>
+          <a:blip r:embed="rId3">
+            <a:extLst>
+              <a:ext uri="{28A0092B-C50C-407E-A947-70E740481C1C}">
+                <a14:useLocalDpi xmlns:a14="http://schemas.microsoft.com/office/drawing/2010/main" val="0"/>
+              </a:ext>
+            </a:extLst>
+          </a:blip>
+          <a:srcRect/>
+          <a:stretch>
+            <a:fillRect/>
+          </a:stretch>
+        </p:blipFill>
+        <p:spPr bwMode="auto">
+          <a:xfrm>
+            <a:off x="0" y="939800"/>
+            <a:ext cx="9144000" cy="4978400"/>
+          </a:xfrm>
+          <a:prstGeom prst="rect">
+            <a:avLst/>
+          </a:prstGeom>
+          <a:noFill/>
+          <a:ln>
+            <a:noFill/>
+          </a:ln>
+          <a:extLst>
+            <a:ext uri="{909E8E84-426E-40DD-AFC4-6F175D3DCCD1}">
+              <a14:hiddenFill xmlns:a14="http://schemas.microsoft.com/office/drawing/2010/main">
+                <a:solidFill>
+                  <a:schemeClr val="accent1"/>
+                </a:solidFill>
+              </a14:hiddenFill>
+            </a:ext>
+            <a:ext uri="{91240B29-F687-4F45-9708-019B960494DF}">
+              <a14:hiddenLine xmlns:a14="http://schemas.microsoft.com/office/drawing/2010/main" w="9525">
+                <a:solidFill>
+                  <a:schemeClr val="tx1"/>
+                </a:solidFill>
+                <a:miter lim="800000"/>
+                <a:headEnd/>
+                <a:tailEnd/>
+              </a14:hiddenLine>
+            </a:ext>
+          </a:extLst>
+        </p:spPr>
+      </p:pic>
+    </p:spTree>
+    <p:extLst>
+      <p:ext uri="{BB962C8B-B14F-4D97-AF65-F5344CB8AC3E}">
+        <p14:creationId xmlns:p14="http://schemas.microsoft.com/office/powerpoint/2010/main" val="416470043"/>
+      </p:ext>
+    </p:extLst>
+  </p:cSld>
+  <p:clrMapOvr>
+    <a:masterClrMapping/>
+  </p:clrMapOvr>
+  <p:timing>
+    <p:tnLst>
+      <p:par>
+        <p:cTn id="1" dur="indefinite" restart="never" nodeType="tmRoot"/>
+      </p:par>
+    </p:tnLst>
+  </p:timing>
+</p:sld>
+</file>
+
+<file path=ppt/slides/slide31.xml><?xml version="1.0" encoding="utf-8"?>
+<p:sld xmlns:a="http://schemas.openxmlformats.org/drawingml/2006/main" xmlns:r="http://schemas.openxmlformats.org/officeDocument/2006/relationships" xmlns:p="http://schemas.openxmlformats.org/presentationml/2006/main">
+  <p:cSld>
+    <p:spTree>
+      <p:nvGrpSpPr>
+        <p:cNvPr id="1" name=""/>
+        <p:cNvGrpSpPr/>
+        <p:nvPr/>
+      </p:nvGrpSpPr>
+      <p:grpSpPr>
+        <a:xfrm>
+          <a:off x="0" y="0"/>
+          <a:ext cx="0" cy="0"/>
+          <a:chOff x="0" y="0"/>
+          <a:chExt cx="0" cy="0"/>
+        </a:xfrm>
+      </p:grpSpPr>
+      <p:sp>
+        <p:nvSpPr>
+          <p:cNvPr id="2" name="Titel 1"/>
+          <p:cNvSpPr>
+            <a:spLocks noGrp="1"/>
+          </p:cNvSpPr>
+          <p:nvPr>
+            <p:ph type="title"/>
+          </p:nvPr>
+        </p:nvSpPr>
+        <p:spPr/>
+        <p:txBody>
+          <a:bodyPr/>
+          <a:lstStyle/>
+          <a:p>
+            <a:pPr algn="ctr"/>
+            <a:r>
+              <a:rPr lang="de-DE" sz="3000" dirty="0" smtClean="0">
+                <a:solidFill>
+                  <a:srgbClr val="000000"/>
+                </a:solidFill>
+                <a:latin typeface="Arial" panose="020B0604020202020204" pitchFamily="34" charset="0"/>
+                <a:cs typeface="Arial" panose="020B0604020202020204" pitchFamily="34" charset="0"/>
+              </a:rPr>
+              <a:t>Verteilte Versionskontrolle mit </a:t>
+            </a:r>
+            <a:r>
+              <a:rPr lang="de-DE" sz="3000" dirty="0" err="1" smtClean="0">
+                <a:solidFill>
+                  <a:srgbClr val="000000"/>
+                </a:solidFill>
+                <a:latin typeface="Arial" panose="020B0604020202020204" pitchFamily="34" charset="0"/>
+                <a:cs typeface="Arial" panose="020B0604020202020204" pitchFamily="34" charset="0"/>
+              </a:rPr>
+              <a:t>Git</a:t>
+            </a:r>
+            <a:endParaRPr lang="de-DE" sz="3000" dirty="0">
+              <a:solidFill>
+                <a:srgbClr val="000000"/>
+              </a:solidFill>
+              <a:latin typeface="Arial" panose="020B0604020202020204" pitchFamily="34" charset="0"/>
+              <a:cs typeface="Arial" panose="020B0604020202020204" pitchFamily="34" charset="0"/>
+            </a:endParaRPr>
+          </a:p>
+        </p:txBody>
+      </p:sp>
+      <p:sp>
+        <p:nvSpPr>
+          <p:cNvPr id="4" name="Datumsplatzhalter 3"/>
+          <p:cNvSpPr>
+            <a:spLocks noGrp="1"/>
+          </p:cNvSpPr>
+          <p:nvPr>
+            <p:ph type="dt" sz="half" idx="10"/>
+          </p:nvPr>
+        </p:nvSpPr>
+        <p:spPr>
+          <a:xfrm>
+            <a:off x="7524328" y="6378575"/>
+            <a:ext cx="1008485" cy="365125"/>
+          </a:xfrm>
+        </p:spPr>
+        <p:txBody>
+          <a:bodyPr/>
+          <a:lstStyle/>
+          <a:p>
+            <a:pPr>
+              <a:defRPr/>
+            </a:pPr>
+            <a:fld id="{DBEF86A1-9947-4356-AD39-493A2BF305E6}" type="datetime1">
+              <a:rPr lang="de-DE" smtClean="0">
+                <a:latin typeface="Arial" panose="020B0604020202020204" pitchFamily="34" charset="0"/>
+                <a:cs typeface="Arial" panose="020B0604020202020204" pitchFamily="34" charset="0"/>
+              </a:rPr>
+              <a:pPr>
+                <a:defRPr/>
+              </a:pPr>
+              <a:t>08.11.2017</a:t>
+            </a:fld>
+            <a:endParaRPr lang="de-DE" dirty="0">
+              <a:latin typeface="Arial" panose="020B0604020202020204" pitchFamily="34" charset="0"/>
+              <a:cs typeface="Arial" panose="020B0604020202020204" pitchFamily="34" charset="0"/>
+            </a:endParaRPr>
+          </a:p>
+        </p:txBody>
+      </p:sp>
+      <p:sp>
+        <p:nvSpPr>
+          <p:cNvPr id="5" name="Fußzeilenplatzhalter 4"/>
+          <p:cNvSpPr>
+            <a:spLocks noGrp="1"/>
+          </p:cNvSpPr>
+          <p:nvPr>
+            <p:ph type="ftr" sz="quarter" idx="11"/>
+          </p:nvPr>
+        </p:nvSpPr>
+        <p:spPr/>
+        <p:txBody>
+          <a:bodyPr/>
+          <a:lstStyle/>
+          <a:p>
+            <a:pPr>
+              <a:defRPr/>
+            </a:pPr>
+            <a:r>
+              <a:rPr lang="de-DE" dirty="0" smtClean="0">
+                <a:latin typeface="Arial" panose="020B0604020202020204" pitchFamily="34" charset="0"/>
+                <a:cs typeface="Arial" panose="020B0604020202020204" pitchFamily="34" charset="0"/>
+              </a:rPr>
+              <a:t>Hochschule Furtwangen</a:t>
+            </a:r>
+            <a:endParaRPr lang="de-DE" dirty="0">
+              <a:latin typeface="Arial" panose="020B0604020202020204" pitchFamily="34" charset="0"/>
+              <a:cs typeface="Arial" panose="020B0604020202020204" pitchFamily="34" charset="0"/>
+            </a:endParaRPr>
+          </a:p>
+        </p:txBody>
+      </p:sp>
+      <p:sp>
+        <p:nvSpPr>
+          <p:cNvPr id="6" name="Foliennummernplatzhalter 5"/>
+          <p:cNvSpPr>
+            <a:spLocks noGrp="1"/>
+          </p:cNvSpPr>
+          <p:nvPr>
+            <p:ph type="sldNum" sz="quarter" idx="12"/>
+          </p:nvPr>
+        </p:nvSpPr>
+        <p:spPr>
+          <a:xfrm>
+            <a:off x="8676456" y="6021288"/>
+            <a:ext cx="359842" cy="264566"/>
+          </a:xfrm>
+        </p:spPr>
+        <p:txBody>
+          <a:bodyPr/>
+          <a:lstStyle/>
+          <a:p>
+            <a:pPr>
+              <a:defRPr/>
+            </a:pPr>
+            <a:fld id="{3C74D409-5571-4F32-B32A-C943406F16F9}" type="slidenum">
+              <a:rPr lang="de-DE" smtClean="0">
+                <a:latin typeface="Arial" panose="020B0604020202020204" pitchFamily="34" charset="0"/>
+                <a:cs typeface="Arial" panose="020B0604020202020204" pitchFamily="34" charset="0"/>
+              </a:rPr>
+              <a:pPr>
+                <a:defRPr/>
+              </a:pPr>
+              <a:t>31</a:t>
+            </a:fld>
+            <a:endParaRPr lang="de-DE" dirty="0">
+              <a:latin typeface="Arial" panose="020B0604020202020204" pitchFamily="34" charset="0"/>
+              <a:cs typeface="Arial" panose="020B0604020202020204" pitchFamily="34" charset="0"/>
+            </a:endParaRPr>
+          </a:p>
+        </p:txBody>
+      </p:sp>
+      <p:sp>
+        <p:nvSpPr>
+          <p:cNvPr id="3" name="Inhaltsplatzhalter 2"/>
+          <p:cNvSpPr>
+            <a:spLocks noGrp="1"/>
+          </p:cNvSpPr>
+          <p:nvPr>
+            <p:ph idx="1"/>
+          </p:nvPr>
+        </p:nvSpPr>
+        <p:spPr/>
+        <p:txBody>
+          <a:bodyPr/>
+          <a:lstStyle/>
+          <a:p>
+            <a:pPr>
+              <a:lnSpc>
+                <a:spcPct val="150000"/>
+              </a:lnSpc>
+            </a:pPr>
+            <a:endParaRPr lang="de-DE" sz="2000" dirty="0" smtClean="0">
+              <a:solidFill>
+                <a:srgbClr val="000000"/>
+              </a:solidFill>
+            </a:endParaRPr>
+          </a:p>
+        </p:txBody>
+      </p:sp>
+      <p:pic>
+        <p:nvPicPr>
+          <p:cNvPr id="2051" name="Picture 3"/>
+          <p:cNvPicPr>
+            <a:picLocks noChangeAspect="1" noChangeArrowheads="1"/>
+          </p:cNvPicPr>
+          <p:nvPr/>
+        </p:nvPicPr>
+        <p:blipFill>
+          <a:blip r:embed="rId3">
+            <a:extLst>
+              <a:ext uri="{28A0092B-C50C-407E-A947-70E740481C1C}">
+                <a14:useLocalDpi xmlns:a14="http://schemas.microsoft.com/office/drawing/2010/main" val="0"/>
+              </a:ext>
+            </a:extLst>
+          </a:blip>
+          <a:srcRect/>
+          <a:stretch>
+            <a:fillRect/>
+          </a:stretch>
+        </p:blipFill>
+        <p:spPr bwMode="auto">
+          <a:xfrm>
+            <a:off x="276225" y="1111250"/>
+            <a:ext cx="8591550" cy="4635500"/>
+          </a:xfrm>
+          <a:prstGeom prst="rect">
+            <a:avLst/>
+          </a:prstGeom>
+          <a:noFill/>
+          <a:ln>
+            <a:noFill/>
+          </a:ln>
+          <a:extLst>
+            <a:ext uri="{909E8E84-426E-40DD-AFC4-6F175D3DCCD1}">
+              <a14:hiddenFill xmlns:a14="http://schemas.microsoft.com/office/drawing/2010/main">
+                <a:solidFill>
+                  <a:schemeClr val="accent1"/>
+                </a:solidFill>
+              </a14:hiddenFill>
+            </a:ext>
+            <a:ext uri="{91240B29-F687-4F45-9708-019B960494DF}">
+              <a14:hiddenLine xmlns:a14="http://schemas.microsoft.com/office/drawing/2010/main" w="9525">
+                <a:solidFill>
+                  <a:schemeClr val="tx1"/>
+                </a:solidFill>
+                <a:miter lim="800000"/>
+                <a:headEnd/>
+                <a:tailEnd/>
+              </a14:hiddenLine>
+            </a:ext>
+          </a:extLst>
+        </p:spPr>
+      </p:pic>
+    </p:spTree>
+    <p:extLst>
+      <p:ext uri="{BB962C8B-B14F-4D97-AF65-F5344CB8AC3E}">
+        <p14:creationId xmlns:p14="http://schemas.microsoft.com/office/powerpoint/2010/main" val="3708673194"/>
       </p:ext>
     </p:extLst>
   </p:cSld>
@@ -15636,7 +19502,7 @@
               <a:pPr>
                 <a:defRPr/>
               </a:pPr>
-              <a:t>07.11.2017</a:t>
+              <a:t>08.11.2017</a:t>
             </a:fld>
             <a:endParaRPr lang="de-DE" dirty="0">
               <a:latin typeface="Arial" panose="020B0604020202020204" pitchFamily="34" charset="0"/>
@@ -15730,401 +19596,9 @@
   <p:timing>
     <p:tnLst>
       <p:par>
-        <p:cTn id="1" dur="indefinite" restart="never" nodeType="tmRoot">
-          <p:childTnLst>
-            <p:seq concurrent="1" nextAc="seek">
-              <p:cTn id="2" dur="indefinite" nodeType="mainSeq">
-                <p:childTnLst>
-                  <p:par>
-                    <p:cTn id="3" fill="hold">
-                      <p:stCondLst>
-                        <p:cond delay="indefinite"/>
-                      </p:stCondLst>
-                      <p:childTnLst>
-                        <p:par>
-                          <p:cTn id="4" fill="hold">
-                            <p:stCondLst>
-                              <p:cond delay="0"/>
-                            </p:stCondLst>
-                            <p:childTnLst>
-                              <p:par>
-                                <p:cTn id="5" presetID="10" presetClass="entr" presetSubtype="0" fill="hold" grpId="0" nodeType="clickEffect">
-                                  <p:stCondLst>
-                                    <p:cond delay="0"/>
-                                  </p:stCondLst>
-                                  <p:childTnLst>
-                                    <p:set>
-                                      <p:cBhvr>
-                                        <p:cTn id="6" dur="1" fill="hold">
-                                          <p:stCondLst>
-                                            <p:cond delay="0"/>
-                                          </p:stCondLst>
-                                        </p:cTn>
-                                        <p:tgtEl>
-                                          <p:spTgt spid="3">
-                                            <p:txEl>
-                                              <p:pRg st="0" end="0"/>
-                                            </p:txEl>
-                                          </p:spTgt>
-                                        </p:tgtEl>
-                                        <p:attrNameLst>
-                                          <p:attrName>style.visibility</p:attrName>
-                                        </p:attrNameLst>
-                                      </p:cBhvr>
-                                      <p:to>
-                                        <p:strVal val="visible"/>
-                                      </p:to>
-                                    </p:set>
-                                    <p:animEffect transition="in" filter="fade">
-                                      <p:cBhvr>
-                                        <p:cTn id="7" dur="500"/>
-                                        <p:tgtEl>
-                                          <p:spTgt spid="3">
-                                            <p:txEl>
-                                              <p:pRg st="0" end="0"/>
-                                            </p:txEl>
-                                          </p:spTgt>
-                                        </p:tgtEl>
-                                      </p:cBhvr>
-                                    </p:animEffect>
-                                  </p:childTnLst>
-                                </p:cTn>
-                              </p:par>
-                            </p:childTnLst>
-                          </p:cTn>
-                        </p:par>
-                      </p:childTnLst>
-                    </p:cTn>
-                  </p:par>
-                  <p:par>
-                    <p:cTn id="8" fill="hold">
-                      <p:stCondLst>
-                        <p:cond delay="indefinite"/>
-                      </p:stCondLst>
-                      <p:childTnLst>
-                        <p:par>
-                          <p:cTn id="9" fill="hold">
-                            <p:stCondLst>
-                              <p:cond delay="0"/>
-                            </p:stCondLst>
-                            <p:childTnLst>
-                              <p:par>
-                                <p:cTn id="10" presetID="10" presetClass="entr" presetSubtype="0" fill="hold" grpId="0" nodeType="clickEffect">
-                                  <p:stCondLst>
-                                    <p:cond delay="0"/>
-                                  </p:stCondLst>
-                                  <p:childTnLst>
-                                    <p:set>
-                                      <p:cBhvr>
-                                        <p:cTn id="11" dur="1" fill="hold">
-                                          <p:stCondLst>
-                                            <p:cond delay="0"/>
-                                          </p:stCondLst>
-                                        </p:cTn>
-                                        <p:tgtEl>
-                                          <p:spTgt spid="3">
-                                            <p:txEl>
-                                              <p:pRg st="1" end="1"/>
-                                            </p:txEl>
-                                          </p:spTgt>
-                                        </p:tgtEl>
-                                        <p:attrNameLst>
-                                          <p:attrName>style.visibility</p:attrName>
-                                        </p:attrNameLst>
-                                      </p:cBhvr>
-                                      <p:to>
-                                        <p:strVal val="visible"/>
-                                      </p:to>
-                                    </p:set>
-                                    <p:animEffect transition="in" filter="fade">
-                                      <p:cBhvr>
-                                        <p:cTn id="12" dur="500"/>
-                                        <p:tgtEl>
-                                          <p:spTgt spid="3">
-                                            <p:txEl>
-                                              <p:pRg st="1" end="1"/>
-                                            </p:txEl>
-                                          </p:spTgt>
-                                        </p:tgtEl>
-                                      </p:cBhvr>
-                                    </p:animEffect>
-                                  </p:childTnLst>
-                                </p:cTn>
-                              </p:par>
-                            </p:childTnLst>
-                          </p:cTn>
-                        </p:par>
-                      </p:childTnLst>
-                    </p:cTn>
-                  </p:par>
-                  <p:par>
-                    <p:cTn id="13" fill="hold">
-                      <p:stCondLst>
-                        <p:cond delay="indefinite"/>
-                      </p:stCondLst>
-                      <p:childTnLst>
-                        <p:par>
-                          <p:cTn id="14" fill="hold">
-                            <p:stCondLst>
-                              <p:cond delay="0"/>
-                            </p:stCondLst>
-                            <p:childTnLst>
-                              <p:par>
-                                <p:cTn id="15" presetID="10" presetClass="entr" presetSubtype="0" fill="hold" grpId="0" nodeType="clickEffect">
-                                  <p:stCondLst>
-                                    <p:cond delay="0"/>
-                                  </p:stCondLst>
-                                  <p:childTnLst>
-                                    <p:set>
-                                      <p:cBhvr>
-                                        <p:cTn id="16" dur="1" fill="hold">
-                                          <p:stCondLst>
-                                            <p:cond delay="0"/>
-                                          </p:stCondLst>
-                                        </p:cTn>
-                                        <p:tgtEl>
-                                          <p:spTgt spid="3">
-                                            <p:txEl>
-                                              <p:pRg st="2" end="2"/>
-                                            </p:txEl>
-                                          </p:spTgt>
-                                        </p:tgtEl>
-                                        <p:attrNameLst>
-                                          <p:attrName>style.visibility</p:attrName>
-                                        </p:attrNameLst>
-                                      </p:cBhvr>
-                                      <p:to>
-                                        <p:strVal val="visible"/>
-                                      </p:to>
-                                    </p:set>
-                                    <p:animEffect transition="in" filter="fade">
-                                      <p:cBhvr>
-                                        <p:cTn id="17" dur="500"/>
-                                        <p:tgtEl>
-                                          <p:spTgt spid="3">
-                                            <p:txEl>
-                                              <p:pRg st="2" end="2"/>
-                                            </p:txEl>
-                                          </p:spTgt>
-                                        </p:tgtEl>
-                                      </p:cBhvr>
-                                    </p:animEffect>
-                                  </p:childTnLst>
-                                </p:cTn>
-                              </p:par>
-                            </p:childTnLst>
-                          </p:cTn>
-                        </p:par>
-                      </p:childTnLst>
-                    </p:cTn>
-                  </p:par>
-                  <p:par>
-                    <p:cTn id="18" fill="hold">
-                      <p:stCondLst>
-                        <p:cond delay="indefinite"/>
-                      </p:stCondLst>
-                      <p:childTnLst>
-                        <p:par>
-                          <p:cTn id="19" fill="hold">
-                            <p:stCondLst>
-                              <p:cond delay="0"/>
-                            </p:stCondLst>
-                            <p:childTnLst>
-                              <p:par>
-                                <p:cTn id="20" presetID="10" presetClass="entr" presetSubtype="0" fill="hold" grpId="0" nodeType="clickEffect">
-                                  <p:stCondLst>
-                                    <p:cond delay="0"/>
-                                  </p:stCondLst>
-                                  <p:childTnLst>
-                                    <p:set>
-                                      <p:cBhvr>
-                                        <p:cTn id="21" dur="1" fill="hold">
-                                          <p:stCondLst>
-                                            <p:cond delay="0"/>
-                                          </p:stCondLst>
-                                        </p:cTn>
-                                        <p:tgtEl>
-                                          <p:spTgt spid="3">
-                                            <p:txEl>
-                                              <p:pRg st="3" end="3"/>
-                                            </p:txEl>
-                                          </p:spTgt>
-                                        </p:tgtEl>
-                                        <p:attrNameLst>
-                                          <p:attrName>style.visibility</p:attrName>
-                                        </p:attrNameLst>
-                                      </p:cBhvr>
-                                      <p:to>
-                                        <p:strVal val="visible"/>
-                                      </p:to>
-                                    </p:set>
-                                    <p:animEffect transition="in" filter="fade">
-                                      <p:cBhvr>
-                                        <p:cTn id="22" dur="500"/>
-                                        <p:tgtEl>
-                                          <p:spTgt spid="3">
-                                            <p:txEl>
-                                              <p:pRg st="3" end="3"/>
-                                            </p:txEl>
-                                          </p:spTgt>
-                                        </p:tgtEl>
-                                      </p:cBhvr>
-                                    </p:animEffect>
-                                  </p:childTnLst>
-                                </p:cTn>
-                              </p:par>
-                            </p:childTnLst>
-                          </p:cTn>
-                        </p:par>
-                      </p:childTnLst>
-                    </p:cTn>
-                  </p:par>
-                  <p:par>
-                    <p:cTn id="23" fill="hold">
-                      <p:stCondLst>
-                        <p:cond delay="indefinite"/>
-                      </p:stCondLst>
-                      <p:childTnLst>
-                        <p:par>
-                          <p:cTn id="24" fill="hold">
-                            <p:stCondLst>
-                              <p:cond delay="0"/>
-                            </p:stCondLst>
-                            <p:childTnLst>
-                              <p:par>
-                                <p:cTn id="25" presetID="10" presetClass="entr" presetSubtype="0" fill="hold" grpId="0" nodeType="clickEffect">
-                                  <p:stCondLst>
-                                    <p:cond delay="0"/>
-                                  </p:stCondLst>
-                                  <p:childTnLst>
-                                    <p:set>
-                                      <p:cBhvr>
-                                        <p:cTn id="26" dur="1" fill="hold">
-                                          <p:stCondLst>
-                                            <p:cond delay="0"/>
-                                          </p:stCondLst>
-                                        </p:cTn>
-                                        <p:tgtEl>
-                                          <p:spTgt spid="3">
-                                            <p:txEl>
-                                              <p:pRg st="4" end="4"/>
-                                            </p:txEl>
-                                          </p:spTgt>
-                                        </p:tgtEl>
-                                        <p:attrNameLst>
-                                          <p:attrName>style.visibility</p:attrName>
-                                        </p:attrNameLst>
-                                      </p:cBhvr>
-                                      <p:to>
-                                        <p:strVal val="visible"/>
-                                      </p:to>
-                                    </p:set>
-                                    <p:animEffect transition="in" filter="fade">
-                                      <p:cBhvr>
-                                        <p:cTn id="27" dur="500"/>
-                                        <p:tgtEl>
-                                          <p:spTgt spid="3">
-                                            <p:txEl>
-                                              <p:pRg st="4" end="4"/>
-                                            </p:txEl>
-                                          </p:spTgt>
-                                        </p:tgtEl>
-                                      </p:cBhvr>
-                                    </p:animEffect>
-                                  </p:childTnLst>
-                                </p:cTn>
-                              </p:par>
-                            </p:childTnLst>
-                          </p:cTn>
-                        </p:par>
-                      </p:childTnLst>
-                    </p:cTn>
-                  </p:par>
-                  <p:par>
-                    <p:cTn id="28" fill="hold">
-                      <p:stCondLst>
-                        <p:cond delay="indefinite"/>
-                      </p:stCondLst>
-                      <p:childTnLst>
-                        <p:par>
-                          <p:cTn id="29" fill="hold">
-                            <p:stCondLst>
-                              <p:cond delay="0"/>
-                            </p:stCondLst>
-                            <p:childTnLst>
-                              <p:par>
-                                <p:cTn id="30" presetID="10" presetClass="entr" presetSubtype="0" fill="hold" grpId="0" nodeType="clickEffect">
-                                  <p:stCondLst>
-                                    <p:cond delay="0"/>
-                                  </p:stCondLst>
-                                  <p:childTnLst>
-                                    <p:set>
-                                      <p:cBhvr>
-                                        <p:cTn id="31" dur="1" fill="hold">
-                                          <p:stCondLst>
-                                            <p:cond delay="0"/>
-                                          </p:stCondLst>
-                                        </p:cTn>
-                                        <p:tgtEl>
-                                          <p:spTgt spid="3">
-                                            <p:txEl>
-                                              <p:pRg st="5" end="5"/>
-                                            </p:txEl>
-                                          </p:spTgt>
-                                        </p:tgtEl>
-                                        <p:attrNameLst>
-                                          <p:attrName>style.visibility</p:attrName>
-                                        </p:attrNameLst>
-                                      </p:cBhvr>
-                                      <p:to>
-                                        <p:strVal val="visible"/>
-                                      </p:to>
-                                    </p:set>
-                                    <p:animEffect transition="in" filter="fade">
-                                      <p:cBhvr>
-                                        <p:cTn id="32" dur="500"/>
-                                        <p:tgtEl>
-                                          <p:spTgt spid="3">
-                                            <p:txEl>
-                                              <p:pRg st="5" end="5"/>
-                                            </p:txEl>
-                                          </p:spTgt>
-                                        </p:tgtEl>
-                                      </p:cBhvr>
-                                    </p:animEffect>
-                                  </p:childTnLst>
-                                </p:cTn>
-                              </p:par>
-                            </p:childTnLst>
-                          </p:cTn>
-                        </p:par>
-                      </p:childTnLst>
-                    </p:cTn>
-                  </p:par>
-                </p:childTnLst>
-              </p:cTn>
-              <p:prevCondLst>
-                <p:cond evt="onPrev" delay="0">
-                  <p:tgtEl>
-                    <p:sldTgt/>
-                  </p:tgtEl>
-                </p:cond>
-              </p:prevCondLst>
-              <p:nextCondLst>
-                <p:cond evt="onNext" delay="0">
-                  <p:tgtEl>
-                    <p:sldTgt/>
-                  </p:tgtEl>
-                </p:cond>
-              </p:nextCondLst>
-            </p:seq>
-          </p:childTnLst>
-        </p:cTn>
+        <p:cTn id="1" dur="indefinite" restart="never" nodeType="tmRoot"/>
       </p:par>
     </p:tnLst>
-    <p:bldLst>
-      <p:bldP spid="3" grpId="0" build="p"/>
-    </p:bldLst>
   </p:timing>
 </p:sld>
 </file>
@@ -16374,7 +19848,7 @@
               <a:pPr>
                 <a:defRPr/>
               </a:pPr>
-              <a:t>07.11.2017</a:t>
+              <a:t>08.11.2017</a:t>
             </a:fld>
             <a:endParaRPr lang="de-DE" dirty="0">
               <a:latin typeface="Arial" panose="020B0604020202020204" pitchFamily="34" charset="0"/>
@@ -16571,25 +20045,7 @@
                 </a:solidFill>
                 <a:cs typeface="Arial" panose="020B0604020202020204" pitchFamily="34" charset="0"/>
               </a:rPr>
-              <a:t>Versionen von Dateien erstellen um diese je nach </a:t>
-            </a:r>
-            <a:r>
-              <a:rPr lang="de-DE" sz="2000" dirty="0" smtClean="0">
-                <a:solidFill>
-                  <a:srgbClr val="000000"/>
-                </a:solidFill>
-                <a:cs typeface="Arial" panose="020B0604020202020204" pitchFamily="34" charset="0"/>
-              </a:rPr>
-              <a:t>Anwendung zu </a:t>
-            </a:r>
-            <a:r>
-              <a:rPr lang="de-DE" sz="2000" dirty="0" smtClean="0">
-                <a:solidFill>
-                  <a:srgbClr val="000000"/>
-                </a:solidFill>
-                <a:cs typeface="Arial" panose="020B0604020202020204" pitchFamily="34" charset="0"/>
-              </a:rPr>
-              <a:t>verwalten </a:t>
+              <a:t>Versionen von Dateien erstellen um diese je nach Anwendung zu verwalten </a:t>
             </a:r>
           </a:p>
           <a:p>
@@ -16785,7 +20241,7 @@
               <a:pPr>
                 <a:defRPr/>
               </a:pPr>
-              <a:t>07.11.2017</a:t>
+              <a:t>08.11.2017</a:t>
             </a:fld>
             <a:endParaRPr lang="de-DE" dirty="0">
               <a:latin typeface="Arial" panose="020B0604020202020204" pitchFamily="34" charset="0"/>
@@ -17346,7 +20802,7 @@
               <a:pPr>
                 <a:defRPr/>
               </a:pPr>
-              <a:t>07.11.2017</a:t>
+              <a:t>08.11.2017</a:t>
             </a:fld>
             <a:endParaRPr lang="de-DE" dirty="0">
               <a:latin typeface="Arial" panose="020B0604020202020204" pitchFamily="34" charset="0"/>
@@ -17717,7 +21173,7 @@
               <a:pPr>
                 <a:defRPr/>
               </a:pPr>
-              <a:t>07.11.2017</a:t>
+              <a:t>08.11.2017</a:t>
             </a:fld>
             <a:endParaRPr lang="de-DE" dirty="0">
               <a:latin typeface="Arial" panose="020B0604020202020204" pitchFamily="34" charset="0"/>
@@ -18088,7 +21544,7 @@
               <a:pPr>
                 <a:defRPr/>
               </a:pPr>
-              <a:t>07.11.2017</a:t>
+              <a:t>08.11.2017</a:t>
             </a:fld>
             <a:endParaRPr lang="de-DE" dirty="0">
               <a:latin typeface="Arial" panose="020B0604020202020204" pitchFamily="34" charset="0"/>

--- a/Thesis-Präsentation.pptx
+++ b/Thesis-Präsentation.pptx
@@ -5,7 +5,7 @@
     <p:sldMasterId id="2147483648" r:id="rId1"/>
   </p:sldMasterIdLst>
   <p:notesMasterIdLst>
-    <p:notesMasterId r:id="rId33"/>
+    <p:notesMasterId r:id="rId45"/>
   </p:notesMasterIdLst>
   <p:sldIdLst>
     <p:sldId id="257" r:id="rId2"/>
@@ -39,6 +39,18 @@
     <p:sldId id="297" r:id="rId30"/>
     <p:sldId id="296" r:id="rId31"/>
     <p:sldId id="295" r:id="rId32"/>
+    <p:sldId id="298" r:id="rId33"/>
+    <p:sldId id="299" r:id="rId34"/>
+    <p:sldId id="300" r:id="rId35"/>
+    <p:sldId id="301" r:id="rId36"/>
+    <p:sldId id="302" r:id="rId37"/>
+    <p:sldId id="303" r:id="rId38"/>
+    <p:sldId id="304" r:id="rId39"/>
+    <p:sldId id="305" r:id="rId40"/>
+    <p:sldId id="306" r:id="rId41"/>
+    <p:sldId id="307" r:id="rId42"/>
+    <p:sldId id="308" r:id="rId43"/>
+    <p:sldId id="309" r:id="rId44"/>
   </p:sldIdLst>
   <p:sldSz cx="9144000" cy="6858000" type="screen4x3"/>
   <p:notesSz cx="6858000" cy="9144000"/>
@@ -3886,7 +3898,13 @@
               <a:rPr lang="de-DE" baseline="0" dirty="0" smtClean="0">
                 <a:latin typeface="+mn-lt"/>
               </a:rPr>
-              <a:t>Das bedeutet das die aktuelle Version, die sich auf dem Server befindet heruntergeladen</a:t>
+              <a:t>Das bedeutet das die aktuelle Version, die sich auf dem Server befindet </a:t>
+            </a:r>
+            <a:r>
+              <a:rPr lang="de-DE" baseline="0" dirty="0" smtClean="0">
+                <a:latin typeface="+mn-lt"/>
+              </a:rPr>
+              <a:t>heruntergeladen wird</a:t>
             </a:r>
           </a:p>
           <a:p>
@@ -3898,31 +3916,35 @@
               <a:rPr lang="de-DE" baseline="0" dirty="0" smtClean="0">
                 <a:latin typeface="+mn-lt"/>
               </a:rPr>
-              <a:t>Dadurch wird meine lokale und die Version vom Server automatisch </a:t>
+              <a:t>Mit dem Befehl Pull würden die lokalen Änderungen und die auf dem </a:t>
             </a:r>
             <a:r>
               <a:rPr lang="de-DE" baseline="0" dirty="0" err="1" smtClean="0">
                 <a:latin typeface="+mn-lt"/>
               </a:rPr>
+              <a:t>origin</a:t>
+            </a:r>
+            <a:r>
+              <a:rPr lang="de-DE" baseline="0" dirty="0" smtClean="0">
+                <a:latin typeface="+mn-lt"/>
+              </a:rPr>
+              <a:t> automatisch </a:t>
+            </a:r>
+            <a:r>
+              <a:rPr lang="de-DE" baseline="0" dirty="0" err="1" smtClean="0">
+                <a:latin typeface="+mn-lt"/>
+              </a:rPr>
               <a:t>gemerged</a:t>
             </a:r>
             <a:r>
               <a:rPr lang="de-DE" baseline="0" dirty="0" smtClean="0">
                 <a:latin typeface="+mn-lt"/>
               </a:rPr>
-              <a:t> und es entsteht eine ganz</a:t>
-            </a:r>
-            <a:br>
-              <a:rPr lang="de-DE" baseline="0" dirty="0" smtClean="0">
-                <a:latin typeface="+mn-lt"/>
-              </a:rPr>
-            </a:br>
-            <a:r>
-              <a:rPr lang="de-DE" baseline="0" dirty="0" smtClean="0">
-                <a:latin typeface="+mn-lt"/>
-              </a:rPr>
-              <a:t>neue Version, die sich auf meinem lokalen Repository befindet.</a:t>
-            </a:r>
+              <a:t> werden</a:t>
+            </a:r>
+            <a:endParaRPr lang="de-DE" baseline="0" dirty="0" smtClean="0">
+              <a:latin typeface="+mn-lt"/>
+            </a:endParaRPr>
           </a:p>
           <a:p>
             <a:pPr marL="171450" indent="-171450">
@@ -3933,7 +3955,43 @@
               <a:rPr lang="de-DE" baseline="0" dirty="0" smtClean="0">
                 <a:latin typeface="+mn-lt"/>
               </a:rPr>
-              <a:t>Erst jetzt kann ich diese neue Version mit einem Push-Befehl auf den Server übertragen</a:t>
+              <a:t>Durch den </a:t>
+            </a:r>
+            <a:r>
+              <a:rPr lang="de-DE" baseline="0" dirty="0" err="1" smtClean="0">
+                <a:latin typeface="+mn-lt"/>
+              </a:rPr>
+              <a:t>Fetch</a:t>
+            </a:r>
+            <a:r>
+              <a:rPr lang="de-DE" baseline="0" dirty="0" smtClean="0">
+                <a:latin typeface="+mn-lt"/>
+              </a:rPr>
+              <a:t>-Befehl kann ich mir aussuchen, aussuchen welche Daten aus dem </a:t>
+            </a:r>
+            <a:r>
+              <a:rPr lang="de-DE" baseline="0" dirty="0" err="1" smtClean="0">
+                <a:latin typeface="+mn-lt"/>
+              </a:rPr>
+              <a:t>origin</a:t>
+            </a:r>
+            <a:r>
+              <a:rPr lang="de-DE" baseline="0" dirty="0" smtClean="0">
+                <a:latin typeface="+mn-lt"/>
+              </a:rPr>
+              <a:t> mit meinen lokalen </a:t>
+            </a:r>
+            <a:r>
+              <a:rPr lang="de-DE" baseline="0" dirty="0" err="1" smtClean="0">
+                <a:latin typeface="+mn-lt"/>
+              </a:rPr>
+              <a:t>gemerged</a:t>
+            </a:r>
+            <a:r>
+              <a:rPr lang="de-DE" baseline="0" dirty="0" smtClean="0">
+                <a:latin typeface="+mn-lt"/>
+              </a:rPr>
+              <a:t> werden sollen</a:t>
             </a:r>
             <a:br>
               <a:rPr lang="de-DE" baseline="0" dirty="0" smtClean="0">
@@ -3944,6 +4002,47 @@
               <a:rPr lang="de-DE" baseline="0" dirty="0" smtClean="0">
                 <a:latin typeface="+mn-lt"/>
               </a:rPr>
+              <a:t> </a:t>
+            </a:r>
+            <a:r>
+              <a:rPr lang="de-DE" baseline="0" dirty="0" smtClean="0">
+                <a:latin typeface="+mn-lt"/>
+              </a:rPr>
+              <a:t>und es entsteht eine </a:t>
+            </a:r>
+            <a:r>
+              <a:rPr lang="de-DE" baseline="0" dirty="0" smtClean="0">
+                <a:latin typeface="+mn-lt"/>
+              </a:rPr>
+              <a:t>ganz neue </a:t>
+            </a:r>
+            <a:r>
+              <a:rPr lang="de-DE" baseline="0" dirty="0" smtClean="0">
+                <a:latin typeface="+mn-lt"/>
+              </a:rPr>
+              <a:t>Version, die sich auf meinem lokalen Repository befindet.</a:t>
+            </a:r>
+          </a:p>
+          <a:p>
+            <a:pPr marL="171450" indent="-171450">
+              <a:buFont typeface="Arial" panose="020B0604020202020204" pitchFamily="34" charset="0"/>
+              <a:buChar char="•"/>
+            </a:pPr>
+            <a:r>
+              <a:rPr lang="de-DE" baseline="0" dirty="0" smtClean="0">
+                <a:latin typeface="+mn-lt"/>
+              </a:rPr>
+              <a:t>Erst jetzt kann ich diese neue Version mit einem Push-Befehl auf den Server übertragen</a:t>
+            </a:r>
+            <a:br>
+              <a:rPr lang="de-DE" baseline="0" dirty="0" smtClean="0">
+                <a:latin typeface="+mn-lt"/>
+              </a:rPr>
+            </a:br>
+            <a:r>
+              <a:rPr lang="de-DE" baseline="0" dirty="0" smtClean="0">
+                <a:latin typeface="+mn-lt"/>
+              </a:rPr>
               <a:t>und der nächste Teamkollege der damit arbeiten will muss auch einen </a:t>
             </a:r>
             <a:r>
@@ -3956,11 +4055,20 @@
               <a:rPr lang="de-DE" baseline="0" dirty="0" smtClean="0">
                 <a:latin typeface="+mn-lt"/>
               </a:rPr>
-              <a:t> ausführen um weiterzuarbeiten</a:t>
-            </a:r>
-            <a:endParaRPr lang="de-DE" baseline="0" dirty="0" smtClean="0">
-              <a:latin typeface="+mn-lt"/>
-            </a:endParaRPr>
+              <a:t> </a:t>
+            </a:r>
+            <a:r>
+              <a:rPr lang="de-DE" baseline="0" dirty="0" smtClean="0">
+                <a:latin typeface="+mn-lt"/>
+              </a:rPr>
+              <a:t>oder Pull ausführen </a:t>
+            </a:r>
+            <a:r>
+              <a:rPr lang="de-DE" baseline="0" dirty="0" smtClean="0">
+                <a:latin typeface="+mn-lt"/>
+              </a:rPr>
+              <a:t>um weiterzuarbeiten</a:t>
+            </a:r>
           </a:p>
         </p:txBody>
       </p:sp>
@@ -4124,15 +4232,7 @@
                   <a:srgbClr val="000000"/>
                 </a:solidFill>
               </a:rPr>
-              <a:t>Wird </a:t>
-            </a:r>
-            <a:r>
-              <a:rPr lang="de-DE" sz="1200" dirty="0" smtClean="0">
-                <a:solidFill>
-                  <a:srgbClr val="000000"/>
-                </a:solidFill>
-              </a:rPr>
-              <a:t>eine Datei von zwei verschiedenen Personen an der selben Zeile bearbeitet, ist ein problemloses </a:t>
+              <a:t>Wird eine Datei von zwei verschiedenen Personen an der selben Zeile bearbeitet, ist ein problemloses </a:t>
             </a:r>
             <a:r>
               <a:rPr lang="de-DE" sz="1200" dirty="0" err="1" smtClean="0">
@@ -4183,15 +4283,7 @@
                   <a:srgbClr val="000000"/>
                 </a:solidFill>
               </a:rPr>
-              <a:t> muss dann per Hand gelöst </a:t>
-            </a:r>
-            <a:r>
-              <a:rPr lang="de-DE" sz="1200" b="0" baseline="0" dirty="0" smtClean="0">
-                <a:solidFill>
-                  <a:srgbClr val="000000"/>
-                </a:solidFill>
-              </a:rPr>
-              <a:t>werden</a:t>
+              <a:t> muss dann per Hand gelöst werden</a:t>
             </a:r>
           </a:p>
           <a:p>
@@ -4614,7 +4706,7 @@
                 <a:latin typeface="+mn-lt"/>
                 <a:cs typeface="Arial" panose="020B0604020202020204" pitchFamily="34" charset="0"/>
               </a:rPr>
-              <a:t> das Anlegen von Repositories und die Verwaltung dieser</a:t>
+              <a:t> das Anlegen von Repositories auf öffentlichen Servern und deren Verwaltung</a:t>
             </a:r>
           </a:p>
           <a:p>
@@ -4643,7 +4735,85 @@
                 <a:latin typeface="+mn-lt"/>
                 <a:cs typeface="Arial" panose="020B0604020202020204" pitchFamily="34" charset="0"/>
               </a:rPr>
-              <a:t>Überblick über die Projekte und die darin enthaltenen Versionen</a:t>
+              <a:t>Das Anlegen und Verwalten dieser Repositories ist kostenlos, solange das angelegte </a:t>
+            </a:r>
+            <a:r>
+              <a:rPr lang="de-DE" sz="1200" baseline="0" dirty="0" err="1" smtClean="0">
+                <a:solidFill>
+                  <a:schemeClr val="tx1"/>
+                </a:solidFill>
+                <a:latin typeface="+mn-lt"/>
+                <a:cs typeface="Arial" panose="020B0604020202020204" pitchFamily="34" charset="0"/>
+              </a:rPr>
+              <a:t>Repo</a:t>
+            </a:r>
+            <a:r>
+              <a:rPr lang="de-DE" sz="1200" baseline="0" dirty="0" smtClean="0">
+                <a:solidFill>
+                  <a:schemeClr val="tx1"/>
+                </a:solidFill>
+                <a:latin typeface="+mn-lt"/>
+                <a:cs typeface="Arial" panose="020B0604020202020204" pitchFamily="34" charset="0"/>
+              </a:rPr>
+              <a:t> öffentlich ist</a:t>
+            </a:r>
+          </a:p>
+          <a:p>
+            <a:pPr marL="171450" marR="0" indent="-171450" algn="l" defTabSz="914400" rtl="0" eaLnBrk="0" fontAlgn="base" latinLnBrk="0" hangingPunct="0">
+              <a:lnSpc>
+                <a:spcPct val="100000"/>
+              </a:lnSpc>
+              <a:spcBef>
+                <a:spcPct val="30000"/>
+              </a:spcBef>
+              <a:spcAft>
+                <a:spcPct val="0"/>
+              </a:spcAft>
+              <a:buClrTx/>
+              <a:buSzTx/>
+              <a:buFont typeface="Arial" panose="020B0604020202020204" pitchFamily="34" charset="0"/>
+              <a:buChar char="•"/>
+              <a:tabLst/>
+              <a:defRPr/>
+            </a:pPr>
+            <a:r>
+              <a:rPr lang="de-DE" sz="1200" baseline="0" dirty="0" smtClean="0">
+                <a:solidFill>
+                  <a:schemeClr val="tx1"/>
+                </a:solidFill>
+                <a:latin typeface="+mn-lt"/>
+                <a:cs typeface="Arial" panose="020B0604020202020204" pitchFamily="34" charset="0"/>
+              </a:rPr>
+              <a:t>Möchte man z.B. als Unternehmen seinen Quellcode versteckt halt muss man bezahlen</a:t>
+            </a:r>
+          </a:p>
+          <a:p>
+            <a:pPr marL="171450" marR="0" indent="-171450" algn="l" defTabSz="914400" rtl="0" eaLnBrk="0" fontAlgn="base" latinLnBrk="0" hangingPunct="0">
+              <a:lnSpc>
+                <a:spcPct val="100000"/>
+              </a:lnSpc>
+              <a:spcBef>
+                <a:spcPct val="30000"/>
+              </a:spcBef>
+              <a:spcAft>
+                <a:spcPct val="0"/>
+              </a:spcAft>
+              <a:buClrTx/>
+              <a:buSzTx/>
+              <a:buFont typeface="Arial" panose="020B0604020202020204" pitchFamily="34" charset="0"/>
+              <a:buChar char="•"/>
+              <a:tabLst/>
+              <a:defRPr/>
+            </a:pPr>
+            <a:r>
+              <a:rPr lang="de-DE" sz="1200" baseline="0" dirty="0" smtClean="0">
+                <a:solidFill>
+                  <a:schemeClr val="tx1"/>
+                </a:solidFill>
+                <a:latin typeface="+mn-lt"/>
+                <a:cs typeface="Arial" panose="020B0604020202020204" pitchFamily="34" charset="0"/>
+              </a:rPr>
+              <a:t>Man erhält einen Überblick über die Projekte und die darin enthaltenen Versionen</a:t>
             </a:r>
           </a:p>
           <a:p>
@@ -6675,6 +6845,2182 @@
 </p:notes>
 </file>
 
+<file path=ppt/notesSlides/notesSlide32.xml><?xml version="1.0" encoding="utf-8"?>
+<p:notes xmlns:a="http://schemas.openxmlformats.org/drawingml/2006/main" xmlns:r="http://schemas.openxmlformats.org/officeDocument/2006/relationships" xmlns:p="http://schemas.openxmlformats.org/presentationml/2006/main">
+  <p:cSld>
+    <p:spTree>
+      <p:nvGrpSpPr>
+        <p:cNvPr id="1" name=""/>
+        <p:cNvGrpSpPr/>
+        <p:nvPr/>
+      </p:nvGrpSpPr>
+      <p:grpSpPr>
+        <a:xfrm>
+          <a:off x="0" y="0"/>
+          <a:ext cx="0" cy="0"/>
+          <a:chOff x="0" y="0"/>
+          <a:chExt cx="0" cy="0"/>
+        </a:xfrm>
+      </p:grpSpPr>
+      <p:sp>
+        <p:nvSpPr>
+          <p:cNvPr id="2" name="Folienbildplatzhalter 1"/>
+          <p:cNvSpPr>
+            <a:spLocks noGrp="1" noRot="1" noChangeAspect="1"/>
+          </p:cNvSpPr>
+          <p:nvPr>
+            <p:ph type="sldImg"/>
+          </p:nvPr>
+        </p:nvSpPr>
+        <p:spPr/>
+      </p:sp>
+      <p:sp>
+        <p:nvSpPr>
+          <p:cNvPr id="3" name="Notizenplatzhalter 2"/>
+          <p:cNvSpPr>
+            <a:spLocks noGrp="1"/>
+          </p:cNvSpPr>
+          <p:nvPr>
+            <p:ph type="body" idx="1"/>
+          </p:nvPr>
+        </p:nvSpPr>
+        <p:spPr/>
+        <p:txBody>
+          <a:bodyPr/>
+          <a:lstStyle/>
+          <a:p>
+            <a:pPr marL="171450" indent="-171450">
+              <a:buFont typeface="Arial" panose="020B0604020202020204" pitchFamily="34" charset="0"/>
+              <a:buChar char="•"/>
+            </a:pPr>
+            <a:r>
+              <a:rPr lang="de-DE" baseline="0" dirty="0" err="1" smtClean="0">
+                <a:latin typeface="+mn-lt"/>
+              </a:rPr>
+              <a:t>GitHub</a:t>
+            </a:r>
+            <a:r>
+              <a:rPr lang="de-DE" baseline="0" dirty="0" smtClean="0">
+                <a:latin typeface="+mn-lt"/>
+              </a:rPr>
+              <a:t> ist ein </a:t>
+            </a:r>
+            <a:r>
+              <a:rPr lang="de-DE" baseline="0" dirty="0" err="1" smtClean="0">
+                <a:latin typeface="+mn-lt"/>
+              </a:rPr>
+              <a:t>Hostingdienst</a:t>
+            </a:r>
+            <a:r>
+              <a:rPr lang="de-DE" baseline="0" dirty="0" smtClean="0">
+                <a:latin typeface="+mn-lt"/>
+              </a:rPr>
+              <a:t>, der seine Server für </a:t>
+            </a:r>
+            <a:r>
+              <a:rPr lang="de-DE" baseline="0" dirty="0" err="1" smtClean="0">
+                <a:latin typeface="+mn-lt"/>
+              </a:rPr>
+              <a:t>Git</a:t>
+            </a:r>
+            <a:r>
+              <a:rPr lang="de-DE" baseline="0" dirty="0" smtClean="0">
+                <a:latin typeface="+mn-lt"/>
+              </a:rPr>
+              <a:t>-Nutzer bereitstellt, um Repositories auf diesen Servern verwalten zu können</a:t>
+            </a:r>
+          </a:p>
+          <a:p>
+            <a:pPr marL="171450" indent="-171450">
+              <a:buFont typeface="Arial" panose="020B0604020202020204" pitchFamily="34" charset="0"/>
+              <a:buChar char="•"/>
+            </a:pPr>
+            <a:r>
+              <a:rPr lang="de-DE" baseline="0" dirty="0" smtClean="0">
+                <a:latin typeface="+mn-lt"/>
+              </a:rPr>
+              <a:t>Diese Repositories können entweder über die Kommandozeile von </a:t>
+            </a:r>
+            <a:r>
+              <a:rPr lang="de-DE" baseline="0" dirty="0" err="1" smtClean="0">
+                <a:latin typeface="+mn-lt"/>
+              </a:rPr>
+              <a:t>Git</a:t>
+            </a:r>
+            <a:r>
+              <a:rPr lang="de-DE" baseline="0" dirty="0" smtClean="0">
+                <a:latin typeface="+mn-lt"/>
+              </a:rPr>
+              <a:t> bearbeitet werden oder direkt über </a:t>
+            </a:r>
+            <a:r>
+              <a:rPr lang="de-DE" baseline="0" dirty="0" err="1" smtClean="0">
+                <a:latin typeface="+mn-lt"/>
+              </a:rPr>
+              <a:t>GitHub</a:t>
+            </a:r>
+            <a:endParaRPr lang="de-DE" baseline="0" dirty="0" smtClean="0">
+              <a:latin typeface="+mn-lt"/>
+            </a:endParaRPr>
+          </a:p>
+          <a:p>
+            <a:pPr marL="171450" marR="0" indent="-171450" algn="l" defTabSz="914400" rtl="0" eaLnBrk="0" fontAlgn="base" latinLnBrk="0" hangingPunct="0">
+              <a:lnSpc>
+                <a:spcPct val="100000"/>
+              </a:lnSpc>
+              <a:spcBef>
+                <a:spcPct val="30000"/>
+              </a:spcBef>
+              <a:spcAft>
+                <a:spcPct val="0"/>
+              </a:spcAft>
+              <a:buClrTx/>
+              <a:buSzTx/>
+              <a:buFont typeface="Arial" panose="020B0604020202020204" pitchFamily="34" charset="0"/>
+              <a:buChar char="•"/>
+              <a:tabLst/>
+              <a:defRPr/>
+            </a:pPr>
+            <a:r>
+              <a:rPr lang="de-DE" baseline="0" dirty="0" err="1" smtClean="0">
+                <a:latin typeface="+mn-lt"/>
+              </a:rPr>
+              <a:t>GitHub</a:t>
+            </a:r>
+            <a:r>
+              <a:rPr lang="de-DE" baseline="0" dirty="0" smtClean="0">
+                <a:latin typeface="+mn-lt"/>
+              </a:rPr>
+              <a:t> ist nicht das selbe wie </a:t>
+            </a:r>
+            <a:r>
+              <a:rPr lang="de-DE" baseline="0" dirty="0" err="1" smtClean="0">
+                <a:latin typeface="+mn-lt"/>
+              </a:rPr>
+              <a:t>Git</a:t>
+            </a:r>
+            <a:r>
+              <a:rPr lang="de-DE" baseline="0" dirty="0" smtClean="0">
+                <a:latin typeface="+mn-lt"/>
+              </a:rPr>
+              <a:t> </a:t>
+            </a:r>
+            <a:r>
+              <a:rPr lang="de-DE" baseline="0" dirty="0" smtClean="0">
+                <a:latin typeface="+mn-lt"/>
+                <a:sym typeface="Wingdings" panose="05000000000000000000" pitchFamily="2" charset="2"/>
+              </a:rPr>
+              <a:t> deshalb habe ich vorhin erwähnt das </a:t>
+            </a:r>
+            <a:r>
+              <a:rPr lang="de-DE" baseline="0" dirty="0" err="1" smtClean="0">
+                <a:latin typeface="+mn-lt"/>
+                <a:sym typeface="Wingdings" panose="05000000000000000000" pitchFamily="2" charset="2"/>
+              </a:rPr>
+              <a:t>Git</a:t>
+            </a:r>
+            <a:r>
+              <a:rPr lang="de-DE" baseline="0" dirty="0" smtClean="0">
+                <a:latin typeface="+mn-lt"/>
+                <a:sym typeface="Wingdings" panose="05000000000000000000" pitchFamily="2" charset="2"/>
+              </a:rPr>
+              <a:t> ein </a:t>
+            </a:r>
+            <a:r>
+              <a:rPr lang="de-DE" sz="1200" dirty="0" smtClean="0">
+                <a:solidFill>
+                  <a:srgbClr val="000000"/>
+                </a:solidFill>
+                <a:latin typeface="Arial Narrow" panose="020B0606020202030204" pitchFamily="34" charset="0"/>
+                <a:cs typeface="Arial" panose="020B0604020202020204" pitchFamily="34" charset="0"/>
+              </a:rPr>
+              <a:t>Reines Kommandozeilenprogramm</a:t>
+            </a:r>
+            <a:r>
+              <a:rPr lang="de-DE" sz="1200" baseline="0" dirty="0" smtClean="0">
+                <a:solidFill>
+                  <a:srgbClr val="000000"/>
+                </a:solidFill>
+                <a:latin typeface="Arial Narrow" panose="020B0606020202030204" pitchFamily="34" charset="0"/>
+                <a:cs typeface="Arial" panose="020B0604020202020204" pitchFamily="34" charset="0"/>
+              </a:rPr>
+              <a:t> ist,</a:t>
+            </a:r>
+            <a:br>
+              <a:rPr lang="de-DE" sz="1200" baseline="0" dirty="0" smtClean="0">
+                <a:solidFill>
+                  <a:srgbClr val="000000"/>
+                </a:solidFill>
+                <a:latin typeface="Arial Narrow" panose="020B0606020202030204" pitchFamily="34" charset="0"/>
+                <a:cs typeface="Arial" panose="020B0604020202020204" pitchFamily="34" charset="0"/>
+              </a:rPr>
+            </a:br>
+            <a:r>
+              <a:rPr lang="de-DE" sz="1200" baseline="0" dirty="0" smtClean="0">
+                <a:solidFill>
+                  <a:schemeClr val="tx1"/>
+                </a:solidFill>
+                <a:latin typeface="+mn-lt"/>
+                <a:cs typeface="Arial" panose="020B0604020202020204" pitchFamily="34" charset="0"/>
+              </a:rPr>
+              <a:t>denn diese beiden werden oft miteinander verwechselt</a:t>
+            </a:r>
+          </a:p>
+          <a:p>
+            <a:pPr marL="171450" marR="0" indent="-171450" algn="l" defTabSz="914400" rtl="0" eaLnBrk="0" fontAlgn="base" latinLnBrk="0" hangingPunct="0">
+              <a:lnSpc>
+                <a:spcPct val="100000"/>
+              </a:lnSpc>
+              <a:spcBef>
+                <a:spcPct val="30000"/>
+              </a:spcBef>
+              <a:spcAft>
+                <a:spcPct val="0"/>
+              </a:spcAft>
+              <a:buClrTx/>
+              <a:buSzTx/>
+              <a:buFont typeface="Arial" panose="020B0604020202020204" pitchFamily="34" charset="0"/>
+              <a:buChar char="•"/>
+              <a:tabLst/>
+              <a:defRPr/>
+            </a:pPr>
+            <a:r>
+              <a:rPr lang="de-DE" sz="1200" baseline="0" dirty="0" err="1" smtClean="0">
+                <a:solidFill>
+                  <a:schemeClr val="tx1"/>
+                </a:solidFill>
+                <a:latin typeface="+mn-lt"/>
+                <a:cs typeface="Arial" panose="020B0604020202020204" pitchFamily="34" charset="0"/>
+              </a:rPr>
+              <a:t>GitHub</a:t>
+            </a:r>
+            <a:r>
+              <a:rPr lang="de-DE" sz="1200" baseline="0" dirty="0" smtClean="0">
+                <a:solidFill>
+                  <a:schemeClr val="tx1"/>
+                </a:solidFill>
+                <a:latin typeface="+mn-lt"/>
+                <a:cs typeface="Arial" panose="020B0604020202020204" pitchFamily="34" charset="0"/>
+              </a:rPr>
+              <a:t> </a:t>
+            </a:r>
+            <a:r>
+              <a:rPr lang="de-DE" sz="1200" baseline="0" dirty="0" err="1" smtClean="0">
+                <a:solidFill>
+                  <a:schemeClr val="tx1"/>
+                </a:solidFill>
+                <a:latin typeface="+mn-lt"/>
+                <a:cs typeface="Arial" panose="020B0604020202020204" pitchFamily="34" charset="0"/>
+              </a:rPr>
+              <a:t>ermöglcht</a:t>
+            </a:r>
+            <a:r>
+              <a:rPr lang="de-DE" sz="1200" baseline="0" dirty="0" smtClean="0">
+                <a:solidFill>
+                  <a:schemeClr val="tx1"/>
+                </a:solidFill>
+                <a:latin typeface="+mn-lt"/>
+                <a:cs typeface="Arial" panose="020B0604020202020204" pitchFamily="34" charset="0"/>
+              </a:rPr>
+              <a:t> das Anlegen von Repositories und die Verwaltung dieser</a:t>
+            </a:r>
+          </a:p>
+          <a:p>
+            <a:pPr marL="171450" marR="0" indent="-171450" algn="l" defTabSz="914400" rtl="0" eaLnBrk="0" fontAlgn="base" latinLnBrk="0" hangingPunct="0">
+              <a:lnSpc>
+                <a:spcPct val="100000"/>
+              </a:lnSpc>
+              <a:spcBef>
+                <a:spcPct val="30000"/>
+              </a:spcBef>
+              <a:spcAft>
+                <a:spcPct val="0"/>
+              </a:spcAft>
+              <a:buClrTx/>
+              <a:buSzTx/>
+              <a:buFont typeface="Arial" panose="020B0604020202020204" pitchFamily="34" charset="0"/>
+              <a:buChar char="•"/>
+              <a:tabLst/>
+              <a:defRPr/>
+            </a:pPr>
+            <a:r>
+              <a:rPr lang="de-DE" sz="1200" baseline="0" dirty="0" smtClean="0">
+                <a:solidFill>
+                  <a:schemeClr val="tx1"/>
+                </a:solidFill>
+                <a:latin typeface="+mn-lt"/>
+                <a:cs typeface="Arial" panose="020B0604020202020204" pitchFamily="34" charset="0"/>
+              </a:rPr>
+              <a:t>Überblick über die Projekte und die darin enthaltenen Versionen</a:t>
+            </a:r>
+          </a:p>
+          <a:p>
+            <a:pPr marL="171450" marR="0" indent="-171450" algn="l" defTabSz="914400" rtl="0" eaLnBrk="0" fontAlgn="base" latinLnBrk="0" hangingPunct="0">
+              <a:lnSpc>
+                <a:spcPct val="100000"/>
+              </a:lnSpc>
+              <a:spcBef>
+                <a:spcPct val="30000"/>
+              </a:spcBef>
+              <a:spcAft>
+                <a:spcPct val="0"/>
+              </a:spcAft>
+              <a:buClrTx/>
+              <a:buSzTx/>
+              <a:buFont typeface="Arial" panose="020B0604020202020204" pitchFamily="34" charset="0"/>
+              <a:buChar char="•"/>
+              <a:tabLst/>
+              <a:defRPr/>
+            </a:pPr>
+            <a:r>
+              <a:rPr lang="de-DE" sz="1200" baseline="0" dirty="0" smtClean="0">
+                <a:solidFill>
+                  <a:schemeClr val="tx1"/>
+                </a:solidFill>
+                <a:latin typeface="+mn-lt"/>
+                <a:cs typeface="Arial" panose="020B0604020202020204" pitchFamily="34" charset="0"/>
+              </a:rPr>
+              <a:t>Man kann zu bestimmten Versionen „springen“ und diese wiederherzustellen</a:t>
+            </a:r>
+          </a:p>
+          <a:p>
+            <a:pPr marL="171450" marR="0" indent="-171450" algn="l" defTabSz="914400" rtl="0" eaLnBrk="0" fontAlgn="base" latinLnBrk="0" hangingPunct="0">
+              <a:lnSpc>
+                <a:spcPct val="100000"/>
+              </a:lnSpc>
+              <a:spcBef>
+                <a:spcPct val="30000"/>
+              </a:spcBef>
+              <a:spcAft>
+                <a:spcPct val="0"/>
+              </a:spcAft>
+              <a:buClrTx/>
+              <a:buSzTx/>
+              <a:buFont typeface="Arial" panose="020B0604020202020204" pitchFamily="34" charset="0"/>
+              <a:buChar char="•"/>
+              <a:tabLst/>
+              <a:defRPr/>
+            </a:pPr>
+            <a:r>
+              <a:rPr lang="de-DE" sz="1200" baseline="0" dirty="0" smtClean="0">
+                <a:solidFill>
+                  <a:schemeClr val="tx1"/>
+                </a:solidFill>
+                <a:latin typeface="+mn-lt"/>
+                <a:cs typeface="Arial" panose="020B0604020202020204" pitchFamily="34" charset="0"/>
+              </a:rPr>
+              <a:t>Falls Datei nicht zu groß ist direkt einsehen, ansonsten muss man die Datei downloaden </a:t>
+            </a:r>
+          </a:p>
+          <a:p>
+            <a:pPr marL="0" marR="0" indent="0" algn="l" defTabSz="914400" rtl="0" eaLnBrk="0" fontAlgn="base" latinLnBrk="0" hangingPunct="0">
+              <a:lnSpc>
+                <a:spcPct val="100000"/>
+              </a:lnSpc>
+              <a:spcBef>
+                <a:spcPct val="30000"/>
+              </a:spcBef>
+              <a:spcAft>
+                <a:spcPct val="0"/>
+              </a:spcAft>
+              <a:buClrTx/>
+              <a:buSzTx/>
+              <a:buFont typeface="Arial" panose="020B0604020202020204" pitchFamily="34" charset="0"/>
+              <a:buNone/>
+              <a:tabLst/>
+              <a:defRPr/>
+            </a:pPr>
+            <a:endParaRPr lang="de-DE" sz="1200" dirty="0" smtClean="0">
+              <a:solidFill>
+                <a:srgbClr val="000000"/>
+              </a:solidFill>
+              <a:latin typeface="Arial Narrow" panose="020B0606020202030204" pitchFamily="34" charset="0"/>
+              <a:cs typeface="Arial" panose="020B0604020202020204" pitchFamily="34" charset="0"/>
+            </a:endParaRPr>
+          </a:p>
+        </p:txBody>
+      </p:sp>
+      <p:sp>
+        <p:nvSpPr>
+          <p:cNvPr id="4" name="Foliennummernplatzhalter 3"/>
+          <p:cNvSpPr>
+            <a:spLocks noGrp="1"/>
+          </p:cNvSpPr>
+          <p:nvPr>
+            <p:ph type="sldNum" sz="quarter" idx="10"/>
+          </p:nvPr>
+        </p:nvSpPr>
+        <p:spPr/>
+        <p:txBody>
+          <a:bodyPr/>
+          <a:lstStyle/>
+          <a:p>
+            <a:pPr>
+              <a:defRPr/>
+            </a:pPr>
+            <a:fld id="{69416D27-C533-4FFA-9A00-D046B64C63BF}" type="slidenum">
+              <a:rPr lang="de-DE" smtClean="0"/>
+              <a:pPr>
+                <a:defRPr/>
+              </a:pPr>
+              <a:t>32</a:t>
+            </a:fld>
+            <a:endParaRPr lang="de-DE"/>
+          </a:p>
+        </p:txBody>
+      </p:sp>
+    </p:spTree>
+    <p:extLst>
+      <p:ext uri="{BB962C8B-B14F-4D97-AF65-F5344CB8AC3E}">
+        <p14:creationId xmlns:p14="http://schemas.microsoft.com/office/powerpoint/2010/main" val="1353994050"/>
+      </p:ext>
+    </p:extLst>
+  </p:cSld>
+  <p:clrMapOvr>
+    <a:masterClrMapping/>
+  </p:clrMapOvr>
+</p:notes>
+</file>
+
+<file path=ppt/notesSlides/notesSlide33.xml><?xml version="1.0" encoding="utf-8"?>
+<p:notes xmlns:a="http://schemas.openxmlformats.org/drawingml/2006/main" xmlns:r="http://schemas.openxmlformats.org/officeDocument/2006/relationships" xmlns:p="http://schemas.openxmlformats.org/presentationml/2006/main">
+  <p:cSld>
+    <p:spTree>
+      <p:nvGrpSpPr>
+        <p:cNvPr id="1" name=""/>
+        <p:cNvGrpSpPr/>
+        <p:nvPr/>
+      </p:nvGrpSpPr>
+      <p:grpSpPr>
+        <a:xfrm>
+          <a:off x="0" y="0"/>
+          <a:ext cx="0" cy="0"/>
+          <a:chOff x="0" y="0"/>
+          <a:chExt cx="0" cy="0"/>
+        </a:xfrm>
+      </p:grpSpPr>
+      <p:sp>
+        <p:nvSpPr>
+          <p:cNvPr id="2" name="Folienbildplatzhalter 1"/>
+          <p:cNvSpPr>
+            <a:spLocks noGrp="1" noRot="1" noChangeAspect="1"/>
+          </p:cNvSpPr>
+          <p:nvPr>
+            <p:ph type="sldImg"/>
+          </p:nvPr>
+        </p:nvSpPr>
+        <p:spPr/>
+      </p:sp>
+      <p:sp>
+        <p:nvSpPr>
+          <p:cNvPr id="3" name="Notizenplatzhalter 2"/>
+          <p:cNvSpPr>
+            <a:spLocks noGrp="1"/>
+          </p:cNvSpPr>
+          <p:nvPr>
+            <p:ph type="body" idx="1"/>
+          </p:nvPr>
+        </p:nvSpPr>
+        <p:spPr/>
+        <p:txBody>
+          <a:bodyPr/>
+          <a:lstStyle/>
+          <a:p>
+            <a:pPr marL="0" indent="0">
+              <a:buFont typeface="Arial" panose="020B0604020202020204" pitchFamily="34" charset="0"/>
+              <a:buNone/>
+            </a:pPr>
+            <a:endParaRPr lang="de-DE" dirty="0">
+              <a:latin typeface="+mn-lt"/>
+            </a:endParaRPr>
+          </a:p>
+        </p:txBody>
+      </p:sp>
+      <p:sp>
+        <p:nvSpPr>
+          <p:cNvPr id="4" name="Foliennummernplatzhalter 3"/>
+          <p:cNvSpPr>
+            <a:spLocks noGrp="1"/>
+          </p:cNvSpPr>
+          <p:nvPr>
+            <p:ph type="sldNum" sz="quarter" idx="10"/>
+          </p:nvPr>
+        </p:nvSpPr>
+        <p:spPr/>
+        <p:txBody>
+          <a:bodyPr/>
+          <a:lstStyle/>
+          <a:p>
+            <a:pPr>
+              <a:defRPr/>
+            </a:pPr>
+            <a:fld id="{69416D27-C533-4FFA-9A00-D046B64C63BF}" type="slidenum">
+              <a:rPr lang="de-DE" smtClean="0"/>
+              <a:pPr>
+                <a:defRPr/>
+              </a:pPr>
+              <a:t>33</a:t>
+            </a:fld>
+            <a:endParaRPr lang="de-DE"/>
+          </a:p>
+        </p:txBody>
+      </p:sp>
+    </p:spTree>
+    <p:extLst>
+      <p:ext uri="{BB962C8B-B14F-4D97-AF65-F5344CB8AC3E}">
+        <p14:creationId xmlns:p14="http://schemas.microsoft.com/office/powerpoint/2010/main" val="1353994050"/>
+      </p:ext>
+    </p:extLst>
+  </p:cSld>
+  <p:clrMapOvr>
+    <a:masterClrMapping/>
+  </p:clrMapOvr>
+</p:notes>
+</file>
+
+<file path=ppt/notesSlides/notesSlide34.xml><?xml version="1.0" encoding="utf-8"?>
+<p:notes xmlns:a="http://schemas.openxmlformats.org/drawingml/2006/main" xmlns:r="http://schemas.openxmlformats.org/officeDocument/2006/relationships" xmlns:p="http://schemas.openxmlformats.org/presentationml/2006/main">
+  <p:cSld>
+    <p:spTree>
+      <p:nvGrpSpPr>
+        <p:cNvPr id="1" name=""/>
+        <p:cNvGrpSpPr/>
+        <p:nvPr/>
+      </p:nvGrpSpPr>
+      <p:grpSpPr>
+        <a:xfrm>
+          <a:off x="0" y="0"/>
+          <a:ext cx="0" cy="0"/>
+          <a:chOff x="0" y="0"/>
+          <a:chExt cx="0" cy="0"/>
+        </a:xfrm>
+      </p:grpSpPr>
+      <p:sp>
+        <p:nvSpPr>
+          <p:cNvPr id="2" name="Folienbildplatzhalter 1"/>
+          <p:cNvSpPr>
+            <a:spLocks noGrp="1" noRot="1" noChangeAspect="1"/>
+          </p:cNvSpPr>
+          <p:nvPr>
+            <p:ph type="sldImg"/>
+          </p:nvPr>
+        </p:nvSpPr>
+        <p:spPr/>
+      </p:sp>
+      <p:sp>
+        <p:nvSpPr>
+          <p:cNvPr id="3" name="Notizenplatzhalter 2"/>
+          <p:cNvSpPr>
+            <a:spLocks noGrp="1"/>
+          </p:cNvSpPr>
+          <p:nvPr>
+            <p:ph type="body" idx="1"/>
+          </p:nvPr>
+        </p:nvSpPr>
+        <p:spPr/>
+        <p:txBody>
+          <a:bodyPr/>
+          <a:lstStyle/>
+          <a:p>
+            <a:pPr marL="171450" marR="0" indent="-171450" algn="l" defTabSz="914400" rtl="0" eaLnBrk="0" fontAlgn="base" latinLnBrk="0" hangingPunct="0">
+              <a:lnSpc>
+                <a:spcPct val="100000"/>
+              </a:lnSpc>
+              <a:spcBef>
+                <a:spcPct val="30000"/>
+              </a:spcBef>
+              <a:spcAft>
+                <a:spcPct val="0"/>
+              </a:spcAft>
+              <a:buClrTx/>
+              <a:buSzTx/>
+              <a:buFont typeface="Arial" panose="020B0604020202020204" pitchFamily="34" charset="0"/>
+              <a:buChar char="•"/>
+              <a:tabLst/>
+              <a:defRPr/>
+            </a:pPr>
+            <a:r>
+              <a:rPr lang="de-DE" b="0" dirty="0" smtClean="0">
+                <a:solidFill>
+                  <a:srgbClr val="000000"/>
+                </a:solidFill>
+              </a:rPr>
+              <a:t>Nach einer gemeinsamen Recherche mit Prof.</a:t>
+            </a:r>
+            <a:r>
+              <a:rPr lang="de-DE" b="0" baseline="0" dirty="0" smtClean="0">
+                <a:solidFill>
+                  <a:srgbClr val="000000"/>
+                </a:solidFill>
+              </a:rPr>
+              <a:t> </a:t>
+            </a:r>
+            <a:r>
+              <a:rPr lang="de-DE" b="0" baseline="0" dirty="0" err="1" smtClean="0">
+                <a:solidFill>
+                  <a:srgbClr val="000000"/>
+                </a:solidFill>
+              </a:rPr>
+              <a:t>Illik</a:t>
+            </a:r>
+            <a:r>
+              <a:rPr lang="de-DE" b="0" baseline="0" dirty="0" smtClean="0">
+                <a:solidFill>
+                  <a:srgbClr val="000000"/>
+                </a:solidFill>
+              </a:rPr>
+              <a:t>, kamen wir zu dem Schluss, dass das Plug-In</a:t>
+            </a:r>
+            <a:br>
+              <a:rPr lang="de-DE" b="0" baseline="0" dirty="0" smtClean="0">
+                <a:solidFill>
+                  <a:srgbClr val="000000"/>
+                </a:solidFill>
+              </a:rPr>
+            </a:br>
+            <a:r>
+              <a:rPr lang="de-DE" b="0" baseline="0" dirty="0" err="1" smtClean="0">
+                <a:solidFill>
+                  <a:srgbClr val="000000"/>
+                </a:solidFill>
+              </a:rPr>
+              <a:t>EGit</a:t>
+            </a:r>
+            <a:r>
+              <a:rPr lang="de-DE" b="0" baseline="0" dirty="0" smtClean="0">
+                <a:solidFill>
+                  <a:srgbClr val="000000"/>
+                </a:solidFill>
+              </a:rPr>
+              <a:t> ein geeignetes Tool wäre, um in der Vorlesung „Programmieren und Modellieren 2“ Versionsverwaltung anwenden zu können</a:t>
+            </a:r>
+          </a:p>
+          <a:p>
+            <a:pPr marL="171450" marR="0" indent="-171450" algn="l" defTabSz="914400" rtl="0" eaLnBrk="0" fontAlgn="base" latinLnBrk="0" hangingPunct="0">
+              <a:lnSpc>
+                <a:spcPct val="100000"/>
+              </a:lnSpc>
+              <a:spcBef>
+                <a:spcPct val="30000"/>
+              </a:spcBef>
+              <a:spcAft>
+                <a:spcPct val="0"/>
+              </a:spcAft>
+              <a:buClrTx/>
+              <a:buSzTx/>
+              <a:buFont typeface="Arial" panose="020B0604020202020204" pitchFamily="34" charset="0"/>
+              <a:buChar char="•"/>
+              <a:tabLst/>
+              <a:defRPr/>
+            </a:pPr>
+            <a:r>
+              <a:rPr lang="de-DE" sz="1200" dirty="0" err="1" smtClean="0">
+                <a:solidFill>
+                  <a:srgbClr val="000000"/>
+                </a:solidFill>
+                <a:sym typeface="Wingdings" panose="05000000000000000000" pitchFamily="2" charset="2"/>
+              </a:rPr>
+              <a:t>EGit</a:t>
+            </a:r>
+            <a:r>
+              <a:rPr lang="de-DE" sz="1200" dirty="0" smtClean="0">
+                <a:solidFill>
+                  <a:srgbClr val="000000"/>
+                </a:solidFill>
+                <a:sym typeface="Wingdings" panose="05000000000000000000" pitchFamily="2" charset="2"/>
+              </a:rPr>
+              <a:t> ist ein Plug-In für die Software </a:t>
+            </a:r>
+            <a:r>
+              <a:rPr lang="de-DE" sz="1200" dirty="0" err="1" smtClean="0">
+                <a:solidFill>
+                  <a:srgbClr val="000000"/>
+                </a:solidFill>
+                <a:sym typeface="Wingdings" panose="05000000000000000000" pitchFamily="2" charset="2"/>
+              </a:rPr>
+              <a:t>Eclipse</a:t>
+            </a:r>
+            <a:r>
+              <a:rPr lang="de-DE" sz="1200" dirty="0" smtClean="0">
+                <a:solidFill>
+                  <a:srgbClr val="000000"/>
+                </a:solidFill>
+                <a:sym typeface="Wingdings" panose="05000000000000000000" pitchFamily="2" charset="2"/>
+              </a:rPr>
+              <a:t> und lässt sich ohne Weiteres in diese Software</a:t>
+            </a:r>
+            <a:r>
+              <a:rPr lang="de-DE" sz="1200" baseline="0" dirty="0" smtClean="0">
+                <a:solidFill>
+                  <a:srgbClr val="000000"/>
+                </a:solidFill>
+                <a:sym typeface="Wingdings" panose="05000000000000000000" pitchFamily="2" charset="2"/>
+              </a:rPr>
+              <a:t> integrieren</a:t>
+            </a:r>
+          </a:p>
+          <a:p>
+            <a:pPr marL="171450" marR="0" indent="-171450" algn="l" defTabSz="914400" rtl="0" eaLnBrk="0" fontAlgn="base" latinLnBrk="0" hangingPunct="0">
+              <a:lnSpc>
+                <a:spcPct val="100000"/>
+              </a:lnSpc>
+              <a:spcBef>
+                <a:spcPct val="30000"/>
+              </a:spcBef>
+              <a:spcAft>
+                <a:spcPct val="0"/>
+              </a:spcAft>
+              <a:buClrTx/>
+              <a:buSzTx/>
+              <a:buFont typeface="Arial" panose="020B0604020202020204" pitchFamily="34" charset="0"/>
+              <a:buChar char="•"/>
+              <a:tabLst/>
+              <a:defRPr/>
+            </a:pPr>
+            <a:r>
+              <a:rPr lang="de-DE" sz="1200" b="0" baseline="0" dirty="0" smtClean="0">
+                <a:solidFill>
+                  <a:srgbClr val="000000"/>
+                </a:solidFill>
+                <a:sym typeface="Wingdings" panose="05000000000000000000" pitchFamily="2" charset="2"/>
+              </a:rPr>
+              <a:t>Dadurch ist es möglich lokale </a:t>
+            </a:r>
+            <a:r>
+              <a:rPr lang="de-DE" sz="1200" b="0" baseline="0" dirty="0" smtClean="0">
+                <a:solidFill>
+                  <a:srgbClr val="000000"/>
+                </a:solidFill>
+                <a:sym typeface="Wingdings" panose="05000000000000000000" pitchFamily="2" charset="2"/>
+              </a:rPr>
+              <a:t>Repositories </a:t>
+            </a:r>
+            <a:r>
+              <a:rPr lang="de-DE" sz="1200" b="0" baseline="0" dirty="0" smtClean="0">
+                <a:solidFill>
+                  <a:srgbClr val="000000"/>
+                </a:solidFill>
+                <a:sym typeface="Wingdings" panose="05000000000000000000" pitchFamily="2" charset="2"/>
+              </a:rPr>
+              <a:t>direkt über </a:t>
+            </a:r>
+            <a:r>
+              <a:rPr lang="de-DE" sz="1200" b="0" baseline="0" dirty="0" err="1" smtClean="0">
+                <a:solidFill>
+                  <a:srgbClr val="000000"/>
+                </a:solidFill>
+                <a:sym typeface="Wingdings" panose="05000000000000000000" pitchFamily="2" charset="2"/>
+              </a:rPr>
+              <a:t>Eclipse</a:t>
+            </a:r>
+            <a:r>
+              <a:rPr lang="de-DE" sz="1200" b="0" baseline="0" dirty="0" smtClean="0">
+                <a:solidFill>
+                  <a:srgbClr val="000000"/>
+                </a:solidFill>
+                <a:sym typeface="Wingdings" panose="05000000000000000000" pitchFamily="2" charset="2"/>
+              </a:rPr>
+              <a:t> anzulegen und eine Verbindung zwischen </a:t>
+            </a:r>
+            <a:r>
+              <a:rPr lang="de-DE" sz="1200" b="0" baseline="0" dirty="0" smtClean="0">
+                <a:solidFill>
+                  <a:srgbClr val="000000"/>
+                </a:solidFill>
+                <a:sym typeface="Wingdings" panose="05000000000000000000" pitchFamily="2" charset="2"/>
+              </a:rPr>
+              <a:t>einem</a:t>
+            </a:r>
+            <a:br>
+              <a:rPr lang="de-DE" sz="1200" b="0" baseline="0" dirty="0" smtClean="0">
+                <a:solidFill>
+                  <a:srgbClr val="000000"/>
+                </a:solidFill>
+                <a:sym typeface="Wingdings" panose="05000000000000000000" pitchFamily="2" charset="2"/>
+              </a:rPr>
+            </a:br>
+            <a:r>
+              <a:rPr lang="de-DE" sz="1200" b="0" baseline="0" dirty="0" smtClean="0">
+                <a:solidFill>
+                  <a:srgbClr val="000000"/>
+                </a:solidFill>
+                <a:sym typeface="Wingdings" panose="05000000000000000000" pitchFamily="2" charset="2"/>
+              </a:rPr>
+              <a:t>entfernten Repository auf einem Server wie z.B. </a:t>
+            </a:r>
+            <a:r>
+              <a:rPr lang="de-DE" sz="1200" b="0" baseline="0" dirty="0" err="1" smtClean="0">
+                <a:solidFill>
+                  <a:srgbClr val="000000"/>
+                </a:solidFill>
+                <a:sym typeface="Wingdings" panose="05000000000000000000" pitchFamily="2" charset="2"/>
+              </a:rPr>
+              <a:t>GitHub</a:t>
+            </a:r>
+            <a:r>
+              <a:rPr lang="de-DE" sz="1200" b="0" baseline="0" dirty="0" smtClean="0">
+                <a:solidFill>
+                  <a:srgbClr val="000000"/>
+                </a:solidFill>
+                <a:sym typeface="Wingdings" panose="05000000000000000000" pitchFamily="2" charset="2"/>
+              </a:rPr>
+              <a:t> herzustellen</a:t>
+            </a:r>
+            <a:endParaRPr lang="de-DE" sz="1200" b="0" baseline="0" dirty="0" smtClean="0">
+              <a:solidFill>
+                <a:srgbClr val="000000"/>
+              </a:solidFill>
+              <a:sym typeface="Wingdings" panose="05000000000000000000" pitchFamily="2" charset="2"/>
+            </a:endParaRPr>
+          </a:p>
+          <a:p>
+            <a:pPr marL="171450" marR="0" indent="-171450" algn="l" defTabSz="914400" rtl="0" eaLnBrk="0" fontAlgn="base" latinLnBrk="0" hangingPunct="0">
+              <a:lnSpc>
+                <a:spcPct val="100000"/>
+              </a:lnSpc>
+              <a:spcBef>
+                <a:spcPct val="30000"/>
+              </a:spcBef>
+              <a:spcAft>
+                <a:spcPct val="0"/>
+              </a:spcAft>
+              <a:buClrTx/>
+              <a:buSzTx/>
+              <a:buFont typeface="Arial" panose="020B0604020202020204" pitchFamily="34" charset="0"/>
+              <a:buChar char="•"/>
+              <a:tabLst/>
+              <a:defRPr/>
+            </a:pPr>
+            <a:r>
+              <a:rPr lang="de-DE" sz="1200" b="0" baseline="0" dirty="0" smtClean="0">
+                <a:solidFill>
+                  <a:srgbClr val="000000"/>
+                </a:solidFill>
+                <a:sym typeface="Wingdings" panose="05000000000000000000" pitchFamily="2" charset="2"/>
+              </a:rPr>
+              <a:t>Darüber hinaus ist es möglich den Fortschritt auf dem Server abzulegen, sowie die aktuellste Version eines Projektes vom Server auf sein lokales Repository zu laden</a:t>
+            </a:r>
+          </a:p>
+          <a:p>
+            <a:pPr marL="171450" marR="0" indent="-171450" algn="l" defTabSz="914400" rtl="0" eaLnBrk="0" fontAlgn="base" latinLnBrk="0" hangingPunct="0">
+              <a:lnSpc>
+                <a:spcPct val="100000"/>
+              </a:lnSpc>
+              <a:spcBef>
+                <a:spcPct val="30000"/>
+              </a:spcBef>
+              <a:spcAft>
+                <a:spcPct val="0"/>
+              </a:spcAft>
+              <a:buClrTx/>
+              <a:buSzTx/>
+              <a:buFont typeface="Arial" panose="020B0604020202020204" pitchFamily="34" charset="0"/>
+              <a:buChar char="•"/>
+              <a:tabLst/>
+              <a:defRPr/>
+            </a:pPr>
+            <a:r>
+              <a:rPr lang="de-DE" sz="1200" b="0" baseline="0" dirty="0" smtClean="0">
+                <a:solidFill>
+                  <a:srgbClr val="000000"/>
+                </a:solidFill>
+                <a:sym typeface="Wingdings" panose="05000000000000000000" pitchFamily="2" charset="2"/>
+              </a:rPr>
+              <a:t>Auch ermöglicht </a:t>
+            </a:r>
+            <a:r>
+              <a:rPr lang="de-DE" sz="1200" b="0" baseline="0" dirty="0" err="1" smtClean="0">
+                <a:solidFill>
+                  <a:srgbClr val="000000"/>
+                </a:solidFill>
+                <a:sym typeface="Wingdings" panose="05000000000000000000" pitchFamily="2" charset="2"/>
+              </a:rPr>
+              <a:t>EGit</a:t>
+            </a:r>
+            <a:r>
+              <a:rPr lang="de-DE" sz="1200" b="0" baseline="0" dirty="0" smtClean="0">
+                <a:solidFill>
+                  <a:srgbClr val="000000"/>
+                </a:solidFill>
+                <a:sym typeface="Wingdings" panose="05000000000000000000" pitchFamily="2" charset="2"/>
+              </a:rPr>
+              <a:t> </a:t>
+            </a:r>
+            <a:r>
+              <a:rPr lang="de-DE" sz="1200" b="0" baseline="0" dirty="0" err="1" smtClean="0">
+                <a:solidFill>
+                  <a:srgbClr val="000000"/>
+                </a:solidFill>
+                <a:sym typeface="Wingdings" panose="05000000000000000000" pitchFamily="2" charset="2"/>
+              </a:rPr>
+              <a:t>Branching</a:t>
+            </a:r>
+            <a:r>
+              <a:rPr lang="de-DE" sz="1200" b="0" baseline="0" dirty="0" smtClean="0">
+                <a:solidFill>
+                  <a:srgbClr val="000000"/>
+                </a:solidFill>
+                <a:sym typeface="Wingdings" panose="05000000000000000000" pitchFamily="2" charset="2"/>
+              </a:rPr>
+              <a:t> und </a:t>
+            </a:r>
+            <a:r>
+              <a:rPr lang="de-DE" sz="1200" b="0" baseline="0" dirty="0" err="1" smtClean="0">
+                <a:solidFill>
+                  <a:srgbClr val="000000"/>
+                </a:solidFill>
+                <a:sym typeface="Wingdings" panose="05000000000000000000" pitchFamily="2" charset="2"/>
+              </a:rPr>
+              <a:t>Merging</a:t>
+            </a:r>
+            <a:r>
+              <a:rPr lang="de-DE" sz="1200" b="0" baseline="0" dirty="0" smtClean="0">
+                <a:solidFill>
+                  <a:srgbClr val="000000"/>
+                </a:solidFill>
+                <a:sym typeface="Wingdings" panose="05000000000000000000" pitchFamily="2" charset="2"/>
+              </a:rPr>
+              <a:t> direkt über </a:t>
+            </a:r>
+            <a:r>
+              <a:rPr lang="de-DE" sz="1200" b="0" baseline="0" dirty="0" err="1" smtClean="0">
+                <a:solidFill>
+                  <a:srgbClr val="000000"/>
+                </a:solidFill>
+                <a:sym typeface="Wingdings" panose="05000000000000000000" pitchFamily="2" charset="2"/>
+              </a:rPr>
+              <a:t>Eclipse</a:t>
+            </a:r>
+            <a:r>
+              <a:rPr lang="de-DE" sz="1200" b="0" baseline="0" dirty="0" smtClean="0">
+                <a:solidFill>
+                  <a:srgbClr val="000000"/>
+                </a:solidFill>
+                <a:sym typeface="Wingdings" panose="05000000000000000000" pitchFamily="2" charset="2"/>
+              </a:rPr>
+              <a:t> auszuführen</a:t>
+            </a:r>
+          </a:p>
+          <a:p>
+            <a:pPr marL="171450" marR="0" indent="-171450" algn="l" defTabSz="914400" rtl="0" eaLnBrk="0" fontAlgn="base" latinLnBrk="0" hangingPunct="0">
+              <a:lnSpc>
+                <a:spcPct val="100000"/>
+              </a:lnSpc>
+              <a:spcBef>
+                <a:spcPct val="30000"/>
+              </a:spcBef>
+              <a:spcAft>
+                <a:spcPct val="0"/>
+              </a:spcAft>
+              <a:buClrTx/>
+              <a:buSzTx/>
+              <a:buFont typeface="Arial" panose="020B0604020202020204" pitchFamily="34" charset="0"/>
+              <a:buChar char="•"/>
+              <a:tabLst/>
+              <a:defRPr/>
+            </a:pPr>
+            <a:r>
+              <a:rPr lang="de-DE" sz="1200" b="0" baseline="0" dirty="0" smtClean="0">
+                <a:solidFill>
+                  <a:srgbClr val="000000"/>
+                </a:solidFill>
+                <a:sym typeface="Wingdings" panose="05000000000000000000" pitchFamily="2" charset="2"/>
+              </a:rPr>
+              <a:t>Ein Weiterer Vorteil ist das es über das Plug-In möglich ist, auf die Änderungshistorie der vorhandenen Entwicklungszweige zuzugreifen und verschiedene Versionen einzusehen, diese zu verändern, rückgängig zu machen, zu löschen und bei Bedarf auch </a:t>
+            </a:r>
+            <a:r>
+              <a:rPr lang="de-DE" sz="1200" b="0" baseline="0" dirty="0" smtClean="0">
+                <a:solidFill>
+                  <a:srgbClr val="000000"/>
+                </a:solidFill>
+                <a:sym typeface="Wingdings" panose="05000000000000000000" pitchFamily="2" charset="2"/>
+              </a:rPr>
+              <a:t>wiederherzustellen</a:t>
+            </a:r>
+          </a:p>
+          <a:p>
+            <a:pPr marL="171450" marR="0" indent="-171450" algn="l" defTabSz="914400" rtl="0" eaLnBrk="0" fontAlgn="base" latinLnBrk="0" hangingPunct="0">
+              <a:lnSpc>
+                <a:spcPct val="100000"/>
+              </a:lnSpc>
+              <a:spcBef>
+                <a:spcPct val="30000"/>
+              </a:spcBef>
+              <a:spcAft>
+                <a:spcPct val="0"/>
+              </a:spcAft>
+              <a:buClrTx/>
+              <a:buSzTx/>
+              <a:buFont typeface="Arial" panose="020B0604020202020204" pitchFamily="34" charset="0"/>
+              <a:buChar char="•"/>
+              <a:tabLst/>
+              <a:defRPr/>
+            </a:pPr>
+            <a:r>
+              <a:rPr lang="de-DE" sz="1200" b="0" baseline="0" dirty="0" smtClean="0">
+                <a:solidFill>
+                  <a:srgbClr val="000000"/>
+                </a:solidFill>
+                <a:sym typeface="Wingdings" panose="05000000000000000000" pitchFamily="2" charset="2"/>
+              </a:rPr>
+              <a:t>Ebenso lassen sich unterschiede zwischen zwei verschiedenen Versionen anzeigen und auftretende Konflikte direkt über </a:t>
+            </a:r>
+            <a:r>
+              <a:rPr lang="de-DE" sz="1200" b="0" baseline="0" dirty="0" err="1" smtClean="0">
+                <a:solidFill>
+                  <a:srgbClr val="000000"/>
+                </a:solidFill>
+                <a:sym typeface="Wingdings" panose="05000000000000000000" pitchFamily="2" charset="2"/>
+              </a:rPr>
+              <a:t>Eclipse</a:t>
+            </a:r>
+            <a:r>
+              <a:rPr lang="de-DE" sz="1200" b="0" baseline="0" dirty="0" smtClean="0">
+                <a:solidFill>
+                  <a:srgbClr val="000000"/>
+                </a:solidFill>
+                <a:sym typeface="Wingdings" panose="05000000000000000000" pitchFamily="2" charset="2"/>
+              </a:rPr>
+              <a:t> beheben</a:t>
+            </a:r>
+            <a:endParaRPr lang="de-DE" sz="1200" b="0" baseline="0" dirty="0" smtClean="0">
+              <a:solidFill>
+                <a:srgbClr val="000000"/>
+              </a:solidFill>
+              <a:sym typeface="Wingdings" panose="05000000000000000000" pitchFamily="2" charset="2"/>
+            </a:endParaRPr>
+          </a:p>
+          <a:p>
+            <a:pPr marL="171450" marR="0" indent="-171450" algn="l" defTabSz="914400" rtl="0" eaLnBrk="0" fontAlgn="base" latinLnBrk="0" hangingPunct="0">
+              <a:lnSpc>
+                <a:spcPct val="100000"/>
+              </a:lnSpc>
+              <a:spcBef>
+                <a:spcPct val="30000"/>
+              </a:spcBef>
+              <a:spcAft>
+                <a:spcPct val="0"/>
+              </a:spcAft>
+              <a:buClrTx/>
+              <a:buSzTx/>
+              <a:buFont typeface="Arial" panose="020B0604020202020204" pitchFamily="34" charset="0"/>
+              <a:buChar char="•"/>
+              <a:tabLst/>
+              <a:defRPr/>
+            </a:pPr>
+            <a:endParaRPr lang="de-DE" b="0" dirty="0" smtClean="0">
+              <a:solidFill>
+                <a:srgbClr val="000000"/>
+              </a:solidFill>
+            </a:endParaRPr>
+          </a:p>
+        </p:txBody>
+      </p:sp>
+      <p:sp>
+        <p:nvSpPr>
+          <p:cNvPr id="4" name="Foliennummernplatzhalter 3"/>
+          <p:cNvSpPr>
+            <a:spLocks noGrp="1"/>
+          </p:cNvSpPr>
+          <p:nvPr>
+            <p:ph type="sldNum" sz="quarter" idx="10"/>
+          </p:nvPr>
+        </p:nvSpPr>
+        <p:spPr/>
+        <p:txBody>
+          <a:bodyPr/>
+          <a:lstStyle/>
+          <a:p>
+            <a:pPr>
+              <a:defRPr/>
+            </a:pPr>
+            <a:fld id="{69416D27-C533-4FFA-9A00-D046B64C63BF}" type="slidenum">
+              <a:rPr lang="de-DE" smtClean="0"/>
+              <a:pPr>
+                <a:defRPr/>
+              </a:pPr>
+              <a:t>34</a:t>
+            </a:fld>
+            <a:endParaRPr lang="de-DE"/>
+          </a:p>
+        </p:txBody>
+      </p:sp>
+    </p:spTree>
+    <p:extLst>
+      <p:ext uri="{BB962C8B-B14F-4D97-AF65-F5344CB8AC3E}">
+        <p14:creationId xmlns:p14="http://schemas.microsoft.com/office/powerpoint/2010/main" val="1353994050"/>
+      </p:ext>
+    </p:extLst>
+  </p:cSld>
+  <p:clrMapOvr>
+    <a:masterClrMapping/>
+  </p:clrMapOvr>
+</p:notes>
+</file>
+
+<file path=ppt/notesSlides/notesSlide35.xml><?xml version="1.0" encoding="utf-8"?>
+<p:notes xmlns:a="http://schemas.openxmlformats.org/drawingml/2006/main" xmlns:r="http://schemas.openxmlformats.org/officeDocument/2006/relationships" xmlns:p="http://schemas.openxmlformats.org/presentationml/2006/main">
+  <p:cSld>
+    <p:spTree>
+      <p:nvGrpSpPr>
+        <p:cNvPr id="1" name=""/>
+        <p:cNvGrpSpPr/>
+        <p:nvPr/>
+      </p:nvGrpSpPr>
+      <p:grpSpPr>
+        <a:xfrm>
+          <a:off x="0" y="0"/>
+          <a:ext cx="0" cy="0"/>
+          <a:chOff x="0" y="0"/>
+          <a:chExt cx="0" cy="0"/>
+        </a:xfrm>
+      </p:grpSpPr>
+      <p:sp>
+        <p:nvSpPr>
+          <p:cNvPr id="2" name="Folienbildplatzhalter 1"/>
+          <p:cNvSpPr>
+            <a:spLocks noGrp="1" noRot="1" noChangeAspect="1"/>
+          </p:cNvSpPr>
+          <p:nvPr>
+            <p:ph type="sldImg"/>
+          </p:nvPr>
+        </p:nvSpPr>
+        <p:spPr/>
+      </p:sp>
+      <p:sp>
+        <p:nvSpPr>
+          <p:cNvPr id="3" name="Notizenplatzhalter 2"/>
+          <p:cNvSpPr>
+            <a:spLocks noGrp="1"/>
+          </p:cNvSpPr>
+          <p:nvPr>
+            <p:ph type="body" idx="1"/>
+          </p:nvPr>
+        </p:nvSpPr>
+        <p:spPr/>
+        <p:txBody>
+          <a:bodyPr/>
+          <a:lstStyle/>
+          <a:p>
+            <a:pPr marL="0" marR="0" indent="0" algn="l" defTabSz="914400" rtl="0" eaLnBrk="0" fontAlgn="base" latinLnBrk="0" hangingPunct="0">
+              <a:lnSpc>
+                <a:spcPct val="100000"/>
+              </a:lnSpc>
+              <a:spcBef>
+                <a:spcPct val="30000"/>
+              </a:spcBef>
+              <a:spcAft>
+                <a:spcPct val="0"/>
+              </a:spcAft>
+              <a:buClrTx/>
+              <a:buSzTx/>
+              <a:buFont typeface="Arial" panose="020B0604020202020204" pitchFamily="34" charset="0"/>
+              <a:buNone/>
+              <a:tabLst/>
+              <a:defRPr/>
+            </a:pPr>
+            <a:endParaRPr lang="de-DE" b="0" dirty="0" smtClean="0">
+              <a:solidFill>
+                <a:srgbClr val="000000"/>
+              </a:solidFill>
+            </a:endParaRPr>
+          </a:p>
+        </p:txBody>
+      </p:sp>
+      <p:sp>
+        <p:nvSpPr>
+          <p:cNvPr id="4" name="Foliennummernplatzhalter 3"/>
+          <p:cNvSpPr>
+            <a:spLocks noGrp="1"/>
+          </p:cNvSpPr>
+          <p:nvPr>
+            <p:ph type="sldNum" sz="quarter" idx="10"/>
+          </p:nvPr>
+        </p:nvSpPr>
+        <p:spPr/>
+        <p:txBody>
+          <a:bodyPr/>
+          <a:lstStyle/>
+          <a:p>
+            <a:pPr>
+              <a:defRPr/>
+            </a:pPr>
+            <a:fld id="{69416D27-C533-4FFA-9A00-D046B64C63BF}" type="slidenum">
+              <a:rPr lang="de-DE" smtClean="0"/>
+              <a:pPr>
+                <a:defRPr/>
+              </a:pPr>
+              <a:t>35</a:t>
+            </a:fld>
+            <a:endParaRPr lang="de-DE"/>
+          </a:p>
+        </p:txBody>
+      </p:sp>
+    </p:spTree>
+    <p:extLst>
+      <p:ext uri="{BB962C8B-B14F-4D97-AF65-F5344CB8AC3E}">
+        <p14:creationId xmlns:p14="http://schemas.microsoft.com/office/powerpoint/2010/main" val="1353994050"/>
+      </p:ext>
+    </p:extLst>
+  </p:cSld>
+  <p:clrMapOvr>
+    <a:masterClrMapping/>
+  </p:clrMapOvr>
+</p:notes>
+</file>
+
+<file path=ppt/notesSlides/notesSlide36.xml><?xml version="1.0" encoding="utf-8"?>
+<p:notes xmlns:a="http://schemas.openxmlformats.org/drawingml/2006/main" xmlns:r="http://schemas.openxmlformats.org/officeDocument/2006/relationships" xmlns:p="http://schemas.openxmlformats.org/presentationml/2006/main">
+  <p:cSld>
+    <p:spTree>
+      <p:nvGrpSpPr>
+        <p:cNvPr id="1" name=""/>
+        <p:cNvGrpSpPr/>
+        <p:nvPr/>
+      </p:nvGrpSpPr>
+      <p:grpSpPr>
+        <a:xfrm>
+          <a:off x="0" y="0"/>
+          <a:ext cx="0" cy="0"/>
+          <a:chOff x="0" y="0"/>
+          <a:chExt cx="0" cy="0"/>
+        </a:xfrm>
+      </p:grpSpPr>
+      <p:sp>
+        <p:nvSpPr>
+          <p:cNvPr id="2" name="Folienbildplatzhalter 1"/>
+          <p:cNvSpPr>
+            <a:spLocks noGrp="1" noRot="1" noChangeAspect="1"/>
+          </p:cNvSpPr>
+          <p:nvPr>
+            <p:ph type="sldImg"/>
+          </p:nvPr>
+        </p:nvSpPr>
+        <p:spPr/>
+      </p:sp>
+      <p:sp>
+        <p:nvSpPr>
+          <p:cNvPr id="3" name="Notizenplatzhalter 2"/>
+          <p:cNvSpPr>
+            <a:spLocks noGrp="1"/>
+          </p:cNvSpPr>
+          <p:nvPr>
+            <p:ph type="body" idx="1"/>
+          </p:nvPr>
+        </p:nvSpPr>
+        <p:spPr/>
+        <p:txBody>
+          <a:bodyPr/>
+          <a:lstStyle/>
+          <a:p>
+            <a:pPr marL="0" marR="0" indent="0" algn="l" defTabSz="914400" rtl="0" eaLnBrk="0" fontAlgn="base" latinLnBrk="0" hangingPunct="0">
+              <a:lnSpc>
+                <a:spcPct val="100000"/>
+              </a:lnSpc>
+              <a:spcBef>
+                <a:spcPct val="30000"/>
+              </a:spcBef>
+              <a:spcAft>
+                <a:spcPct val="0"/>
+              </a:spcAft>
+              <a:buClrTx/>
+              <a:buSzTx/>
+              <a:buFont typeface="Arial" panose="020B0604020202020204" pitchFamily="34" charset="0"/>
+              <a:buNone/>
+              <a:tabLst/>
+              <a:defRPr/>
+            </a:pPr>
+            <a:endParaRPr lang="de-DE" b="0" dirty="0" smtClean="0">
+              <a:solidFill>
+                <a:srgbClr val="000000"/>
+              </a:solidFill>
+            </a:endParaRPr>
+          </a:p>
+        </p:txBody>
+      </p:sp>
+      <p:sp>
+        <p:nvSpPr>
+          <p:cNvPr id="4" name="Foliennummernplatzhalter 3"/>
+          <p:cNvSpPr>
+            <a:spLocks noGrp="1"/>
+          </p:cNvSpPr>
+          <p:nvPr>
+            <p:ph type="sldNum" sz="quarter" idx="10"/>
+          </p:nvPr>
+        </p:nvSpPr>
+        <p:spPr/>
+        <p:txBody>
+          <a:bodyPr/>
+          <a:lstStyle/>
+          <a:p>
+            <a:pPr>
+              <a:defRPr/>
+            </a:pPr>
+            <a:fld id="{69416D27-C533-4FFA-9A00-D046B64C63BF}" type="slidenum">
+              <a:rPr lang="de-DE" smtClean="0"/>
+              <a:pPr>
+                <a:defRPr/>
+              </a:pPr>
+              <a:t>36</a:t>
+            </a:fld>
+            <a:endParaRPr lang="de-DE"/>
+          </a:p>
+        </p:txBody>
+      </p:sp>
+    </p:spTree>
+    <p:extLst>
+      <p:ext uri="{BB962C8B-B14F-4D97-AF65-F5344CB8AC3E}">
+        <p14:creationId xmlns:p14="http://schemas.microsoft.com/office/powerpoint/2010/main" val="1353994050"/>
+      </p:ext>
+    </p:extLst>
+  </p:cSld>
+  <p:clrMapOvr>
+    <a:masterClrMapping/>
+  </p:clrMapOvr>
+</p:notes>
+</file>
+
+<file path=ppt/notesSlides/notesSlide37.xml><?xml version="1.0" encoding="utf-8"?>
+<p:notes xmlns:a="http://schemas.openxmlformats.org/drawingml/2006/main" xmlns:r="http://schemas.openxmlformats.org/officeDocument/2006/relationships" xmlns:p="http://schemas.openxmlformats.org/presentationml/2006/main">
+  <p:cSld>
+    <p:spTree>
+      <p:nvGrpSpPr>
+        <p:cNvPr id="1" name=""/>
+        <p:cNvGrpSpPr/>
+        <p:nvPr/>
+      </p:nvGrpSpPr>
+      <p:grpSpPr>
+        <a:xfrm>
+          <a:off x="0" y="0"/>
+          <a:ext cx="0" cy="0"/>
+          <a:chOff x="0" y="0"/>
+          <a:chExt cx="0" cy="0"/>
+        </a:xfrm>
+      </p:grpSpPr>
+      <p:sp>
+        <p:nvSpPr>
+          <p:cNvPr id="2" name="Folienbildplatzhalter 1"/>
+          <p:cNvSpPr>
+            <a:spLocks noGrp="1" noRot="1" noChangeAspect="1"/>
+          </p:cNvSpPr>
+          <p:nvPr>
+            <p:ph type="sldImg"/>
+          </p:nvPr>
+        </p:nvSpPr>
+        <p:spPr/>
+      </p:sp>
+      <p:sp>
+        <p:nvSpPr>
+          <p:cNvPr id="3" name="Notizenplatzhalter 2"/>
+          <p:cNvSpPr>
+            <a:spLocks noGrp="1"/>
+          </p:cNvSpPr>
+          <p:nvPr>
+            <p:ph type="body" idx="1"/>
+          </p:nvPr>
+        </p:nvSpPr>
+        <p:spPr/>
+        <p:txBody>
+          <a:bodyPr/>
+          <a:lstStyle/>
+          <a:p>
+            <a:pPr marL="171450" marR="0" indent="-171450" algn="l" defTabSz="914400" rtl="0" eaLnBrk="0" fontAlgn="base" latinLnBrk="0" hangingPunct="0">
+              <a:lnSpc>
+                <a:spcPct val="100000"/>
+              </a:lnSpc>
+              <a:spcBef>
+                <a:spcPct val="30000"/>
+              </a:spcBef>
+              <a:spcAft>
+                <a:spcPct val="0"/>
+              </a:spcAft>
+              <a:buClrTx/>
+              <a:buSzTx/>
+              <a:buFont typeface="Arial" panose="020B0604020202020204" pitchFamily="34" charset="0"/>
+              <a:buChar char="•"/>
+              <a:tabLst/>
+              <a:defRPr/>
+            </a:pPr>
+            <a:r>
+              <a:rPr lang="de-DE" b="0" dirty="0" err="1" smtClean="0">
+                <a:solidFill>
+                  <a:srgbClr val="000000"/>
+                </a:solidFill>
+              </a:rPr>
+              <a:t>Staged</a:t>
+            </a:r>
+            <a:r>
+              <a:rPr lang="de-DE" b="0" baseline="0" dirty="0" smtClean="0">
+                <a:solidFill>
+                  <a:srgbClr val="000000"/>
+                </a:solidFill>
+              </a:rPr>
+              <a:t> </a:t>
+            </a:r>
+            <a:r>
+              <a:rPr lang="de-DE" b="0" baseline="0" dirty="0" err="1" smtClean="0">
+                <a:solidFill>
+                  <a:srgbClr val="000000"/>
+                </a:solidFill>
+              </a:rPr>
+              <a:t>area</a:t>
+            </a:r>
+            <a:r>
+              <a:rPr lang="de-DE" b="0" baseline="0" dirty="0" smtClean="0">
+                <a:solidFill>
+                  <a:srgbClr val="000000"/>
+                </a:solidFill>
+              </a:rPr>
+              <a:t> und </a:t>
+            </a:r>
+            <a:r>
+              <a:rPr lang="de-DE" b="0" baseline="0" dirty="0" err="1" smtClean="0">
+                <a:solidFill>
+                  <a:srgbClr val="000000"/>
+                </a:solidFill>
+              </a:rPr>
+              <a:t>commit</a:t>
+            </a:r>
+            <a:endParaRPr lang="de-DE" b="0" baseline="0" dirty="0" smtClean="0">
+              <a:solidFill>
+                <a:srgbClr val="000000"/>
+              </a:solidFill>
+            </a:endParaRPr>
+          </a:p>
+          <a:p>
+            <a:pPr marL="171450" marR="0" indent="-171450" algn="l" defTabSz="914400" rtl="0" eaLnBrk="0" fontAlgn="base" latinLnBrk="0" hangingPunct="0">
+              <a:lnSpc>
+                <a:spcPct val="100000"/>
+              </a:lnSpc>
+              <a:spcBef>
+                <a:spcPct val="30000"/>
+              </a:spcBef>
+              <a:spcAft>
+                <a:spcPct val="0"/>
+              </a:spcAft>
+              <a:buClrTx/>
+              <a:buSzTx/>
+              <a:buFont typeface="Arial" panose="020B0604020202020204" pitchFamily="34" charset="0"/>
+              <a:buChar char="•"/>
+              <a:tabLst/>
+              <a:defRPr/>
+            </a:pPr>
+            <a:r>
+              <a:rPr lang="de-DE" b="0" baseline="0" dirty="0" smtClean="0">
+                <a:solidFill>
+                  <a:srgbClr val="000000"/>
+                </a:solidFill>
+              </a:rPr>
+              <a:t>Vorherigen </a:t>
+            </a:r>
+            <a:r>
+              <a:rPr lang="de-DE" b="0" baseline="0" dirty="0" err="1" smtClean="0">
+                <a:solidFill>
+                  <a:srgbClr val="000000"/>
+                </a:solidFill>
+              </a:rPr>
+              <a:t>commit</a:t>
+            </a:r>
+            <a:r>
+              <a:rPr lang="de-DE" b="0" baseline="0" dirty="0" smtClean="0">
+                <a:solidFill>
+                  <a:srgbClr val="000000"/>
+                </a:solidFill>
+              </a:rPr>
+              <a:t> bearbeiten möglich jedoch ist das gefährlich da andere Entwickler</a:t>
+            </a:r>
+            <a:br>
+              <a:rPr lang="de-DE" b="0" baseline="0" dirty="0" smtClean="0">
+                <a:solidFill>
+                  <a:srgbClr val="000000"/>
+                </a:solidFill>
+              </a:rPr>
+            </a:br>
+            <a:r>
+              <a:rPr lang="de-DE" b="0" baseline="0" dirty="0" smtClean="0">
+                <a:solidFill>
+                  <a:srgbClr val="000000"/>
+                </a:solidFill>
+              </a:rPr>
+              <a:t>sich vor dem Bearbeiten einen </a:t>
+            </a:r>
+            <a:r>
+              <a:rPr lang="de-DE" b="0" baseline="0" dirty="0" err="1" smtClean="0">
+                <a:solidFill>
+                  <a:srgbClr val="000000"/>
+                </a:solidFill>
+              </a:rPr>
+              <a:t>Fetch</a:t>
+            </a:r>
+            <a:r>
+              <a:rPr lang="de-DE" b="0" baseline="0" dirty="0" smtClean="0">
+                <a:solidFill>
+                  <a:srgbClr val="000000"/>
+                </a:solidFill>
+              </a:rPr>
+              <a:t> auf ihr lokales </a:t>
+            </a:r>
+            <a:r>
+              <a:rPr lang="de-DE" b="0" baseline="0" dirty="0" err="1" smtClean="0">
+                <a:solidFill>
+                  <a:srgbClr val="000000"/>
+                </a:solidFill>
+              </a:rPr>
+              <a:t>Repo</a:t>
+            </a:r>
+            <a:r>
+              <a:rPr lang="de-DE" b="0" baseline="0" dirty="0" smtClean="0">
+                <a:solidFill>
+                  <a:srgbClr val="000000"/>
+                </a:solidFill>
+              </a:rPr>
+              <a:t> ausgeführt haben könnten</a:t>
+            </a:r>
+          </a:p>
+          <a:p>
+            <a:pPr marL="171450" marR="0" indent="-171450" algn="l" defTabSz="914400" rtl="0" eaLnBrk="0" fontAlgn="base" latinLnBrk="0" hangingPunct="0">
+              <a:lnSpc>
+                <a:spcPct val="100000"/>
+              </a:lnSpc>
+              <a:spcBef>
+                <a:spcPct val="30000"/>
+              </a:spcBef>
+              <a:spcAft>
+                <a:spcPct val="0"/>
+              </a:spcAft>
+              <a:buClrTx/>
+              <a:buSzTx/>
+              <a:buFont typeface="Arial" panose="020B0604020202020204" pitchFamily="34" charset="0"/>
+              <a:buChar char="•"/>
+              <a:tabLst/>
+              <a:defRPr/>
+            </a:pPr>
+            <a:r>
+              <a:rPr lang="de-DE" b="0" baseline="0" dirty="0" smtClean="0">
+                <a:solidFill>
+                  <a:srgbClr val="000000"/>
+                </a:solidFill>
+              </a:rPr>
+              <a:t>Nach „</a:t>
+            </a:r>
+            <a:r>
+              <a:rPr lang="de-DE" b="0" baseline="0" dirty="0" err="1" smtClean="0">
+                <a:solidFill>
+                  <a:srgbClr val="000000"/>
+                </a:solidFill>
+              </a:rPr>
+              <a:t>Amend</a:t>
+            </a:r>
+            <a:r>
+              <a:rPr lang="de-DE" b="0" baseline="0" dirty="0" smtClean="0">
+                <a:solidFill>
+                  <a:srgbClr val="000000"/>
+                </a:solidFill>
+              </a:rPr>
+              <a:t>“ entsteht eine neue Version, die den vorherigen Commit überschreibt</a:t>
+            </a:r>
+            <a:endParaRPr lang="de-DE" b="0" dirty="0" smtClean="0">
+              <a:solidFill>
+                <a:srgbClr val="000000"/>
+              </a:solidFill>
+            </a:endParaRPr>
+          </a:p>
+        </p:txBody>
+      </p:sp>
+      <p:sp>
+        <p:nvSpPr>
+          <p:cNvPr id="4" name="Foliennummernplatzhalter 3"/>
+          <p:cNvSpPr>
+            <a:spLocks noGrp="1"/>
+          </p:cNvSpPr>
+          <p:nvPr>
+            <p:ph type="sldNum" sz="quarter" idx="10"/>
+          </p:nvPr>
+        </p:nvSpPr>
+        <p:spPr/>
+        <p:txBody>
+          <a:bodyPr/>
+          <a:lstStyle/>
+          <a:p>
+            <a:pPr>
+              <a:defRPr/>
+            </a:pPr>
+            <a:fld id="{69416D27-C533-4FFA-9A00-D046B64C63BF}" type="slidenum">
+              <a:rPr lang="de-DE" smtClean="0"/>
+              <a:pPr>
+                <a:defRPr/>
+              </a:pPr>
+              <a:t>37</a:t>
+            </a:fld>
+            <a:endParaRPr lang="de-DE"/>
+          </a:p>
+        </p:txBody>
+      </p:sp>
+    </p:spTree>
+    <p:extLst>
+      <p:ext uri="{BB962C8B-B14F-4D97-AF65-F5344CB8AC3E}">
+        <p14:creationId xmlns:p14="http://schemas.microsoft.com/office/powerpoint/2010/main" val="1353994050"/>
+      </p:ext>
+    </p:extLst>
+  </p:cSld>
+  <p:clrMapOvr>
+    <a:masterClrMapping/>
+  </p:clrMapOvr>
+</p:notes>
+</file>
+
+<file path=ppt/notesSlides/notesSlide38.xml><?xml version="1.0" encoding="utf-8"?>
+<p:notes xmlns:a="http://schemas.openxmlformats.org/drawingml/2006/main" xmlns:r="http://schemas.openxmlformats.org/officeDocument/2006/relationships" xmlns:p="http://schemas.openxmlformats.org/presentationml/2006/main">
+  <p:cSld>
+    <p:spTree>
+      <p:nvGrpSpPr>
+        <p:cNvPr id="1" name=""/>
+        <p:cNvGrpSpPr/>
+        <p:nvPr/>
+      </p:nvGrpSpPr>
+      <p:grpSpPr>
+        <a:xfrm>
+          <a:off x="0" y="0"/>
+          <a:ext cx="0" cy="0"/>
+          <a:chOff x="0" y="0"/>
+          <a:chExt cx="0" cy="0"/>
+        </a:xfrm>
+      </p:grpSpPr>
+      <p:sp>
+        <p:nvSpPr>
+          <p:cNvPr id="2" name="Folienbildplatzhalter 1"/>
+          <p:cNvSpPr>
+            <a:spLocks noGrp="1" noRot="1" noChangeAspect="1"/>
+          </p:cNvSpPr>
+          <p:nvPr>
+            <p:ph type="sldImg"/>
+          </p:nvPr>
+        </p:nvSpPr>
+        <p:spPr/>
+      </p:sp>
+      <p:sp>
+        <p:nvSpPr>
+          <p:cNvPr id="3" name="Notizenplatzhalter 2"/>
+          <p:cNvSpPr>
+            <a:spLocks noGrp="1"/>
+          </p:cNvSpPr>
+          <p:nvPr>
+            <p:ph type="body" idx="1"/>
+          </p:nvPr>
+        </p:nvSpPr>
+        <p:spPr/>
+        <p:txBody>
+          <a:bodyPr/>
+          <a:lstStyle/>
+          <a:p>
+            <a:pPr marL="171450" marR="0" indent="-171450" algn="l" defTabSz="914400" rtl="0" eaLnBrk="0" fontAlgn="base" latinLnBrk="0" hangingPunct="0">
+              <a:lnSpc>
+                <a:spcPct val="100000"/>
+              </a:lnSpc>
+              <a:spcBef>
+                <a:spcPct val="30000"/>
+              </a:spcBef>
+              <a:spcAft>
+                <a:spcPct val="0"/>
+              </a:spcAft>
+              <a:buClrTx/>
+              <a:buSzTx/>
+              <a:buFont typeface="Arial" panose="020B0604020202020204" pitchFamily="34" charset="0"/>
+              <a:buChar char="•"/>
+              <a:tabLst/>
+              <a:defRPr/>
+            </a:pPr>
+            <a:r>
+              <a:rPr lang="de-DE" b="0" dirty="0" err="1" smtClean="0">
+                <a:solidFill>
+                  <a:srgbClr val="000000"/>
+                </a:solidFill>
+              </a:rPr>
+              <a:t>Staged</a:t>
+            </a:r>
+            <a:r>
+              <a:rPr lang="de-DE" b="0" baseline="0" dirty="0" smtClean="0">
+                <a:solidFill>
+                  <a:srgbClr val="000000"/>
+                </a:solidFill>
+              </a:rPr>
+              <a:t> </a:t>
+            </a:r>
+            <a:r>
+              <a:rPr lang="de-DE" b="0" baseline="0" dirty="0" err="1" smtClean="0">
+                <a:solidFill>
+                  <a:srgbClr val="000000"/>
+                </a:solidFill>
+              </a:rPr>
+              <a:t>area</a:t>
+            </a:r>
+            <a:r>
+              <a:rPr lang="de-DE" b="0" baseline="0" dirty="0" smtClean="0">
+                <a:solidFill>
+                  <a:srgbClr val="000000"/>
+                </a:solidFill>
+              </a:rPr>
+              <a:t> und </a:t>
+            </a:r>
+            <a:r>
+              <a:rPr lang="de-DE" b="0" baseline="0" dirty="0" err="1" smtClean="0">
+                <a:solidFill>
+                  <a:srgbClr val="000000"/>
+                </a:solidFill>
+              </a:rPr>
+              <a:t>commit</a:t>
+            </a:r>
+            <a:endParaRPr lang="de-DE" b="0" baseline="0" dirty="0" smtClean="0">
+              <a:solidFill>
+                <a:srgbClr val="000000"/>
+              </a:solidFill>
+            </a:endParaRPr>
+          </a:p>
+          <a:p>
+            <a:pPr marL="171450" marR="0" indent="-171450" algn="l" defTabSz="914400" rtl="0" eaLnBrk="0" fontAlgn="base" latinLnBrk="0" hangingPunct="0">
+              <a:lnSpc>
+                <a:spcPct val="100000"/>
+              </a:lnSpc>
+              <a:spcBef>
+                <a:spcPct val="30000"/>
+              </a:spcBef>
+              <a:spcAft>
+                <a:spcPct val="0"/>
+              </a:spcAft>
+              <a:buClrTx/>
+              <a:buSzTx/>
+              <a:buFont typeface="Arial" panose="020B0604020202020204" pitchFamily="34" charset="0"/>
+              <a:buChar char="•"/>
+              <a:tabLst/>
+              <a:defRPr/>
+            </a:pPr>
+            <a:r>
+              <a:rPr lang="de-DE" b="0" baseline="0" dirty="0" smtClean="0">
+                <a:solidFill>
+                  <a:srgbClr val="000000"/>
+                </a:solidFill>
+              </a:rPr>
+              <a:t>Vorherigen </a:t>
+            </a:r>
+            <a:r>
+              <a:rPr lang="de-DE" b="0" baseline="0" dirty="0" err="1" smtClean="0">
+                <a:solidFill>
+                  <a:srgbClr val="000000"/>
+                </a:solidFill>
+              </a:rPr>
+              <a:t>commit</a:t>
+            </a:r>
+            <a:r>
+              <a:rPr lang="de-DE" b="0" baseline="0" dirty="0" smtClean="0">
+                <a:solidFill>
+                  <a:srgbClr val="000000"/>
+                </a:solidFill>
+              </a:rPr>
+              <a:t> bearbeiten möglich jedoch ist das gefährlich da andere Entwickler</a:t>
+            </a:r>
+            <a:br>
+              <a:rPr lang="de-DE" b="0" baseline="0" dirty="0" smtClean="0">
+                <a:solidFill>
+                  <a:srgbClr val="000000"/>
+                </a:solidFill>
+              </a:rPr>
+            </a:br>
+            <a:r>
+              <a:rPr lang="de-DE" b="0" baseline="0" dirty="0" smtClean="0">
+                <a:solidFill>
+                  <a:srgbClr val="000000"/>
+                </a:solidFill>
+              </a:rPr>
+              <a:t>sich vor dem Bearbeiten einen </a:t>
+            </a:r>
+            <a:r>
+              <a:rPr lang="de-DE" b="0" baseline="0" dirty="0" err="1" smtClean="0">
+                <a:solidFill>
+                  <a:srgbClr val="000000"/>
+                </a:solidFill>
+              </a:rPr>
+              <a:t>Fetch</a:t>
+            </a:r>
+            <a:r>
+              <a:rPr lang="de-DE" b="0" baseline="0" dirty="0" smtClean="0">
+                <a:solidFill>
+                  <a:srgbClr val="000000"/>
+                </a:solidFill>
+              </a:rPr>
+              <a:t> auf ihr lokales </a:t>
+            </a:r>
+            <a:r>
+              <a:rPr lang="de-DE" b="0" baseline="0" dirty="0" err="1" smtClean="0">
+                <a:solidFill>
+                  <a:srgbClr val="000000"/>
+                </a:solidFill>
+              </a:rPr>
+              <a:t>Repo</a:t>
+            </a:r>
+            <a:r>
+              <a:rPr lang="de-DE" b="0" baseline="0" dirty="0" smtClean="0">
+                <a:solidFill>
+                  <a:srgbClr val="000000"/>
+                </a:solidFill>
+              </a:rPr>
+              <a:t> ausgeführt haben könnten</a:t>
+            </a:r>
+          </a:p>
+          <a:p>
+            <a:pPr marL="171450" marR="0" indent="-171450" algn="l" defTabSz="914400" rtl="0" eaLnBrk="0" fontAlgn="base" latinLnBrk="0" hangingPunct="0">
+              <a:lnSpc>
+                <a:spcPct val="100000"/>
+              </a:lnSpc>
+              <a:spcBef>
+                <a:spcPct val="30000"/>
+              </a:spcBef>
+              <a:spcAft>
+                <a:spcPct val="0"/>
+              </a:spcAft>
+              <a:buClrTx/>
+              <a:buSzTx/>
+              <a:buFont typeface="Arial" panose="020B0604020202020204" pitchFamily="34" charset="0"/>
+              <a:buChar char="•"/>
+              <a:tabLst/>
+              <a:defRPr/>
+            </a:pPr>
+            <a:r>
+              <a:rPr lang="de-DE" b="0" baseline="0" dirty="0" smtClean="0">
+                <a:solidFill>
+                  <a:srgbClr val="000000"/>
+                </a:solidFill>
+              </a:rPr>
+              <a:t>Nach „</a:t>
+            </a:r>
+            <a:r>
+              <a:rPr lang="de-DE" b="0" baseline="0" dirty="0" err="1" smtClean="0">
+                <a:solidFill>
+                  <a:srgbClr val="000000"/>
+                </a:solidFill>
+              </a:rPr>
+              <a:t>Amend</a:t>
+            </a:r>
+            <a:r>
+              <a:rPr lang="de-DE" b="0" baseline="0" dirty="0" smtClean="0">
+                <a:solidFill>
+                  <a:srgbClr val="000000"/>
+                </a:solidFill>
+              </a:rPr>
+              <a:t>“ entsteht eine neue Version, die den vorherigen Commit überschreibt</a:t>
+            </a:r>
+            <a:endParaRPr lang="de-DE" b="0" dirty="0" smtClean="0">
+              <a:solidFill>
+                <a:srgbClr val="000000"/>
+              </a:solidFill>
+            </a:endParaRPr>
+          </a:p>
+        </p:txBody>
+      </p:sp>
+      <p:sp>
+        <p:nvSpPr>
+          <p:cNvPr id="4" name="Foliennummernplatzhalter 3"/>
+          <p:cNvSpPr>
+            <a:spLocks noGrp="1"/>
+          </p:cNvSpPr>
+          <p:nvPr>
+            <p:ph type="sldNum" sz="quarter" idx="10"/>
+          </p:nvPr>
+        </p:nvSpPr>
+        <p:spPr/>
+        <p:txBody>
+          <a:bodyPr/>
+          <a:lstStyle/>
+          <a:p>
+            <a:pPr>
+              <a:defRPr/>
+            </a:pPr>
+            <a:fld id="{69416D27-C533-4FFA-9A00-D046B64C63BF}" type="slidenum">
+              <a:rPr lang="de-DE" smtClean="0"/>
+              <a:pPr>
+                <a:defRPr/>
+              </a:pPr>
+              <a:t>38</a:t>
+            </a:fld>
+            <a:endParaRPr lang="de-DE"/>
+          </a:p>
+        </p:txBody>
+      </p:sp>
+    </p:spTree>
+    <p:extLst>
+      <p:ext uri="{BB962C8B-B14F-4D97-AF65-F5344CB8AC3E}">
+        <p14:creationId xmlns:p14="http://schemas.microsoft.com/office/powerpoint/2010/main" val="1353994050"/>
+      </p:ext>
+    </p:extLst>
+  </p:cSld>
+  <p:clrMapOvr>
+    <a:masterClrMapping/>
+  </p:clrMapOvr>
+</p:notes>
+</file>
+
+<file path=ppt/notesSlides/notesSlide39.xml><?xml version="1.0" encoding="utf-8"?>
+<p:notes xmlns:a="http://schemas.openxmlformats.org/drawingml/2006/main" xmlns:r="http://schemas.openxmlformats.org/officeDocument/2006/relationships" xmlns:p="http://schemas.openxmlformats.org/presentationml/2006/main">
+  <p:cSld>
+    <p:spTree>
+      <p:nvGrpSpPr>
+        <p:cNvPr id="1" name=""/>
+        <p:cNvGrpSpPr/>
+        <p:nvPr/>
+      </p:nvGrpSpPr>
+      <p:grpSpPr>
+        <a:xfrm>
+          <a:off x="0" y="0"/>
+          <a:ext cx="0" cy="0"/>
+          <a:chOff x="0" y="0"/>
+          <a:chExt cx="0" cy="0"/>
+        </a:xfrm>
+      </p:grpSpPr>
+      <p:sp>
+        <p:nvSpPr>
+          <p:cNvPr id="2" name="Folienbildplatzhalter 1"/>
+          <p:cNvSpPr>
+            <a:spLocks noGrp="1" noRot="1" noChangeAspect="1"/>
+          </p:cNvSpPr>
+          <p:nvPr>
+            <p:ph type="sldImg"/>
+          </p:nvPr>
+        </p:nvSpPr>
+        <p:spPr/>
+      </p:sp>
+      <p:sp>
+        <p:nvSpPr>
+          <p:cNvPr id="3" name="Notizenplatzhalter 2"/>
+          <p:cNvSpPr>
+            <a:spLocks noGrp="1"/>
+          </p:cNvSpPr>
+          <p:nvPr>
+            <p:ph type="body" idx="1"/>
+          </p:nvPr>
+        </p:nvSpPr>
+        <p:spPr/>
+        <p:txBody>
+          <a:bodyPr/>
+          <a:lstStyle/>
+          <a:p>
+            <a:pPr marL="171450" marR="0" indent="-171450" algn="l" defTabSz="914400" rtl="0" eaLnBrk="0" fontAlgn="base" latinLnBrk="0" hangingPunct="0">
+              <a:lnSpc>
+                <a:spcPct val="100000"/>
+              </a:lnSpc>
+              <a:spcBef>
+                <a:spcPct val="30000"/>
+              </a:spcBef>
+              <a:spcAft>
+                <a:spcPct val="0"/>
+              </a:spcAft>
+              <a:buClrTx/>
+              <a:buSzTx/>
+              <a:buFont typeface="Arial" panose="020B0604020202020204" pitchFamily="34" charset="0"/>
+              <a:buChar char="•"/>
+              <a:tabLst/>
+              <a:defRPr/>
+            </a:pPr>
+            <a:r>
+              <a:rPr lang="de-DE" b="0" dirty="0" smtClean="0">
+                <a:solidFill>
+                  <a:srgbClr val="000000"/>
+                </a:solidFill>
+              </a:rPr>
+              <a:t>Auf</a:t>
+            </a:r>
+            <a:r>
+              <a:rPr lang="de-DE" b="0" baseline="0" dirty="0" smtClean="0">
+                <a:solidFill>
+                  <a:srgbClr val="000000"/>
+                </a:solidFill>
+              </a:rPr>
+              <a:t> vorherige Version zurückgesprungen</a:t>
+            </a:r>
+          </a:p>
+          <a:p>
+            <a:pPr marL="171450" marR="0" indent="-171450" algn="l" defTabSz="914400" rtl="0" eaLnBrk="0" fontAlgn="base" latinLnBrk="0" hangingPunct="0">
+              <a:lnSpc>
+                <a:spcPct val="100000"/>
+              </a:lnSpc>
+              <a:spcBef>
+                <a:spcPct val="30000"/>
+              </a:spcBef>
+              <a:spcAft>
+                <a:spcPct val="0"/>
+              </a:spcAft>
+              <a:buClrTx/>
+              <a:buSzTx/>
+              <a:buFont typeface="Arial" panose="020B0604020202020204" pitchFamily="34" charset="0"/>
+              <a:buChar char="•"/>
+              <a:tabLst/>
+              <a:defRPr/>
+            </a:pPr>
+            <a:r>
+              <a:rPr lang="de-DE" b="0" baseline="0" dirty="0" smtClean="0">
+                <a:solidFill>
+                  <a:srgbClr val="000000"/>
+                </a:solidFill>
+              </a:rPr>
+              <a:t>Rechtsklick auf Datei die bearbeitet werden soll </a:t>
+            </a:r>
+            <a:r>
+              <a:rPr lang="de-DE" b="0" baseline="0" dirty="0" smtClean="0">
+                <a:solidFill>
+                  <a:srgbClr val="000000"/>
+                </a:solidFill>
+                <a:sym typeface="Wingdings" panose="05000000000000000000" pitchFamily="2" charset="2"/>
+              </a:rPr>
+              <a:t> </a:t>
+            </a:r>
+            <a:r>
+              <a:rPr lang="de-DE" b="0" baseline="0" dirty="0" err="1" smtClean="0">
+                <a:solidFill>
+                  <a:srgbClr val="000000"/>
+                </a:solidFill>
+                <a:sym typeface="Wingdings" panose="05000000000000000000" pitchFamily="2" charset="2"/>
+              </a:rPr>
+              <a:t>Replace</a:t>
+            </a:r>
+            <a:r>
+              <a:rPr lang="de-DE" b="0" baseline="0" dirty="0" smtClean="0">
+                <a:solidFill>
+                  <a:srgbClr val="000000"/>
+                </a:solidFill>
+                <a:sym typeface="Wingdings" panose="05000000000000000000" pitchFamily="2" charset="2"/>
+              </a:rPr>
+              <a:t> </a:t>
+            </a:r>
+            <a:r>
+              <a:rPr lang="de-DE" b="0" baseline="0" dirty="0" err="1" smtClean="0">
+                <a:solidFill>
+                  <a:srgbClr val="000000"/>
+                </a:solidFill>
+                <a:sym typeface="Wingdings" panose="05000000000000000000" pitchFamily="2" charset="2"/>
+              </a:rPr>
+              <a:t>with</a:t>
+            </a:r>
+            <a:r>
+              <a:rPr lang="de-DE" b="0" baseline="0" dirty="0" smtClean="0">
+                <a:solidFill>
+                  <a:srgbClr val="000000"/>
+                </a:solidFill>
+                <a:sym typeface="Wingdings" panose="05000000000000000000" pitchFamily="2" charset="2"/>
+              </a:rPr>
+              <a:t>  </a:t>
+            </a:r>
+            <a:r>
+              <a:rPr lang="de-DE" b="0" baseline="0" dirty="0" err="1" smtClean="0">
+                <a:solidFill>
+                  <a:srgbClr val="000000"/>
+                </a:solidFill>
+                <a:sym typeface="Wingdings" panose="05000000000000000000" pitchFamily="2" charset="2"/>
+              </a:rPr>
+              <a:t>Previous</a:t>
+            </a:r>
+            <a:r>
+              <a:rPr lang="de-DE" b="0" baseline="0" dirty="0" smtClean="0">
+                <a:solidFill>
+                  <a:srgbClr val="000000"/>
+                </a:solidFill>
+                <a:sym typeface="Wingdings" panose="05000000000000000000" pitchFamily="2" charset="2"/>
+              </a:rPr>
+              <a:t> Revision</a:t>
+            </a:r>
+          </a:p>
+          <a:p>
+            <a:pPr marL="171450" marR="0" indent="-171450" algn="l" defTabSz="914400" rtl="0" eaLnBrk="0" fontAlgn="base" latinLnBrk="0" hangingPunct="0">
+              <a:lnSpc>
+                <a:spcPct val="100000"/>
+              </a:lnSpc>
+              <a:spcBef>
+                <a:spcPct val="30000"/>
+              </a:spcBef>
+              <a:spcAft>
+                <a:spcPct val="0"/>
+              </a:spcAft>
+              <a:buClrTx/>
+              <a:buSzTx/>
+              <a:buFont typeface="Arial" panose="020B0604020202020204" pitchFamily="34" charset="0"/>
+              <a:buChar char="•"/>
+              <a:tabLst/>
+              <a:defRPr/>
+            </a:pPr>
+            <a:r>
+              <a:rPr lang="de-DE" b="0" baseline="0" dirty="0" smtClean="0">
+                <a:solidFill>
+                  <a:srgbClr val="000000"/>
+                </a:solidFill>
+                <a:sym typeface="Wingdings" panose="05000000000000000000" pitchFamily="2" charset="2"/>
+              </a:rPr>
+              <a:t>Dadurch wird die vorherige Version wiederhergestellt und als neuer </a:t>
+            </a:r>
+            <a:r>
+              <a:rPr lang="de-DE" b="0" baseline="0" dirty="0" err="1" smtClean="0">
+                <a:solidFill>
+                  <a:srgbClr val="000000"/>
+                </a:solidFill>
+                <a:sym typeface="Wingdings" panose="05000000000000000000" pitchFamily="2" charset="2"/>
+              </a:rPr>
+              <a:t>commit</a:t>
+            </a:r>
+            <a:r>
+              <a:rPr lang="de-DE" b="0" baseline="0" dirty="0" smtClean="0">
+                <a:solidFill>
+                  <a:srgbClr val="000000"/>
+                </a:solidFill>
+                <a:sym typeface="Wingdings" panose="05000000000000000000" pitchFamily="2" charset="2"/>
+              </a:rPr>
+              <a:t> gespeichert</a:t>
+            </a:r>
+            <a:endParaRPr lang="de-DE" b="0" dirty="0" smtClean="0">
+              <a:solidFill>
+                <a:srgbClr val="000000"/>
+              </a:solidFill>
+            </a:endParaRPr>
+          </a:p>
+        </p:txBody>
+      </p:sp>
+      <p:sp>
+        <p:nvSpPr>
+          <p:cNvPr id="4" name="Foliennummernplatzhalter 3"/>
+          <p:cNvSpPr>
+            <a:spLocks noGrp="1"/>
+          </p:cNvSpPr>
+          <p:nvPr>
+            <p:ph type="sldNum" sz="quarter" idx="10"/>
+          </p:nvPr>
+        </p:nvSpPr>
+        <p:spPr/>
+        <p:txBody>
+          <a:bodyPr/>
+          <a:lstStyle/>
+          <a:p>
+            <a:pPr>
+              <a:defRPr/>
+            </a:pPr>
+            <a:fld id="{69416D27-C533-4FFA-9A00-D046B64C63BF}" type="slidenum">
+              <a:rPr lang="de-DE" smtClean="0"/>
+              <a:pPr>
+                <a:defRPr/>
+              </a:pPr>
+              <a:t>39</a:t>
+            </a:fld>
+            <a:endParaRPr lang="de-DE"/>
+          </a:p>
+        </p:txBody>
+      </p:sp>
+    </p:spTree>
+    <p:extLst>
+      <p:ext uri="{BB962C8B-B14F-4D97-AF65-F5344CB8AC3E}">
+        <p14:creationId xmlns:p14="http://schemas.microsoft.com/office/powerpoint/2010/main" val="1353994050"/>
+      </p:ext>
+    </p:extLst>
+  </p:cSld>
+  <p:clrMapOvr>
+    <a:masterClrMapping/>
+  </p:clrMapOvr>
+</p:notes>
+</file>
+
 <file path=ppt/notesSlides/notesSlide4.xml><?xml version="1.0" encoding="utf-8"?>
 <p:notes xmlns:a="http://schemas.openxmlformats.org/drawingml/2006/main" xmlns:r="http://schemas.openxmlformats.org/officeDocument/2006/relationships" xmlns:p="http://schemas.openxmlformats.org/presentationml/2006/main">
   <p:cSld>
@@ -6789,6 +9135,1134 @@
                 <a:defRPr/>
               </a:pPr>
               <a:t>4</a:t>
+            </a:fld>
+            <a:endParaRPr lang="de-DE"/>
+          </a:p>
+        </p:txBody>
+      </p:sp>
+    </p:spTree>
+    <p:extLst>
+      <p:ext uri="{BB962C8B-B14F-4D97-AF65-F5344CB8AC3E}">
+        <p14:creationId xmlns:p14="http://schemas.microsoft.com/office/powerpoint/2010/main" val="1353994050"/>
+      </p:ext>
+    </p:extLst>
+  </p:cSld>
+  <p:clrMapOvr>
+    <a:masterClrMapping/>
+  </p:clrMapOvr>
+</p:notes>
+</file>
+
+<file path=ppt/notesSlides/notesSlide40.xml><?xml version="1.0" encoding="utf-8"?>
+<p:notes xmlns:a="http://schemas.openxmlformats.org/drawingml/2006/main" xmlns:r="http://schemas.openxmlformats.org/officeDocument/2006/relationships" xmlns:p="http://schemas.openxmlformats.org/presentationml/2006/main">
+  <p:cSld>
+    <p:spTree>
+      <p:nvGrpSpPr>
+        <p:cNvPr id="1" name=""/>
+        <p:cNvGrpSpPr/>
+        <p:nvPr/>
+      </p:nvGrpSpPr>
+      <p:grpSpPr>
+        <a:xfrm>
+          <a:off x="0" y="0"/>
+          <a:ext cx="0" cy="0"/>
+          <a:chOff x="0" y="0"/>
+          <a:chExt cx="0" cy="0"/>
+        </a:xfrm>
+      </p:grpSpPr>
+      <p:sp>
+        <p:nvSpPr>
+          <p:cNvPr id="2" name="Folienbildplatzhalter 1"/>
+          <p:cNvSpPr>
+            <a:spLocks noGrp="1" noRot="1" noChangeAspect="1"/>
+          </p:cNvSpPr>
+          <p:nvPr>
+            <p:ph type="sldImg"/>
+          </p:nvPr>
+        </p:nvSpPr>
+        <p:spPr/>
+      </p:sp>
+      <p:sp>
+        <p:nvSpPr>
+          <p:cNvPr id="3" name="Notizenplatzhalter 2"/>
+          <p:cNvSpPr>
+            <a:spLocks noGrp="1"/>
+          </p:cNvSpPr>
+          <p:nvPr>
+            <p:ph type="body" idx="1"/>
+          </p:nvPr>
+        </p:nvSpPr>
+        <p:spPr/>
+        <p:txBody>
+          <a:bodyPr/>
+          <a:lstStyle/>
+          <a:p>
+            <a:pPr marL="171450" marR="0" indent="-171450" algn="l" defTabSz="914400" rtl="0" eaLnBrk="0" fontAlgn="base" latinLnBrk="0" hangingPunct="0">
+              <a:lnSpc>
+                <a:spcPct val="100000"/>
+              </a:lnSpc>
+              <a:spcBef>
+                <a:spcPct val="30000"/>
+              </a:spcBef>
+              <a:spcAft>
+                <a:spcPct val="0"/>
+              </a:spcAft>
+              <a:buClrTx/>
+              <a:buSzTx/>
+              <a:buFont typeface="Arial" panose="020B0604020202020204" pitchFamily="34" charset="0"/>
+              <a:buChar char="•"/>
+              <a:tabLst/>
+              <a:defRPr/>
+            </a:pPr>
+            <a:r>
+              <a:rPr lang="de-DE" b="0" dirty="0" smtClean="0">
+                <a:solidFill>
+                  <a:srgbClr val="000000"/>
+                </a:solidFill>
+              </a:rPr>
+              <a:t>Es ist auch</a:t>
+            </a:r>
+            <a:r>
+              <a:rPr lang="de-DE" b="0" baseline="0" dirty="0" smtClean="0">
+                <a:solidFill>
+                  <a:srgbClr val="000000"/>
+                </a:solidFill>
+              </a:rPr>
+              <a:t> möglich einen beliebigen Commit aus der Historie auszuwählen und zu dieser Version zu springen</a:t>
+            </a:r>
+          </a:p>
+          <a:p>
+            <a:pPr marL="171450" marR="0" indent="-171450" algn="l" defTabSz="914400" rtl="0" eaLnBrk="0" fontAlgn="base" latinLnBrk="0" hangingPunct="0">
+              <a:lnSpc>
+                <a:spcPct val="100000"/>
+              </a:lnSpc>
+              <a:spcBef>
+                <a:spcPct val="30000"/>
+              </a:spcBef>
+              <a:spcAft>
+                <a:spcPct val="0"/>
+              </a:spcAft>
+              <a:buClrTx/>
+              <a:buSzTx/>
+              <a:buFont typeface="Arial" panose="020B0604020202020204" pitchFamily="34" charset="0"/>
+              <a:buChar char="•"/>
+              <a:tabLst/>
+              <a:defRPr/>
+            </a:pPr>
+            <a:r>
+              <a:rPr lang="de-DE" b="0" baseline="0" dirty="0" smtClean="0">
+                <a:solidFill>
+                  <a:srgbClr val="000000"/>
+                </a:solidFill>
+              </a:rPr>
+              <a:t>Zurück auf </a:t>
+            </a:r>
+            <a:r>
+              <a:rPr lang="de-DE" b="0" baseline="0" dirty="0" err="1" smtClean="0">
+                <a:solidFill>
+                  <a:srgbClr val="000000"/>
+                </a:solidFill>
+              </a:rPr>
+              <a:t>Verion</a:t>
+            </a:r>
+            <a:r>
+              <a:rPr lang="de-DE" b="0" baseline="0" dirty="0" smtClean="0">
+                <a:solidFill>
+                  <a:srgbClr val="000000"/>
+                </a:solidFill>
+              </a:rPr>
+              <a:t>, die sich in der </a:t>
+            </a:r>
+            <a:r>
+              <a:rPr lang="de-DE" b="0" baseline="0" dirty="0" err="1" smtClean="0">
+                <a:solidFill>
+                  <a:srgbClr val="000000"/>
+                </a:solidFill>
+              </a:rPr>
+              <a:t>Staging</a:t>
+            </a:r>
+            <a:r>
+              <a:rPr lang="de-DE" b="0" baseline="0" dirty="0" smtClean="0">
+                <a:solidFill>
+                  <a:srgbClr val="000000"/>
+                </a:solidFill>
+              </a:rPr>
+              <a:t> Area befindet ist auch möglich</a:t>
+            </a:r>
+            <a:endParaRPr lang="de-DE" b="0" dirty="0" smtClean="0">
+              <a:solidFill>
+                <a:srgbClr val="000000"/>
+              </a:solidFill>
+            </a:endParaRPr>
+          </a:p>
+        </p:txBody>
+      </p:sp>
+      <p:sp>
+        <p:nvSpPr>
+          <p:cNvPr id="4" name="Foliennummernplatzhalter 3"/>
+          <p:cNvSpPr>
+            <a:spLocks noGrp="1"/>
+          </p:cNvSpPr>
+          <p:nvPr>
+            <p:ph type="sldNum" sz="quarter" idx="10"/>
+          </p:nvPr>
+        </p:nvSpPr>
+        <p:spPr/>
+        <p:txBody>
+          <a:bodyPr/>
+          <a:lstStyle/>
+          <a:p>
+            <a:pPr>
+              <a:defRPr/>
+            </a:pPr>
+            <a:fld id="{69416D27-C533-4FFA-9A00-D046B64C63BF}" type="slidenum">
+              <a:rPr lang="de-DE" smtClean="0"/>
+              <a:pPr>
+                <a:defRPr/>
+              </a:pPr>
+              <a:t>40</a:t>
+            </a:fld>
+            <a:endParaRPr lang="de-DE"/>
+          </a:p>
+        </p:txBody>
+      </p:sp>
+    </p:spTree>
+    <p:extLst>
+      <p:ext uri="{BB962C8B-B14F-4D97-AF65-F5344CB8AC3E}">
+        <p14:creationId xmlns:p14="http://schemas.microsoft.com/office/powerpoint/2010/main" val="1353994050"/>
+      </p:ext>
+    </p:extLst>
+  </p:cSld>
+  <p:clrMapOvr>
+    <a:masterClrMapping/>
+  </p:clrMapOvr>
+</p:notes>
+</file>
+
+<file path=ppt/notesSlides/notesSlide41.xml><?xml version="1.0" encoding="utf-8"?>
+<p:notes xmlns:a="http://schemas.openxmlformats.org/drawingml/2006/main" xmlns:r="http://schemas.openxmlformats.org/officeDocument/2006/relationships" xmlns:p="http://schemas.openxmlformats.org/presentationml/2006/main">
+  <p:cSld>
+    <p:spTree>
+      <p:nvGrpSpPr>
+        <p:cNvPr id="1" name=""/>
+        <p:cNvGrpSpPr/>
+        <p:nvPr/>
+      </p:nvGrpSpPr>
+      <p:grpSpPr>
+        <a:xfrm>
+          <a:off x="0" y="0"/>
+          <a:ext cx="0" cy="0"/>
+          <a:chOff x="0" y="0"/>
+          <a:chExt cx="0" cy="0"/>
+        </a:xfrm>
+      </p:grpSpPr>
+      <p:sp>
+        <p:nvSpPr>
+          <p:cNvPr id="2" name="Folienbildplatzhalter 1"/>
+          <p:cNvSpPr>
+            <a:spLocks noGrp="1" noRot="1" noChangeAspect="1"/>
+          </p:cNvSpPr>
+          <p:nvPr>
+            <p:ph type="sldImg"/>
+          </p:nvPr>
+        </p:nvSpPr>
+        <p:spPr/>
+      </p:sp>
+      <p:sp>
+        <p:nvSpPr>
+          <p:cNvPr id="3" name="Notizenplatzhalter 2"/>
+          <p:cNvSpPr>
+            <a:spLocks noGrp="1"/>
+          </p:cNvSpPr>
+          <p:nvPr>
+            <p:ph type="body" idx="1"/>
+          </p:nvPr>
+        </p:nvSpPr>
+        <p:spPr/>
+        <p:txBody>
+          <a:bodyPr/>
+          <a:lstStyle/>
+          <a:p>
+            <a:pPr marL="171450" marR="0" indent="-171450" algn="l" defTabSz="914400" rtl="0" eaLnBrk="0" fontAlgn="base" latinLnBrk="0" hangingPunct="0">
+              <a:lnSpc>
+                <a:spcPct val="100000"/>
+              </a:lnSpc>
+              <a:spcBef>
+                <a:spcPct val="30000"/>
+              </a:spcBef>
+              <a:spcAft>
+                <a:spcPct val="0"/>
+              </a:spcAft>
+              <a:buClrTx/>
+              <a:buSzTx/>
+              <a:buFont typeface="Arial" panose="020B0604020202020204" pitchFamily="34" charset="0"/>
+              <a:buChar char="•"/>
+              <a:tabLst/>
+              <a:defRPr/>
+            </a:pPr>
+            <a:r>
+              <a:rPr lang="de-DE" b="0" dirty="0" smtClean="0">
+                <a:solidFill>
+                  <a:srgbClr val="000000"/>
+                </a:solidFill>
+              </a:rPr>
+              <a:t>Mit Rechtsklick auf </a:t>
+            </a:r>
+            <a:r>
+              <a:rPr lang="de-DE" b="0" dirty="0" err="1" smtClean="0">
+                <a:solidFill>
+                  <a:srgbClr val="000000"/>
+                </a:solidFill>
+              </a:rPr>
+              <a:t>Branch</a:t>
+            </a:r>
+            <a:r>
+              <a:rPr lang="de-DE" b="0" dirty="0" smtClean="0">
+                <a:solidFill>
+                  <a:srgbClr val="000000"/>
+                </a:solidFill>
+              </a:rPr>
+              <a:t> </a:t>
+            </a:r>
+            <a:r>
+              <a:rPr lang="de-DE" b="0" dirty="0" smtClean="0">
+                <a:solidFill>
+                  <a:srgbClr val="000000"/>
+                </a:solidFill>
+                <a:sym typeface="Wingdings" panose="05000000000000000000" pitchFamily="2" charset="2"/>
+              </a:rPr>
+              <a:t> Create </a:t>
+            </a:r>
+            <a:r>
+              <a:rPr lang="de-DE" b="0" dirty="0" err="1" smtClean="0">
+                <a:solidFill>
+                  <a:srgbClr val="000000"/>
+                </a:solidFill>
+                <a:sym typeface="Wingdings" panose="05000000000000000000" pitchFamily="2" charset="2"/>
+              </a:rPr>
+              <a:t>new</a:t>
+            </a:r>
+            <a:r>
+              <a:rPr lang="de-DE" b="0" dirty="0" smtClean="0">
+                <a:solidFill>
+                  <a:srgbClr val="000000"/>
+                </a:solidFill>
+                <a:sym typeface="Wingdings" panose="05000000000000000000" pitchFamily="2" charset="2"/>
+              </a:rPr>
+              <a:t> </a:t>
+            </a:r>
+            <a:r>
+              <a:rPr lang="de-DE" b="0" dirty="0" err="1" smtClean="0">
+                <a:solidFill>
+                  <a:srgbClr val="000000"/>
+                </a:solidFill>
+                <a:sym typeface="Wingdings" panose="05000000000000000000" pitchFamily="2" charset="2"/>
+              </a:rPr>
+              <a:t>Branch</a:t>
+            </a:r>
+            <a:r>
+              <a:rPr lang="de-DE" b="0" dirty="0" smtClean="0">
+                <a:solidFill>
+                  <a:srgbClr val="000000"/>
+                </a:solidFill>
+                <a:sym typeface="Wingdings" panose="05000000000000000000" pitchFamily="2" charset="2"/>
+              </a:rPr>
+              <a:t> </a:t>
+            </a:r>
+          </a:p>
+          <a:p>
+            <a:pPr marL="171450" marR="0" indent="-171450" algn="l" defTabSz="914400" rtl="0" eaLnBrk="0" fontAlgn="base" latinLnBrk="0" hangingPunct="0">
+              <a:lnSpc>
+                <a:spcPct val="100000"/>
+              </a:lnSpc>
+              <a:spcBef>
+                <a:spcPct val="30000"/>
+              </a:spcBef>
+              <a:spcAft>
+                <a:spcPct val="0"/>
+              </a:spcAft>
+              <a:buClrTx/>
+              <a:buSzTx/>
+              <a:buFont typeface="Arial" panose="020B0604020202020204" pitchFamily="34" charset="0"/>
+              <a:buChar char="•"/>
+              <a:tabLst/>
+              <a:defRPr/>
+            </a:pPr>
+            <a:r>
+              <a:rPr lang="de-DE" b="0" dirty="0" smtClean="0">
+                <a:solidFill>
+                  <a:srgbClr val="000000"/>
+                </a:solidFill>
+                <a:sym typeface="Wingdings" panose="05000000000000000000" pitchFamily="2" charset="2"/>
+              </a:rPr>
+              <a:t>Ich wähle aus</a:t>
+            </a:r>
+            <a:r>
+              <a:rPr lang="de-DE" b="0" baseline="0" dirty="0" smtClean="0">
+                <a:solidFill>
+                  <a:srgbClr val="000000"/>
+                </a:solidFill>
+                <a:sym typeface="Wingdings" panose="05000000000000000000" pitchFamily="2" charset="2"/>
+              </a:rPr>
+              <a:t>, aus welchen </a:t>
+            </a:r>
+            <a:r>
+              <a:rPr lang="de-DE" b="0" baseline="0" dirty="0" err="1" smtClean="0">
+                <a:solidFill>
+                  <a:srgbClr val="000000"/>
+                </a:solidFill>
+                <a:sym typeface="Wingdings" panose="05000000000000000000" pitchFamily="2" charset="2"/>
+              </a:rPr>
+              <a:t>Branch</a:t>
+            </a:r>
+            <a:r>
+              <a:rPr lang="de-DE" b="0" baseline="0" dirty="0" smtClean="0">
+                <a:solidFill>
+                  <a:srgbClr val="000000"/>
+                </a:solidFill>
+                <a:sym typeface="Wingdings" panose="05000000000000000000" pitchFamily="2" charset="2"/>
+              </a:rPr>
+              <a:t> der neue hervorgehen soll</a:t>
+            </a:r>
+            <a:endParaRPr lang="de-DE" b="0" dirty="0" smtClean="0">
+              <a:solidFill>
+                <a:srgbClr val="000000"/>
+              </a:solidFill>
+              <a:sym typeface="Wingdings" panose="05000000000000000000" pitchFamily="2" charset="2"/>
+            </a:endParaRPr>
+          </a:p>
+          <a:p>
+            <a:pPr marL="171450" marR="0" indent="-171450" algn="l" defTabSz="914400" rtl="0" eaLnBrk="0" fontAlgn="base" latinLnBrk="0" hangingPunct="0">
+              <a:lnSpc>
+                <a:spcPct val="100000"/>
+              </a:lnSpc>
+              <a:spcBef>
+                <a:spcPct val="30000"/>
+              </a:spcBef>
+              <a:spcAft>
+                <a:spcPct val="0"/>
+              </a:spcAft>
+              <a:buClrTx/>
+              <a:buSzTx/>
+              <a:buFont typeface="Arial" panose="020B0604020202020204" pitchFamily="34" charset="0"/>
+              <a:buChar char="•"/>
+              <a:tabLst/>
+              <a:defRPr/>
+            </a:pPr>
+            <a:r>
+              <a:rPr lang="de-DE" b="0" dirty="0" smtClean="0">
+                <a:solidFill>
+                  <a:srgbClr val="000000"/>
+                </a:solidFill>
+                <a:sym typeface="Wingdings" panose="05000000000000000000" pitchFamily="2" charset="2"/>
+              </a:rPr>
+              <a:t>Neuer </a:t>
+            </a:r>
+            <a:r>
+              <a:rPr lang="de-DE" b="0" dirty="0" err="1" smtClean="0">
+                <a:solidFill>
+                  <a:srgbClr val="000000"/>
+                </a:solidFill>
+                <a:sym typeface="Wingdings" panose="05000000000000000000" pitchFamily="2" charset="2"/>
+              </a:rPr>
+              <a:t>Branch</a:t>
+            </a:r>
+            <a:r>
+              <a:rPr lang="de-DE" b="0" dirty="0" smtClean="0">
+                <a:solidFill>
+                  <a:srgbClr val="000000"/>
+                </a:solidFill>
+                <a:sym typeface="Wingdings" panose="05000000000000000000" pitchFamily="2" charset="2"/>
+              </a:rPr>
+              <a:t> hat</a:t>
+            </a:r>
+            <a:r>
+              <a:rPr lang="de-DE" b="0" baseline="0" dirty="0" smtClean="0">
+                <a:solidFill>
+                  <a:srgbClr val="000000"/>
+                </a:solidFill>
+                <a:sym typeface="Wingdings" panose="05000000000000000000" pitchFamily="2" charset="2"/>
+              </a:rPr>
+              <a:t> den selben Inhalt wie der </a:t>
+            </a:r>
+            <a:r>
+              <a:rPr lang="de-DE" b="0" baseline="0" dirty="0" err="1" smtClean="0">
+                <a:solidFill>
+                  <a:srgbClr val="000000"/>
+                </a:solidFill>
+                <a:sym typeface="Wingdings" panose="05000000000000000000" pitchFamily="2" charset="2"/>
+              </a:rPr>
+              <a:t>Branch</a:t>
+            </a:r>
+            <a:r>
+              <a:rPr lang="de-DE" b="0" baseline="0" dirty="0" smtClean="0">
+                <a:solidFill>
+                  <a:srgbClr val="000000"/>
+                </a:solidFill>
+                <a:sym typeface="Wingdings" panose="05000000000000000000" pitchFamily="2" charset="2"/>
+              </a:rPr>
+              <a:t>, aus dem er entstanden ist</a:t>
+            </a:r>
+            <a:endParaRPr lang="de-DE" b="0" dirty="0" smtClean="0">
+              <a:solidFill>
+                <a:srgbClr val="000000"/>
+              </a:solidFill>
+            </a:endParaRPr>
+          </a:p>
+        </p:txBody>
+      </p:sp>
+      <p:sp>
+        <p:nvSpPr>
+          <p:cNvPr id="4" name="Foliennummernplatzhalter 3"/>
+          <p:cNvSpPr>
+            <a:spLocks noGrp="1"/>
+          </p:cNvSpPr>
+          <p:nvPr>
+            <p:ph type="sldNum" sz="quarter" idx="10"/>
+          </p:nvPr>
+        </p:nvSpPr>
+        <p:spPr/>
+        <p:txBody>
+          <a:bodyPr/>
+          <a:lstStyle/>
+          <a:p>
+            <a:pPr>
+              <a:defRPr/>
+            </a:pPr>
+            <a:fld id="{69416D27-C533-4FFA-9A00-D046B64C63BF}" type="slidenum">
+              <a:rPr lang="de-DE" smtClean="0"/>
+              <a:pPr>
+                <a:defRPr/>
+              </a:pPr>
+              <a:t>41</a:t>
+            </a:fld>
+            <a:endParaRPr lang="de-DE"/>
+          </a:p>
+        </p:txBody>
+      </p:sp>
+    </p:spTree>
+    <p:extLst>
+      <p:ext uri="{BB962C8B-B14F-4D97-AF65-F5344CB8AC3E}">
+        <p14:creationId xmlns:p14="http://schemas.microsoft.com/office/powerpoint/2010/main" val="1353994050"/>
+      </p:ext>
+    </p:extLst>
+  </p:cSld>
+  <p:clrMapOvr>
+    <a:masterClrMapping/>
+  </p:clrMapOvr>
+</p:notes>
+</file>
+
+<file path=ppt/notesSlides/notesSlide42.xml><?xml version="1.0" encoding="utf-8"?>
+<p:notes xmlns:a="http://schemas.openxmlformats.org/drawingml/2006/main" xmlns:r="http://schemas.openxmlformats.org/officeDocument/2006/relationships" xmlns:p="http://schemas.openxmlformats.org/presentationml/2006/main">
+  <p:cSld>
+    <p:spTree>
+      <p:nvGrpSpPr>
+        <p:cNvPr id="1" name=""/>
+        <p:cNvGrpSpPr/>
+        <p:nvPr/>
+      </p:nvGrpSpPr>
+      <p:grpSpPr>
+        <a:xfrm>
+          <a:off x="0" y="0"/>
+          <a:ext cx="0" cy="0"/>
+          <a:chOff x="0" y="0"/>
+          <a:chExt cx="0" cy="0"/>
+        </a:xfrm>
+      </p:grpSpPr>
+      <p:sp>
+        <p:nvSpPr>
+          <p:cNvPr id="2" name="Folienbildplatzhalter 1"/>
+          <p:cNvSpPr>
+            <a:spLocks noGrp="1" noRot="1" noChangeAspect="1"/>
+          </p:cNvSpPr>
+          <p:nvPr>
+            <p:ph type="sldImg"/>
+          </p:nvPr>
+        </p:nvSpPr>
+        <p:spPr/>
+      </p:sp>
+      <p:sp>
+        <p:nvSpPr>
+          <p:cNvPr id="3" name="Notizenplatzhalter 2"/>
+          <p:cNvSpPr>
+            <a:spLocks noGrp="1"/>
+          </p:cNvSpPr>
+          <p:nvPr>
+            <p:ph type="body" idx="1"/>
+          </p:nvPr>
+        </p:nvSpPr>
+        <p:spPr/>
+        <p:txBody>
+          <a:bodyPr/>
+          <a:lstStyle/>
+          <a:p>
+            <a:pPr marL="171450" marR="0" indent="-171450" algn="l" defTabSz="914400" rtl="0" eaLnBrk="0" fontAlgn="base" latinLnBrk="0" hangingPunct="0">
+              <a:lnSpc>
+                <a:spcPct val="100000"/>
+              </a:lnSpc>
+              <a:spcBef>
+                <a:spcPct val="30000"/>
+              </a:spcBef>
+              <a:spcAft>
+                <a:spcPct val="0"/>
+              </a:spcAft>
+              <a:buClrTx/>
+              <a:buSzTx/>
+              <a:buFont typeface="Arial" panose="020B0604020202020204" pitchFamily="34" charset="0"/>
+              <a:buChar char="•"/>
+              <a:tabLst/>
+              <a:defRPr/>
+            </a:pPr>
+            <a:r>
+              <a:rPr lang="de-DE" b="0" dirty="0" smtClean="0">
+                <a:solidFill>
+                  <a:srgbClr val="000000"/>
+                </a:solidFill>
+              </a:rPr>
+              <a:t>Mit Rechtsklick auf </a:t>
+            </a:r>
+            <a:r>
+              <a:rPr lang="de-DE" b="0" dirty="0" err="1" smtClean="0">
+                <a:solidFill>
+                  <a:srgbClr val="000000"/>
+                </a:solidFill>
+              </a:rPr>
+              <a:t>Branch</a:t>
+            </a:r>
+            <a:r>
+              <a:rPr lang="de-DE" b="0" dirty="0" smtClean="0">
+                <a:solidFill>
+                  <a:srgbClr val="000000"/>
+                </a:solidFill>
+              </a:rPr>
+              <a:t> </a:t>
+            </a:r>
+            <a:r>
+              <a:rPr lang="de-DE" b="0" dirty="0" smtClean="0">
+                <a:solidFill>
+                  <a:srgbClr val="000000"/>
+                </a:solidFill>
+                <a:sym typeface="Wingdings" panose="05000000000000000000" pitchFamily="2" charset="2"/>
+              </a:rPr>
+              <a:t> Create </a:t>
+            </a:r>
+            <a:r>
+              <a:rPr lang="de-DE" b="0" dirty="0" err="1" smtClean="0">
+                <a:solidFill>
+                  <a:srgbClr val="000000"/>
+                </a:solidFill>
+                <a:sym typeface="Wingdings" panose="05000000000000000000" pitchFamily="2" charset="2"/>
+              </a:rPr>
+              <a:t>new</a:t>
+            </a:r>
+            <a:r>
+              <a:rPr lang="de-DE" b="0" dirty="0" smtClean="0">
+                <a:solidFill>
+                  <a:srgbClr val="000000"/>
+                </a:solidFill>
+                <a:sym typeface="Wingdings" panose="05000000000000000000" pitchFamily="2" charset="2"/>
+              </a:rPr>
+              <a:t> </a:t>
+            </a:r>
+            <a:r>
+              <a:rPr lang="de-DE" b="0" dirty="0" err="1" smtClean="0">
+                <a:solidFill>
+                  <a:srgbClr val="000000"/>
+                </a:solidFill>
+                <a:sym typeface="Wingdings" panose="05000000000000000000" pitchFamily="2" charset="2"/>
+              </a:rPr>
+              <a:t>Branch</a:t>
+            </a:r>
+            <a:r>
+              <a:rPr lang="de-DE" b="0" dirty="0" smtClean="0">
+                <a:solidFill>
+                  <a:srgbClr val="000000"/>
+                </a:solidFill>
+                <a:sym typeface="Wingdings" panose="05000000000000000000" pitchFamily="2" charset="2"/>
+              </a:rPr>
+              <a:t> </a:t>
+            </a:r>
+          </a:p>
+          <a:p>
+            <a:pPr marL="171450" marR="0" indent="-171450" algn="l" defTabSz="914400" rtl="0" eaLnBrk="0" fontAlgn="base" latinLnBrk="0" hangingPunct="0">
+              <a:lnSpc>
+                <a:spcPct val="100000"/>
+              </a:lnSpc>
+              <a:spcBef>
+                <a:spcPct val="30000"/>
+              </a:spcBef>
+              <a:spcAft>
+                <a:spcPct val="0"/>
+              </a:spcAft>
+              <a:buClrTx/>
+              <a:buSzTx/>
+              <a:buFont typeface="Arial" panose="020B0604020202020204" pitchFamily="34" charset="0"/>
+              <a:buChar char="•"/>
+              <a:tabLst/>
+              <a:defRPr/>
+            </a:pPr>
+            <a:r>
+              <a:rPr lang="de-DE" b="0" dirty="0" smtClean="0">
+                <a:solidFill>
+                  <a:srgbClr val="000000"/>
+                </a:solidFill>
+                <a:sym typeface="Wingdings" panose="05000000000000000000" pitchFamily="2" charset="2"/>
+              </a:rPr>
+              <a:t>Ich wähle aus</a:t>
+            </a:r>
+            <a:r>
+              <a:rPr lang="de-DE" b="0" baseline="0" dirty="0" smtClean="0">
+                <a:solidFill>
+                  <a:srgbClr val="000000"/>
+                </a:solidFill>
+                <a:sym typeface="Wingdings" panose="05000000000000000000" pitchFamily="2" charset="2"/>
+              </a:rPr>
+              <a:t>, aus welchen </a:t>
+            </a:r>
+            <a:r>
+              <a:rPr lang="de-DE" b="0" baseline="0" dirty="0" err="1" smtClean="0">
+                <a:solidFill>
+                  <a:srgbClr val="000000"/>
+                </a:solidFill>
+                <a:sym typeface="Wingdings" panose="05000000000000000000" pitchFamily="2" charset="2"/>
+              </a:rPr>
+              <a:t>Branch</a:t>
+            </a:r>
+            <a:r>
+              <a:rPr lang="de-DE" b="0" baseline="0" dirty="0" smtClean="0">
+                <a:solidFill>
+                  <a:srgbClr val="000000"/>
+                </a:solidFill>
+                <a:sym typeface="Wingdings" panose="05000000000000000000" pitchFamily="2" charset="2"/>
+              </a:rPr>
+              <a:t> der neue hervorgehen soll</a:t>
+            </a:r>
+            <a:endParaRPr lang="de-DE" b="0" dirty="0" smtClean="0">
+              <a:solidFill>
+                <a:srgbClr val="000000"/>
+              </a:solidFill>
+              <a:sym typeface="Wingdings" panose="05000000000000000000" pitchFamily="2" charset="2"/>
+            </a:endParaRPr>
+          </a:p>
+          <a:p>
+            <a:pPr marL="171450" marR="0" indent="-171450" algn="l" defTabSz="914400" rtl="0" eaLnBrk="0" fontAlgn="base" latinLnBrk="0" hangingPunct="0">
+              <a:lnSpc>
+                <a:spcPct val="100000"/>
+              </a:lnSpc>
+              <a:spcBef>
+                <a:spcPct val="30000"/>
+              </a:spcBef>
+              <a:spcAft>
+                <a:spcPct val="0"/>
+              </a:spcAft>
+              <a:buClrTx/>
+              <a:buSzTx/>
+              <a:buFont typeface="Arial" panose="020B0604020202020204" pitchFamily="34" charset="0"/>
+              <a:buChar char="•"/>
+              <a:tabLst/>
+              <a:defRPr/>
+            </a:pPr>
+            <a:r>
+              <a:rPr lang="de-DE" b="0" dirty="0" smtClean="0">
+                <a:solidFill>
+                  <a:srgbClr val="000000"/>
+                </a:solidFill>
+                <a:sym typeface="Wingdings" panose="05000000000000000000" pitchFamily="2" charset="2"/>
+              </a:rPr>
+              <a:t>Neuer </a:t>
+            </a:r>
+            <a:r>
+              <a:rPr lang="de-DE" b="0" dirty="0" err="1" smtClean="0">
+                <a:solidFill>
+                  <a:srgbClr val="000000"/>
+                </a:solidFill>
+                <a:sym typeface="Wingdings" panose="05000000000000000000" pitchFamily="2" charset="2"/>
+              </a:rPr>
+              <a:t>Branch</a:t>
+            </a:r>
+            <a:r>
+              <a:rPr lang="de-DE" b="0" dirty="0" smtClean="0">
+                <a:solidFill>
+                  <a:srgbClr val="000000"/>
+                </a:solidFill>
+                <a:sym typeface="Wingdings" panose="05000000000000000000" pitchFamily="2" charset="2"/>
+              </a:rPr>
+              <a:t> hat</a:t>
+            </a:r>
+            <a:r>
+              <a:rPr lang="de-DE" b="0" baseline="0" dirty="0" smtClean="0">
+                <a:solidFill>
+                  <a:srgbClr val="000000"/>
+                </a:solidFill>
+                <a:sym typeface="Wingdings" panose="05000000000000000000" pitchFamily="2" charset="2"/>
+              </a:rPr>
+              <a:t> den selben Inhalt wie der </a:t>
+            </a:r>
+            <a:r>
+              <a:rPr lang="de-DE" b="0" baseline="0" dirty="0" err="1" smtClean="0">
+                <a:solidFill>
+                  <a:srgbClr val="000000"/>
+                </a:solidFill>
+                <a:sym typeface="Wingdings" panose="05000000000000000000" pitchFamily="2" charset="2"/>
+              </a:rPr>
+              <a:t>Branch</a:t>
+            </a:r>
+            <a:r>
+              <a:rPr lang="de-DE" b="0" baseline="0" dirty="0" smtClean="0">
+                <a:solidFill>
+                  <a:srgbClr val="000000"/>
+                </a:solidFill>
+                <a:sym typeface="Wingdings" panose="05000000000000000000" pitchFamily="2" charset="2"/>
+              </a:rPr>
+              <a:t>, aus dem er entstanden ist</a:t>
+            </a:r>
+            <a:endParaRPr lang="de-DE" b="0" dirty="0" smtClean="0">
+              <a:solidFill>
+                <a:srgbClr val="000000"/>
+              </a:solidFill>
+            </a:endParaRPr>
+          </a:p>
+        </p:txBody>
+      </p:sp>
+      <p:sp>
+        <p:nvSpPr>
+          <p:cNvPr id="4" name="Foliennummernplatzhalter 3"/>
+          <p:cNvSpPr>
+            <a:spLocks noGrp="1"/>
+          </p:cNvSpPr>
+          <p:nvPr>
+            <p:ph type="sldNum" sz="quarter" idx="10"/>
+          </p:nvPr>
+        </p:nvSpPr>
+        <p:spPr/>
+        <p:txBody>
+          <a:bodyPr/>
+          <a:lstStyle/>
+          <a:p>
+            <a:pPr>
+              <a:defRPr/>
+            </a:pPr>
+            <a:fld id="{69416D27-C533-4FFA-9A00-D046B64C63BF}" type="slidenum">
+              <a:rPr lang="de-DE" smtClean="0"/>
+              <a:pPr>
+                <a:defRPr/>
+              </a:pPr>
+              <a:t>42</a:t>
+            </a:fld>
+            <a:endParaRPr lang="de-DE"/>
+          </a:p>
+        </p:txBody>
+      </p:sp>
+    </p:spTree>
+    <p:extLst>
+      <p:ext uri="{BB962C8B-B14F-4D97-AF65-F5344CB8AC3E}">
+        <p14:creationId xmlns:p14="http://schemas.microsoft.com/office/powerpoint/2010/main" val="1353994050"/>
+      </p:ext>
+    </p:extLst>
+  </p:cSld>
+  <p:clrMapOvr>
+    <a:masterClrMapping/>
+  </p:clrMapOvr>
+</p:notes>
+</file>
+
+<file path=ppt/notesSlides/notesSlide43.xml><?xml version="1.0" encoding="utf-8"?>
+<p:notes xmlns:a="http://schemas.openxmlformats.org/drawingml/2006/main" xmlns:r="http://schemas.openxmlformats.org/officeDocument/2006/relationships" xmlns:p="http://schemas.openxmlformats.org/presentationml/2006/main">
+  <p:cSld>
+    <p:spTree>
+      <p:nvGrpSpPr>
+        <p:cNvPr id="1" name=""/>
+        <p:cNvGrpSpPr/>
+        <p:nvPr/>
+      </p:nvGrpSpPr>
+      <p:grpSpPr>
+        <a:xfrm>
+          <a:off x="0" y="0"/>
+          <a:ext cx="0" cy="0"/>
+          <a:chOff x="0" y="0"/>
+          <a:chExt cx="0" cy="0"/>
+        </a:xfrm>
+      </p:grpSpPr>
+      <p:sp>
+        <p:nvSpPr>
+          <p:cNvPr id="2" name="Folienbildplatzhalter 1"/>
+          <p:cNvSpPr>
+            <a:spLocks noGrp="1" noRot="1" noChangeAspect="1"/>
+          </p:cNvSpPr>
+          <p:nvPr>
+            <p:ph type="sldImg"/>
+          </p:nvPr>
+        </p:nvSpPr>
+        <p:spPr/>
+      </p:sp>
+      <p:sp>
+        <p:nvSpPr>
+          <p:cNvPr id="3" name="Notizenplatzhalter 2"/>
+          <p:cNvSpPr>
+            <a:spLocks noGrp="1"/>
+          </p:cNvSpPr>
+          <p:nvPr>
+            <p:ph type="body" idx="1"/>
+          </p:nvPr>
+        </p:nvSpPr>
+        <p:spPr/>
+        <p:txBody>
+          <a:bodyPr/>
+          <a:lstStyle/>
+          <a:p>
+            <a:pPr marL="171450" marR="0" indent="-171450" algn="l" defTabSz="914400" rtl="0" eaLnBrk="0" fontAlgn="base" latinLnBrk="0" hangingPunct="0">
+              <a:lnSpc>
+                <a:spcPct val="100000"/>
+              </a:lnSpc>
+              <a:spcBef>
+                <a:spcPct val="30000"/>
+              </a:spcBef>
+              <a:spcAft>
+                <a:spcPct val="0"/>
+              </a:spcAft>
+              <a:buClrTx/>
+              <a:buSzTx/>
+              <a:buFont typeface="Arial" panose="020B0604020202020204" pitchFamily="34" charset="0"/>
+              <a:buChar char="•"/>
+              <a:tabLst/>
+              <a:defRPr/>
+            </a:pPr>
+            <a:r>
+              <a:rPr lang="de-DE" b="0" dirty="0" smtClean="0">
+                <a:solidFill>
+                  <a:srgbClr val="000000"/>
+                </a:solidFill>
+              </a:rPr>
+              <a:t>Mit Rechtsklick auf </a:t>
+            </a:r>
+            <a:r>
+              <a:rPr lang="de-DE" b="0" dirty="0" err="1" smtClean="0">
+                <a:solidFill>
+                  <a:srgbClr val="000000"/>
+                </a:solidFill>
+              </a:rPr>
+              <a:t>Branch</a:t>
+            </a:r>
+            <a:r>
+              <a:rPr lang="de-DE" b="0" dirty="0" smtClean="0">
+                <a:solidFill>
+                  <a:srgbClr val="000000"/>
+                </a:solidFill>
+              </a:rPr>
+              <a:t> </a:t>
+            </a:r>
+            <a:r>
+              <a:rPr lang="de-DE" b="0" dirty="0" smtClean="0">
+                <a:solidFill>
+                  <a:srgbClr val="000000"/>
+                </a:solidFill>
+                <a:sym typeface="Wingdings" panose="05000000000000000000" pitchFamily="2" charset="2"/>
+              </a:rPr>
+              <a:t> Create </a:t>
+            </a:r>
+            <a:r>
+              <a:rPr lang="de-DE" b="0" dirty="0" err="1" smtClean="0">
+                <a:solidFill>
+                  <a:srgbClr val="000000"/>
+                </a:solidFill>
+                <a:sym typeface="Wingdings" panose="05000000000000000000" pitchFamily="2" charset="2"/>
+              </a:rPr>
+              <a:t>new</a:t>
+            </a:r>
+            <a:r>
+              <a:rPr lang="de-DE" b="0" dirty="0" smtClean="0">
+                <a:solidFill>
+                  <a:srgbClr val="000000"/>
+                </a:solidFill>
+                <a:sym typeface="Wingdings" panose="05000000000000000000" pitchFamily="2" charset="2"/>
+              </a:rPr>
+              <a:t> </a:t>
+            </a:r>
+            <a:r>
+              <a:rPr lang="de-DE" b="0" dirty="0" err="1" smtClean="0">
+                <a:solidFill>
+                  <a:srgbClr val="000000"/>
+                </a:solidFill>
+                <a:sym typeface="Wingdings" panose="05000000000000000000" pitchFamily="2" charset="2"/>
+              </a:rPr>
+              <a:t>Branch</a:t>
+            </a:r>
+            <a:r>
+              <a:rPr lang="de-DE" b="0" dirty="0" smtClean="0">
+                <a:solidFill>
+                  <a:srgbClr val="000000"/>
+                </a:solidFill>
+                <a:sym typeface="Wingdings" panose="05000000000000000000" pitchFamily="2" charset="2"/>
+              </a:rPr>
+              <a:t> </a:t>
+            </a:r>
+          </a:p>
+          <a:p>
+            <a:pPr marL="171450" marR="0" indent="-171450" algn="l" defTabSz="914400" rtl="0" eaLnBrk="0" fontAlgn="base" latinLnBrk="0" hangingPunct="0">
+              <a:lnSpc>
+                <a:spcPct val="100000"/>
+              </a:lnSpc>
+              <a:spcBef>
+                <a:spcPct val="30000"/>
+              </a:spcBef>
+              <a:spcAft>
+                <a:spcPct val="0"/>
+              </a:spcAft>
+              <a:buClrTx/>
+              <a:buSzTx/>
+              <a:buFont typeface="Arial" panose="020B0604020202020204" pitchFamily="34" charset="0"/>
+              <a:buChar char="•"/>
+              <a:tabLst/>
+              <a:defRPr/>
+            </a:pPr>
+            <a:r>
+              <a:rPr lang="de-DE" b="0" dirty="0" smtClean="0">
+                <a:solidFill>
+                  <a:srgbClr val="000000"/>
+                </a:solidFill>
+                <a:sym typeface="Wingdings" panose="05000000000000000000" pitchFamily="2" charset="2"/>
+              </a:rPr>
+              <a:t>Ich wähle aus</a:t>
+            </a:r>
+            <a:r>
+              <a:rPr lang="de-DE" b="0" baseline="0" dirty="0" smtClean="0">
+                <a:solidFill>
+                  <a:srgbClr val="000000"/>
+                </a:solidFill>
+                <a:sym typeface="Wingdings" panose="05000000000000000000" pitchFamily="2" charset="2"/>
+              </a:rPr>
+              <a:t>, aus welchen </a:t>
+            </a:r>
+            <a:r>
+              <a:rPr lang="de-DE" b="0" baseline="0" dirty="0" err="1" smtClean="0">
+                <a:solidFill>
+                  <a:srgbClr val="000000"/>
+                </a:solidFill>
+                <a:sym typeface="Wingdings" panose="05000000000000000000" pitchFamily="2" charset="2"/>
+              </a:rPr>
+              <a:t>Branch</a:t>
+            </a:r>
+            <a:r>
+              <a:rPr lang="de-DE" b="0" baseline="0" dirty="0" smtClean="0">
+                <a:solidFill>
+                  <a:srgbClr val="000000"/>
+                </a:solidFill>
+                <a:sym typeface="Wingdings" panose="05000000000000000000" pitchFamily="2" charset="2"/>
+              </a:rPr>
+              <a:t> der neue hervorgehen soll</a:t>
+            </a:r>
+            <a:endParaRPr lang="de-DE" b="0" dirty="0" smtClean="0">
+              <a:solidFill>
+                <a:srgbClr val="000000"/>
+              </a:solidFill>
+              <a:sym typeface="Wingdings" panose="05000000000000000000" pitchFamily="2" charset="2"/>
+            </a:endParaRPr>
+          </a:p>
+          <a:p>
+            <a:pPr marL="171450" marR="0" indent="-171450" algn="l" defTabSz="914400" rtl="0" eaLnBrk="0" fontAlgn="base" latinLnBrk="0" hangingPunct="0">
+              <a:lnSpc>
+                <a:spcPct val="100000"/>
+              </a:lnSpc>
+              <a:spcBef>
+                <a:spcPct val="30000"/>
+              </a:spcBef>
+              <a:spcAft>
+                <a:spcPct val="0"/>
+              </a:spcAft>
+              <a:buClrTx/>
+              <a:buSzTx/>
+              <a:buFont typeface="Arial" panose="020B0604020202020204" pitchFamily="34" charset="0"/>
+              <a:buChar char="•"/>
+              <a:tabLst/>
+              <a:defRPr/>
+            </a:pPr>
+            <a:r>
+              <a:rPr lang="de-DE" b="0" dirty="0" smtClean="0">
+                <a:solidFill>
+                  <a:srgbClr val="000000"/>
+                </a:solidFill>
+                <a:sym typeface="Wingdings" panose="05000000000000000000" pitchFamily="2" charset="2"/>
+              </a:rPr>
+              <a:t>Neuer </a:t>
+            </a:r>
+            <a:r>
+              <a:rPr lang="de-DE" b="0" dirty="0" err="1" smtClean="0">
+                <a:solidFill>
+                  <a:srgbClr val="000000"/>
+                </a:solidFill>
+                <a:sym typeface="Wingdings" panose="05000000000000000000" pitchFamily="2" charset="2"/>
+              </a:rPr>
+              <a:t>Branch</a:t>
+            </a:r>
+            <a:r>
+              <a:rPr lang="de-DE" b="0" dirty="0" smtClean="0">
+                <a:solidFill>
+                  <a:srgbClr val="000000"/>
+                </a:solidFill>
+                <a:sym typeface="Wingdings" panose="05000000000000000000" pitchFamily="2" charset="2"/>
+              </a:rPr>
+              <a:t> hat</a:t>
+            </a:r>
+            <a:r>
+              <a:rPr lang="de-DE" b="0" baseline="0" dirty="0" smtClean="0">
+                <a:solidFill>
+                  <a:srgbClr val="000000"/>
+                </a:solidFill>
+                <a:sym typeface="Wingdings" panose="05000000000000000000" pitchFamily="2" charset="2"/>
+              </a:rPr>
+              <a:t> den selben Inhalt wie der </a:t>
+            </a:r>
+            <a:r>
+              <a:rPr lang="de-DE" b="0" baseline="0" dirty="0" err="1" smtClean="0">
+                <a:solidFill>
+                  <a:srgbClr val="000000"/>
+                </a:solidFill>
+                <a:sym typeface="Wingdings" panose="05000000000000000000" pitchFamily="2" charset="2"/>
+              </a:rPr>
+              <a:t>Branch</a:t>
+            </a:r>
+            <a:r>
+              <a:rPr lang="de-DE" b="0" baseline="0" dirty="0" smtClean="0">
+                <a:solidFill>
+                  <a:srgbClr val="000000"/>
+                </a:solidFill>
+                <a:sym typeface="Wingdings" panose="05000000000000000000" pitchFamily="2" charset="2"/>
+              </a:rPr>
+              <a:t>, aus dem er entstanden ist</a:t>
+            </a:r>
+            <a:endParaRPr lang="de-DE" b="0" dirty="0" smtClean="0">
+              <a:solidFill>
+                <a:srgbClr val="000000"/>
+              </a:solidFill>
+            </a:endParaRPr>
+          </a:p>
+        </p:txBody>
+      </p:sp>
+      <p:sp>
+        <p:nvSpPr>
+          <p:cNvPr id="4" name="Foliennummernplatzhalter 3"/>
+          <p:cNvSpPr>
+            <a:spLocks noGrp="1"/>
+          </p:cNvSpPr>
+          <p:nvPr>
+            <p:ph type="sldNum" sz="quarter" idx="10"/>
+          </p:nvPr>
+        </p:nvSpPr>
+        <p:spPr/>
+        <p:txBody>
+          <a:bodyPr/>
+          <a:lstStyle/>
+          <a:p>
+            <a:pPr>
+              <a:defRPr/>
+            </a:pPr>
+            <a:fld id="{69416D27-C533-4FFA-9A00-D046B64C63BF}" type="slidenum">
+              <a:rPr lang="de-DE" smtClean="0"/>
+              <a:pPr>
+                <a:defRPr/>
+              </a:pPr>
+              <a:t>43</a:t>
             </a:fld>
             <a:endParaRPr lang="de-DE"/>
           </a:p>
@@ -13390,17 +16864,7 @@
                 <a:latin typeface="Arial Narrow" panose="020B0606020202030204" pitchFamily="34" charset="0"/>
                 <a:cs typeface="Arial" panose="020B0604020202020204" pitchFamily="34" charset="0"/>
               </a:rPr>
-              <a:t> bedeutet so viel wie „Blödmann</a:t>
-            </a:r>
-            <a:r>
-              <a:rPr lang="de-DE" sz="2000" dirty="0" smtClean="0">
-                <a:solidFill>
-                  <a:srgbClr val="000000"/>
-                </a:solidFill>
-                <a:latin typeface="Arial Narrow" panose="020B0606020202030204" pitchFamily="34" charset="0"/>
-                <a:cs typeface="Arial" panose="020B0604020202020204" pitchFamily="34" charset="0"/>
-              </a:rPr>
-              <a:t>“</a:t>
+              <a:t> bedeutet so viel wie „Blödmann“</a:t>
             </a:r>
           </a:p>
           <a:p>
@@ -13419,13 +16883,6 @@
               </a:rPr>
               <a:t>Reines Kommandozeilenprogramm</a:t>
             </a:r>
-            <a:endParaRPr lang="de-DE" sz="2000" dirty="0" smtClean="0">
-              <a:solidFill>
-                <a:srgbClr val="000000"/>
-              </a:solidFill>
-              <a:latin typeface="Arial Narrow" panose="020B0606020202030204" pitchFamily="34" charset="0"/>
-              <a:cs typeface="Arial" panose="020B0604020202020204" pitchFamily="34" charset="0"/>
-            </a:endParaRPr>
           </a:p>
           <a:p>
             <a:pPr marL="0" indent="0" algn="ctr">
@@ -16471,23 +19928,7 @@
                   <a:srgbClr val="000000"/>
                 </a:solidFill>
               </a:rPr>
-              <a:t>Vergleichbar mit </a:t>
-            </a:r>
-            <a:r>
-              <a:rPr lang="de-DE" sz="2000" u="none" dirty="0" smtClean="0">
-                <a:solidFill>
-                  <a:srgbClr val="000000"/>
-                </a:solidFill>
-              </a:rPr>
-              <a:t>einem</a:t>
-            </a:r>
-            <a:r>
-              <a:rPr lang="de-DE" sz="2000" u="none" dirty="0" smtClean="0">
-                <a:solidFill>
-                  <a:srgbClr val="000000"/>
-                </a:solidFill>
-              </a:rPr>
-              <a:t/>
+              <a:t>Vergleichbar mit einem</a:t>
             </a:r>
             <a:br>
               <a:rPr lang="de-DE" sz="2000" u="none" dirty="0" smtClean="0">
@@ -16952,11 +20393,11 @@
   <p:clrMapOvr>
     <a:masterClrMapping/>
   </p:clrMapOvr>
-  <mc:AlternateContent xmlns:mc="http://schemas.openxmlformats.org/markup-compatibility/2006">
-    <mc:Choice xmlns:p14="http://schemas.microsoft.com/office/powerpoint/2010/main" Requires="p14">
+  <mc:AlternateContent xmlns:mc="http://schemas.openxmlformats.org/markup-compatibility/2006" xmlns:p14="http://schemas.microsoft.com/office/powerpoint/2010/main">
+    <mc:Choice Requires="p14">
       <p:transition p14:dur="10"/>
     </mc:Choice>
-    <mc:Fallback>
+    <mc:Fallback xmlns="">
       <p:transition/>
     </mc:Fallback>
   </mc:AlternateContent>
@@ -17309,15 +20750,7 @@
                   <a:srgbClr val="000000"/>
                 </a:solidFill>
               </a:rPr>
-              <a:t> nicht möglich. Muss per Hand aufgehoben </a:t>
-            </a:r>
-            <a:r>
-              <a:rPr lang="de-DE" sz="2000" dirty="0" smtClean="0">
-                <a:solidFill>
-                  <a:srgbClr val="000000"/>
-                </a:solidFill>
-              </a:rPr>
-              <a:t>werden</a:t>
+              <a:t> nicht möglich. Muss per Hand aufgehoben werden</a:t>
             </a:r>
             <a:endParaRPr lang="de-DE" sz="2000" b="1" dirty="0">
               <a:solidFill>
@@ -17699,15 +21132,7 @@
                   <a:srgbClr val="000000"/>
                 </a:solidFill>
               </a:rPr>
-              <a:t>Repositories </a:t>
-            </a:r>
-            <a:r>
-              <a:rPr lang="de-DE" sz="2000" dirty="0" smtClean="0">
-                <a:solidFill>
-                  <a:srgbClr val="000000"/>
-                </a:solidFill>
-              </a:rPr>
-              <a:t>anlegen</a:t>
+              <a:t>Repositories anlegen</a:t>
             </a:r>
           </a:p>
           <a:p>
@@ -17724,11 +21149,6 @@
               </a:rPr>
               <a:t>Überblick über die Projekte und Versionen</a:t>
             </a:r>
-            <a:endParaRPr lang="de-DE" sz="2000" dirty="0" smtClean="0">
-              <a:solidFill>
-                <a:srgbClr val="000000"/>
-              </a:solidFill>
-            </a:endParaRPr>
           </a:p>
           <a:p>
             <a:pPr>
@@ -17742,21 +21162,8 @@
                   <a:srgbClr val="000000"/>
                 </a:solidFill>
               </a:rPr>
-              <a:t>Versionen speichern, löschen und </a:t>
-            </a:r>
-            <a:r>
-              <a:rPr lang="de-DE" sz="2000" dirty="0" smtClean="0">
-                <a:solidFill>
-                  <a:srgbClr val="000000"/>
-                </a:solidFill>
-              </a:rPr>
-              <a:t>wiederherstellen</a:t>
-            </a:r>
-            <a:endParaRPr lang="de-DE" sz="2000" dirty="0" smtClean="0">
-              <a:solidFill>
-                <a:srgbClr val="000000"/>
-              </a:solidFill>
-            </a:endParaRPr>
+              <a:t>Versionen speichern, löschen und wiederherstellen</a:t>
+            </a:r>
           </a:p>
         </p:txBody>
       </p:sp>
@@ -19203,6 +22610,2649 @@
 </p:sld>
 </file>
 
+<file path=ppt/slides/slide32.xml><?xml version="1.0" encoding="utf-8"?>
+<p:sld xmlns:a="http://schemas.openxmlformats.org/drawingml/2006/main" xmlns:r="http://schemas.openxmlformats.org/officeDocument/2006/relationships" xmlns:p="http://schemas.openxmlformats.org/presentationml/2006/main">
+  <p:cSld>
+    <p:spTree>
+      <p:nvGrpSpPr>
+        <p:cNvPr id="1" name=""/>
+        <p:cNvGrpSpPr/>
+        <p:nvPr/>
+      </p:nvGrpSpPr>
+      <p:grpSpPr>
+        <a:xfrm>
+          <a:off x="0" y="0"/>
+          <a:ext cx="0" cy="0"/>
+          <a:chOff x="0" y="0"/>
+          <a:chExt cx="0" cy="0"/>
+        </a:xfrm>
+      </p:grpSpPr>
+      <p:sp>
+        <p:nvSpPr>
+          <p:cNvPr id="2" name="Titel 1"/>
+          <p:cNvSpPr>
+            <a:spLocks noGrp="1"/>
+          </p:cNvSpPr>
+          <p:nvPr>
+            <p:ph type="title"/>
+          </p:nvPr>
+        </p:nvSpPr>
+        <p:spPr/>
+        <p:txBody>
+          <a:bodyPr/>
+          <a:lstStyle/>
+          <a:p>
+            <a:pPr algn="ctr"/>
+            <a:r>
+              <a:rPr lang="de-DE" sz="3000" dirty="0" smtClean="0">
+                <a:solidFill>
+                  <a:srgbClr val="000000"/>
+                </a:solidFill>
+                <a:latin typeface="Arial" panose="020B0604020202020204" pitchFamily="34" charset="0"/>
+                <a:cs typeface="Arial" panose="020B0604020202020204" pitchFamily="34" charset="0"/>
+              </a:rPr>
+              <a:t>Verteilte Versionskontrolle mit </a:t>
+            </a:r>
+            <a:r>
+              <a:rPr lang="de-DE" sz="3000" dirty="0" err="1" smtClean="0">
+                <a:solidFill>
+                  <a:srgbClr val="000000"/>
+                </a:solidFill>
+                <a:latin typeface="Arial" panose="020B0604020202020204" pitchFamily="34" charset="0"/>
+                <a:cs typeface="Arial" panose="020B0604020202020204" pitchFamily="34" charset="0"/>
+              </a:rPr>
+              <a:t>Git</a:t>
+            </a:r>
+            <a:endParaRPr lang="de-DE" sz="3000" dirty="0">
+              <a:solidFill>
+                <a:srgbClr val="000000"/>
+              </a:solidFill>
+              <a:latin typeface="Arial" panose="020B0604020202020204" pitchFamily="34" charset="0"/>
+              <a:cs typeface="Arial" panose="020B0604020202020204" pitchFamily="34" charset="0"/>
+            </a:endParaRPr>
+          </a:p>
+        </p:txBody>
+      </p:sp>
+      <p:sp>
+        <p:nvSpPr>
+          <p:cNvPr id="4" name="Datumsplatzhalter 3"/>
+          <p:cNvSpPr>
+            <a:spLocks noGrp="1"/>
+          </p:cNvSpPr>
+          <p:nvPr>
+            <p:ph type="dt" sz="half" idx="10"/>
+          </p:nvPr>
+        </p:nvSpPr>
+        <p:spPr>
+          <a:xfrm>
+            <a:off x="7524328" y="6378575"/>
+            <a:ext cx="1008485" cy="365125"/>
+          </a:xfrm>
+        </p:spPr>
+        <p:txBody>
+          <a:bodyPr/>
+          <a:lstStyle/>
+          <a:p>
+            <a:pPr>
+              <a:defRPr/>
+            </a:pPr>
+            <a:fld id="{DBEF86A1-9947-4356-AD39-493A2BF305E6}" type="datetime1">
+              <a:rPr lang="de-DE" smtClean="0">
+                <a:latin typeface="Arial" panose="020B0604020202020204" pitchFamily="34" charset="0"/>
+                <a:cs typeface="Arial" panose="020B0604020202020204" pitchFamily="34" charset="0"/>
+              </a:rPr>
+              <a:pPr>
+                <a:defRPr/>
+              </a:pPr>
+              <a:t>08.11.2017</a:t>
+            </a:fld>
+            <a:endParaRPr lang="de-DE" dirty="0">
+              <a:latin typeface="Arial" panose="020B0604020202020204" pitchFamily="34" charset="0"/>
+              <a:cs typeface="Arial" panose="020B0604020202020204" pitchFamily="34" charset="0"/>
+            </a:endParaRPr>
+          </a:p>
+        </p:txBody>
+      </p:sp>
+      <p:sp>
+        <p:nvSpPr>
+          <p:cNvPr id="5" name="Fußzeilenplatzhalter 4"/>
+          <p:cNvSpPr>
+            <a:spLocks noGrp="1"/>
+          </p:cNvSpPr>
+          <p:nvPr>
+            <p:ph type="ftr" sz="quarter" idx="11"/>
+          </p:nvPr>
+        </p:nvSpPr>
+        <p:spPr/>
+        <p:txBody>
+          <a:bodyPr/>
+          <a:lstStyle/>
+          <a:p>
+            <a:pPr>
+              <a:defRPr/>
+            </a:pPr>
+            <a:r>
+              <a:rPr lang="de-DE" dirty="0" smtClean="0">
+                <a:latin typeface="Arial" panose="020B0604020202020204" pitchFamily="34" charset="0"/>
+                <a:cs typeface="Arial" panose="020B0604020202020204" pitchFamily="34" charset="0"/>
+              </a:rPr>
+              <a:t>Hochschule Furtwangen</a:t>
+            </a:r>
+            <a:endParaRPr lang="de-DE" dirty="0">
+              <a:latin typeface="Arial" panose="020B0604020202020204" pitchFamily="34" charset="0"/>
+              <a:cs typeface="Arial" panose="020B0604020202020204" pitchFamily="34" charset="0"/>
+            </a:endParaRPr>
+          </a:p>
+        </p:txBody>
+      </p:sp>
+      <p:sp>
+        <p:nvSpPr>
+          <p:cNvPr id="6" name="Foliennummernplatzhalter 5"/>
+          <p:cNvSpPr>
+            <a:spLocks noGrp="1"/>
+          </p:cNvSpPr>
+          <p:nvPr>
+            <p:ph type="sldNum" sz="quarter" idx="12"/>
+          </p:nvPr>
+        </p:nvSpPr>
+        <p:spPr>
+          <a:xfrm>
+            <a:off x="8676456" y="6021288"/>
+            <a:ext cx="359842" cy="264566"/>
+          </a:xfrm>
+        </p:spPr>
+        <p:txBody>
+          <a:bodyPr/>
+          <a:lstStyle/>
+          <a:p>
+            <a:pPr>
+              <a:defRPr/>
+            </a:pPr>
+            <a:fld id="{3C74D409-5571-4F32-B32A-C943406F16F9}" type="slidenum">
+              <a:rPr lang="de-DE" smtClean="0">
+                <a:latin typeface="Arial" panose="020B0604020202020204" pitchFamily="34" charset="0"/>
+                <a:cs typeface="Arial" panose="020B0604020202020204" pitchFamily="34" charset="0"/>
+              </a:rPr>
+              <a:pPr>
+                <a:defRPr/>
+              </a:pPr>
+              <a:t>32</a:t>
+            </a:fld>
+            <a:endParaRPr lang="de-DE" dirty="0">
+              <a:latin typeface="Arial" panose="020B0604020202020204" pitchFamily="34" charset="0"/>
+              <a:cs typeface="Arial" panose="020B0604020202020204" pitchFamily="34" charset="0"/>
+            </a:endParaRPr>
+          </a:p>
+        </p:txBody>
+      </p:sp>
+      <p:sp>
+        <p:nvSpPr>
+          <p:cNvPr id="3" name="Inhaltsplatzhalter 2"/>
+          <p:cNvSpPr>
+            <a:spLocks noGrp="1"/>
+          </p:cNvSpPr>
+          <p:nvPr>
+            <p:ph idx="1"/>
+          </p:nvPr>
+        </p:nvSpPr>
+        <p:spPr/>
+        <p:txBody>
+          <a:bodyPr/>
+          <a:lstStyle/>
+          <a:p>
+            <a:pPr>
+              <a:lnSpc>
+                <a:spcPct val="150000"/>
+              </a:lnSpc>
+            </a:pPr>
+            <a:endParaRPr lang="de-DE" sz="2000" dirty="0" smtClean="0">
+              <a:solidFill>
+                <a:srgbClr val="000000"/>
+              </a:solidFill>
+            </a:endParaRPr>
+          </a:p>
+        </p:txBody>
+      </p:sp>
+      <p:pic>
+        <p:nvPicPr>
+          <p:cNvPr id="1026" name="Picture 2"/>
+          <p:cNvPicPr>
+            <a:picLocks noChangeAspect="1" noChangeArrowheads="1"/>
+          </p:cNvPicPr>
+          <p:nvPr/>
+        </p:nvPicPr>
+        <p:blipFill>
+          <a:blip r:embed="rId3">
+            <a:extLst>
+              <a:ext uri="{28A0092B-C50C-407E-A947-70E740481C1C}">
+                <a14:useLocalDpi xmlns:a14="http://schemas.microsoft.com/office/drawing/2010/main" val="0"/>
+              </a:ext>
+            </a:extLst>
+          </a:blip>
+          <a:srcRect/>
+          <a:stretch>
+            <a:fillRect/>
+          </a:stretch>
+        </p:blipFill>
+        <p:spPr bwMode="auto">
+          <a:xfrm>
+            <a:off x="498475" y="1054100"/>
+            <a:ext cx="8147050" cy="4749800"/>
+          </a:xfrm>
+          <a:prstGeom prst="rect">
+            <a:avLst/>
+          </a:prstGeom>
+          <a:noFill/>
+          <a:ln>
+            <a:noFill/>
+          </a:ln>
+          <a:extLst>
+            <a:ext uri="{909E8E84-426E-40DD-AFC4-6F175D3DCCD1}">
+              <a14:hiddenFill xmlns:a14="http://schemas.microsoft.com/office/drawing/2010/main">
+                <a:solidFill>
+                  <a:schemeClr val="accent1"/>
+                </a:solidFill>
+              </a14:hiddenFill>
+            </a:ext>
+            <a:ext uri="{91240B29-F687-4F45-9708-019B960494DF}">
+              <a14:hiddenLine xmlns:a14="http://schemas.microsoft.com/office/drawing/2010/main" w="9525">
+                <a:solidFill>
+                  <a:schemeClr val="tx1"/>
+                </a:solidFill>
+                <a:miter lim="800000"/>
+                <a:headEnd/>
+                <a:tailEnd/>
+              </a14:hiddenLine>
+            </a:ext>
+          </a:extLst>
+        </p:spPr>
+      </p:pic>
+    </p:spTree>
+    <p:extLst>
+      <p:ext uri="{BB962C8B-B14F-4D97-AF65-F5344CB8AC3E}">
+        <p14:creationId xmlns:p14="http://schemas.microsoft.com/office/powerpoint/2010/main" val="159374924"/>
+      </p:ext>
+    </p:extLst>
+  </p:cSld>
+  <p:clrMapOvr>
+    <a:masterClrMapping/>
+  </p:clrMapOvr>
+  <p:timing>
+    <p:tnLst>
+      <p:par>
+        <p:cTn id="1" dur="indefinite" restart="never" nodeType="tmRoot"/>
+      </p:par>
+    </p:tnLst>
+  </p:timing>
+</p:sld>
+</file>
+
+<file path=ppt/slides/slide33.xml><?xml version="1.0" encoding="utf-8"?>
+<p:sld xmlns:a="http://schemas.openxmlformats.org/drawingml/2006/main" xmlns:r="http://schemas.openxmlformats.org/officeDocument/2006/relationships" xmlns:p="http://schemas.openxmlformats.org/presentationml/2006/main">
+  <p:cSld>
+    <p:spTree>
+      <p:nvGrpSpPr>
+        <p:cNvPr id="1" name=""/>
+        <p:cNvGrpSpPr/>
+        <p:nvPr/>
+      </p:nvGrpSpPr>
+      <p:grpSpPr>
+        <a:xfrm>
+          <a:off x="0" y="0"/>
+          <a:ext cx="0" cy="0"/>
+          <a:chOff x="0" y="0"/>
+          <a:chExt cx="0" cy="0"/>
+        </a:xfrm>
+      </p:grpSpPr>
+      <p:sp>
+        <p:nvSpPr>
+          <p:cNvPr id="2" name="Titel 1"/>
+          <p:cNvSpPr>
+            <a:spLocks noGrp="1"/>
+          </p:cNvSpPr>
+          <p:nvPr>
+            <p:ph type="title"/>
+          </p:nvPr>
+        </p:nvSpPr>
+        <p:spPr/>
+        <p:txBody>
+          <a:bodyPr/>
+          <a:lstStyle/>
+          <a:p>
+            <a:pPr algn="ctr"/>
+            <a:r>
+              <a:rPr lang="de-DE" sz="3000" dirty="0" smtClean="0">
+                <a:solidFill>
+                  <a:srgbClr val="000000"/>
+                </a:solidFill>
+                <a:latin typeface="Arial" panose="020B0604020202020204" pitchFamily="34" charset="0"/>
+                <a:cs typeface="Arial" panose="020B0604020202020204" pitchFamily="34" charset="0"/>
+              </a:rPr>
+              <a:t>Agenda</a:t>
+            </a:r>
+            <a:endParaRPr lang="de-DE" sz="3000" dirty="0">
+              <a:solidFill>
+                <a:srgbClr val="000000"/>
+              </a:solidFill>
+              <a:latin typeface="Arial" panose="020B0604020202020204" pitchFamily="34" charset="0"/>
+              <a:cs typeface="Arial" panose="020B0604020202020204" pitchFamily="34" charset="0"/>
+            </a:endParaRPr>
+          </a:p>
+        </p:txBody>
+      </p:sp>
+      <p:sp>
+        <p:nvSpPr>
+          <p:cNvPr id="3" name="Inhaltsplatzhalter 2"/>
+          <p:cNvSpPr>
+            <a:spLocks noGrp="1"/>
+          </p:cNvSpPr>
+          <p:nvPr>
+            <p:ph idx="1"/>
+          </p:nvPr>
+        </p:nvSpPr>
+        <p:spPr/>
+        <p:txBody>
+          <a:bodyPr/>
+          <a:lstStyle/>
+          <a:p>
+            <a:pPr marL="457200" indent="-457200">
+              <a:lnSpc>
+                <a:spcPct val="200000"/>
+              </a:lnSpc>
+              <a:buFont typeface="+mj-lt"/>
+              <a:buAutoNum type="arabicPeriod"/>
+            </a:pPr>
+            <a:r>
+              <a:rPr lang="de-DE" sz="2000" dirty="0" smtClean="0">
+                <a:solidFill>
+                  <a:srgbClr val="000000"/>
+                </a:solidFill>
+                <a:latin typeface="Arial" panose="020B0604020202020204" pitchFamily="34" charset="0"/>
+                <a:cs typeface="Arial" panose="020B0604020202020204" pitchFamily="34" charset="0"/>
+              </a:rPr>
+              <a:t>Ausgangssituation und Zielsetzung</a:t>
+            </a:r>
+          </a:p>
+          <a:p>
+            <a:pPr marL="457200" indent="-457200">
+              <a:lnSpc>
+                <a:spcPct val="200000"/>
+              </a:lnSpc>
+              <a:buFont typeface="+mj-lt"/>
+              <a:buAutoNum type="arabicPeriod"/>
+            </a:pPr>
+            <a:r>
+              <a:rPr lang="de-DE" sz="2000" dirty="0">
+                <a:solidFill>
+                  <a:srgbClr val="000000"/>
+                </a:solidFill>
+                <a:latin typeface="Arial" panose="020B0604020202020204" pitchFamily="34" charset="0"/>
+                <a:cs typeface="Arial" panose="020B0604020202020204" pitchFamily="34" charset="0"/>
+              </a:rPr>
+              <a:t>Wichtige Begriffe und Grundlagen</a:t>
+            </a:r>
+          </a:p>
+          <a:p>
+            <a:pPr marL="457200" indent="-457200">
+              <a:lnSpc>
+                <a:spcPct val="200000"/>
+              </a:lnSpc>
+              <a:buFont typeface="+mj-lt"/>
+              <a:buAutoNum type="arabicPeriod"/>
+            </a:pPr>
+            <a:r>
+              <a:rPr lang="de-DE" sz="2000" dirty="0">
+                <a:solidFill>
+                  <a:srgbClr val="000000"/>
+                </a:solidFill>
+                <a:latin typeface="Arial" panose="020B0604020202020204" pitchFamily="34" charset="0"/>
+                <a:cs typeface="Arial" panose="020B0604020202020204" pitchFamily="34" charset="0"/>
+              </a:rPr>
+              <a:t>Verteilte Versionskontrolle mit </a:t>
+            </a:r>
+            <a:r>
+              <a:rPr lang="de-DE" sz="2000" dirty="0" err="1">
+                <a:solidFill>
+                  <a:srgbClr val="000000"/>
+                </a:solidFill>
+                <a:latin typeface="Arial" panose="020B0604020202020204" pitchFamily="34" charset="0"/>
+                <a:cs typeface="Arial" panose="020B0604020202020204" pitchFamily="34" charset="0"/>
+              </a:rPr>
+              <a:t>Git</a:t>
+            </a:r>
+            <a:endParaRPr lang="de-DE" sz="2000" dirty="0">
+              <a:solidFill>
+                <a:srgbClr val="000000"/>
+              </a:solidFill>
+              <a:latin typeface="Arial" panose="020B0604020202020204" pitchFamily="34" charset="0"/>
+              <a:cs typeface="Arial" panose="020B0604020202020204" pitchFamily="34" charset="0"/>
+            </a:endParaRPr>
+          </a:p>
+          <a:p>
+            <a:pPr marL="457200" indent="-457200">
+              <a:lnSpc>
+                <a:spcPct val="200000"/>
+              </a:lnSpc>
+              <a:buFont typeface="+mj-lt"/>
+              <a:buAutoNum type="arabicPeriod"/>
+            </a:pPr>
+            <a:r>
+              <a:rPr lang="de-DE" sz="2000" b="1" dirty="0" err="1" smtClean="0">
+                <a:solidFill>
+                  <a:srgbClr val="000000"/>
+                </a:solidFill>
+                <a:latin typeface="Arial" panose="020B0604020202020204" pitchFamily="34" charset="0"/>
+                <a:cs typeface="Arial" panose="020B0604020202020204" pitchFamily="34" charset="0"/>
+              </a:rPr>
+              <a:t>Git</a:t>
+            </a:r>
+            <a:r>
+              <a:rPr lang="de-DE" sz="2000" b="1" dirty="0" smtClean="0">
+                <a:solidFill>
+                  <a:srgbClr val="000000"/>
+                </a:solidFill>
+                <a:latin typeface="Arial" panose="020B0604020202020204" pitchFamily="34" charset="0"/>
+                <a:cs typeface="Arial" panose="020B0604020202020204" pitchFamily="34" charset="0"/>
+              </a:rPr>
+              <a:t> Plug-In </a:t>
+            </a:r>
+            <a:r>
+              <a:rPr lang="de-DE" sz="2000" b="1" dirty="0" err="1" smtClean="0">
+                <a:solidFill>
+                  <a:srgbClr val="000000"/>
+                </a:solidFill>
+                <a:latin typeface="Arial" panose="020B0604020202020204" pitchFamily="34" charset="0"/>
+                <a:cs typeface="Arial" panose="020B0604020202020204" pitchFamily="34" charset="0"/>
+              </a:rPr>
+              <a:t>EGit</a:t>
+            </a:r>
+            <a:r>
+              <a:rPr lang="de-DE" sz="2000" b="1" dirty="0" smtClean="0">
+                <a:solidFill>
+                  <a:srgbClr val="000000"/>
+                </a:solidFill>
+                <a:latin typeface="Arial" panose="020B0604020202020204" pitchFamily="34" charset="0"/>
+                <a:cs typeface="Arial" panose="020B0604020202020204" pitchFamily="34" charset="0"/>
+              </a:rPr>
+              <a:t> für </a:t>
+            </a:r>
+            <a:r>
+              <a:rPr lang="de-DE" sz="2000" b="1" dirty="0" err="1" smtClean="0">
+                <a:solidFill>
+                  <a:srgbClr val="000000"/>
+                </a:solidFill>
+                <a:latin typeface="Arial" panose="020B0604020202020204" pitchFamily="34" charset="0"/>
+                <a:cs typeface="Arial" panose="020B0604020202020204" pitchFamily="34" charset="0"/>
+              </a:rPr>
+              <a:t>Eclipse</a:t>
+            </a:r>
+            <a:endParaRPr lang="de-DE" sz="2000" b="1" dirty="0">
+              <a:solidFill>
+                <a:srgbClr val="000000"/>
+              </a:solidFill>
+              <a:latin typeface="Arial" panose="020B0604020202020204" pitchFamily="34" charset="0"/>
+              <a:cs typeface="Arial" panose="020B0604020202020204" pitchFamily="34" charset="0"/>
+            </a:endParaRPr>
+          </a:p>
+        </p:txBody>
+      </p:sp>
+      <p:sp>
+        <p:nvSpPr>
+          <p:cNvPr id="4" name="Datumsplatzhalter 3"/>
+          <p:cNvSpPr>
+            <a:spLocks noGrp="1"/>
+          </p:cNvSpPr>
+          <p:nvPr>
+            <p:ph type="dt" sz="half" idx="10"/>
+          </p:nvPr>
+        </p:nvSpPr>
+        <p:spPr>
+          <a:xfrm>
+            <a:off x="7524328" y="6378575"/>
+            <a:ext cx="1008485" cy="365125"/>
+          </a:xfrm>
+        </p:spPr>
+        <p:txBody>
+          <a:bodyPr/>
+          <a:lstStyle/>
+          <a:p>
+            <a:pPr>
+              <a:defRPr/>
+            </a:pPr>
+            <a:fld id="{DBEF86A1-9947-4356-AD39-493A2BF305E6}" type="datetime1">
+              <a:rPr lang="de-DE" smtClean="0">
+                <a:latin typeface="Arial" panose="020B0604020202020204" pitchFamily="34" charset="0"/>
+                <a:cs typeface="Arial" panose="020B0604020202020204" pitchFamily="34" charset="0"/>
+              </a:rPr>
+              <a:pPr>
+                <a:defRPr/>
+              </a:pPr>
+              <a:t>08.11.2017</a:t>
+            </a:fld>
+            <a:endParaRPr lang="de-DE" dirty="0">
+              <a:latin typeface="Arial" panose="020B0604020202020204" pitchFamily="34" charset="0"/>
+              <a:cs typeface="Arial" panose="020B0604020202020204" pitchFamily="34" charset="0"/>
+            </a:endParaRPr>
+          </a:p>
+        </p:txBody>
+      </p:sp>
+      <p:sp>
+        <p:nvSpPr>
+          <p:cNvPr id="5" name="Fußzeilenplatzhalter 4"/>
+          <p:cNvSpPr>
+            <a:spLocks noGrp="1"/>
+          </p:cNvSpPr>
+          <p:nvPr>
+            <p:ph type="ftr" sz="quarter" idx="11"/>
+          </p:nvPr>
+        </p:nvSpPr>
+        <p:spPr/>
+        <p:txBody>
+          <a:bodyPr/>
+          <a:lstStyle/>
+          <a:p>
+            <a:pPr>
+              <a:defRPr/>
+            </a:pPr>
+            <a:r>
+              <a:rPr lang="de-DE" dirty="0" smtClean="0">
+                <a:latin typeface="Arial" panose="020B0604020202020204" pitchFamily="34" charset="0"/>
+                <a:cs typeface="Arial" panose="020B0604020202020204" pitchFamily="34" charset="0"/>
+              </a:rPr>
+              <a:t>Hochschule Furtwangen</a:t>
+            </a:r>
+            <a:endParaRPr lang="de-DE" dirty="0">
+              <a:latin typeface="Arial" panose="020B0604020202020204" pitchFamily="34" charset="0"/>
+              <a:cs typeface="Arial" panose="020B0604020202020204" pitchFamily="34" charset="0"/>
+            </a:endParaRPr>
+          </a:p>
+        </p:txBody>
+      </p:sp>
+      <p:sp>
+        <p:nvSpPr>
+          <p:cNvPr id="6" name="Foliennummernplatzhalter 5"/>
+          <p:cNvSpPr>
+            <a:spLocks noGrp="1"/>
+          </p:cNvSpPr>
+          <p:nvPr>
+            <p:ph type="sldNum" sz="quarter" idx="12"/>
+          </p:nvPr>
+        </p:nvSpPr>
+        <p:spPr>
+          <a:xfrm>
+            <a:off x="8676456" y="6021288"/>
+            <a:ext cx="359842" cy="264566"/>
+          </a:xfrm>
+        </p:spPr>
+        <p:txBody>
+          <a:bodyPr/>
+          <a:lstStyle/>
+          <a:p>
+            <a:pPr>
+              <a:defRPr/>
+            </a:pPr>
+            <a:fld id="{3C74D409-5571-4F32-B32A-C943406F16F9}" type="slidenum">
+              <a:rPr lang="de-DE" smtClean="0">
+                <a:latin typeface="Arial" panose="020B0604020202020204" pitchFamily="34" charset="0"/>
+                <a:cs typeface="Arial" panose="020B0604020202020204" pitchFamily="34" charset="0"/>
+              </a:rPr>
+              <a:pPr>
+                <a:defRPr/>
+              </a:pPr>
+              <a:t>33</a:t>
+            </a:fld>
+            <a:endParaRPr lang="de-DE" dirty="0">
+              <a:latin typeface="Arial" panose="020B0604020202020204" pitchFamily="34" charset="0"/>
+              <a:cs typeface="Arial" panose="020B0604020202020204" pitchFamily="34" charset="0"/>
+            </a:endParaRPr>
+          </a:p>
+        </p:txBody>
+      </p:sp>
+    </p:spTree>
+    <p:extLst>
+      <p:ext uri="{BB962C8B-B14F-4D97-AF65-F5344CB8AC3E}">
+        <p14:creationId xmlns:p14="http://schemas.microsoft.com/office/powerpoint/2010/main" val="1066024075"/>
+      </p:ext>
+    </p:extLst>
+  </p:cSld>
+  <p:clrMapOvr>
+    <a:masterClrMapping/>
+  </p:clrMapOvr>
+  <p:timing>
+    <p:tnLst>
+      <p:par>
+        <p:cTn id="1" dur="indefinite" restart="never" nodeType="tmRoot"/>
+      </p:par>
+    </p:tnLst>
+  </p:timing>
+</p:sld>
+</file>
+
+<file path=ppt/slides/slide34.xml><?xml version="1.0" encoding="utf-8"?>
+<p:sld xmlns:a="http://schemas.openxmlformats.org/drawingml/2006/main" xmlns:r="http://schemas.openxmlformats.org/officeDocument/2006/relationships" xmlns:p="http://schemas.openxmlformats.org/presentationml/2006/main">
+  <p:cSld>
+    <p:spTree>
+      <p:nvGrpSpPr>
+        <p:cNvPr id="1" name=""/>
+        <p:cNvGrpSpPr/>
+        <p:nvPr/>
+      </p:nvGrpSpPr>
+      <p:grpSpPr>
+        <a:xfrm>
+          <a:off x="0" y="0"/>
+          <a:ext cx="0" cy="0"/>
+          <a:chOff x="0" y="0"/>
+          <a:chExt cx="0" cy="0"/>
+        </a:xfrm>
+      </p:grpSpPr>
+      <p:sp>
+        <p:nvSpPr>
+          <p:cNvPr id="2" name="Titel 1"/>
+          <p:cNvSpPr>
+            <a:spLocks noGrp="1"/>
+          </p:cNvSpPr>
+          <p:nvPr>
+            <p:ph type="title"/>
+          </p:nvPr>
+        </p:nvSpPr>
+        <p:spPr/>
+        <p:txBody>
+          <a:bodyPr/>
+          <a:lstStyle/>
+          <a:p>
+            <a:pPr marL="457200" indent="-457200" algn="ctr">
+              <a:lnSpc>
+                <a:spcPct val="200000"/>
+              </a:lnSpc>
+            </a:pPr>
+            <a:r>
+              <a:rPr lang="de-DE" sz="3000" dirty="0" err="1">
+                <a:solidFill>
+                  <a:srgbClr val="000000"/>
+                </a:solidFill>
+                <a:latin typeface="Arial" panose="020B0604020202020204" pitchFamily="34" charset="0"/>
+                <a:cs typeface="Arial" panose="020B0604020202020204" pitchFamily="34" charset="0"/>
+              </a:rPr>
+              <a:t>Git</a:t>
+            </a:r>
+            <a:r>
+              <a:rPr lang="de-DE" sz="3000" dirty="0">
+                <a:solidFill>
+                  <a:srgbClr val="000000"/>
+                </a:solidFill>
+                <a:latin typeface="Arial" panose="020B0604020202020204" pitchFamily="34" charset="0"/>
+                <a:cs typeface="Arial" panose="020B0604020202020204" pitchFamily="34" charset="0"/>
+              </a:rPr>
+              <a:t> Plug-In </a:t>
+            </a:r>
+            <a:r>
+              <a:rPr lang="de-DE" sz="3000" dirty="0" err="1">
+                <a:solidFill>
+                  <a:srgbClr val="000000"/>
+                </a:solidFill>
+                <a:latin typeface="Arial" panose="020B0604020202020204" pitchFamily="34" charset="0"/>
+                <a:cs typeface="Arial" panose="020B0604020202020204" pitchFamily="34" charset="0"/>
+              </a:rPr>
+              <a:t>EGit</a:t>
+            </a:r>
+            <a:r>
+              <a:rPr lang="de-DE" sz="3000" dirty="0">
+                <a:solidFill>
+                  <a:srgbClr val="000000"/>
+                </a:solidFill>
+                <a:latin typeface="Arial" panose="020B0604020202020204" pitchFamily="34" charset="0"/>
+                <a:cs typeface="Arial" panose="020B0604020202020204" pitchFamily="34" charset="0"/>
+              </a:rPr>
+              <a:t> für </a:t>
+            </a:r>
+            <a:r>
+              <a:rPr lang="de-DE" sz="3000" dirty="0" err="1">
+                <a:solidFill>
+                  <a:srgbClr val="000000"/>
+                </a:solidFill>
+                <a:latin typeface="Arial" panose="020B0604020202020204" pitchFamily="34" charset="0"/>
+                <a:cs typeface="Arial" panose="020B0604020202020204" pitchFamily="34" charset="0"/>
+              </a:rPr>
+              <a:t>Eclipse</a:t>
+            </a:r>
+            <a:endParaRPr lang="de-DE" sz="3000" dirty="0">
+              <a:solidFill>
+                <a:srgbClr val="000000"/>
+              </a:solidFill>
+              <a:latin typeface="Arial" panose="020B0604020202020204" pitchFamily="34" charset="0"/>
+              <a:cs typeface="Arial" panose="020B0604020202020204" pitchFamily="34" charset="0"/>
+            </a:endParaRPr>
+          </a:p>
+        </p:txBody>
+      </p:sp>
+      <p:sp>
+        <p:nvSpPr>
+          <p:cNvPr id="4" name="Datumsplatzhalter 3"/>
+          <p:cNvSpPr>
+            <a:spLocks noGrp="1"/>
+          </p:cNvSpPr>
+          <p:nvPr>
+            <p:ph type="dt" sz="half" idx="10"/>
+          </p:nvPr>
+        </p:nvSpPr>
+        <p:spPr>
+          <a:xfrm>
+            <a:off x="7524328" y="6378575"/>
+            <a:ext cx="1008485" cy="365125"/>
+          </a:xfrm>
+        </p:spPr>
+        <p:txBody>
+          <a:bodyPr/>
+          <a:lstStyle/>
+          <a:p>
+            <a:pPr>
+              <a:defRPr/>
+            </a:pPr>
+            <a:fld id="{DBEF86A1-9947-4356-AD39-493A2BF305E6}" type="datetime1">
+              <a:rPr lang="de-DE" smtClean="0">
+                <a:latin typeface="Arial" panose="020B0604020202020204" pitchFamily="34" charset="0"/>
+                <a:cs typeface="Arial" panose="020B0604020202020204" pitchFamily="34" charset="0"/>
+              </a:rPr>
+              <a:pPr>
+                <a:defRPr/>
+              </a:pPr>
+              <a:t>08.11.2017</a:t>
+            </a:fld>
+            <a:endParaRPr lang="de-DE" dirty="0">
+              <a:latin typeface="Arial" panose="020B0604020202020204" pitchFamily="34" charset="0"/>
+              <a:cs typeface="Arial" panose="020B0604020202020204" pitchFamily="34" charset="0"/>
+            </a:endParaRPr>
+          </a:p>
+        </p:txBody>
+      </p:sp>
+      <p:sp>
+        <p:nvSpPr>
+          <p:cNvPr id="5" name="Fußzeilenplatzhalter 4"/>
+          <p:cNvSpPr>
+            <a:spLocks noGrp="1"/>
+          </p:cNvSpPr>
+          <p:nvPr>
+            <p:ph type="ftr" sz="quarter" idx="11"/>
+          </p:nvPr>
+        </p:nvSpPr>
+        <p:spPr/>
+        <p:txBody>
+          <a:bodyPr/>
+          <a:lstStyle/>
+          <a:p>
+            <a:pPr>
+              <a:defRPr/>
+            </a:pPr>
+            <a:r>
+              <a:rPr lang="de-DE" dirty="0" smtClean="0">
+                <a:latin typeface="Arial" panose="020B0604020202020204" pitchFamily="34" charset="0"/>
+                <a:cs typeface="Arial" panose="020B0604020202020204" pitchFamily="34" charset="0"/>
+              </a:rPr>
+              <a:t>Hochschule Furtwangen</a:t>
+            </a:r>
+            <a:endParaRPr lang="de-DE" dirty="0">
+              <a:latin typeface="Arial" panose="020B0604020202020204" pitchFamily="34" charset="0"/>
+              <a:cs typeface="Arial" panose="020B0604020202020204" pitchFamily="34" charset="0"/>
+            </a:endParaRPr>
+          </a:p>
+        </p:txBody>
+      </p:sp>
+      <p:sp>
+        <p:nvSpPr>
+          <p:cNvPr id="6" name="Foliennummernplatzhalter 5"/>
+          <p:cNvSpPr>
+            <a:spLocks noGrp="1"/>
+          </p:cNvSpPr>
+          <p:nvPr>
+            <p:ph type="sldNum" sz="quarter" idx="12"/>
+          </p:nvPr>
+        </p:nvSpPr>
+        <p:spPr>
+          <a:xfrm>
+            <a:off x="8676456" y="6021288"/>
+            <a:ext cx="359842" cy="264566"/>
+          </a:xfrm>
+        </p:spPr>
+        <p:txBody>
+          <a:bodyPr/>
+          <a:lstStyle/>
+          <a:p>
+            <a:pPr>
+              <a:defRPr/>
+            </a:pPr>
+            <a:fld id="{3C74D409-5571-4F32-B32A-C943406F16F9}" type="slidenum">
+              <a:rPr lang="de-DE" smtClean="0">
+                <a:latin typeface="Arial" panose="020B0604020202020204" pitchFamily="34" charset="0"/>
+                <a:cs typeface="Arial" panose="020B0604020202020204" pitchFamily="34" charset="0"/>
+              </a:rPr>
+              <a:pPr>
+                <a:defRPr/>
+              </a:pPr>
+              <a:t>34</a:t>
+            </a:fld>
+            <a:endParaRPr lang="de-DE" dirty="0">
+              <a:latin typeface="Arial" panose="020B0604020202020204" pitchFamily="34" charset="0"/>
+              <a:cs typeface="Arial" panose="020B0604020202020204" pitchFamily="34" charset="0"/>
+            </a:endParaRPr>
+          </a:p>
+        </p:txBody>
+      </p:sp>
+      <p:sp>
+        <p:nvSpPr>
+          <p:cNvPr id="3" name="Inhaltsplatzhalter 2"/>
+          <p:cNvSpPr>
+            <a:spLocks noGrp="1"/>
+          </p:cNvSpPr>
+          <p:nvPr>
+            <p:ph idx="1"/>
+          </p:nvPr>
+        </p:nvSpPr>
+        <p:spPr/>
+        <p:txBody>
+          <a:bodyPr/>
+          <a:lstStyle/>
+          <a:p>
+            <a:pPr>
+              <a:lnSpc>
+                <a:spcPct val="150000"/>
+              </a:lnSpc>
+            </a:pPr>
+            <a:r>
+              <a:rPr lang="de-DE" sz="2000" b="1" dirty="0" smtClean="0">
+                <a:solidFill>
+                  <a:srgbClr val="000000"/>
+                </a:solidFill>
+                <a:sym typeface="Wingdings" panose="05000000000000000000" pitchFamily="2" charset="2"/>
+              </a:rPr>
+              <a:t>Entscheidung: </a:t>
+            </a:r>
+            <a:r>
+              <a:rPr lang="de-DE" sz="2000" dirty="0" smtClean="0">
+                <a:solidFill>
+                  <a:srgbClr val="000000"/>
+                </a:solidFill>
+              </a:rPr>
+              <a:t>Nach </a:t>
+            </a:r>
+            <a:r>
+              <a:rPr lang="de-DE" sz="2000" dirty="0" smtClean="0">
+                <a:solidFill>
+                  <a:srgbClr val="000000"/>
+                </a:solidFill>
+              </a:rPr>
+              <a:t>gemeinsamer Recherche </a:t>
+            </a:r>
+            <a:r>
+              <a:rPr lang="de-DE" sz="2000" dirty="0" smtClean="0">
+                <a:solidFill>
+                  <a:srgbClr val="000000"/>
+                </a:solidFill>
+                <a:sym typeface="Wingdings" panose="05000000000000000000" pitchFamily="2" charset="2"/>
+              </a:rPr>
+              <a:t> </a:t>
+            </a:r>
+            <a:r>
+              <a:rPr lang="de-DE" sz="2000" dirty="0" smtClean="0">
+                <a:solidFill>
+                  <a:srgbClr val="000000"/>
+                </a:solidFill>
+                <a:sym typeface="Wingdings" panose="05000000000000000000" pitchFamily="2" charset="2"/>
+              </a:rPr>
+              <a:t>Plug-In </a:t>
+            </a:r>
+            <a:r>
+              <a:rPr lang="de-DE" sz="2000" dirty="0" err="1" smtClean="0">
+                <a:solidFill>
+                  <a:srgbClr val="000000"/>
+                </a:solidFill>
+                <a:sym typeface="Wingdings" panose="05000000000000000000" pitchFamily="2" charset="2"/>
+              </a:rPr>
+              <a:t>EGit</a:t>
+            </a:r>
+            <a:endParaRPr lang="de-DE" sz="2000" dirty="0" smtClean="0">
+              <a:solidFill>
+                <a:srgbClr val="000000"/>
+              </a:solidFill>
+              <a:sym typeface="Wingdings" panose="05000000000000000000" pitchFamily="2" charset="2"/>
+            </a:endParaRPr>
+          </a:p>
+          <a:p>
+            <a:pPr>
+              <a:lnSpc>
+                <a:spcPct val="150000"/>
+              </a:lnSpc>
+            </a:pPr>
+            <a:r>
+              <a:rPr lang="de-DE" sz="2000" dirty="0" err="1" smtClean="0">
+                <a:solidFill>
+                  <a:srgbClr val="000000"/>
+                </a:solidFill>
+                <a:sym typeface="Wingdings" panose="05000000000000000000" pitchFamily="2" charset="2"/>
+              </a:rPr>
+              <a:t>EGit</a:t>
+            </a:r>
+            <a:r>
+              <a:rPr lang="de-DE" sz="2000" dirty="0" smtClean="0">
+                <a:solidFill>
+                  <a:srgbClr val="000000"/>
+                </a:solidFill>
+                <a:sym typeface="Wingdings" panose="05000000000000000000" pitchFamily="2" charset="2"/>
+              </a:rPr>
+              <a:t> ist Plug-In für </a:t>
+            </a:r>
+            <a:r>
+              <a:rPr lang="de-DE" sz="2000" dirty="0" err="1" smtClean="0">
+                <a:solidFill>
+                  <a:srgbClr val="000000"/>
+                </a:solidFill>
+                <a:sym typeface="Wingdings" panose="05000000000000000000" pitchFamily="2" charset="2"/>
+              </a:rPr>
+              <a:t>Eclipse</a:t>
+            </a:r>
+            <a:endParaRPr lang="de-DE" sz="2000" dirty="0" smtClean="0">
+              <a:solidFill>
+                <a:srgbClr val="000000"/>
+              </a:solidFill>
+              <a:sym typeface="Wingdings" panose="05000000000000000000" pitchFamily="2" charset="2"/>
+            </a:endParaRPr>
+          </a:p>
+          <a:p>
+            <a:pPr>
+              <a:lnSpc>
+                <a:spcPct val="150000"/>
+              </a:lnSpc>
+            </a:pPr>
+            <a:r>
+              <a:rPr lang="de-DE" sz="2000" dirty="0" smtClean="0">
+                <a:solidFill>
+                  <a:srgbClr val="000000"/>
+                </a:solidFill>
+                <a:sym typeface="Wingdings" panose="05000000000000000000" pitchFamily="2" charset="2"/>
+              </a:rPr>
+              <a:t>Lokales Repository direkt über </a:t>
+            </a:r>
+            <a:r>
+              <a:rPr lang="de-DE" sz="2000" dirty="0" err="1" smtClean="0">
+                <a:solidFill>
+                  <a:srgbClr val="000000"/>
+                </a:solidFill>
+                <a:sym typeface="Wingdings" panose="05000000000000000000" pitchFamily="2" charset="2"/>
+              </a:rPr>
+              <a:t>Eclipse</a:t>
+            </a:r>
+            <a:r>
+              <a:rPr lang="de-DE" sz="2000" dirty="0" smtClean="0">
+                <a:solidFill>
+                  <a:srgbClr val="000000"/>
+                </a:solidFill>
+                <a:sym typeface="Wingdings" panose="05000000000000000000" pitchFamily="2" charset="2"/>
+              </a:rPr>
+              <a:t> anlegen</a:t>
+            </a:r>
+          </a:p>
+          <a:p>
+            <a:pPr>
+              <a:lnSpc>
+                <a:spcPct val="150000"/>
+              </a:lnSpc>
+            </a:pPr>
+            <a:r>
+              <a:rPr lang="de-DE" sz="2000" dirty="0" smtClean="0">
+                <a:solidFill>
+                  <a:srgbClr val="000000"/>
+                </a:solidFill>
+                <a:sym typeface="Wingdings" panose="05000000000000000000" pitchFamily="2" charset="2"/>
+              </a:rPr>
+              <a:t>Fortschritt per „Push“ hochladen oder per „</a:t>
+            </a:r>
+            <a:r>
+              <a:rPr lang="de-DE" sz="2000" dirty="0" err="1" smtClean="0">
+                <a:solidFill>
+                  <a:srgbClr val="000000"/>
+                </a:solidFill>
+                <a:sym typeface="Wingdings" panose="05000000000000000000" pitchFamily="2" charset="2"/>
+              </a:rPr>
+              <a:t>Fetch</a:t>
+            </a:r>
+            <a:r>
+              <a:rPr lang="de-DE" sz="2000" dirty="0" smtClean="0">
+                <a:solidFill>
+                  <a:srgbClr val="000000"/>
+                </a:solidFill>
+                <a:sym typeface="Wingdings" panose="05000000000000000000" pitchFamily="2" charset="2"/>
+              </a:rPr>
+              <a:t>“ herunterladen</a:t>
+            </a:r>
+            <a:endParaRPr lang="de-DE" sz="2000" dirty="0">
+              <a:solidFill>
+                <a:srgbClr val="000000"/>
+              </a:solidFill>
+              <a:sym typeface="Wingdings" panose="05000000000000000000" pitchFamily="2" charset="2"/>
+            </a:endParaRPr>
+          </a:p>
+          <a:p>
+            <a:pPr>
+              <a:lnSpc>
+                <a:spcPct val="150000"/>
+              </a:lnSpc>
+            </a:pPr>
+            <a:r>
+              <a:rPr lang="de-DE" sz="2000" dirty="0" smtClean="0">
+                <a:solidFill>
+                  <a:srgbClr val="000000"/>
+                </a:solidFill>
+                <a:sym typeface="Wingdings" panose="05000000000000000000" pitchFamily="2" charset="2"/>
+              </a:rPr>
+              <a:t>Neue </a:t>
+            </a:r>
+            <a:r>
+              <a:rPr lang="de-DE" sz="2000" dirty="0" err="1" smtClean="0">
+                <a:solidFill>
+                  <a:srgbClr val="000000"/>
+                </a:solidFill>
+                <a:sym typeface="Wingdings" panose="05000000000000000000" pitchFamily="2" charset="2"/>
+              </a:rPr>
+              <a:t>Branches</a:t>
+            </a:r>
+            <a:r>
+              <a:rPr lang="de-DE" sz="2000" dirty="0" smtClean="0">
+                <a:solidFill>
+                  <a:srgbClr val="000000"/>
+                </a:solidFill>
+                <a:sym typeface="Wingdings" panose="05000000000000000000" pitchFamily="2" charset="2"/>
+              </a:rPr>
+              <a:t> anlegen und auch </a:t>
+            </a:r>
+            <a:r>
+              <a:rPr lang="de-DE" sz="2000" dirty="0" err="1" smtClean="0">
+                <a:solidFill>
+                  <a:srgbClr val="000000"/>
+                </a:solidFill>
+                <a:sym typeface="Wingdings" panose="05000000000000000000" pitchFamily="2" charset="2"/>
+              </a:rPr>
+              <a:t>Mergen</a:t>
+            </a:r>
+            <a:endParaRPr lang="de-DE" sz="2000" dirty="0" smtClean="0">
+              <a:solidFill>
+                <a:srgbClr val="000000"/>
+              </a:solidFill>
+              <a:sym typeface="Wingdings" panose="05000000000000000000" pitchFamily="2" charset="2"/>
+            </a:endParaRPr>
+          </a:p>
+          <a:p>
+            <a:pPr>
+              <a:lnSpc>
+                <a:spcPct val="150000"/>
+              </a:lnSpc>
+            </a:pPr>
+            <a:r>
+              <a:rPr lang="de-DE" sz="2000" dirty="0" smtClean="0">
+                <a:solidFill>
+                  <a:srgbClr val="000000"/>
+                </a:solidFill>
+                <a:sym typeface="Wingdings" panose="05000000000000000000" pitchFamily="2" charset="2"/>
+              </a:rPr>
+              <a:t>Änderungshistorie einsehen und </a:t>
+            </a:r>
+            <a:r>
+              <a:rPr lang="de-DE" sz="2000" dirty="0" err="1" smtClean="0">
+                <a:solidFill>
+                  <a:srgbClr val="000000"/>
+                </a:solidFill>
+                <a:sym typeface="Wingdings" panose="05000000000000000000" pitchFamily="2" charset="2"/>
+              </a:rPr>
+              <a:t>Commits</a:t>
+            </a:r>
+            <a:r>
+              <a:rPr lang="de-DE" sz="2000" dirty="0" smtClean="0">
+                <a:solidFill>
+                  <a:srgbClr val="000000"/>
+                </a:solidFill>
+                <a:sym typeface="Wingdings" panose="05000000000000000000" pitchFamily="2" charset="2"/>
+              </a:rPr>
+              <a:t> manipulieren</a:t>
+            </a:r>
+          </a:p>
+          <a:p>
+            <a:pPr>
+              <a:lnSpc>
+                <a:spcPct val="150000"/>
+              </a:lnSpc>
+            </a:pPr>
+            <a:r>
+              <a:rPr lang="de-DE" sz="2000" dirty="0" smtClean="0">
+                <a:solidFill>
+                  <a:srgbClr val="000000"/>
+                </a:solidFill>
+                <a:sym typeface="Wingdings" panose="05000000000000000000" pitchFamily="2" charset="2"/>
+              </a:rPr>
+              <a:t>Änderung zwischen zwei </a:t>
+            </a:r>
+            <a:r>
+              <a:rPr lang="de-DE" sz="2000" dirty="0" err="1" smtClean="0">
+                <a:solidFill>
+                  <a:srgbClr val="000000"/>
+                </a:solidFill>
+                <a:sym typeface="Wingdings" panose="05000000000000000000" pitchFamily="2" charset="2"/>
+              </a:rPr>
+              <a:t>Commits</a:t>
+            </a:r>
+            <a:r>
+              <a:rPr lang="de-DE" sz="2000" dirty="0" smtClean="0">
+                <a:solidFill>
+                  <a:srgbClr val="000000"/>
+                </a:solidFill>
+                <a:sym typeface="Wingdings" panose="05000000000000000000" pitchFamily="2" charset="2"/>
+              </a:rPr>
+              <a:t> einsehen</a:t>
+            </a:r>
+          </a:p>
+          <a:p>
+            <a:pPr>
+              <a:lnSpc>
+                <a:spcPct val="150000"/>
+              </a:lnSpc>
+            </a:pPr>
+            <a:r>
+              <a:rPr lang="de-DE" sz="2000" dirty="0" smtClean="0">
+                <a:solidFill>
+                  <a:srgbClr val="000000"/>
+                </a:solidFill>
+                <a:sym typeface="Wingdings" panose="05000000000000000000" pitchFamily="2" charset="2"/>
+              </a:rPr>
+              <a:t>Konflikte direkt über </a:t>
+            </a:r>
+            <a:r>
+              <a:rPr lang="de-DE" sz="2000" dirty="0" err="1" smtClean="0">
+                <a:solidFill>
+                  <a:srgbClr val="000000"/>
+                </a:solidFill>
+                <a:sym typeface="Wingdings" panose="05000000000000000000" pitchFamily="2" charset="2"/>
+              </a:rPr>
+              <a:t>Eclipse</a:t>
+            </a:r>
+            <a:r>
+              <a:rPr lang="de-DE" sz="2000" dirty="0" smtClean="0">
+                <a:solidFill>
+                  <a:srgbClr val="000000"/>
+                </a:solidFill>
+                <a:sym typeface="Wingdings" panose="05000000000000000000" pitchFamily="2" charset="2"/>
+              </a:rPr>
+              <a:t> lösen</a:t>
+            </a:r>
+          </a:p>
+        </p:txBody>
+      </p:sp>
+    </p:spTree>
+    <p:extLst>
+      <p:ext uri="{BB962C8B-B14F-4D97-AF65-F5344CB8AC3E}">
+        <p14:creationId xmlns:p14="http://schemas.microsoft.com/office/powerpoint/2010/main" val="1440107881"/>
+      </p:ext>
+    </p:extLst>
+  </p:cSld>
+  <p:clrMapOvr>
+    <a:masterClrMapping/>
+  </p:clrMapOvr>
+  <p:timing>
+    <p:tnLst>
+      <p:par>
+        <p:cTn id="1" dur="indefinite" restart="never" nodeType="tmRoot"/>
+      </p:par>
+    </p:tnLst>
+  </p:timing>
+</p:sld>
+</file>
+
+<file path=ppt/slides/slide35.xml><?xml version="1.0" encoding="utf-8"?>
+<p:sld xmlns:a="http://schemas.openxmlformats.org/drawingml/2006/main" xmlns:r="http://schemas.openxmlformats.org/officeDocument/2006/relationships" xmlns:p="http://schemas.openxmlformats.org/presentationml/2006/main">
+  <p:cSld>
+    <p:spTree>
+      <p:nvGrpSpPr>
+        <p:cNvPr id="1" name=""/>
+        <p:cNvGrpSpPr/>
+        <p:nvPr/>
+      </p:nvGrpSpPr>
+      <p:grpSpPr>
+        <a:xfrm>
+          <a:off x="0" y="0"/>
+          <a:ext cx="0" cy="0"/>
+          <a:chOff x="0" y="0"/>
+          <a:chExt cx="0" cy="0"/>
+        </a:xfrm>
+      </p:grpSpPr>
+      <p:sp>
+        <p:nvSpPr>
+          <p:cNvPr id="2" name="Titel 1"/>
+          <p:cNvSpPr>
+            <a:spLocks noGrp="1"/>
+          </p:cNvSpPr>
+          <p:nvPr>
+            <p:ph type="title"/>
+          </p:nvPr>
+        </p:nvSpPr>
+        <p:spPr/>
+        <p:txBody>
+          <a:bodyPr/>
+          <a:lstStyle/>
+          <a:p>
+            <a:pPr marL="457200" indent="-457200" algn="ctr">
+              <a:lnSpc>
+                <a:spcPct val="200000"/>
+              </a:lnSpc>
+            </a:pPr>
+            <a:r>
+              <a:rPr lang="de-DE" sz="3000" dirty="0" err="1">
+                <a:solidFill>
+                  <a:srgbClr val="000000"/>
+                </a:solidFill>
+                <a:latin typeface="Arial" panose="020B0604020202020204" pitchFamily="34" charset="0"/>
+                <a:cs typeface="Arial" panose="020B0604020202020204" pitchFamily="34" charset="0"/>
+              </a:rPr>
+              <a:t>Git</a:t>
+            </a:r>
+            <a:r>
+              <a:rPr lang="de-DE" sz="3000" dirty="0">
+                <a:solidFill>
+                  <a:srgbClr val="000000"/>
+                </a:solidFill>
+                <a:latin typeface="Arial" panose="020B0604020202020204" pitchFamily="34" charset="0"/>
+                <a:cs typeface="Arial" panose="020B0604020202020204" pitchFamily="34" charset="0"/>
+              </a:rPr>
+              <a:t> Plug-In </a:t>
+            </a:r>
+            <a:r>
+              <a:rPr lang="de-DE" sz="3000" dirty="0" err="1">
+                <a:solidFill>
+                  <a:srgbClr val="000000"/>
+                </a:solidFill>
+                <a:latin typeface="Arial" panose="020B0604020202020204" pitchFamily="34" charset="0"/>
+                <a:cs typeface="Arial" panose="020B0604020202020204" pitchFamily="34" charset="0"/>
+              </a:rPr>
+              <a:t>EGit</a:t>
+            </a:r>
+            <a:r>
+              <a:rPr lang="de-DE" sz="3000" dirty="0">
+                <a:solidFill>
+                  <a:srgbClr val="000000"/>
+                </a:solidFill>
+                <a:latin typeface="Arial" panose="020B0604020202020204" pitchFamily="34" charset="0"/>
+                <a:cs typeface="Arial" panose="020B0604020202020204" pitchFamily="34" charset="0"/>
+              </a:rPr>
+              <a:t> für </a:t>
+            </a:r>
+            <a:r>
+              <a:rPr lang="de-DE" sz="3000" dirty="0" err="1">
+                <a:solidFill>
+                  <a:srgbClr val="000000"/>
+                </a:solidFill>
+                <a:latin typeface="Arial" panose="020B0604020202020204" pitchFamily="34" charset="0"/>
+                <a:cs typeface="Arial" panose="020B0604020202020204" pitchFamily="34" charset="0"/>
+              </a:rPr>
+              <a:t>Eclipse</a:t>
+            </a:r>
+            <a:endParaRPr lang="de-DE" sz="3000" dirty="0">
+              <a:solidFill>
+                <a:srgbClr val="000000"/>
+              </a:solidFill>
+              <a:latin typeface="Arial" panose="020B0604020202020204" pitchFamily="34" charset="0"/>
+              <a:cs typeface="Arial" panose="020B0604020202020204" pitchFamily="34" charset="0"/>
+            </a:endParaRPr>
+          </a:p>
+        </p:txBody>
+      </p:sp>
+      <p:sp>
+        <p:nvSpPr>
+          <p:cNvPr id="4" name="Datumsplatzhalter 3"/>
+          <p:cNvSpPr>
+            <a:spLocks noGrp="1"/>
+          </p:cNvSpPr>
+          <p:nvPr>
+            <p:ph type="dt" sz="half" idx="10"/>
+          </p:nvPr>
+        </p:nvSpPr>
+        <p:spPr>
+          <a:xfrm>
+            <a:off x="7524328" y="6378575"/>
+            <a:ext cx="1008485" cy="365125"/>
+          </a:xfrm>
+        </p:spPr>
+        <p:txBody>
+          <a:bodyPr/>
+          <a:lstStyle/>
+          <a:p>
+            <a:pPr>
+              <a:defRPr/>
+            </a:pPr>
+            <a:fld id="{DBEF86A1-9947-4356-AD39-493A2BF305E6}" type="datetime1">
+              <a:rPr lang="de-DE" smtClean="0">
+                <a:latin typeface="Arial" panose="020B0604020202020204" pitchFamily="34" charset="0"/>
+                <a:cs typeface="Arial" panose="020B0604020202020204" pitchFamily="34" charset="0"/>
+              </a:rPr>
+              <a:pPr>
+                <a:defRPr/>
+              </a:pPr>
+              <a:t>08.11.2017</a:t>
+            </a:fld>
+            <a:endParaRPr lang="de-DE" dirty="0">
+              <a:latin typeface="Arial" panose="020B0604020202020204" pitchFamily="34" charset="0"/>
+              <a:cs typeface="Arial" panose="020B0604020202020204" pitchFamily="34" charset="0"/>
+            </a:endParaRPr>
+          </a:p>
+        </p:txBody>
+      </p:sp>
+      <p:sp>
+        <p:nvSpPr>
+          <p:cNvPr id="5" name="Fußzeilenplatzhalter 4"/>
+          <p:cNvSpPr>
+            <a:spLocks noGrp="1"/>
+          </p:cNvSpPr>
+          <p:nvPr>
+            <p:ph type="ftr" sz="quarter" idx="11"/>
+          </p:nvPr>
+        </p:nvSpPr>
+        <p:spPr/>
+        <p:txBody>
+          <a:bodyPr/>
+          <a:lstStyle/>
+          <a:p>
+            <a:pPr>
+              <a:defRPr/>
+            </a:pPr>
+            <a:r>
+              <a:rPr lang="de-DE" dirty="0" smtClean="0">
+                <a:latin typeface="Arial" panose="020B0604020202020204" pitchFamily="34" charset="0"/>
+                <a:cs typeface="Arial" panose="020B0604020202020204" pitchFamily="34" charset="0"/>
+              </a:rPr>
+              <a:t>Hochschule Furtwangen</a:t>
+            </a:r>
+            <a:endParaRPr lang="de-DE" dirty="0">
+              <a:latin typeface="Arial" panose="020B0604020202020204" pitchFamily="34" charset="0"/>
+              <a:cs typeface="Arial" panose="020B0604020202020204" pitchFamily="34" charset="0"/>
+            </a:endParaRPr>
+          </a:p>
+        </p:txBody>
+      </p:sp>
+      <p:sp>
+        <p:nvSpPr>
+          <p:cNvPr id="6" name="Foliennummernplatzhalter 5"/>
+          <p:cNvSpPr>
+            <a:spLocks noGrp="1"/>
+          </p:cNvSpPr>
+          <p:nvPr>
+            <p:ph type="sldNum" sz="quarter" idx="12"/>
+          </p:nvPr>
+        </p:nvSpPr>
+        <p:spPr>
+          <a:xfrm>
+            <a:off x="8676456" y="6021288"/>
+            <a:ext cx="359842" cy="264566"/>
+          </a:xfrm>
+        </p:spPr>
+        <p:txBody>
+          <a:bodyPr/>
+          <a:lstStyle/>
+          <a:p>
+            <a:pPr>
+              <a:defRPr/>
+            </a:pPr>
+            <a:fld id="{3C74D409-5571-4F32-B32A-C943406F16F9}" type="slidenum">
+              <a:rPr lang="de-DE" smtClean="0">
+                <a:latin typeface="Arial" panose="020B0604020202020204" pitchFamily="34" charset="0"/>
+                <a:cs typeface="Arial" panose="020B0604020202020204" pitchFamily="34" charset="0"/>
+              </a:rPr>
+              <a:pPr>
+                <a:defRPr/>
+              </a:pPr>
+              <a:t>35</a:t>
+            </a:fld>
+            <a:endParaRPr lang="de-DE" dirty="0">
+              <a:latin typeface="Arial" panose="020B0604020202020204" pitchFamily="34" charset="0"/>
+              <a:cs typeface="Arial" panose="020B0604020202020204" pitchFamily="34" charset="0"/>
+            </a:endParaRPr>
+          </a:p>
+        </p:txBody>
+      </p:sp>
+      <p:sp>
+        <p:nvSpPr>
+          <p:cNvPr id="7" name="Inhaltsplatzhalter 6"/>
+          <p:cNvSpPr>
+            <a:spLocks noGrp="1"/>
+          </p:cNvSpPr>
+          <p:nvPr>
+            <p:ph idx="1"/>
+          </p:nvPr>
+        </p:nvSpPr>
+        <p:spPr/>
+        <p:txBody>
+          <a:bodyPr/>
+          <a:lstStyle/>
+          <a:p>
+            <a:endParaRPr lang="de-DE"/>
+          </a:p>
+        </p:txBody>
+      </p:sp>
+      <p:pic>
+        <p:nvPicPr>
+          <p:cNvPr id="1028" name="Picture 4"/>
+          <p:cNvPicPr>
+            <a:picLocks noChangeAspect="1" noChangeArrowheads="1"/>
+          </p:cNvPicPr>
+          <p:nvPr/>
+        </p:nvPicPr>
+        <p:blipFill rotWithShape="1">
+          <a:blip r:embed="rId3">
+            <a:extLst>
+              <a:ext uri="{28A0092B-C50C-407E-A947-70E740481C1C}">
+                <a14:useLocalDpi xmlns:a14="http://schemas.microsoft.com/office/drawing/2010/main" val="0"/>
+              </a:ext>
+            </a:extLst>
+          </a:blip>
+          <a:srcRect r="8187"/>
+          <a:stretch/>
+        </p:blipFill>
+        <p:spPr bwMode="auto">
+          <a:xfrm>
+            <a:off x="1" y="318488"/>
+            <a:ext cx="9144000" cy="5602127"/>
+          </a:xfrm>
+          <a:prstGeom prst="rect">
+            <a:avLst/>
+          </a:prstGeom>
+          <a:noFill/>
+          <a:ln>
+            <a:noFill/>
+          </a:ln>
+          <a:extLst>
+            <a:ext uri="{909E8E84-426E-40DD-AFC4-6F175D3DCCD1}">
+              <a14:hiddenFill xmlns:a14="http://schemas.microsoft.com/office/drawing/2010/main">
+                <a:solidFill>
+                  <a:schemeClr val="accent1"/>
+                </a:solidFill>
+              </a14:hiddenFill>
+            </a:ext>
+            <a:ext uri="{91240B29-F687-4F45-9708-019B960494DF}">
+              <a14:hiddenLine xmlns:a14="http://schemas.microsoft.com/office/drawing/2010/main" w="9525">
+                <a:solidFill>
+                  <a:schemeClr val="tx1"/>
+                </a:solidFill>
+                <a:miter lim="800000"/>
+                <a:headEnd/>
+                <a:tailEnd/>
+              </a14:hiddenLine>
+            </a:ext>
+          </a:extLst>
+        </p:spPr>
+      </p:pic>
+    </p:spTree>
+    <p:extLst>
+      <p:ext uri="{BB962C8B-B14F-4D97-AF65-F5344CB8AC3E}">
+        <p14:creationId xmlns:p14="http://schemas.microsoft.com/office/powerpoint/2010/main" val="2601208244"/>
+      </p:ext>
+    </p:extLst>
+  </p:cSld>
+  <p:clrMapOvr>
+    <a:masterClrMapping/>
+  </p:clrMapOvr>
+  <p:timing>
+    <p:tnLst>
+      <p:par>
+        <p:cTn id="1" dur="indefinite" restart="never" nodeType="tmRoot"/>
+      </p:par>
+    </p:tnLst>
+  </p:timing>
+</p:sld>
+</file>
+
+<file path=ppt/slides/slide36.xml><?xml version="1.0" encoding="utf-8"?>
+<p:sld xmlns:a="http://schemas.openxmlformats.org/drawingml/2006/main" xmlns:r="http://schemas.openxmlformats.org/officeDocument/2006/relationships" xmlns:p="http://schemas.openxmlformats.org/presentationml/2006/main">
+  <p:cSld>
+    <p:spTree>
+      <p:nvGrpSpPr>
+        <p:cNvPr id="1" name=""/>
+        <p:cNvGrpSpPr/>
+        <p:nvPr/>
+      </p:nvGrpSpPr>
+      <p:grpSpPr>
+        <a:xfrm>
+          <a:off x="0" y="0"/>
+          <a:ext cx="0" cy="0"/>
+          <a:chOff x="0" y="0"/>
+          <a:chExt cx="0" cy="0"/>
+        </a:xfrm>
+      </p:grpSpPr>
+      <p:sp>
+        <p:nvSpPr>
+          <p:cNvPr id="2" name="Titel 1"/>
+          <p:cNvSpPr>
+            <a:spLocks noGrp="1"/>
+          </p:cNvSpPr>
+          <p:nvPr>
+            <p:ph type="title"/>
+          </p:nvPr>
+        </p:nvSpPr>
+        <p:spPr/>
+        <p:txBody>
+          <a:bodyPr/>
+          <a:lstStyle/>
+          <a:p>
+            <a:pPr marL="457200" indent="-457200" algn="ctr">
+              <a:lnSpc>
+                <a:spcPct val="200000"/>
+              </a:lnSpc>
+            </a:pPr>
+            <a:r>
+              <a:rPr lang="de-DE" sz="3000" dirty="0" err="1">
+                <a:solidFill>
+                  <a:srgbClr val="000000"/>
+                </a:solidFill>
+                <a:latin typeface="Arial" panose="020B0604020202020204" pitchFamily="34" charset="0"/>
+                <a:cs typeface="Arial" panose="020B0604020202020204" pitchFamily="34" charset="0"/>
+              </a:rPr>
+              <a:t>Git</a:t>
+            </a:r>
+            <a:r>
+              <a:rPr lang="de-DE" sz="3000" dirty="0">
+                <a:solidFill>
+                  <a:srgbClr val="000000"/>
+                </a:solidFill>
+                <a:latin typeface="Arial" panose="020B0604020202020204" pitchFamily="34" charset="0"/>
+                <a:cs typeface="Arial" panose="020B0604020202020204" pitchFamily="34" charset="0"/>
+              </a:rPr>
+              <a:t> Plug-In </a:t>
+            </a:r>
+            <a:r>
+              <a:rPr lang="de-DE" sz="3000" dirty="0" err="1">
+                <a:solidFill>
+                  <a:srgbClr val="000000"/>
+                </a:solidFill>
+                <a:latin typeface="Arial" panose="020B0604020202020204" pitchFamily="34" charset="0"/>
+                <a:cs typeface="Arial" panose="020B0604020202020204" pitchFamily="34" charset="0"/>
+              </a:rPr>
+              <a:t>EGit</a:t>
+            </a:r>
+            <a:r>
+              <a:rPr lang="de-DE" sz="3000" dirty="0">
+                <a:solidFill>
+                  <a:srgbClr val="000000"/>
+                </a:solidFill>
+                <a:latin typeface="Arial" panose="020B0604020202020204" pitchFamily="34" charset="0"/>
+                <a:cs typeface="Arial" panose="020B0604020202020204" pitchFamily="34" charset="0"/>
+              </a:rPr>
+              <a:t> für </a:t>
+            </a:r>
+            <a:r>
+              <a:rPr lang="de-DE" sz="3000" dirty="0" err="1">
+                <a:solidFill>
+                  <a:srgbClr val="000000"/>
+                </a:solidFill>
+                <a:latin typeface="Arial" panose="020B0604020202020204" pitchFamily="34" charset="0"/>
+                <a:cs typeface="Arial" panose="020B0604020202020204" pitchFamily="34" charset="0"/>
+              </a:rPr>
+              <a:t>Eclipse</a:t>
+            </a:r>
+            <a:endParaRPr lang="de-DE" sz="3000" dirty="0">
+              <a:solidFill>
+                <a:srgbClr val="000000"/>
+              </a:solidFill>
+              <a:latin typeface="Arial" panose="020B0604020202020204" pitchFamily="34" charset="0"/>
+              <a:cs typeface="Arial" panose="020B0604020202020204" pitchFamily="34" charset="0"/>
+            </a:endParaRPr>
+          </a:p>
+        </p:txBody>
+      </p:sp>
+      <p:sp>
+        <p:nvSpPr>
+          <p:cNvPr id="4" name="Datumsplatzhalter 3"/>
+          <p:cNvSpPr>
+            <a:spLocks noGrp="1"/>
+          </p:cNvSpPr>
+          <p:nvPr>
+            <p:ph type="dt" sz="half" idx="10"/>
+          </p:nvPr>
+        </p:nvSpPr>
+        <p:spPr>
+          <a:xfrm>
+            <a:off x="7524328" y="6378575"/>
+            <a:ext cx="1008485" cy="365125"/>
+          </a:xfrm>
+        </p:spPr>
+        <p:txBody>
+          <a:bodyPr/>
+          <a:lstStyle/>
+          <a:p>
+            <a:pPr>
+              <a:defRPr/>
+            </a:pPr>
+            <a:fld id="{DBEF86A1-9947-4356-AD39-493A2BF305E6}" type="datetime1">
+              <a:rPr lang="de-DE" smtClean="0">
+                <a:latin typeface="Arial" panose="020B0604020202020204" pitchFamily="34" charset="0"/>
+                <a:cs typeface="Arial" panose="020B0604020202020204" pitchFamily="34" charset="0"/>
+              </a:rPr>
+              <a:pPr>
+                <a:defRPr/>
+              </a:pPr>
+              <a:t>08.11.2017</a:t>
+            </a:fld>
+            <a:endParaRPr lang="de-DE" dirty="0">
+              <a:latin typeface="Arial" panose="020B0604020202020204" pitchFamily="34" charset="0"/>
+              <a:cs typeface="Arial" panose="020B0604020202020204" pitchFamily="34" charset="0"/>
+            </a:endParaRPr>
+          </a:p>
+        </p:txBody>
+      </p:sp>
+      <p:sp>
+        <p:nvSpPr>
+          <p:cNvPr id="5" name="Fußzeilenplatzhalter 4"/>
+          <p:cNvSpPr>
+            <a:spLocks noGrp="1"/>
+          </p:cNvSpPr>
+          <p:nvPr>
+            <p:ph type="ftr" sz="quarter" idx="11"/>
+          </p:nvPr>
+        </p:nvSpPr>
+        <p:spPr/>
+        <p:txBody>
+          <a:bodyPr/>
+          <a:lstStyle/>
+          <a:p>
+            <a:pPr>
+              <a:defRPr/>
+            </a:pPr>
+            <a:r>
+              <a:rPr lang="de-DE" dirty="0" smtClean="0">
+                <a:latin typeface="Arial" panose="020B0604020202020204" pitchFamily="34" charset="0"/>
+                <a:cs typeface="Arial" panose="020B0604020202020204" pitchFamily="34" charset="0"/>
+              </a:rPr>
+              <a:t>Hochschule Furtwangen</a:t>
+            </a:r>
+            <a:endParaRPr lang="de-DE" dirty="0">
+              <a:latin typeface="Arial" panose="020B0604020202020204" pitchFamily="34" charset="0"/>
+              <a:cs typeface="Arial" panose="020B0604020202020204" pitchFamily="34" charset="0"/>
+            </a:endParaRPr>
+          </a:p>
+        </p:txBody>
+      </p:sp>
+      <p:sp>
+        <p:nvSpPr>
+          <p:cNvPr id="6" name="Foliennummernplatzhalter 5"/>
+          <p:cNvSpPr>
+            <a:spLocks noGrp="1"/>
+          </p:cNvSpPr>
+          <p:nvPr>
+            <p:ph type="sldNum" sz="quarter" idx="12"/>
+          </p:nvPr>
+        </p:nvSpPr>
+        <p:spPr>
+          <a:xfrm>
+            <a:off x="8676456" y="6021288"/>
+            <a:ext cx="359842" cy="264566"/>
+          </a:xfrm>
+        </p:spPr>
+        <p:txBody>
+          <a:bodyPr/>
+          <a:lstStyle/>
+          <a:p>
+            <a:pPr>
+              <a:defRPr/>
+            </a:pPr>
+            <a:fld id="{3C74D409-5571-4F32-B32A-C943406F16F9}" type="slidenum">
+              <a:rPr lang="de-DE" smtClean="0">
+                <a:latin typeface="Arial" panose="020B0604020202020204" pitchFamily="34" charset="0"/>
+                <a:cs typeface="Arial" panose="020B0604020202020204" pitchFamily="34" charset="0"/>
+              </a:rPr>
+              <a:pPr>
+                <a:defRPr/>
+              </a:pPr>
+              <a:t>36</a:t>
+            </a:fld>
+            <a:endParaRPr lang="de-DE" dirty="0">
+              <a:latin typeface="Arial" panose="020B0604020202020204" pitchFamily="34" charset="0"/>
+              <a:cs typeface="Arial" panose="020B0604020202020204" pitchFamily="34" charset="0"/>
+            </a:endParaRPr>
+          </a:p>
+        </p:txBody>
+      </p:sp>
+      <p:sp>
+        <p:nvSpPr>
+          <p:cNvPr id="7" name="Inhaltsplatzhalter 6"/>
+          <p:cNvSpPr>
+            <a:spLocks noGrp="1"/>
+          </p:cNvSpPr>
+          <p:nvPr>
+            <p:ph idx="1"/>
+          </p:nvPr>
+        </p:nvSpPr>
+        <p:spPr/>
+        <p:txBody>
+          <a:bodyPr/>
+          <a:lstStyle/>
+          <a:p>
+            <a:endParaRPr lang="de-DE"/>
+          </a:p>
+        </p:txBody>
+      </p:sp>
+      <p:pic>
+        <p:nvPicPr>
+          <p:cNvPr id="2050" name="Picture 2"/>
+          <p:cNvPicPr>
+            <a:picLocks noChangeAspect="1" noChangeArrowheads="1"/>
+          </p:cNvPicPr>
+          <p:nvPr/>
+        </p:nvPicPr>
+        <p:blipFill rotWithShape="1">
+          <a:blip r:embed="rId3">
+            <a:extLst>
+              <a:ext uri="{28A0092B-C50C-407E-A947-70E740481C1C}">
+                <a14:useLocalDpi xmlns:a14="http://schemas.microsoft.com/office/drawing/2010/main" val="0"/>
+              </a:ext>
+            </a:extLst>
+          </a:blip>
+          <a:srcRect r="8607"/>
+          <a:stretch/>
+        </p:blipFill>
+        <p:spPr bwMode="auto">
+          <a:xfrm>
+            <a:off x="-13701" y="332656"/>
+            <a:ext cx="9177376" cy="5648450"/>
+          </a:xfrm>
+          <a:prstGeom prst="rect">
+            <a:avLst/>
+          </a:prstGeom>
+          <a:noFill/>
+          <a:ln>
+            <a:noFill/>
+          </a:ln>
+          <a:extLst>
+            <a:ext uri="{909E8E84-426E-40DD-AFC4-6F175D3DCCD1}">
+              <a14:hiddenFill xmlns:a14="http://schemas.microsoft.com/office/drawing/2010/main">
+                <a:solidFill>
+                  <a:schemeClr val="accent1"/>
+                </a:solidFill>
+              </a14:hiddenFill>
+            </a:ext>
+            <a:ext uri="{91240B29-F687-4F45-9708-019B960494DF}">
+              <a14:hiddenLine xmlns:a14="http://schemas.microsoft.com/office/drawing/2010/main" w="9525">
+                <a:solidFill>
+                  <a:schemeClr val="tx1"/>
+                </a:solidFill>
+                <a:miter lim="800000"/>
+                <a:headEnd/>
+                <a:tailEnd/>
+              </a14:hiddenLine>
+            </a:ext>
+          </a:extLst>
+        </p:spPr>
+      </p:pic>
+    </p:spTree>
+    <p:extLst>
+      <p:ext uri="{BB962C8B-B14F-4D97-AF65-F5344CB8AC3E}">
+        <p14:creationId xmlns:p14="http://schemas.microsoft.com/office/powerpoint/2010/main" val="1335678212"/>
+      </p:ext>
+    </p:extLst>
+  </p:cSld>
+  <p:clrMapOvr>
+    <a:masterClrMapping/>
+  </p:clrMapOvr>
+  <p:timing>
+    <p:tnLst>
+      <p:par>
+        <p:cTn id="1" dur="indefinite" restart="never" nodeType="tmRoot"/>
+      </p:par>
+    </p:tnLst>
+  </p:timing>
+</p:sld>
+</file>
+
+<file path=ppt/slides/slide37.xml><?xml version="1.0" encoding="utf-8"?>
+<p:sld xmlns:a="http://schemas.openxmlformats.org/drawingml/2006/main" xmlns:r="http://schemas.openxmlformats.org/officeDocument/2006/relationships" xmlns:p="http://schemas.openxmlformats.org/presentationml/2006/main">
+  <p:cSld>
+    <p:spTree>
+      <p:nvGrpSpPr>
+        <p:cNvPr id="1" name=""/>
+        <p:cNvGrpSpPr/>
+        <p:nvPr/>
+      </p:nvGrpSpPr>
+      <p:grpSpPr>
+        <a:xfrm>
+          <a:off x="0" y="0"/>
+          <a:ext cx="0" cy="0"/>
+          <a:chOff x="0" y="0"/>
+          <a:chExt cx="0" cy="0"/>
+        </a:xfrm>
+      </p:grpSpPr>
+      <p:sp>
+        <p:nvSpPr>
+          <p:cNvPr id="2" name="Titel 1"/>
+          <p:cNvSpPr>
+            <a:spLocks noGrp="1"/>
+          </p:cNvSpPr>
+          <p:nvPr>
+            <p:ph type="title"/>
+          </p:nvPr>
+        </p:nvSpPr>
+        <p:spPr/>
+        <p:txBody>
+          <a:bodyPr/>
+          <a:lstStyle/>
+          <a:p>
+            <a:pPr marL="457200" indent="-457200" algn="ctr">
+              <a:lnSpc>
+                <a:spcPct val="200000"/>
+              </a:lnSpc>
+            </a:pPr>
+            <a:r>
+              <a:rPr lang="de-DE" sz="3000" dirty="0" err="1">
+                <a:solidFill>
+                  <a:srgbClr val="000000"/>
+                </a:solidFill>
+                <a:latin typeface="Arial" panose="020B0604020202020204" pitchFamily="34" charset="0"/>
+                <a:cs typeface="Arial" panose="020B0604020202020204" pitchFamily="34" charset="0"/>
+              </a:rPr>
+              <a:t>Git</a:t>
+            </a:r>
+            <a:r>
+              <a:rPr lang="de-DE" sz="3000" dirty="0">
+                <a:solidFill>
+                  <a:srgbClr val="000000"/>
+                </a:solidFill>
+                <a:latin typeface="Arial" panose="020B0604020202020204" pitchFamily="34" charset="0"/>
+                <a:cs typeface="Arial" panose="020B0604020202020204" pitchFamily="34" charset="0"/>
+              </a:rPr>
+              <a:t> Plug-In </a:t>
+            </a:r>
+            <a:r>
+              <a:rPr lang="de-DE" sz="3000" dirty="0" err="1">
+                <a:solidFill>
+                  <a:srgbClr val="000000"/>
+                </a:solidFill>
+                <a:latin typeface="Arial" panose="020B0604020202020204" pitchFamily="34" charset="0"/>
+                <a:cs typeface="Arial" panose="020B0604020202020204" pitchFamily="34" charset="0"/>
+              </a:rPr>
+              <a:t>EGit</a:t>
+            </a:r>
+            <a:r>
+              <a:rPr lang="de-DE" sz="3000" dirty="0">
+                <a:solidFill>
+                  <a:srgbClr val="000000"/>
+                </a:solidFill>
+                <a:latin typeface="Arial" panose="020B0604020202020204" pitchFamily="34" charset="0"/>
+                <a:cs typeface="Arial" panose="020B0604020202020204" pitchFamily="34" charset="0"/>
+              </a:rPr>
+              <a:t> für </a:t>
+            </a:r>
+            <a:r>
+              <a:rPr lang="de-DE" sz="3000" dirty="0" err="1">
+                <a:solidFill>
+                  <a:srgbClr val="000000"/>
+                </a:solidFill>
+                <a:latin typeface="Arial" panose="020B0604020202020204" pitchFamily="34" charset="0"/>
+                <a:cs typeface="Arial" panose="020B0604020202020204" pitchFamily="34" charset="0"/>
+              </a:rPr>
+              <a:t>Eclipse</a:t>
+            </a:r>
+            <a:endParaRPr lang="de-DE" sz="3000" dirty="0">
+              <a:solidFill>
+                <a:srgbClr val="000000"/>
+              </a:solidFill>
+              <a:latin typeface="Arial" panose="020B0604020202020204" pitchFamily="34" charset="0"/>
+              <a:cs typeface="Arial" panose="020B0604020202020204" pitchFamily="34" charset="0"/>
+            </a:endParaRPr>
+          </a:p>
+        </p:txBody>
+      </p:sp>
+      <p:sp>
+        <p:nvSpPr>
+          <p:cNvPr id="4" name="Datumsplatzhalter 3"/>
+          <p:cNvSpPr>
+            <a:spLocks noGrp="1"/>
+          </p:cNvSpPr>
+          <p:nvPr>
+            <p:ph type="dt" sz="half" idx="10"/>
+          </p:nvPr>
+        </p:nvSpPr>
+        <p:spPr>
+          <a:xfrm>
+            <a:off x="7524328" y="6378575"/>
+            <a:ext cx="1008485" cy="365125"/>
+          </a:xfrm>
+        </p:spPr>
+        <p:txBody>
+          <a:bodyPr/>
+          <a:lstStyle/>
+          <a:p>
+            <a:pPr>
+              <a:defRPr/>
+            </a:pPr>
+            <a:fld id="{DBEF86A1-9947-4356-AD39-493A2BF305E6}" type="datetime1">
+              <a:rPr lang="de-DE" smtClean="0">
+                <a:latin typeface="Arial" panose="020B0604020202020204" pitchFamily="34" charset="0"/>
+                <a:cs typeface="Arial" panose="020B0604020202020204" pitchFamily="34" charset="0"/>
+              </a:rPr>
+              <a:pPr>
+                <a:defRPr/>
+              </a:pPr>
+              <a:t>08.11.2017</a:t>
+            </a:fld>
+            <a:endParaRPr lang="de-DE" dirty="0">
+              <a:latin typeface="Arial" panose="020B0604020202020204" pitchFamily="34" charset="0"/>
+              <a:cs typeface="Arial" panose="020B0604020202020204" pitchFamily="34" charset="0"/>
+            </a:endParaRPr>
+          </a:p>
+        </p:txBody>
+      </p:sp>
+      <p:sp>
+        <p:nvSpPr>
+          <p:cNvPr id="5" name="Fußzeilenplatzhalter 4"/>
+          <p:cNvSpPr>
+            <a:spLocks noGrp="1"/>
+          </p:cNvSpPr>
+          <p:nvPr>
+            <p:ph type="ftr" sz="quarter" idx="11"/>
+          </p:nvPr>
+        </p:nvSpPr>
+        <p:spPr/>
+        <p:txBody>
+          <a:bodyPr/>
+          <a:lstStyle/>
+          <a:p>
+            <a:pPr>
+              <a:defRPr/>
+            </a:pPr>
+            <a:r>
+              <a:rPr lang="de-DE" dirty="0" smtClean="0">
+                <a:latin typeface="Arial" panose="020B0604020202020204" pitchFamily="34" charset="0"/>
+                <a:cs typeface="Arial" panose="020B0604020202020204" pitchFamily="34" charset="0"/>
+              </a:rPr>
+              <a:t>Hochschule Furtwangen</a:t>
+            </a:r>
+            <a:endParaRPr lang="de-DE" dirty="0">
+              <a:latin typeface="Arial" panose="020B0604020202020204" pitchFamily="34" charset="0"/>
+              <a:cs typeface="Arial" panose="020B0604020202020204" pitchFamily="34" charset="0"/>
+            </a:endParaRPr>
+          </a:p>
+        </p:txBody>
+      </p:sp>
+      <p:sp>
+        <p:nvSpPr>
+          <p:cNvPr id="6" name="Foliennummernplatzhalter 5"/>
+          <p:cNvSpPr>
+            <a:spLocks noGrp="1"/>
+          </p:cNvSpPr>
+          <p:nvPr>
+            <p:ph type="sldNum" sz="quarter" idx="12"/>
+          </p:nvPr>
+        </p:nvSpPr>
+        <p:spPr>
+          <a:xfrm>
+            <a:off x="8676456" y="6021288"/>
+            <a:ext cx="359842" cy="264566"/>
+          </a:xfrm>
+        </p:spPr>
+        <p:txBody>
+          <a:bodyPr/>
+          <a:lstStyle/>
+          <a:p>
+            <a:pPr>
+              <a:defRPr/>
+            </a:pPr>
+            <a:fld id="{3C74D409-5571-4F32-B32A-C943406F16F9}" type="slidenum">
+              <a:rPr lang="de-DE" smtClean="0">
+                <a:latin typeface="Arial" panose="020B0604020202020204" pitchFamily="34" charset="0"/>
+                <a:cs typeface="Arial" panose="020B0604020202020204" pitchFamily="34" charset="0"/>
+              </a:rPr>
+              <a:pPr>
+                <a:defRPr/>
+              </a:pPr>
+              <a:t>37</a:t>
+            </a:fld>
+            <a:endParaRPr lang="de-DE" dirty="0">
+              <a:latin typeface="Arial" panose="020B0604020202020204" pitchFamily="34" charset="0"/>
+              <a:cs typeface="Arial" panose="020B0604020202020204" pitchFamily="34" charset="0"/>
+            </a:endParaRPr>
+          </a:p>
+        </p:txBody>
+      </p:sp>
+      <p:sp>
+        <p:nvSpPr>
+          <p:cNvPr id="7" name="Inhaltsplatzhalter 6"/>
+          <p:cNvSpPr>
+            <a:spLocks noGrp="1"/>
+          </p:cNvSpPr>
+          <p:nvPr>
+            <p:ph idx="1"/>
+          </p:nvPr>
+        </p:nvSpPr>
+        <p:spPr/>
+        <p:txBody>
+          <a:bodyPr/>
+          <a:lstStyle/>
+          <a:p>
+            <a:endParaRPr lang="de-DE"/>
+          </a:p>
+        </p:txBody>
+      </p:sp>
+      <p:pic>
+        <p:nvPicPr>
+          <p:cNvPr id="3074" name="Picture 2"/>
+          <p:cNvPicPr>
+            <a:picLocks noChangeAspect="1" noChangeArrowheads="1"/>
+          </p:cNvPicPr>
+          <p:nvPr/>
+        </p:nvPicPr>
+        <p:blipFill rotWithShape="1">
+          <a:blip r:embed="rId3">
+            <a:extLst>
+              <a:ext uri="{28A0092B-C50C-407E-A947-70E740481C1C}">
+                <a14:useLocalDpi xmlns:a14="http://schemas.microsoft.com/office/drawing/2010/main" val="0"/>
+              </a:ext>
+            </a:extLst>
+          </a:blip>
+          <a:srcRect r="3075"/>
+          <a:stretch/>
+        </p:blipFill>
+        <p:spPr bwMode="auto">
+          <a:xfrm>
+            <a:off x="-1" y="260648"/>
+            <a:ext cx="9144001" cy="5306677"/>
+          </a:xfrm>
+          <a:prstGeom prst="rect">
+            <a:avLst/>
+          </a:prstGeom>
+          <a:noFill/>
+          <a:ln>
+            <a:noFill/>
+          </a:ln>
+          <a:extLst>
+            <a:ext uri="{909E8E84-426E-40DD-AFC4-6F175D3DCCD1}">
+              <a14:hiddenFill xmlns:a14="http://schemas.microsoft.com/office/drawing/2010/main">
+                <a:solidFill>
+                  <a:schemeClr val="accent1"/>
+                </a:solidFill>
+              </a14:hiddenFill>
+            </a:ext>
+            <a:ext uri="{91240B29-F687-4F45-9708-019B960494DF}">
+              <a14:hiddenLine xmlns:a14="http://schemas.microsoft.com/office/drawing/2010/main" w="9525">
+                <a:solidFill>
+                  <a:schemeClr val="tx1"/>
+                </a:solidFill>
+                <a:miter lim="800000"/>
+                <a:headEnd/>
+                <a:tailEnd/>
+              </a14:hiddenLine>
+            </a:ext>
+          </a:extLst>
+        </p:spPr>
+      </p:pic>
+    </p:spTree>
+    <p:extLst>
+      <p:ext uri="{BB962C8B-B14F-4D97-AF65-F5344CB8AC3E}">
+        <p14:creationId xmlns:p14="http://schemas.microsoft.com/office/powerpoint/2010/main" val="677604904"/>
+      </p:ext>
+    </p:extLst>
+  </p:cSld>
+  <p:clrMapOvr>
+    <a:masterClrMapping/>
+  </p:clrMapOvr>
+  <p:timing>
+    <p:tnLst>
+      <p:par>
+        <p:cTn id="1" dur="indefinite" restart="never" nodeType="tmRoot"/>
+      </p:par>
+    </p:tnLst>
+  </p:timing>
+</p:sld>
+</file>
+
+<file path=ppt/slides/slide38.xml><?xml version="1.0" encoding="utf-8"?>
+<p:sld xmlns:a="http://schemas.openxmlformats.org/drawingml/2006/main" xmlns:r="http://schemas.openxmlformats.org/officeDocument/2006/relationships" xmlns:p="http://schemas.openxmlformats.org/presentationml/2006/main">
+  <p:cSld>
+    <p:spTree>
+      <p:nvGrpSpPr>
+        <p:cNvPr id="1" name=""/>
+        <p:cNvGrpSpPr/>
+        <p:nvPr/>
+      </p:nvGrpSpPr>
+      <p:grpSpPr>
+        <a:xfrm>
+          <a:off x="0" y="0"/>
+          <a:ext cx="0" cy="0"/>
+          <a:chOff x="0" y="0"/>
+          <a:chExt cx="0" cy="0"/>
+        </a:xfrm>
+      </p:grpSpPr>
+      <p:sp>
+        <p:nvSpPr>
+          <p:cNvPr id="2" name="Titel 1"/>
+          <p:cNvSpPr>
+            <a:spLocks noGrp="1"/>
+          </p:cNvSpPr>
+          <p:nvPr>
+            <p:ph type="title"/>
+          </p:nvPr>
+        </p:nvSpPr>
+        <p:spPr/>
+        <p:txBody>
+          <a:bodyPr/>
+          <a:lstStyle/>
+          <a:p>
+            <a:pPr marL="457200" indent="-457200" algn="ctr">
+              <a:lnSpc>
+                <a:spcPct val="200000"/>
+              </a:lnSpc>
+            </a:pPr>
+            <a:r>
+              <a:rPr lang="de-DE" sz="3000" dirty="0" err="1">
+                <a:solidFill>
+                  <a:srgbClr val="000000"/>
+                </a:solidFill>
+                <a:latin typeface="Arial" panose="020B0604020202020204" pitchFamily="34" charset="0"/>
+                <a:cs typeface="Arial" panose="020B0604020202020204" pitchFamily="34" charset="0"/>
+              </a:rPr>
+              <a:t>Git</a:t>
+            </a:r>
+            <a:r>
+              <a:rPr lang="de-DE" sz="3000" dirty="0">
+                <a:solidFill>
+                  <a:srgbClr val="000000"/>
+                </a:solidFill>
+                <a:latin typeface="Arial" panose="020B0604020202020204" pitchFamily="34" charset="0"/>
+                <a:cs typeface="Arial" panose="020B0604020202020204" pitchFamily="34" charset="0"/>
+              </a:rPr>
+              <a:t> Plug-In </a:t>
+            </a:r>
+            <a:r>
+              <a:rPr lang="de-DE" sz="3000" dirty="0" err="1">
+                <a:solidFill>
+                  <a:srgbClr val="000000"/>
+                </a:solidFill>
+                <a:latin typeface="Arial" panose="020B0604020202020204" pitchFamily="34" charset="0"/>
+                <a:cs typeface="Arial" panose="020B0604020202020204" pitchFamily="34" charset="0"/>
+              </a:rPr>
+              <a:t>EGit</a:t>
+            </a:r>
+            <a:r>
+              <a:rPr lang="de-DE" sz="3000" dirty="0">
+                <a:solidFill>
+                  <a:srgbClr val="000000"/>
+                </a:solidFill>
+                <a:latin typeface="Arial" panose="020B0604020202020204" pitchFamily="34" charset="0"/>
+                <a:cs typeface="Arial" panose="020B0604020202020204" pitchFamily="34" charset="0"/>
+              </a:rPr>
+              <a:t> für </a:t>
+            </a:r>
+            <a:r>
+              <a:rPr lang="de-DE" sz="3000" dirty="0" err="1">
+                <a:solidFill>
+                  <a:srgbClr val="000000"/>
+                </a:solidFill>
+                <a:latin typeface="Arial" panose="020B0604020202020204" pitchFamily="34" charset="0"/>
+                <a:cs typeface="Arial" panose="020B0604020202020204" pitchFamily="34" charset="0"/>
+              </a:rPr>
+              <a:t>Eclipse</a:t>
+            </a:r>
+            <a:endParaRPr lang="de-DE" sz="3000" dirty="0">
+              <a:solidFill>
+                <a:srgbClr val="000000"/>
+              </a:solidFill>
+              <a:latin typeface="Arial" panose="020B0604020202020204" pitchFamily="34" charset="0"/>
+              <a:cs typeface="Arial" panose="020B0604020202020204" pitchFamily="34" charset="0"/>
+            </a:endParaRPr>
+          </a:p>
+        </p:txBody>
+      </p:sp>
+      <p:sp>
+        <p:nvSpPr>
+          <p:cNvPr id="4" name="Datumsplatzhalter 3"/>
+          <p:cNvSpPr>
+            <a:spLocks noGrp="1"/>
+          </p:cNvSpPr>
+          <p:nvPr>
+            <p:ph type="dt" sz="half" idx="10"/>
+          </p:nvPr>
+        </p:nvSpPr>
+        <p:spPr>
+          <a:xfrm>
+            <a:off x="7524328" y="6378575"/>
+            <a:ext cx="1008485" cy="365125"/>
+          </a:xfrm>
+        </p:spPr>
+        <p:txBody>
+          <a:bodyPr/>
+          <a:lstStyle/>
+          <a:p>
+            <a:pPr>
+              <a:defRPr/>
+            </a:pPr>
+            <a:fld id="{DBEF86A1-9947-4356-AD39-493A2BF305E6}" type="datetime1">
+              <a:rPr lang="de-DE" smtClean="0">
+                <a:latin typeface="Arial" panose="020B0604020202020204" pitchFamily="34" charset="0"/>
+                <a:cs typeface="Arial" panose="020B0604020202020204" pitchFamily="34" charset="0"/>
+              </a:rPr>
+              <a:pPr>
+                <a:defRPr/>
+              </a:pPr>
+              <a:t>08.11.2017</a:t>
+            </a:fld>
+            <a:endParaRPr lang="de-DE" dirty="0">
+              <a:latin typeface="Arial" panose="020B0604020202020204" pitchFamily="34" charset="0"/>
+              <a:cs typeface="Arial" panose="020B0604020202020204" pitchFamily="34" charset="0"/>
+            </a:endParaRPr>
+          </a:p>
+        </p:txBody>
+      </p:sp>
+      <p:sp>
+        <p:nvSpPr>
+          <p:cNvPr id="5" name="Fußzeilenplatzhalter 4"/>
+          <p:cNvSpPr>
+            <a:spLocks noGrp="1"/>
+          </p:cNvSpPr>
+          <p:nvPr>
+            <p:ph type="ftr" sz="quarter" idx="11"/>
+          </p:nvPr>
+        </p:nvSpPr>
+        <p:spPr/>
+        <p:txBody>
+          <a:bodyPr/>
+          <a:lstStyle/>
+          <a:p>
+            <a:pPr>
+              <a:defRPr/>
+            </a:pPr>
+            <a:r>
+              <a:rPr lang="de-DE" dirty="0" smtClean="0">
+                <a:latin typeface="Arial" panose="020B0604020202020204" pitchFamily="34" charset="0"/>
+                <a:cs typeface="Arial" panose="020B0604020202020204" pitchFamily="34" charset="0"/>
+              </a:rPr>
+              <a:t>Hochschule Furtwangen</a:t>
+            </a:r>
+            <a:endParaRPr lang="de-DE" dirty="0">
+              <a:latin typeface="Arial" panose="020B0604020202020204" pitchFamily="34" charset="0"/>
+              <a:cs typeface="Arial" panose="020B0604020202020204" pitchFamily="34" charset="0"/>
+            </a:endParaRPr>
+          </a:p>
+        </p:txBody>
+      </p:sp>
+      <p:sp>
+        <p:nvSpPr>
+          <p:cNvPr id="6" name="Foliennummernplatzhalter 5"/>
+          <p:cNvSpPr>
+            <a:spLocks noGrp="1"/>
+          </p:cNvSpPr>
+          <p:nvPr>
+            <p:ph type="sldNum" sz="quarter" idx="12"/>
+          </p:nvPr>
+        </p:nvSpPr>
+        <p:spPr>
+          <a:xfrm>
+            <a:off x="8676456" y="6021288"/>
+            <a:ext cx="359842" cy="264566"/>
+          </a:xfrm>
+        </p:spPr>
+        <p:txBody>
+          <a:bodyPr/>
+          <a:lstStyle/>
+          <a:p>
+            <a:pPr>
+              <a:defRPr/>
+            </a:pPr>
+            <a:fld id="{3C74D409-5571-4F32-B32A-C943406F16F9}" type="slidenum">
+              <a:rPr lang="de-DE" smtClean="0">
+                <a:latin typeface="Arial" panose="020B0604020202020204" pitchFamily="34" charset="0"/>
+                <a:cs typeface="Arial" panose="020B0604020202020204" pitchFamily="34" charset="0"/>
+              </a:rPr>
+              <a:pPr>
+                <a:defRPr/>
+              </a:pPr>
+              <a:t>38</a:t>
+            </a:fld>
+            <a:endParaRPr lang="de-DE" dirty="0">
+              <a:latin typeface="Arial" panose="020B0604020202020204" pitchFamily="34" charset="0"/>
+              <a:cs typeface="Arial" panose="020B0604020202020204" pitchFamily="34" charset="0"/>
+            </a:endParaRPr>
+          </a:p>
+        </p:txBody>
+      </p:sp>
+      <p:sp>
+        <p:nvSpPr>
+          <p:cNvPr id="7" name="Inhaltsplatzhalter 6"/>
+          <p:cNvSpPr>
+            <a:spLocks noGrp="1"/>
+          </p:cNvSpPr>
+          <p:nvPr>
+            <p:ph idx="1"/>
+          </p:nvPr>
+        </p:nvSpPr>
+        <p:spPr/>
+        <p:txBody>
+          <a:bodyPr/>
+          <a:lstStyle/>
+          <a:p>
+            <a:endParaRPr lang="de-DE"/>
+          </a:p>
+        </p:txBody>
+      </p:sp>
+      <p:pic>
+        <p:nvPicPr>
+          <p:cNvPr id="4098" name="Picture 2"/>
+          <p:cNvPicPr>
+            <a:picLocks noChangeAspect="1" noChangeArrowheads="1"/>
+          </p:cNvPicPr>
+          <p:nvPr/>
+        </p:nvPicPr>
+        <p:blipFill rotWithShape="1">
+          <a:blip r:embed="rId3">
+            <a:extLst>
+              <a:ext uri="{28A0092B-C50C-407E-A947-70E740481C1C}">
+                <a14:useLocalDpi xmlns:a14="http://schemas.microsoft.com/office/drawing/2010/main" val="0"/>
+              </a:ext>
+            </a:extLst>
+          </a:blip>
+          <a:srcRect r="9018"/>
+          <a:stretch/>
+        </p:blipFill>
+        <p:spPr bwMode="auto">
+          <a:xfrm>
+            <a:off x="-16947" y="188640"/>
+            <a:ext cx="9156841" cy="5661248"/>
+          </a:xfrm>
+          <a:prstGeom prst="rect">
+            <a:avLst/>
+          </a:prstGeom>
+          <a:noFill/>
+          <a:ln>
+            <a:noFill/>
+          </a:ln>
+          <a:extLst>
+            <a:ext uri="{909E8E84-426E-40DD-AFC4-6F175D3DCCD1}">
+              <a14:hiddenFill xmlns:a14="http://schemas.microsoft.com/office/drawing/2010/main">
+                <a:solidFill>
+                  <a:schemeClr val="accent1"/>
+                </a:solidFill>
+              </a14:hiddenFill>
+            </a:ext>
+            <a:ext uri="{91240B29-F687-4F45-9708-019B960494DF}">
+              <a14:hiddenLine xmlns:a14="http://schemas.microsoft.com/office/drawing/2010/main" w="9525">
+                <a:solidFill>
+                  <a:schemeClr val="tx1"/>
+                </a:solidFill>
+                <a:miter lim="800000"/>
+                <a:headEnd/>
+                <a:tailEnd/>
+              </a14:hiddenLine>
+            </a:ext>
+          </a:extLst>
+        </p:spPr>
+      </p:pic>
+    </p:spTree>
+    <p:extLst>
+      <p:ext uri="{BB962C8B-B14F-4D97-AF65-F5344CB8AC3E}">
+        <p14:creationId xmlns:p14="http://schemas.microsoft.com/office/powerpoint/2010/main" val="4068691340"/>
+      </p:ext>
+    </p:extLst>
+  </p:cSld>
+  <p:clrMapOvr>
+    <a:masterClrMapping/>
+  </p:clrMapOvr>
+  <p:timing>
+    <p:tnLst>
+      <p:par>
+        <p:cTn id="1" dur="indefinite" restart="never" nodeType="tmRoot"/>
+      </p:par>
+    </p:tnLst>
+  </p:timing>
+</p:sld>
+</file>
+
+<file path=ppt/slides/slide39.xml><?xml version="1.0" encoding="utf-8"?>
+<p:sld xmlns:a="http://schemas.openxmlformats.org/drawingml/2006/main" xmlns:r="http://schemas.openxmlformats.org/officeDocument/2006/relationships" xmlns:p="http://schemas.openxmlformats.org/presentationml/2006/main">
+  <p:cSld>
+    <p:spTree>
+      <p:nvGrpSpPr>
+        <p:cNvPr id="1" name=""/>
+        <p:cNvGrpSpPr/>
+        <p:nvPr/>
+      </p:nvGrpSpPr>
+      <p:grpSpPr>
+        <a:xfrm>
+          <a:off x="0" y="0"/>
+          <a:ext cx="0" cy="0"/>
+          <a:chOff x="0" y="0"/>
+          <a:chExt cx="0" cy="0"/>
+        </a:xfrm>
+      </p:grpSpPr>
+      <p:sp>
+        <p:nvSpPr>
+          <p:cNvPr id="2" name="Titel 1"/>
+          <p:cNvSpPr>
+            <a:spLocks noGrp="1"/>
+          </p:cNvSpPr>
+          <p:nvPr>
+            <p:ph type="title"/>
+          </p:nvPr>
+        </p:nvSpPr>
+        <p:spPr/>
+        <p:txBody>
+          <a:bodyPr/>
+          <a:lstStyle/>
+          <a:p>
+            <a:pPr marL="457200" indent="-457200" algn="ctr">
+              <a:lnSpc>
+                <a:spcPct val="200000"/>
+              </a:lnSpc>
+            </a:pPr>
+            <a:endParaRPr lang="de-DE" sz="3000" dirty="0">
+              <a:solidFill>
+                <a:srgbClr val="000000"/>
+              </a:solidFill>
+              <a:latin typeface="Arial" panose="020B0604020202020204" pitchFamily="34" charset="0"/>
+              <a:cs typeface="Arial" panose="020B0604020202020204" pitchFamily="34" charset="0"/>
+            </a:endParaRPr>
+          </a:p>
+        </p:txBody>
+      </p:sp>
+      <p:sp>
+        <p:nvSpPr>
+          <p:cNvPr id="4" name="Datumsplatzhalter 3"/>
+          <p:cNvSpPr>
+            <a:spLocks noGrp="1"/>
+          </p:cNvSpPr>
+          <p:nvPr>
+            <p:ph type="dt" sz="half" idx="10"/>
+          </p:nvPr>
+        </p:nvSpPr>
+        <p:spPr>
+          <a:xfrm>
+            <a:off x="7524328" y="6378575"/>
+            <a:ext cx="1008485" cy="365125"/>
+          </a:xfrm>
+        </p:spPr>
+        <p:txBody>
+          <a:bodyPr/>
+          <a:lstStyle/>
+          <a:p>
+            <a:pPr>
+              <a:defRPr/>
+            </a:pPr>
+            <a:fld id="{DBEF86A1-9947-4356-AD39-493A2BF305E6}" type="datetime1">
+              <a:rPr lang="de-DE" smtClean="0">
+                <a:latin typeface="Arial" panose="020B0604020202020204" pitchFamily="34" charset="0"/>
+                <a:cs typeface="Arial" panose="020B0604020202020204" pitchFamily="34" charset="0"/>
+              </a:rPr>
+              <a:pPr>
+                <a:defRPr/>
+              </a:pPr>
+              <a:t>08.11.2017</a:t>
+            </a:fld>
+            <a:endParaRPr lang="de-DE" dirty="0">
+              <a:latin typeface="Arial" panose="020B0604020202020204" pitchFamily="34" charset="0"/>
+              <a:cs typeface="Arial" panose="020B0604020202020204" pitchFamily="34" charset="0"/>
+            </a:endParaRPr>
+          </a:p>
+        </p:txBody>
+      </p:sp>
+      <p:sp>
+        <p:nvSpPr>
+          <p:cNvPr id="5" name="Fußzeilenplatzhalter 4"/>
+          <p:cNvSpPr>
+            <a:spLocks noGrp="1"/>
+          </p:cNvSpPr>
+          <p:nvPr>
+            <p:ph type="ftr" sz="quarter" idx="11"/>
+          </p:nvPr>
+        </p:nvSpPr>
+        <p:spPr/>
+        <p:txBody>
+          <a:bodyPr/>
+          <a:lstStyle/>
+          <a:p>
+            <a:pPr>
+              <a:defRPr/>
+            </a:pPr>
+            <a:r>
+              <a:rPr lang="de-DE" dirty="0" smtClean="0">
+                <a:latin typeface="Arial" panose="020B0604020202020204" pitchFamily="34" charset="0"/>
+                <a:cs typeface="Arial" panose="020B0604020202020204" pitchFamily="34" charset="0"/>
+              </a:rPr>
+              <a:t>Hochschule Furtwangen</a:t>
+            </a:r>
+            <a:endParaRPr lang="de-DE" dirty="0">
+              <a:latin typeface="Arial" panose="020B0604020202020204" pitchFamily="34" charset="0"/>
+              <a:cs typeface="Arial" panose="020B0604020202020204" pitchFamily="34" charset="0"/>
+            </a:endParaRPr>
+          </a:p>
+        </p:txBody>
+      </p:sp>
+      <p:sp>
+        <p:nvSpPr>
+          <p:cNvPr id="6" name="Foliennummernplatzhalter 5"/>
+          <p:cNvSpPr>
+            <a:spLocks noGrp="1"/>
+          </p:cNvSpPr>
+          <p:nvPr>
+            <p:ph type="sldNum" sz="quarter" idx="12"/>
+          </p:nvPr>
+        </p:nvSpPr>
+        <p:spPr>
+          <a:xfrm>
+            <a:off x="8676456" y="6021288"/>
+            <a:ext cx="359842" cy="264566"/>
+          </a:xfrm>
+        </p:spPr>
+        <p:txBody>
+          <a:bodyPr/>
+          <a:lstStyle/>
+          <a:p>
+            <a:pPr>
+              <a:defRPr/>
+            </a:pPr>
+            <a:fld id="{3C74D409-5571-4F32-B32A-C943406F16F9}" type="slidenum">
+              <a:rPr lang="de-DE" smtClean="0">
+                <a:latin typeface="Arial" panose="020B0604020202020204" pitchFamily="34" charset="0"/>
+                <a:cs typeface="Arial" panose="020B0604020202020204" pitchFamily="34" charset="0"/>
+              </a:rPr>
+              <a:pPr>
+                <a:defRPr/>
+              </a:pPr>
+              <a:t>39</a:t>
+            </a:fld>
+            <a:endParaRPr lang="de-DE" dirty="0">
+              <a:latin typeface="Arial" panose="020B0604020202020204" pitchFamily="34" charset="0"/>
+              <a:cs typeface="Arial" panose="020B0604020202020204" pitchFamily="34" charset="0"/>
+            </a:endParaRPr>
+          </a:p>
+        </p:txBody>
+      </p:sp>
+      <p:sp>
+        <p:nvSpPr>
+          <p:cNvPr id="7" name="Inhaltsplatzhalter 6"/>
+          <p:cNvSpPr>
+            <a:spLocks noGrp="1"/>
+          </p:cNvSpPr>
+          <p:nvPr>
+            <p:ph idx="1"/>
+          </p:nvPr>
+        </p:nvSpPr>
+        <p:spPr/>
+        <p:txBody>
+          <a:bodyPr/>
+          <a:lstStyle/>
+          <a:p>
+            <a:endParaRPr lang="de-DE"/>
+          </a:p>
+        </p:txBody>
+      </p:sp>
+      <p:pic>
+        <p:nvPicPr>
+          <p:cNvPr id="5122" name="Picture 2"/>
+          <p:cNvPicPr>
+            <a:picLocks noChangeAspect="1" noChangeArrowheads="1"/>
+          </p:cNvPicPr>
+          <p:nvPr/>
+        </p:nvPicPr>
+        <p:blipFill rotWithShape="1">
+          <a:blip r:embed="rId3">
+            <a:extLst>
+              <a:ext uri="{28A0092B-C50C-407E-A947-70E740481C1C}">
+                <a14:useLocalDpi xmlns:a14="http://schemas.microsoft.com/office/drawing/2010/main" val="0"/>
+              </a:ext>
+            </a:extLst>
+          </a:blip>
+          <a:srcRect r="8181"/>
+          <a:stretch/>
+        </p:blipFill>
+        <p:spPr bwMode="auto">
+          <a:xfrm>
+            <a:off x="-222" y="247933"/>
+            <a:ext cx="9144222" cy="5601955"/>
+          </a:xfrm>
+          <a:prstGeom prst="rect">
+            <a:avLst/>
+          </a:prstGeom>
+          <a:noFill/>
+          <a:ln>
+            <a:noFill/>
+          </a:ln>
+          <a:extLst>
+            <a:ext uri="{909E8E84-426E-40DD-AFC4-6F175D3DCCD1}">
+              <a14:hiddenFill xmlns:a14="http://schemas.microsoft.com/office/drawing/2010/main">
+                <a:solidFill>
+                  <a:schemeClr val="accent1"/>
+                </a:solidFill>
+              </a14:hiddenFill>
+            </a:ext>
+            <a:ext uri="{91240B29-F687-4F45-9708-019B960494DF}">
+              <a14:hiddenLine xmlns:a14="http://schemas.microsoft.com/office/drawing/2010/main" w="9525">
+                <a:solidFill>
+                  <a:schemeClr val="tx1"/>
+                </a:solidFill>
+                <a:miter lim="800000"/>
+                <a:headEnd/>
+                <a:tailEnd/>
+              </a14:hiddenLine>
+            </a:ext>
+          </a:extLst>
+        </p:spPr>
+      </p:pic>
+    </p:spTree>
+    <p:extLst>
+      <p:ext uri="{BB962C8B-B14F-4D97-AF65-F5344CB8AC3E}">
+        <p14:creationId xmlns:p14="http://schemas.microsoft.com/office/powerpoint/2010/main" val="1935279569"/>
+      </p:ext>
+    </p:extLst>
+  </p:cSld>
+  <p:clrMapOvr>
+    <a:masterClrMapping/>
+  </p:clrMapOvr>
+  <p:timing>
+    <p:tnLst>
+      <p:par>
+        <p:cTn id="1" dur="indefinite" restart="never" nodeType="tmRoot"/>
+      </p:par>
+    </p:tnLst>
+  </p:timing>
+</p:sld>
+</file>
+
 <file path=ppt/slides/slide4.xml><?xml version="1.0" encoding="utf-8"?>
 <p:sld xmlns:a="http://schemas.openxmlformats.org/drawingml/2006/main" xmlns:r="http://schemas.openxmlformats.org/officeDocument/2006/relationships" xmlns:p="http://schemas.openxmlformats.org/presentationml/2006/main">
   <p:cSld>
@@ -19587,6 +25637,995 @@
     <p:extLst>
       <p:ext uri="{BB962C8B-B14F-4D97-AF65-F5344CB8AC3E}">
         <p14:creationId xmlns:p14="http://schemas.microsoft.com/office/powerpoint/2010/main" val="2674943676"/>
+      </p:ext>
+    </p:extLst>
+  </p:cSld>
+  <p:clrMapOvr>
+    <a:masterClrMapping/>
+  </p:clrMapOvr>
+  <p:timing>
+    <p:tnLst>
+      <p:par>
+        <p:cTn id="1" dur="indefinite" restart="never" nodeType="tmRoot"/>
+      </p:par>
+    </p:tnLst>
+  </p:timing>
+</p:sld>
+</file>
+
+<file path=ppt/slides/slide40.xml><?xml version="1.0" encoding="utf-8"?>
+<p:sld xmlns:a="http://schemas.openxmlformats.org/drawingml/2006/main" xmlns:r="http://schemas.openxmlformats.org/officeDocument/2006/relationships" xmlns:p="http://schemas.openxmlformats.org/presentationml/2006/main">
+  <p:cSld>
+    <p:spTree>
+      <p:nvGrpSpPr>
+        <p:cNvPr id="1" name=""/>
+        <p:cNvGrpSpPr/>
+        <p:nvPr/>
+      </p:nvGrpSpPr>
+      <p:grpSpPr>
+        <a:xfrm>
+          <a:off x="0" y="0"/>
+          <a:ext cx="0" cy="0"/>
+          <a:chOff x="0" y="0"/>
+          <a:chExt cx="0" cy="0"/>
+        </a:xfrm>
+      </p:grpSpPr>
+      <p:sp>
+        <p:nvSpPr>
+          <p:cNvPr id="2" name="Titel 1"/>
+          <p:cNvSpPr>
+            <a:spLocks noGrp="1"/>
+          </p:cNvSpPr>
+          <p:nvPr>
+            <p:ph type="title"/>
+          </p:nvPr>
+        </p:nvSpPr>
+        <p:spPr/>
+        <p:txBody>
+          <a:bodyPr/>
+          <a:lstStyle/>
+          <a:p>
+            <a:pPr marL="457200" indent="-457200" algn="ctr">
+              <a:lnSpc>
+                <a:spcPct val="200000"/>
+              </a:lnSpc>
+            </a:pPr>
+            <a:endParaRPr lang="de-DE" sz="3000" dirty="0">
+              <a:solidFill>
+                <a:srgbClr val="000000"/>
+              </a:solidFill>
+              <a:latin typeface="Arial" panose="020B0604020202020204" pitchFamily="34" charset="0"/>
+              <a:cs typeface="Arial" panose="020B0604020202020204" pitchFamily="34" charset="0"/>
+            </a:endParaRPr>
+          </a:p>
+        </p:txBody>
+      </p:sp>
+      <p:sp>
+        <p:nvSpPr>
+          <p:cNvPr id="4" name="Datumsplatzhalter 3"/>
+          <p:cNvSpPr>
+            <a:spLocks noGrp="1"/>
+          </p:cNvSpPr>
+          <p:nvPr>
+            <p:ph type="dt" sz="half" idx="10"/>
+          </p:nvPr>
+        </p:nvSpPr>
+        <p:spPr>
+          <a:xfrm>
+            <a:off x="7524328" y="6378575"/>
+            <a:ext cx="1008485" cy="365125"/>
+          </a:xfrm>
+        </p:spPr>
+        <p:txBody>
+          <a:bodyPr/>
+          <a:lstStyle/>
+          <a:p>
+            <a:pPr>
+              <a:defRPr/>
+            </a:pPr>
+            <a:fld id="{DBEF86A1-9947-4356-AD39-493A2BF305E6}" type="datetime1">
+              <a:rPr lang="de-DE" smtClean="0">
+                <a:latin typeface="Arial" panose="020B0604020202020204" pitchFamily="34" charset="0"/>
+                <a:cs typeface="Arial" panose="020B0604020202020204" pitchFamily="34" charset="0"/>
+              </a:rPr>
+              <a:pPr>
+                <a:defRPr/>
+              </a:pPr>
+              <a:t>08.11.2017</a:t>
+            </a:fld>
+            <a:endParaRPr lang="de-DE" dirty="0">
+              <a:latin typeface="Arial" panose="020B0604020202020204" pitchFamily="34" charset="0"/>
+              <a:cs typeface="Arial" panose="020B0604020202020204" pitchFamily="34" charset="0"/>
+            </a:endParaRPr>
+          </a:p>
+        </p:txBody>
+      </p:sp>
+      <p:sp>
+        <p:nvSpPr>
+          <p:cNvPr id="5" name="Fußzeilenplatzhalter 4"/>
+          <p:cNvSpPr>
+            <a:spLocks noGrp="1"/>
+          </p:cNvSpPr>
+          <p:nvPr>
+            <p:ph type="ftr" sz="quarter" idx="11"/>
+          </p:nvPr>
+        </p:nvSpPr>
+        <p:spPr/>
+        <p:txBody>
+          <a:bodyPr/>
+          <a:lstStyle/>
+          <a:p>
+            <a:pPr>
+              <a:defRPr/>
+            </a:pPr>
+            <a:r>
+              <a:rPr lang="de-DE" dirty="0" smtClean="0">
+                <a:latin typeface="Arial" panose="020B0604020202020204" pitchFamily="34" charset="0"/>
+                <a:cs typeface="Arial" panose="020B0604020202020204" pitchFamily="34" charset="0"/>
+              </a:rPr>
+              <a:t>Hochschule Furtwangen</a:t>
+            </a:r>
+            <a:endParaRPr lang="de-DE" dirty="0">
+              <a:latin typeface="Arial" panose="020B0604020202020204" pitchFamily="34" charset="0"/>
+              <a:cs typeface="Arial" panose="020B0604020202020204" pitchFamily="34" charset="0"/>
+            </a:endParaRPr>
+          </a:p>
+        </p:txBody>
+      </p:sp>
+      <p:sp>
+        <p:nvSpPr>
+          <p:cNvPr id="6" name="Foliennummernplatzhalter 5"/>
+          <p:cNvSpPr>
+            <a:spLocks noGrp="1"/>
+          </p:cNvSpPr>
+          <p:nvPr>
+            <p:ph type="sldNum" sz="quarter" idx="12"/>
+          </p:nvPr>
+        </p:nvSpPr>
+        <p:spPr>
+          <a:xfrm>
+            <a:off x="8676456" y="6021288"/>
+            <a:ext cx="359842" cy="264566"/>
+          </a:xfrm>
+        </p:spPr>
+        <p:txBody>
+          <a:bodyPr/>
+          <a:lstStyle/>
+          <a:p>
+            <a:pPr>
+              <a:defRPr/>
+            </a:pPr>
+            <a:fld id="{3C74D409-5571-4F32-B32A-C943406F16F9}" type="slidenum">
+              <a:rPr lang="de-DE" smtClean="0">
+                <a:latin typeface="Arial" panose="020B0604020202020204" pitchFamily="34" charset="0"/>
+                <a:cs typeface="Arial" panose="020B0604020202020204" pitchFamily="34" charset="0"/>
+              </a:rPr>
+              <a:pPr>
+                <a:defRPr/>
+              </a:pPr>
+              <a:t>40</a:t>
+            </a:fld>
+            <a:endParaRPr lang="de-DE" dirty="0">
+              <a:latin typeface="Arial" panose="020B0604020202020204" pitchFamily="34" charset="0"/>
+              <a:cs typeface="Arial" panose="020B0604020202020204" pitchFamily="34" charset="0"/>
+            </a:endParaRPr>
+          </a:p>
+        </p:txBody>
+      </p:sp>
+      <p:pic>
+        <p:nvPicPr>
+          <p:cNvPr id="6146" name="Picture 2"/>
+          <p:cNvPicPr>
+            <a:picLocks noGrp="1" noChangeAspect="1" noChangeArrowheads="1"/>
+          </p:cNvPicPr>
+          <p:nvPr>
+            <p:ph idx="1"/>
+          </p:nvPr>
+        </p:nvPicPr>
+        <p:blipFill>
+          <a:blip r:embed="rId3">
+            <a:extLst>
+              <a:ext uri="{28A0092B-C50C-407E-A947-70E740481C1C}">
+                <a14:useLocalDpi xmlns:a14="http://schemas.microsoft.com/office/drawing/2010/main" val="0"/>
+              </a:ext>
+            </a:extLst>
+          </a:blip>
+          <a:srcRect/>
+          <a:stretch>
+            <a:fillRect/>
+          </a:stretch>
+        </p:blipFill>
+        <p:spPr bwMode="auto">
+          <a:xfrm>
+            <a:off x="611560" y="1412776"/>
+            <a:ext cx="8064896" cy="3637864"/>
+          </a:xfrm>
+          <a:prstGeom prst="rect">
+            <a:avLst/>
+          </a:prstGeom>
+          <a:noFill/>
+          <a:ln>
+            <a:noFill/>
+          </a:ln>
+          <a:extLst>
+            <a:ext uri="{909E8E84-426E-40DD-AFC4-6F175D3DCCD1}">
+              <a14:hiddenFill xmlns:a14="http://schemas.microsoft.com/office/drawing/2010/main">
+                <a:solidFill>
+                  <a:schemeClr val="accent1"/>
+                </a:solidFill>
+              </a14:hiddenFill>
+            </a:ext>
+            <a:ext uri="{91240B29-F687-4F45-9708-019B960494DF}">
+              <a14:hiddenLine xmlns:a14="http://schemas.microsoft.com/office/drawing/2010/main" w="9525">
+                <a:solidFill>
+                  <a:schemeClr val="tx1"/>
+                </a:solidFill>
+                <a:miter lim="800000"/>
+                <a:headEnd/>
+                <a:tailEnd/>
+              </a14:hiddenLine>
+            </a:ext>
+          </a:extLst>
+        </p:spPr>
+      </p:pic>
+    </p:spTree>
+    <p:extLst>
+      <p:ext uri="{BB962C8B-B14F-4D97-AF65-F5344CB8AC3E}">
+        <p14:creationId xmlns:p14="http://schemas.microsoft.com/office/powerpoint/2010/main" val="1374063557"/>
+      </p:ext>
+    </p:extLst>
+  </p:cSld>
+  <p:clrMapOvr>
+    <a:masterClrMapping/>
+  </p:clrMapOvr>
+  <p:timing>
+    <p:tnLst>
+      <p:par>
+        <p:cTn id="1" dur="indefinite" restart="never" nodeType="tmRoot"/>
+      </p:par>
+    </p:tnLst>
+  </p:timing>
+</p:sld>
+</file>
+
+<file path=ppt/slides/slide41.xml><?xml version="1.0" encoding="utf-8"?>
+<p:sld xmlns:a="http://schemas.openxmlformats.org/drawingml/2006/main" xmlns:r="http://schemas.openxmlformats.org/officeDocument/2006/relationships" xmlns:p="http://schemas.openxmlformats.org/presentationml/2006/main">
+  <p:cSld>
+    <p:spTree>
+      <p:nvGrpSpPr>
+        <p:cNvPr id="1" name=""/>
+        <p:cNvGrpSpPr/>
+        <p:nvPr/>
+      </p:nvGrpSpPr>
+      <p:grpSpPr>
+        <a:xfrm>
+          <a:off x="0" y="0"/>
+          <a:ext cx="0" cy="0"/>
+          <a:chOff x="0" y="0"/>
+          <a:chExt cx="0" cy="0"/>
+        </a:xfrm>
+      </p:grpSpPr>
+      <p:sp>
+        <p:nvSpPr>
+          <p:cNvPr id="2" name="Titel 1"/>
+          <p:cNvSpPr>
+            <a:spLocks noGrp="1"/>
+          </p:cNvSpPr>
+          <p:nvPr>
+            <p:ph type="title"/>
+          </p:nvPr>
+        </p:nvSpPr>
+        <p:spPr/>
+        <p:txBody>
+          <a:bodyPr/>
+          <a:lstStyle/>
+          <a:p>
+            <a:pPr marL="457200" indent="-457200" algn="ctr">
+              <a:lnSpc>
+                <a:spcPct val="200000"/>
+              </a:lnSpc>
+            </a:pPr>
+            <a:endParaRPr lang="de-DE" sz="3000" dirty="0">
+              <a:solidFill>
+                <a:srgbClr val="000000"/>
+              </a:solidFill>
+              <a:latin typeface="Arial" panose="020B0604020202020204" pitchFamily="34" charset="0"/>
+              <a:cs typeface="Arial" panose="020B0604020202020204" pitchFamily="34" charset="0"/>
+            </a:endParaRPr>
+          </a:p>
+        </p:txBody>
+      </p:sp>
+      <p:sp>
+        <p:nvSpPr>
+          <p:cNvPr id="4" name="Datumsplatzhalter 3"/>
+          <p:cNvSpPr>
+            <a:spLocks noGrp="1"/>
+          </p:cNvSpPr>
+          <p:nvPr>
+            <p:ph type="dt" sz="half" idx="10"/>
+          </p:nvPr>
+        </p:nvSpPr>
+        <p:spPr>
+          <a:xfrm>
+            <a:off x="7524328" y="6378575"/>
+            <a:ext cx="1008485" cy="365125"/>
+          </a:xfrm>
+        </p:spPr>
+        <p:txBody>
+          <a:bodyPr/>
+          <a:lstStyle/>
+          <a:p>
+            <a:pPr>
+              <a:defRPr/>
+            </a:pPr>
+            <a:fld id="{DBEF86A1-9947-4356-AD39-493A2BF305E6}" type="datetime1">
+              <a:rPr lang="de-DE" smtClean="0">
+                <a:latin typeface="Arial" panose="020B0604020202020204" pitchFamily="34" charset="0"/>
+                <a:cs typeface="Arial" panose="020B0604020202020204" pitchFamily="34" charset="0"/>
+              </a:rPr>
+              <a:pPr>
+                <a:defRPr/>
+              </a:pPr>
+              <a:t>08.11.2017</a:t>
+            </a:fld>
+            <a:endParaRPr lang="de-DE" dirty="0">
+              <a:latin typeface="Arial" panose="020B0604020202020204" pitchFamily="34" charset="0"/>
+              <a:cs typeface="Arial" panose="020B0604020202020204" pitchFamily="34" charset="0"/>
+            </a:endParaRPr>
+          </a:p>
+        </p:txBody>
+      </p:sp>
+      <p:sp>
+        <p:nvSpPr>
+          <p:cNvPr id="5" name="Fußzeilenplatzhalter 4"/>
+          <p:cNvSpPr>
+            <a:spLocks noGrp="1"/>
+          </p:cNvSpPr>
+          <p:nvPr>
+            <p:ph type="ftr" sz="quarter" idx="11"/>
+          </p:nvPr>
+        </p:nvSpPr>
+        <p:spPr/>
+        <p:txBody>
+          <a:bodyPr/>
+          <a:lstStyle/>
+          <a:p>
+            <a:pPr>
+              <a:defRPr/>
+            </a:pPr>
+            <a:r>
+              <a:rPr lang="de-DE" dirty="0" smtClean="0">
+                <a:latin typeface="Arial" panose="020B0604020202020204" pitchFamily="34" charset="0"/>
+                <a:cs typeface="Arial" panose="020B0604020202020204" pitchFamily="34" charset="0"/>
+              </a:rPr>
+              <a:t>Hochschule Furtwangen</a:t>
+            </a:r>
+            <a:endParaRPr lang="de-DE" dirty="0">
+              <a:latin typeface="Arial" panose="020B0604020202020204" pitchFamily="34" charset="0"/>
+              <a:cs typeface="Arial" panose="020B0604020202020204" pitchFamily="34" charset="0"/>
+            </a:endParaRPr>
+          </a:p>
+        </p:txBody>
+      </p:sp>
+      <p:sp>
+        <p:nvSpPr>
+          <p:cNvPr id="6" name="Foliennummernplatzhalter 5"/>
+          <p:cNvSpPr>
+            <a:spLocks noGrp="1"/>
+          </p:cNvSpPr>
+          <p:nvPr>
+            <p:ph type="sldNum" sz="quarter" idx="12"/>
+          </p:nvPr>
+        </p:nvSpPr>
+        <p:spPr>
+          <a:xfrm>
+            <a:off x="8676456" y="6021288"/>
+            <a:ext cx="359842" cy="264566"/>
+          </a:xfrm>
+        </p:spPr>
+        <p:txBody>
+          <a:bodyPr/>
+          <a:lstStyle/>
+          <a:p>
+            <a:pPr>
+              <a:defRPr/>
+            </a:pPr>
+            <a:fld id="{3C74D409-5571-4F32-B32A-C943406F16F9}" type="slidenum">
+              <a:rPr lang="de-DE" smtClean="0">
+                <a:latin typeface="Arial" panose="020B0604020202020204" pitchFamily="34" charset="0"/>
+                <a:cs typeface="Arial" panose="020B0604020202020204" pitchFamily="34" charset="0"/>
+              </a:rPr>
+              <a:pPr>
+                <a:defRPr/>
+              </a:pPr>
+              <a:t>41</a:t>
+            </a:fld>
+            <a:endParaRPr lang="de-DE" dirty="0">
+              <a:latin typeface="Arial" panose="020B0604020202020204" pitchFamily="34" charset="0"/>
+              <a:cs typeface="Arial" panose="020B0604020202020204" pitchFamily="34" charset="0"/>
+            </a:endParaRPr>
+          </a:p>
+        </p:txBody>
+      </p:sp>
+      <p:sp>
+        <p:nvSpPr>
+          <p:cNvPr id="3" name="Inhaltsplatzhalter 2"/>
+          <p:cNvSpPr>
+            <a:spLocks noGrp="1"/>
+          </p:cNvSpPr>
+          <p:nvPr>
+            <p:ph idx="1"/>
+          </p:nvPr>
+        </p:nvSpPr>
+        <p:spPr/>
+        <p:txBody>
+          <a:bodyPr/>
+          <a:lstStyle/>
+          <a:p>
+            <a:endParaRPr lang="de-DE"/>
+          </a:p>
+        </p:txBody>
+      </p:sp>
+      <p:pic>
+        <p:nvPicPr>
+          <p:cNvPr id="7170" name="Picture 2"/>
+          <p:cNvPicPr>
+            <a:picLocks noChangeAspect="1" noChangeArrowheads="1"/>
+          </p:cNvPicPr>
+          <p:nvPr/>
+        </p:nvPicPr>
+        <p:blipFill>
+          <a:blip r:embed="rId3">
+            <a:extLst>
+              <a:ext uri="{28A0092B-C50C-407E-A947-70E740481C1C}">
+                <a14:useLocalDpi xmlns:a14="http://schemas.microsoft.com/office/drawing/2010/main" val="0"/>
+              </a:ext>
+            </a:extLst>
+          </a:blip>
+          <a:srcRect/>
+          <a:stretch>
+            <a:fillRect/>
+          </a:stretch>
+        </p:blipFill>
+        <p:spPr bwMode="auto">
+          <a:xfrm>
+            <a:off x="0" y="404664"/>
+            <a:ext cx="9124478" cy="5492559"/>
+          </a:xfrm>
+          <a:prstGeom prst="rect">
+            <a:avLst/>
+          </a:prstGeom>
+          <a:noFill/>
+          <a:ln>
+            <a:noFill/>
+          </a:ln>
+          <a:extLst>
+            <a:ext uri="{909E8E84-426E-40DD-AFC4-6F175D3DCCD1}">
+              <a14:hiddenFill xmlns:a14="http://schemas.microsoft.com/office/drawing/2010/main">
+                <a:solidFill>
+                  <a:schemeClr val="accent1"/>
+                </a:solidFill>
+              </a14:hiddenFill>
+            </a:ext>
+            <a:ext uri="{91240B29-F687-4F45-9708-019B960494DF}">
+              <a14:hiddenLine xmlns:a14="http://schemas.microsoft.com/office/drawing/2010/main" w="9525">
+                <a:solidFill>
+                  <a:schemeClr val="tx1"/>
+                </a:solidFill>
+                <a:miter lim="800000"/>
+                <a:headEnd/>
+                <a:tailEnd/>
+              </a14:hiddenLine>
+            </a:ext>
+          </a:extLst>
+        </p:spPr>
+      </p:pic>
+    </p:spTree>
+    <p:extLst>
+      <p:ext uri="{BB962C8B-B14F-4D97-AF65-F5344CB8AC3E}">
+        <p14:creationId xmlns:p14="http://schemas.microsoft.com/office/powerpoint/2010/main" val="1541761417"/>
+      </p:ext>
+    </p:extLst>
+  </p:cSld>
+  <p:clrMapOvr>
+    <a:masterClrMapping/>
+  </p:clrMapOvr>
+  <p:timing>
+    <p:tnLst>
+      <p:par>
+        <p:cTn id="1" dur="indefinite" restart="never" nodeType="tmRoot"/>
+      </p:par>
+    </p:tnLst>
+  </p:timing>
+</p:sld>
+</file>
+
+<file path=ppt/slides/slide42.xml><?xml version="1.0" encoding="utf-8"?>
+<p:sld xmlns:a="http://schemas.openxmlformats.org/drawingml/2006/main" xmlns:r="http://schemas.openxmlformats.org/officeDocument/2006/relationships" xmlns:p="http://schemas.openxmlformats.org/presentationml/2006/main">
+  <p:cSld>
+    <p:spTree>
+      <p:nvGrpSpPr>
+        <p:cNvPr id="1" name=""/>
+        <p:cNvGrpSpPr/>
+        <p:nvPr/>
+      </p:nvGrpSpPr>
+      <p:grpSpPr>
+        <a:xfrm>
+          <a:off x="0" y="0"/>
+          <a:ext cx="0" cy="0"/>
+          <a:chOff x="0" y="0"/>
+          <a:chExt cx="0" cy="0"/>
+        </a:xfrm>
+      </p:grpSpPr>
+      <p:sp>
+        <p:nvSpPr>
+          <p:cNvPr id="2" name="Titel 1"/>
+          <p:cNvSpPr>
+            <a:spLocks noGrp="1"/>
+          </p:cNvSpPr>
+          <p:nvPr>
+            <p:ph type="title"/>
+          </p:nvPr>
+        </p:nvSpPr>
+        <p:spPr/>
+        <p:txBody>
+          <a:bodyPr/>
+          <a:lstStyle/>
+          <a:p>
+            <a:pPr marL="457200" indent="-457200" algn="ctr">
+              <a:lnSpc>
+                <a:spcPct val="200000"/>
+              </a:lnSpc>
+            </a:pPr>
+            <a:endParaRPr lang="de-DE" sz="3000" dirty="0">
+              <a:solidFill>
+                <a:srgbClr val="000000"/>
+              </a:solidFill>
+              <a:latin typeface="Arial" panose="020B0604020202020204" pitchFamily="34" charset="0"/>
+              <a:cs typeface="Arial" panose="020B0604020202020204" pitchFamily="34" charset="0"/>
+            </a:endParaRPr>
+          </a:p>
+        </p:txBody>
+      </p:sp>
+      <p:sp>
+        <p:nvSpPr>
+          <p:cNvPr id="4" name="Datumsplatzhalter 3"/>
+          <p:cNvSpPr>
+            <a:spLocks noGrp="1"/>
+          </p:cNvSpPr>
+          <p:nvPr>
+            <p:ph type="dt" sz="half" idx="10"/>
+          </p:nvPr>
+        </p:nvSpPr>
+        <p:spPr>
+          <a:xfrm>
+            <a:off x="7524328" y="6378575"/>
+            <a:ext cx="1008485" cy="365125"/>
+          </a:xfrm>
+        </p:spPr>
+        <p:txBody>
+          <a:bodyPr/>
+          <a:lstStyle/>
+          <a:p>
+            <a:pPr>
+              <a:defRPr/>
+            </a:pPr>
+            <a:fld id="{DBEF86A1-9947-4356-AD39-493A2BF305E6}" type="datetime1">
+              <a:rPr lang="de-DE" smtClean="0">
+                <a:latin typeface="Arial" panose="020B0604020202020204" pitchFamily="34" charset="0"/>
+                <a:cs typeface="Arial" panose="020B0604020202020204" pitchFamily="34" charset="0"/>
+              </a:rPr>
+              <a:pPr>
+                <a:defRPr/>
+              </a:pPr>
+              <a:t>08.11.2017</a:t>
+            </a:fld>
+            <a:endParaRPr lang="de-DE" dirty="0">
+              <a:latin typeface="Arial" panose="020B0604020202020204" pitchFamily="34" charset="0"/>
+              <a:cs typeface="Arial" panose="020B0604020202020204" pitchFamily="34" charset="0"/>
+            </a:endParaRPr>
+          </a:p>
+        </p:txBody>
+      </p:sp>
+      <p:sp>
+        <p:nvSpPr>
+          <p:cNvPr id="5" name="Fußzeilenplatzhalter 4"/>
+          <p:cNvSpPr>
+            <a:spLocks noGrp="1"/>
+          </p:cNvSpPr>
+          <p:nvPr>
+            <p:ph type="ftr" sz="quarter" idx="11"/>
+          </p:nvPr>
+        </p:nvSpPr>
+        <p:spPr/>
+        <p:txBody>
+          <a:bodyPr/>
+          <a:lstStyle/>
+          <a:p>
+            <a:pPr>
+              <a:defRPr/>
+            </a:pPr>
+            <a:r>
+              <a:rPr lang="de-DE" dirty="0" smtClean="0">
+                <a:latin typeface="Arial" panose="020B0604020202020204" pitchFamily="34" charset="0"/>
+                <a:cs typeface="Arial" panose="020B0604020202020204" pitchFamily="34" charset="0"/>
+              </a:rPr>
+              <a:t>Hochschule Furtwangen</a:t>
+            </a:r>
+            <a:endParaRPr lang="de-DE" dirty="0">
+              <a:latin typeface="Arial" panose="020B0604020202020204" pitchFamily="34" charset="0"/>
+              <a:cs typeface="Arial" panose="020B0604020202020204" pitchFamily="34" charset="0"/>
+            </a:endParaRPr>
+          </a:p>
+        </p:txBody>
+      </p:sp>
+      <p:sp>
+        <p:nvSpPr>
+          <p:cNvPr id="6" name="Foliennummernplatzhalter 5"/>
+          <p:cNvSpPr>
+            <a:spLocks noGrp="1"/>
+          </p:cNvSpPr>
+          <p:nvPr>
+            <p:ph type="sldNum" sz="quarter" idx="12"/>
+          </p:nvPr>
+        </p:nvSpPr>
+        <p:spPr>
+          <a:xfrm>
+            <a:off x="8676456" y="6021288"/>
+            <a:ext cx="359842" cy="264566"/>
+          </a:xfrm>
+        </p:spPr>
+        <p:txBody>
+          <a:bodyPr/>
+          <a:lstStyle/>
+          <a:p>
+            <a:pPr>
+              <a:defRPr/>
+            </a:pPr>
+            <a:fld id="{3C74D409-5571-4F32-B32A-C943406F16F9}" type="slidenum">
+              <a:rPr lang="de-DE" smtClean="0">
+                <a:latin typeface="Arial" panose="020B0604020202020204" pitchFamily="34" charset="0"/>
+                <a:cs typeface="Arial" panose="020B0604020202020204" pitchFamily="34" charset="0"/>
+              </a:rPr>
+              <a:pPr>
+                <a:defRPr/>
+              </a:pPr>
+              <a:t>42</a:t>
+            </a:fld>
+            <a:endParaRPr lang="de-DE" dirty="0">
+              <a:latin typeface="Arial" panose="020B0604020202020204" pitchFamily="34" charset="0"/>
+              <a:cs typeface="Arial" panose="020B0604020202020204" pitchFamily="34" charset="0"/>
+            </a:endParaRPr>
+          </a:p>
+        </p:txBody>
+      </p:sp>
+      <p:sp>
+        <p:nvSpPr>
+          <p:cNvPr id="3" name="Inhaltsplatzhalter 2"/>
+          <p:cNvSpPr>
+            <a:spLocks noGrp="1"/>
+          </p:cNvSpPr>
+          <p:nvPr>
+            <p:ph idx="1"/>
+          </p:nvPr>
+        </p:nvSpPr>
+        <p:spPr/>
+        <p:txBody>
+          <a:bodyPr/>
+          <a:lstStyle/>
+          <a:p>
+            <a:endParaRPr lang="de-DE"/>
+          </a:p>
+        </p:txBody>
+      </p:sp>
+      <p:pic>
+        <p:nvPicPr>
+          <p:cNvPr id="10242" name="Picture 2"/>
+          <p:cNvPicPr>
+            <a:picLocks noChangeAspect="1" noChangeArrowheads="1"/>
+          </p:cNvPicPr>
+          <p:nvPr/>
+        </p:nvPicPr>
+        <p:blipFill rotWithShape="1">
+          <a:blip r:embed="rId3">
+            <a:extLst>
+              <a:ext uri="{28A0092B-C50C-407E-A947-70E740481C1C}">
+                <a14:useLocalDpi xmlns:a14="http://schemas.microsoft.com/office/drawing/2010/main" val="0"/>
+              </a:ext>
+            </a:extLst>
+          </a:blip>
+          <a:srcRect r="11528"/>
+          <a:stretch/>
+        </p:blipFill>
+        <p:spPr bwMode="auto">
+          <a:xfrm>
+            <a:off x="-24341" y="220170"/>
+            <a:ext cx="9168341" cy="5829164"/>
+          </a:xfrm>
+          <a:prstGeom prst="rect">
+            <a:avLst/>
+          </a:prstGeom>
+          <a:noFill/>
+          <a:ln>
+            <a:noFill/>
+          </a:ln>
+          <a:extLst>
+            <a:ext uri="{909E8E84-426E-40DD-AFC4-6F175D3DCCD1}">
+              <a14:hiddenFill xmlns:a14="http://schemas.microsoft.com/office/drawing/2010/main">
+                <a:solidFill>
+                  <a:schemeClr val="accent1"/>
+                </a:solidFill>
+              </a14:hiddenFill>
+            </a:ext>
+            <a:ext uri="{91240B29-F687-4F45-9708-019B960494DF}">
+              <a14:hiddenLine xmlns:a14="http://schemas.microsoft.com/office/drawing/2010/main" w="9525">
+                <a:solidFill>
+                  <a:schemeClr val="tx1"/>
+                </a:solidFill>
+                <a:miter lim="800000"/>
+                <a:headEnd/>
+                <a:tailEnd/>
+              </a14:hiddenLine>
+            </a:ext>
+          </a:extLst>
+        </p:spPr>
+      </p:pic>
+    </p:spTree>
+    <p:extLst>
+      <p:ext uri="{BB962C8B-B14F-4D97-AF65-F5344CB8AC3E}">
+        <p14:creationId xmlns:p14="http://schemas.microsoft.com/office/powerpoint/2010/main" val="1690974613"/>
+      </p:ext>
+    </p:extLst>
+  </p:cSld>
+  <p:clrMapOvr>
+    <a:masterClrMapping/>
+  </p:clrMapOvr>
+  <p:timing>
+    <p:tnLst>
+      <p:par>
+        <p:cTn id="1" dur="indefinite" restart="never" nodeType="tmRoot"/>
+      </p:par>
+    </p:tnLst>
+  </p:timing>
+</p:sld>
+</file>
+
+<file path=ppt/slides/slide43.xml><?xml version="1.0" encoding="utf-8"?>
+<p:sld xmlns:a="http://schemas.openxmlformats.org/drawingml/2006/main" xmlns:r="http://schemas.openxmlformats.org/officeDocument/2006/relationships" xmlns:p="http://schemas.openxmlformats.org/presentationml/2006/main">
+  <p:cSld>
+    <p:spTree>
+      <p:nvGrpSpPr>
+        <p:cNvPr id="1" name=""/>
+        <p:cNvGrpSpPr/>
+        <p:nvPr/>
+      </p:nvGrpSpPr>
+      <p:grpSpPr>
+        <a:xfrm>
+          <a:off x="0" y="0"/>
+          <a:ext cx="0" cy="0"/>
+          <a:chOff x="0" y="0"/>
+          <a:chExt cx="0" cy="0"/>
+        </a:xfrm>
+      </p:grpSpPr>
+      <p:sp>
+        <p:nvSpPr>
+          <p:cNvPr id="2" name="Titel 1"/>
+          <p:cNvSpPr>
+            <a:spLocks noGrp="1"/>
+          </p:cNvSpPr>
+          <p:nvPr>
+            <p:ph type="title"/>
+          </p:nvPr>
+        </p:nvSpPr>
+        <p:spPr/>
+        <p:txBody>
+          <a:bodyPr/>
+          <a:lstStyle/>
+          <a:p>
+            <a:pPr marL="457200" indent="-457200" algn="ctr">
+              <a:lnSpc>
+                <a:spcPct val="200000"/>
+              </a:lnSpc>
+            </a:pPr>
+            <a:endParaRPr lang="de-DE" sz="3000" dirty="0">
+              <a:solidFill>
+                <a:srgbClr val="000000"/>
+              </a:solidFill>
+              <a:latin typeface="Arial" panose="020B0604020202020204" pitchFamily="34" charset="0"/>
+              <a:cs typeface="Arial" panose="020B0604020202020204" pitchFamily="34" charset="0"/>
+            </a:endParaRPr>
+          </a:p>
+        </p:txBody>
+      </p:sp>
+      <p:sp>
+        <p:nvSpPr>
+          <p:cNvPr id="4" name="Datumsplatzhalter 3"/>
+          <p:cNvSpPr>
+            <a:spLocks noGrp="1"/>
+          </p:cNvSpPr>
+          <p:nvPr>
+            <p:ph type="dt" sz="half" idx="10"/>
+          </p:nvPr>
+        </p:nvSpPr>
+        <p:spPr>
+          <a:xfrm>
+            <a:off x="7524328" y="6378575"/>
+            <a:ext cx="1008485" cy="365125"/>
+          </a:xfrm>
+        </p:spPr>
+        <p:txBody>
+          <a:bodyPr/>
+          <a:lstStyle/>
+          <a:p>
+            <a:pPr>
+              <a:defRPr/>
+            </a:pPr>
+            <a:fld id="{DBEF86A1-9947-4356-AD39-493A2BF305E6}" type="datetime1">
+              <a:rPr lang="de-DE" smtClean="0">
+                <a:latin typeface="Arial" panose="020B0604020202020204" pitchFamily="34" charset="0"/>
+                <a:cs typeface="Arial" panose="020B0604020202020204" pitchFamily="34" charset="0"/>
+              </a:rPr>
+              <a:pPr>
+                <a:defRPr/>
+              </a:pPr>
+              <a:t>08.11.2017</a:t>
+            </a:fld>
+            <a:endParaRPr lang="de-DE" dirty="0">
+              <a:latin typeface="Arial" panose="020B0604020202020204" pitchFamily="34" charset="0"/>
+              <a:cs typeface="Arial" panose="020B0604020202020204" pitchFamily="34" charset="0"/>
+            </a:endParaRPr>
+          </a:p>
+        </p:txBody>
+      </p:sp>
+      <p:sp>
+        <p:nvSpPr>
+          <p:cNvPr id="5" name="Fußzeilenplatzhalter 4"/>
+          <p:cNvSpPr>
+            <a:spLocks noGrp="1"/>
+          </p:cNvSpPr>
+          <p:nvPr>
+            <p:ph type="ftr" sz="quarter" idx="11"/>
+          </p:nvPr>
+        </p:nvSpPr>
+        <p:spPr/>
+        <p:txBody>
+          <a:bodyPr/>
+          <a:lstStyle/>
+          <a:p>
+            <a:pPr>
+              <a:defRPr/>
+            </a:pPr>
+            <a:r>
+              <a:rPr lang="de-DE" dirty="0" smtClean="0">
+                <a:latin typeface="Arial" panose="020B0604020202020204" pitchFamily="34" charset="0"/>
+                <a:cs typeface="Arial" panose="020B0604020202020204" pitchFamily="34" charset="0"/>
+              </a:rPr>
+              <a:t>Hochschule Furtwangen</a:t>
+            </a:r>
+            <a:endParaRPr lang="de-DE" dirty="0">
+              <a:latin typeface="Arial" panose="020B0604020202020204" pitchFamily="34" charset="0"/>
+              <a:cs typeface="Arial" panose="020B0604020202020204" pitchFamily="34" charset="0"/>
+            </a:endParaRPr>
+          </a:p>
+        </p:txBody>
+      </p:sp>
+      <p:sp>
+        <p:nvSpPr>
+          <p:cNvPr id="6" name="Foliennummernplatzhalter 5"/>
+          <p:cNvSpPr>
+            <a:spLocks noGrp="1"/>
+          </p:cNvSpPr>
+          <p:nvPr>
+            <p:ph type="sldNum" sz="quarter" idx="12"/>
+          </p:nvPr>
+        </p:nvSpPr>
+        <p:spPr>
+          <a:xfrm>
+            <a:off x="8676456" y="6021288"/>
+            <a:ext cx="359842" cy="264566"/>
+          </a:xfrm>
+        </p:spPr>
+        <p:txBody>
+          <a:bodyPr/>
+          <a:lstStyle/>
+          <a:p>
+            <a:pPr>
+              <a:defRPr/>
+            </a:pPr>
+            <a:fld id="{3C74D409-5571-4F32-B32A-C943406F16F9}" type="slidenum">
+              <a:rPr lang="de-DE" smtClean="0">
+                <a:latin typeface="Arial" panose="020B0604020202020204" pitchFamily="34" charset="0"/>
+                <a:cs typeface="Arial" panose="020B0604020202020204" pitchFamily="34" charset="0"/>
+              </a:rPr>
+              <a:pPr>
+                <a:defRPr/>
+              </a:pPr>
+              <a:t>43</a:t>
+            </a:fld>
+            <a:endParaRPr lang="de-DE" dirty="0">
+              <a:latin typeface="Arial" panose="020B0604020202020204" pitchFamily="34" charset="0"/>
+              <a:cs typeface="Arial" panose="020B0604020202020204" pitchFamily="34" charset="0"/>
+            </a:endParaRPr>
+          </a:p>
+        </p:txBody>
+      </p:sp>
+      <p:sp>
+        <p:nvSpPr>
+          <p:cNvPr id="3" name="Inhaltsplatzhalter 2"/>
+          <p:cNvSpPr>
+            <a:spLocks noGrp="1"/>
+          </p:cNvSpPr>
+          <p:nvPr>
+            <p:ph idx="1"/>
+          </p:nvPr>
+        </p:nvSpPr>
+        <p:spPr/>
+        <p:txBody>
+          <a:bodyPr/>
+          <a:lstStyle/>
+          <a:p>
+            <a:endParaRPr lang="de-DE"/>
+          </a:p>
+        </p:txBody>
+      </p:sp>
+      <p:pic>
+        <p:nvPicPr>
+          <p:cNvPr id="11266" name="Picture 2"/>
+          <p:cNvPicPr>
+            <a:picLocks noChangeAspect="1" noChangeArrowheads="1"/>
+          </p:cNvPicPr>
+          <p:nvPr/>
+        </p:nvPicPr>
+        <p:blipFill>
+          <a:blip r:embed="rId3">
+            <a:extLst>
+              <a:ext uri="{28A0092B-C50C-407E-A947-70E740481C1C}">
+                <a14:useLocalDpi xmlns:a14="http://schemas.microsoft.com/office/drawing/2010/main" val="0"/>
+              </a:ext>
+            </a:extLst>
+          </a:blip>
+          <a:srcRect/>
+          <a:stretch>
+            <a:fillRect/>
+          </a:stretch>
+        </p:blipFill>
+        <p:spPr bwMode="auto">
+          <a:xfrm>
+            <a:off x="-27935" y="404664"/>
+            <a:ext cx="9168341" cy="5577955"/>
+          </a:xfrm>
+          <a:prstGeom prst="rect">
+            <a:avLst/>
+          </a:prstGeom>
+          <a:noFill/>
+          <a:ln>
+            <a:noFill/>
+          </a:ln>
+          <a:extLst>
+            <a:ext uri="{909E8E84-426E-40DD-AFC4-6F175D3DCCD1}">
+              <a14:hiddenFill xmlns:a14="http://schemas.microsoft.com/office/drawing/2010/main">
+                <a:solidFill>
+                  <a:schemeClr val="accent1"/>
+                </a:solidFill>
+              </a14:hiddenFill>
+            </a:ext>
+            <a:ext uri="{91240B29-F687-4F45-9708-019B960494DF}">
+              <a14:hiddenLine xmlns:a14="http://schemas.microsoft.com/office/drawing/2010/main" w="9525">
+                <a:solidFill>
+                  <a:schemeClr val="tx1"/>
+                </a:solidFill>
+                <a:miter lim="800000"/>
+                <a:headEnd/>
+                <a:tailEnd/>
+              </a14:hiddenLine>
+            </a:ext>
+          </a:extLst>
+        </p:spPr>
+      </p:pic>
+    </p:spTree>
+    <p:extLst>
+      <p:ext uri="{BB962C8B-B14F-4D97-AF65-F5344CB8AC3E}">
+        <p14:creationId xmlns:p14="http://schemas.microsoft.com/office/powerpoint/2010/main" val="2922060262"/>
       </p:ext>
     </p:extLst>
   </p:cSld>
